--- a/viva/Workplace_Assistant_Augmented_Reality.pptx
+++ b/viva/Workplace_Assistant_Augmented_Reality.pptx
@@ -25910,9 +25910,8 @@
           <a:bodyPr/>
           <a:lstStyle/>
           <a:p>
-            <a:fld id="{87DE6118-2437-4B30-8E3C-4D2BE6020583}" type="datetimeFigureOut">
+            <a:fld id="{9439195B-C02C-4C6D-B377-4C2477C54F1A}" type="datetime1">
               <a:rPr lang="en-US" smtClean="0"/>
-              <a:pPr/>
               <a:t>6/17/2020</a:t>
             </a:fld>
             <a:endParaRPr lang="en-US" dirty="0"/>
@@ -25939,6 +25938,10 @@
           <a:bodyPr/>
           <a:lstStyle/>
           <a:p>
+            <a:r>
+              <a:rPr lang="en-GB"/>
+              <a:t>Workplace Assistant Augmented Reality By Gabriel Camilleri</a:t>
+            </a:r>
             <a:endParaRPr lang="en-US" dirty="0"/>
           </a:p>
         </p:txBody>
@@ -26246,9 +26249,8 @@
           <a:bodyPr/>
           <a:lstStyle/>
           <a:p>
-            <a:fld id="{87DE6118-2437-4B30-8E3C-4D2BE6020583}" type="datetimeFigureOut">
+            <a:fld id="{BDC7D471-84C0-4AA3-BEA9-336D1B3C63C7}" type="datetime1">
               <a:rPr lang="en-US" smtClean="0"/>
-              <a:pPr/>
               <a:t>6/17/2020</a:t>
             </a:fld>
             <a:endParaRPr lang="en-US" dirty="0"/>
@@ -26270,6 +26272,10 @@
           <a:bodyPr/>
           <a:lstStyle/>
           <a:p>
+            <a:r>
+              <a:rPr lang="en-GB"/>
+              <a:t>Workplace Assistant Augmented Reality By Gabriel Camilleri</a:t>
+            </a:r>
             <a:endParaRPr lang="en-US" dirty="0"/>
           </a:p>
         </p:txBody>
@@ -26526,9 +26532,8 @@
           <a:bodyPr/>
           <a:lstStyle/>
           <a:p>
-            <a:fld id="{87DE6118-2437-4B30-8E3C-4D2BE6020583}" type="datetimeFigureOut">
+            <a:fld id="{E4E69A2B-CC51-4094-9569-07450A48F843}" type="datetime1">
               <a:rPr lang="en-US" smtClean="0"/>
-              <a:pPr/>
               <a:t>6/17/2020</a:t>
             </a:fld>
             <a:endParaRPr lang="en-US" dirty="0"/>
@@ -26550,6 +26555,10 @@
           <a:bodyPr/>
           <a:lstStyle/>
           <a:p>
+            <a:r>
+              <a:rPr lang="en-GB"/>
+              <a:t>Workplace Assistant Augmented Reality By Gabriel Camilleri</a:t>
+            </a:r>
             <a:endParaRPr lang="en-US" dirty="0"/>
           </a:p>
         </p:txBody>
@@ -27096,9 +27105,8 @@
           <a:bodyPr/>
           <a:lstStyle/>
           <a:p>
-            <a:fld id="{87DE6118-2437-4B30-8E3C-4D2BE6020583}" type="datetimeFigureOut">
+            <a:fld id="{537D1509-F61D-4868-8D49-77315CFC4A89}" type="datetime1">
               <a:rPr lang="en-US" smtClean="0"/>
-              <a:pPr/>
               <a:t>6/17/2020</a:t>
             </a:fld>
             <a:endParaRPr lang="en-US" dirty="0"/>
@@ -27120,6 +27128,10 @@
           <a:bodyPr/>
           <a:lstStyle/>
           <a:p>
+            <a:r>
+              <a:rPr lang="en-GB"/>
+              <a:t>Workplace Assistant Augmented Reality By Gabriel Camilleri</a:t>
+            </a:r>
             <a:endParaRPr lang="en-US" dirty="0"/>
           </a:p>
         </p:txBody>
@@ -27376,9 +27388,8 @@
           <a:bodyPr/>
           <a:lstStyle/>
           <a:p>
-            <a:fld id="{87DE6118-2437-4B30-8E3C-4D2BE6020583}" type="datetimeFigureOut">
+            <a:fld id="{E80C4222-264A-4CCE-80A8-0ED98D8CF48E}" type="datetime1">
               <a:rPr lang="en-US" smtClean="0"/>
-              <a:pPr/>
               <a:t>6/17/2020</a:t>
             </a:fld>
             <a:endParaRPr lang="en-US" dirty="0"/>
@@ -27400,6 +27411,10 @@
           <a:bodyPr/>
           <a:lstStyle/>
           <a:p>
+            <a:r>
+              <a:rPr lang="en-GB"/>
+              <a:t>Workplace Assistant Augmented Reality By Gabriel Camilleri</a:t>
+            </a:r>
             <a:endParaRPr lang="en-US" dirty="0"/>
           </a:p>
         </p:txBody>
@@ -27940,9 +27955,8 @@
           <a:bodyPr/>
           <a:lstStyle/>
           <a:p>
-            <a:fld id="{87DE6118-2437-4B30-8E3C-4D2BE6020583}" type="datetimeFigureOut">
+            <a:fld id="{C161E8B0-8820-43AE-A24E-F028A9FC6E83}" type="datetime1">
               <a:rPr lang="en-US" smtClean="0"/>
-              <a:pPr/>
               <a:t>6/17/2020</a:t>
             </a:fld>
             <a:endParaRPr lang="en-US" dirty="0"/>
@@ -27964,6 +27978,10 @@
           <a:bodyPr/>
           <a:lstStyle/>
           <a:p>
+            <a:r>
+              <a:rPr lang="en-GB"/>
+              <a:t>Workplace Assistant Augmented Reality By Gabriel Camilleri</a:t>
+            </a:r>
             <a:endParaRPr lang="en-US" dirty="0"/>
           </a:p>
         </p:txBody>
@@ -28269,9 +28287,8 @@
           <a:bodyPr/>
           <a:lstStyle/>
           <a:p>
-            <a:fld id="{87DE6118-2437-4B30-8E3C-4D2BE6020583}" type="datetimeFigureOut">
+            <a:fld id="{3C43F9D9-A657-4E85-AB7B-F2AE95C5657D}" type="datetime1">
               <a:rPr lang="en-US" smtClean="0"/>
-              <a:pPr/>
               <a:t>6/17/2020</a:t>
             </a:fld>
             <a:endParaRPr lang="en-US" dirty="0"/>
@@ -28293,6 +28310,10 @@
           <a:bodyPr/>
           <a:lstStyle/>
           <a:p>
+            <a:r>
+              <a:rPr lang="en-GB"/>
+              <a:t>Workplace Assistant Augmented Reality By Gabriel Camilleri</a:t>
+            </a:r>
             <a:endParaRPr lang="en-US" dirty="0"/>
           </a:p>
         </p:txBody>
@@ -28476,7 +28497,7 @@
           <a:bodyPr/>
           <a:lstStyle/>
           <a:p>
-            <a:fld id="{87DE6118-2437-4B30-8E3C-4D2BE6020583}" type="datetimeFigureOut">
+            <a:fld id="{779C710A-AF9E-4750-82D3-5D6A3CA742D7}" type="datetime1">
               <a:rPr lang="en-US" smtClean="0"/>
               <a:t>6/17/2020</a:t>
             </a:fld>
@@ -28499,6 +28520,10 @@
           <a:bodyPr/>
           <a:lstStyle/>
           <a:p>
+            <a:r>
+              <a:rPr lang="en-GB"/>
+              <a:t>Workplace Assistant Augmented Reality By Gabriel Camilleri</a:t>
+            </a:r>
             <a:endParaRPr lang="en-US" dirty="0"/>
           </a:p>
         </p:txBody>
@@ -28686,7 +28711,7 @@
           <a:bodyPr/>
           <a:lstStyle/>
           <a:p>
-            <a:fld id="{87DE6118-2437-4B30-8E3C-4D2BE6020583}" type="datetimeFigureOut">
+            <a:fld id="{40BAD86D-C2EA-45EC-AEE8-4FB17FE92E24}" type="datetime1">
               <a:rPr lang="en-US" smtClean="0"/>
               <a:t>6/17/2020</a:t>
             </a:fld>
@@ -28709,6 +28734,10 @@
           <a:bodyPr/>
           <a:lstStyle/>
           <a:p>
+            <a:r>
+              <a:rPr lang="en-GB"/>
+              <a:t>Workplace Assistant Augmented Reality By Gabriel Camilleri</a:t>
+            </a:r>
             <a:endParaRPr lang="en-US" dirty="0"/>
           </a:p>
         </p:txBody>
@@ -28886,7 +28915,7 @@
           <a:bodyPr/>
           <a:lstStyle/>
           <a:p>
-            <a:fld id="{87DE6118-2437-4B30-8E3C-4D2BE6020583}" type="datetimeFigureOut">
+            <a:fld id="{9180EA7F-0526-45D5-AA8F-E45656CA6821}" type="datetime1">
               <a:rPr lang="en-US" smtClean="0"/>
               <a:t>6/17/2020</a:t>
             </a:fld>
@@ -28909,6 +28938,10 @@
           <a:bodyPr/>
           <a:lstStyle/>
           <a:p>
+            <a:r>
+              <a:rPr lang="en-GB"/>
+              <a:t>Workplace Assistant Augmented Reality By Gabriel Camilleri</a:t>
+            </a:r>
             <a:endParaRPr lang="en-US" dirty="0"/>
           </a:p>
         </p:txBody>
@@ -29162,9 +29195,8 @@
           <a:bodyPr/>
           <a:lstStyle/>
           <a:p>
-            <a:fld id="{87DE6118-2437-4B30-8E3C-4D2BE6020583}" type="datetimeFigureOut">
+            <a:fld id="{270CF71F-1189-41B9-8E65-1BD0C7328F0E}" type="datetime1">
               <a:rPr lang="en-US" smtClean="0"/>
-              <a:pPr/>
               <a:t>6/17/2020</a:t>
             </a:fld>
             <a:endParaRPr lang="en-US" dirty="0"/>
@@ -29186,6 +29218,10 @@
           <a:bodyPr/>
           <a:lstStyle/>
           <a:p>
+            <a:r>
+              <a:rPr lang="en-GB"/>
+              <a:t>Workplace Assistant Augmented Reality By Gabriel Camilleri</a:t>
+            </a:r>
             <a:endParaRPr lang="en-US" dirty="0"/>
           </a:p>
         </p:txBody>
@@ -29430,7 +29466,7 @@
           <a:bodyPr/>
           <a:lstStyle/>
           <a:p>
-            <a:fld id="{87DE6118-2437-4B30-8E3C-4D2BE6020583}" type="datetimeFigureOut">
+            <a:fld id="{085A4EB6-62A5-4575-A663-36BA884764CD}" type="datetime1">
               <a:rPr lang="en-US" smtClean="0"/>
               <a:t>6/17/2020</a:t>
             </a:fld>
@@ -29453,6 +29489,10 @@
           <a:bodyPr/>
           <a:lstStyle/>
           <a:p>
+            <a:r>
+              <a:rPr lang="en-GB"/>
+              <a:t>Workplace Assistant Augmented Reality By Gabriel Camilleri</a:t>
+            </a:r>
             <a:endParaRPr lang="en-US" dirty="0"/>
           </a:p>
         </p:txBody>
@@ -29804,7 +29844,7 @@
           <a:bodyPr/>
           <a:lstStyle/>
           <a:p>
-            <a:fld id="{87DE6118-2437-4B30-8E3C-4D2BE6020583}" type="datetimeFigureOut">
+            <a:fld id="{165DD923-5761-40FE-8967-2543A6AFF5FD}" type="datetime1">
               <a:rPr lang="en-US" smtClean="0"/>
               <a:t>6/17/2020</a:t>
             </a:fld>
@@ -29827,6 +29867,10 @@
           <a:bodyPr/>
           <a:lstStyle/>
           <a:p>
+            <a:r>
+              <a:rPr lang="en-GB"/>
+              <a:t>Workplace Assistant Augmented Reality By Gabriel Camilleri</a:t>
+            </a:r>
             <a:endParaRPr lang="en-US" dirty="0"/>
           </a:p>
         </p:txBody>
@@ -29952,7 +29996,7 @@
           <a:bodyPr/>
           <a:lstStyle/>
           <a:p>
-            <a:fld id="{87DE6118-2437-4B30-8E3C-4D2BE6020583}" type="datetimeFigureOut">
+            <a:fld id="{6F84E024-ADAD-4AB1-8BD9-255E0C92E16E}" type="datetime1">
               <a:rPr lang="en-US" smtClean="0"/>
               <a:t>6/17/2020</a:t>
             </a:fld>
@@ -29975,6 +30019,10 @@
           <a:bodyPr/>
           <a:lstStyle/>
           <a:p>
+            <a:r>
+              <a:rPr lang="en-GB"/>
+              <a:t>Workplace Assistant Augmented Reality By Gabriel Camilleri</a:t>
+            </a:r>
             <a:endParaRPr lang="en-US" dirty="0"/>
           </a:p>
         </p:txBody>
@@ -30077,7 +30125,7 @@
           <a:bodyPr/>
           <a:lstStyle/>
           <a:p>
-            <a:fld id="{87DE6118-2437-4B30-8E3C-4D2BE6020583}" type="datetimeFigureOut">
+            <a:fld id="{742B43EE-4AC5-4D59-A159-93E41F4F2505}" type="datetime1">
               <a:rPr lang="en-US" smtClean="0"/>
               <a:t>6/17/2020</a:t>
             </a:fld>
@@ -30100,6 +30148,10 @@
           <a:bodyPr/>
           <a:lstStyle/>
           <a:p>
+            <a:r>
+              <a:rPr lang="en-GB"/>
+              <a:t>Workplace Assistant Augmented Reality By Gabriel Camilleri</a:t>
+            </a:r>
             <a:endParaRPr lang="en-US" dirty="0"/>
           </a:p>
         </p:txBody>
@@ -30362,9 +30414,8 @@
           <a:bodyPr/>
           <a:lstStyle/>
           <a:p>
-            <a:fld id="{87DE6118-2437-4B30-8E3C-4D2BE6020583}" type="datetimeFigureOut">
+            <a:fld id="{E3DCD9B5-EDE2-4B48-9F57-712B4FE6E94A}" type="datetime1">
               <a:rPr lang="en-US" smtClean="0"/>
-              <a:pPr/>
               <a:t>6/17/2020</a:t>
             </a:fld>
             <a:endParaRPr lang="en-US" dirty="0"/>
@@ -30386,6 +30437,10 @@
           <a:bodyPr/>
           <a:lstStyle/>
           <a:p>
+            <a:r>
+              <a:rPr lang="en-GB"/>
+              <a:t>Workplace Assistant Augmented Reality By Gabriel Camilleri</a:t>
+            </a:r>
             <a:endParaRPr lang="en-US" dirty="0"/>
           </a:p>
         </p:txBody>
@@ -30688,9 +30743,8 @@
           <a:bodyPr/>
           <a:lstStyle/>
           <a:p>
-            <a:fld id="{87DE6118-2437-4B30-8E3C-4D2BE6020583}" type="datetimeFigureOut">
+            <a:fld id="{06CA5911-5943-4F59-AEE5-D4D45F68A313}" type="datetime1">
               <a:rPr lang="en-US" smtClean="0"/>
-              <a:pPr/>
               <a:t>6/17/2020</a:t>
             </a:fld>
             <a:endParaRPr lang="en-US" dirty="0"/>
@@ -30712,6 +30766,10 @@
           <a:bodyPr/>
           <a:lstStyle/>
           <a:p>
+            <a:r>
+              <a:rPr lang="en-GB"/>
+              <a:t>Workplace Assistant Augmented Reality By Gabriel Camilleri</a:t>
+            </a:r>
             <a:endParaRPr lang="en-US" dirty="0"/>
           </a:p>
         </p:txBody>
@@ -30904,9 +30962,8 @@
             </a:lvl1pPr>
           </a:lstStyle>
           <a:p>
-            <a:fld id="{87DE6118-2437-4B30-8E3C-4D2BE6020583}" type="datetimeFigureOut">
+            <a:fld id="{6DA4AFE6-81A7-4159-95E8-8CB28AB9BDDA}" type="datetime1">
               <a:rPr lang="en-US" smtClean="0"/>
-              <a:pPr/>
               <a:t>6/17/2020</a:t>
             </a:fld>
             <a:endParaRPr lang="en-US" dirty="0"/>
@@ -30946,6 +31003,10 @@
             </a:lvl1pPr>
           </a:lstStyle>
           <a:p>
+            <a:r>
+              <a:rPr lang="en-GB"/>
+              <a:t>Workplace Assistant Augmented Reality By Gabriel Camilleri</a:t>
+            </a:r>
             <a:endParaRPr lang="en-US" dirty="0"/>
           </a:p>
         </p:txBody>
@@ -31019,6 +31080,7 @@
     <p:sldLayoutId id="2147483760" r:id="rId16"/>
     <p:sldLayoutId id="2147483761" r:id="rId17"/>
   </p:sldLayoutIdLst>
+  <p:hf hdr="0"/>
   <p:txStyles>
     <p:titleStyle>
       <a:lvl1pPr algn="l" defTabSz="457200" rtl="0" eaLnBrk="1" latinLnBrk="0" hangingPunct="1">
@@ -31581,6 +31643,93 @@
           </a:p>
         </p:txBody>
       </p:sp>
+      <p:sp>
+        <p:nvSpPr>
+          <p:cNvPr id="4" name="Date Placeholder 3">
+            <a:extLst>
+              <a:ext uri="{FF2B5EF4-FFF2-40B4-BE49-F238E27FC236}">
+                <a16:creationId xmlns:a16="http://schemas.microsoft.com/office/drawing/2014/main" id="{1338138E-DAB6-43D7-88B6-5549E1FDBFDC}"/>
+              </a:ext>
+            </a:extLst>
+          </p:cNvPr>
+          <p:cNvSpPr>
+            <a:spLocks noGrp="1"/>
+          </p:cNvSpPr>
+          <p:nvPr>
+            <p:ph type="dt" sz="half" idx="10"/>
+          </p:nvPr>
+        </p:nvSpPr>
+        <p:spPr/>
+        <p:txBody>
+          <a:bodyPr/>
+          <a:lstStyle/>
+          <a:p>
+            <a:fld id="{E36420B7-879B-41DE-9640-2230C2E685A6}" type="datetime1">
+              <a:rPr lang="en-US" smtClean="0"/>
+              <a:t>6/17/2020</a:t>
+            </a:fld>
+            <a:endParaRPr lang="en-US" dirty="0"/>
+          </a:p>
+        </p:txBody>
+      </p:sp>
+      <p:sp>
+        <p:nvSpPr>
+          <p:cNvPr id="6" name="Footer Placeholder 5">
+            <a:extLst>
+              <a:ext uri="{FF2B5EF4-FFF2-40B4-BE49-F238E27FC236}">
+                <a16:creationId xmlns:a16="http://schemas.microsoft.com/office/drawing/2014/main" id="{37D64B04-651C-4885-B477-DBBBB28AA66E}"/>
+              </a:ext>
+            </a:extLst>
+          </p:cNvPr>
+          <p:cNvSpPr>
+            <a:spLocks noGrp="1"/>
+          </p:cNvSpPr>
+          <p:nvPr>
+            <p:ph type="ftr" sz="quarter" idx="11"/>
+          </p:nvPr>
+        </p:nvSpPr>
+        <p:spPr/>
+        <p:txBody>
+          <a:bodyPr/>
+          <a:lstStyle/>
+          <a:p>
+            <a:r>
+              <a:rPr lang="en-US" dirty="0"/>
+              <a:t>Workplace Assistant Augmented Reality By Gabriel Camilleri</a:t>
+            </a:r>
+          </a:p>
+        </p:txBody>
+      </p:sp>
+      <p:sp>
+        <p:nvSpPr>
+          <p:cNvPr id="7" name="Slide Number Placeholder 6">
+            <a:extLst>
+              <a:ext uri="{FF2B5EF4-FFF2-40B4-BE49-F238E27FC236}">
+                <a16:creationId xmlns:a16="http://schemas.microsoft.com/office/drawing/2014/main" id="{644870B3-CBAC-4677-9D6E-519A3B9B3800}"/>
+              </a:ext>
+            </a:extLst>
+          </p:cNvPr>
+          <p:cNvSpPr>
+            <a:spLocks noGrp="1"/>
+          </p:cNvSpPr>
+          <p:nvPr>
+            <p:ph type="sldNum" sz="quarter" idx="12"/>
+          </p:nvPr>
+        </p:nvSpPr>
+        <p:spPr/>
+        <p:txBody>
+          <a:bodyPr/>
+          <a:lstStyle/>
+          <a:p>
+            <a:fld id="{69E57DC2-970A-4B3E-BB1C-7A09969E49DF}" type="slidenum">
+              <a:rPr lang="en-US" smtClean="0"/>
+              <a:pPr/>
+              <a:t>1</a:t>
+            </a:fld>
+            <a:endParaRPr lang="en-US" dirty="0"/>
+          </a:p>
+        </p:txBody>
+      </p:sp>
     </p:spTree>
     <p:extLst>
       <p:ext uri="{BB962C8B-B14F-4D97-AF65-F5344CB8AC3E}">
@@ -32013,6 +32162,93 @@
           </a:graphicData>
         </a:graphic>
       </p:graphicFrame>
+      <p:sp>
+        <p:nvSpPr>
+          <p:cNvPr id="3" name="Date Placeholder 2">
+            <a:extLst>
+              <a:ext uri="{FF2B5EF4-FFF2-40B4-BE49-F238E27FC236}">
+                <a16:creationId xmlns:a16="http://schemas.microsoft.com/office/drawing/2014/main" id="{33FD7DB3-4E51-4349-8717-162CBCBCC28C}"/>
+              </a:ext>
+            </a:extLst>
+          </p:cNvPr>
+          <p:cNvSpPr>
+            <a:spLocks noGrp="1"/>
+          </p:cNvSpPr>
+          <p:nvPr>
+            <p:ph type="dt" sz="half" idx="10"/>
+          </p:nvPr>
+        </p:nvSpPr>
+        <p:spPr/>
+        <p:txBody>
+          <a:bodyPr/>
+          <a:lstStyle/>
+          <a:p>
+            <a:fld id="{E5FEC192-CB2D-4CB0-B7D4-26E01188EBB6}" type="datetime1">
+              <a:rPr lang="en-US" smtClean="0"/>
+              <a:t>6/17/2020</a:t>
+            </a:fld>
+            <a:endParaRPr lang="en-US" dirty="0"/>
+          </a:p>
+        </p:txBody>
+      </p:sp>
+      <p:sp>
+        <p:nvSpPr>
+          <p:cNvPr id="4" name="Footer Placeholder 3">
+            <a:extLst>
+              <a:ext uri="{FF2B5EF4-FFF2-40B4-BE49-F238E27FC236}">
+                <a16:creationId xmlns:a16="http://schemas.microsoft.com/office/drawing/2014/main" id="{377D5AB1-8C50-4E78-8BF0-6264D1A5D84C}"/>
+              </a:ext>
+            </a:extLst>
+          </p:cNvPr>
+          <p:cNvSpPr>
+            <a:spLocks noGrp="1"/>
+          </p:cNvSpPr>
+          <p:nvPr>
+            <p:ph type="ftr" sz="quarter" idx="11"/>
+          </p:nvPr>
+        </p:nvSpPr>
+        <p:spPr/>
+        <p:txBody>
+          <a:bodyPr/>
+          <a:lstStyle/>
+          <a:p>
+            <a:r>
+              <a:rPr lang="en-GB"/>
+              <a:t>Workplace Assistant Augmented Reality By Gabriel Camilleri</a:t>
+            </a:r>
+            <a:endParaRPr lang="en-US" dirty="0"/>
+          </a:p>
+        </p:txBody>
+      </p:sp>
+      <p:sp>
+        <p:nvSpPr>
+          <p:cNvPr id="5" name="Slide Number Placeholder 4">
+            <a:extLst>
+              <a:ext uri="{FF2B5EF4-FFF2-40B4-BE49-F238E27FC236}">
+                <a16:creationId xmlns:a16="http://schemas.microsoft.com/office/drawing/2014/main" id="{DC7F6238-BF4D-4163-92A5-BA849F922727}"/>
+              </a:ext>
+            </a:extLst>
+          </p:cNvPr>
+          <p:cNvSpPr>
+            <a:spLocks noGrp="1"/>
+          </p:cNvSpPr>
+          <p:nvPr>
+            <p:ph type="sldNum" sz="quarter" idx="12"/>
+          </p:nvPr>
+        </p:nvSpPr>
+        <p:spPr/>
+        <p:txBody>
+          <a:bodyPr/>
+          <a:lstStyle/>
+          <a:p>
+            <a:fld id="{69E57DC2-970A-4B3E-BB1C-7A09969E49DF}" type="slidenum">
+              <a:rPr lang="en-US" smtClean="0"/>
+              <a:t>10</a:t>
+            </a:fld>
+            <a:endParaRPr lang="en-US" dirty="0"/>
+          </a:p>
+        </p:txBody>
+      </p:sp>
     </p:spTree>
     <p:extLst>
       <p:ext uri="{BB962C8B-B14F-4D97-AF65-F5344CB8AC3E}">
@@ -32300,6 +32536,93 @@
               <a:rPr lang="en-GB" dirty="0"/>
               <a:t>Handles 55% and 64% of occlusion (Image and Model)</a:t>
             </a:r>
+          </a:p>
+        </p:txBody>
+      </p:sp>
+      <p:sp>
+        <p:nvSpPr>
+          <p:cNvPr id="4" name="Date Placeholder 3">
+            <a:extLst>
+              <a:ext uri="{FF2B5EF4-FFF2-40B4-BE49-F238E27FC236}">
+                <a16:creationId xmlns:a16="http://schemas.microsoft.com/office/drawing/2014/main" id="{9EB0CFF7-F1FF-4352-84CE-732B682E442B}"/>
+              </a:ext>
+            </a:extLst>
+          </p:cNvPr>
+          <p:cNvSpPr>
+            <a:spLocks noGrp="1"/>
+          </p:cNvSpPr>
+          <p:nvPr>
+            <p:ph type="dt" sz="half" idx="10"/>
+          </p:nvPr>
+        </p:nvSpPr>
+        <p:spPr/>
+        <p:txBody>
+          <a:bodyPr/>
+          <a:lstStyle/>
+          <a:p>
+            <a:fld id="{88BA4A84-1296-4C90-811A-A5278D69C4B7}" type="datetime1">
+              <a:rPr lang="en-US" smtClean="0"/>
+              <a:t>6/17/2020</a:t>
+            </a:fld>
+            <a:endParaRPr lang="en-US" dirty="0"/>
+          </a:p>
+        </p:txBody>
+      </p:sp>
+      <p:sp>
+        <p:nvSpPr>
+          <p:cNvPr id="5" name="Footer Placeholder 4">
+            <a:extLst>
+              <a:ext uri="{FF2B5EF4-FFF2-40B4-BE49-F238E27FC236}">
+                <a16:creationId xmlns:a16="http://schemas.microsoft.com/office/drawing/2014/main" id="{720E9EBE-1B35-49FE-995A-D36BF2A4AD8A}"/>
+              </a:ext>
+            </a:extLst>
+          </p:cNvPr>
+          <p:cNvSpPr>
+            <a:spLocks noGrp="1"/>
+          </p:cNvSpPr>
+          <p:nvPr>
+            <p:ph type="ftr" sz="quarter" idx="11"/>
+          </p:nvPr>
+        </p:nvSpPr>
+        <p:spPr/>
+        <p:txBody>
+          <a:bodyPr/>
+          <a:lstStyle/>
+          <a:p>
+            <a:r>
+              <a:rPr lang="en-GB"/>
+              <a:t>Workplace Assistant Augmented Reality By Gabriel Camilleri</a:t>
+            </a:r>
+            <a:endParaRPr lang="en-US" dirty="0"/>
+          </a:p>
+        </p:txBody>
+      </p:sp>
+      <p:sp>
+        <p:nvSpPr>
+          <p:cNvPr id="6" name="Slide Number Placeholder 5">
+            <a:extLst>
+              <a:ext uri="{FF2B5EF4-FFF2-40B4-BE49-F238E27FC236}">
+                <a16:creationId xmlns:a16="http://schemas.microsoft.com/office/drawing/2014/main" id="{14B3B48D-7ED3-4FAD-94BC-D561E4DA8539}"/>
+              </a:ext>
+            </a:extLst>
+          </p:cNvPr>
+          <p:cNvSpPr>
+            <a:spLocks noGrp="1"/>
+          </p:cNvSpPr>
+          <p:nvPr>
+            <p:ph type="sldNum" sz="quarter" idx="12"/>
+          </p:nvPr>
+        </p:nvSpPr>
+        <p:spPr/>
+        <p:txBody>
+          <a:bodyPr/>
+          <a:lstStyle/>
+          <a:p>
+            <a:fld id="{69E57DC2-970A-4B3E-BB1C-7A09969E49DF}" type="slidenum">
+              <a:rPr lang="en-US" smtClean="0"/>
+              <a:t>11</a:t>
+            </a:fld>
+            <a:endParaRPr lang="en-US" dirty="0"/>
           </a:p>
         </p:txBody>
       </p:sp>
@@ -32874,6 +33197,93 @@
           <a:effectLst/>
         </p:spPr>
       </p:pic>
+      <p:sp>
+        <p:nvSpPr>
+          <p:cNvPr id="3" name="Date Placeholder 2">
+            <a:extLst>
+              <a:ext uri="{FF2B5EF4-FFF2-40B4-BE49-F238E27FC236}">
+                <a16:creationId xmlns:a16="http://schemas.microsoft.com/office/drawing/2014/main" id="{D53F1DD3-39C8-4609-96C7-F30053F10016}"/>
+              </a:ext>
+            </a:extLst>
+          </p:cNvPr>
+          <p:cNvSpPr>
+            <a:spLocks noGrp="1"/>
+          </p:cNvSpPr>
+          <p:nvPr>
+            <p:ph type="dt" sz="half" idx="10"/>
+          </p:nvPr>
+        </p:nvSpPr>
+        <p:spPr/>
+        <p:txBody>
+          <a:bodyPr/>
+          <a:lstStyle/>
+          <a:p>
+            <a:fld id="{938717DC-5381-46B3-83CB-52CA89A8DD61}" type="datetime1">
+              <a:rPr lang="en-US" smtClean="0"/>
+              <a:t>6/17/2020</a:t>
+            </a:fld>
+            <a:endParaRPr lang="en-US" dirty="0"/>
+          </a:p>
+        </p:txBody>
+      </p:sp>
+      <p:sp>
+        <p:nvSpPr>
+          <p:cNvPr id="4" name="Footer Placeholder 3">
+            <a:extLst>
+              <a:ext uri="{FF2B5EF4-FFF2-40B4-BE49-F238E27FC236}">
+                <a16:creationId xmlns:a16="http://schemas.microsoft.com/office/drawing/2014/main" id="{47D81E90-17A4-49BA-8F25-5D1ED222AAEE}"/>
+              </a:ext>
+            </a:extLst>
+          </p:cNvPr>
+          <p:cNvSpPr>
+            <a:spLocks noGrp="1"/>
+          </p:cNvSpPr>
+          <p:nvPr>
+            <p:ph type="ftr" sz="quarter" idx="11"/>
+          </p:nvPr>
+        </p:nvSpPr>
+        <p:spPr/>
+        <p:txBody>
+          <a:bodyPr/>
+          <a:lstStyle/>
+          <a:p>
+            <a:r>
+              <a:rPr lang="en-GB"/>
+              <a:t>Workplace Assistant Augmented Reality By Gabriel Camilleri</a:t>
+            </a:r>
+            <a:endParaRPr lang="en-US" dirty="0"/>
+          </a:p>
+        </p:txBody>
+      </p:sp>
+      <p:sp>
+        <p:nvSpPr>
+          <p:cNvPr id="6" name="Slide Number Placeholder 5">
+            <a:extLst>
+              <a:ext uri="{FF2B5EF4-FFF2-40B4-BE49-F238E27FC236}">
+                <a16:creationId xmlns:a16="http://schemas.microsoft.com/office/drawing/2014/main" id="{21CBAEAC-5D3D-488C-9773-9BB60C54E3B0}"/>
+              </a:ext>
+            </a:extLst>
+          </p:cNvPr>
+          <p:cNvSpPr>
+            <a:spLocks noGrp="1"/>
+          </p:cNvSpPr>
+          <p:nvPr>
+            <p:ph type="sldNum" sz="quarter" idx="12"/>
+          </p:nvPr>
+        </p:nvSpPr>
+        <p:spPr/>
+        <p:txBody>
+          <a:bodyPr/>
+          <a:lstStyle/>
+          <a:p>
+            <a:fld id="{69E57DC2-970A-4B3E-BB1C-7A09969E49DF}" type="slidenum">
+              <a:rPr lang="en-US" smtClean="0"/>
+              <a:t>12</a:t>
+            </a:fld>
+            <a:endParaRPr lang="en-US" dirty="0"/>
+          </a:p>
+        </p:txBody>
+      </p:sp>
     </p:spTree>
     <p:extLst>
       <p:ext uri="{BB962C8B-B14F-4D97-AF65-F5344CB8AC3E}">
@@ -33152,6 +33562,93 @@
           </a:p>
         </p:txBody>
       </p:sp>
+      <p:sp>
+        <p:nvSpPr>
+          <p:cNvPr id="3" name="Date Placeholder 2">
+            <a:extLst>
+              <a:ext uri="{FF2B5EF4-FFF2-40B4-BE49-F238E27FC236}">
+                <a16:creationId xmlns:a16="http://schemas.microsoft.com/office/drawing/2014/main" id="{16846799-4D5E-46AA-A63D-C8D9AFD2ABA6}"/>
+              </a:ext>
+            </a:extLst>
+          </p:cNvPr>
+          <p:cNvSpPr>
+            <a:spLocks noGrp="1"/>
+          </p:cNvSpPr>
+          <p:nvPr>
+            <p:ph type="dt" sz="half" idx="10"/>
+          </p:nvPr>
+        </p:nvSpPr>
+        <p:spPr/>
+        <p:txBody>
+          <a:bodyPr/>
+          <a:lstStyle/>
+          <a:p>
+            <a:fld id="{F836B950-AFB4-4735-B45A-4B60BABFA674}" type="datetime1">
+              <a:rPr lang="en-US" smtClean="0"/>
+              <a:t>6/17/2020</a:t>
+            </a:fld>
+            <a:endParaRPr lang="en-US" dirty="0"/>
+          </a:p>
+        </p:txBody>
+      </p:sp>
+      <p:sp>
+        <p:nvSpPr>
+          <p:cNvPr id="4" name="Footer Placeholder 3">
+            <a:extLst>
+              <a:ext uri="{FF2B5EF4-FFF2-40B4-BE49-F238E27FC236}">
+                <a16:creationId xmlns:a16="http://schemas.microsoft.com/office/drawing/2014/main" id="{E712504F-518D-4D19-910F-CA8E80F02481}"/>
+              </a:ext>
+            </a:extLst>
+          </p:cNvPr>
+          <p:cNvSpPr>
+            <a:spLocks noGrp="1"/>
+          </p:cNvSpPr>
+          <p:nvPr>
+            <p:ph type="ftr" sz="quarter" idx="11"/>
+          </p:nvPr>
+        </p:nvSpPr>
+        <p:spPr/>
+        <p:txBody>
+          <a:bodyPr/>
+          <a:lstStyle/>
+          <a:p>
+            <a:r>
+              <a:rPr lang="en-GB"/>
+              <a:t>Workplace Assistant Augmented Reality By Gabriel Camilleri</a:t>
+            </a:r>
+            <a:endParaRPr lang="en-US" dirty="0"/>
+          </a:p>
+        </p:txBody>
+      </p:sp>
+      <p:sp>
+        <p:nvSpPr>
+          <p:cNvPr id="5" name="Slide Number Placeholder 4">
+            <a:extLst>
+              <a:ext uri="{FF2B5EF4-FFF2-40B4-BE49-F238E27FC236}">
+                <a16:creationId xmlns:a16="http://schemas.microsoft.com/office/drawing/2014/main" id="{E7A82004-606B-4092-A2FD-4FC6C4413E16}"/>
+              </a:ext>
+            </a:extLst>
+          </p:cNvPr>
+          <p:cNvSpPr>
+            <a:spLocks noGrp="1"/>
+          </p:cNvSpPr>
+          <p:nvPr>
+            <p:ph type="sldNum" sz="quarter" idx="12"/>
+          </p:nvPr>
+        </p:nvSpPr>
+        <p:spPr/>
+        <p:txBody>
+          <a:bodyPr/>
+          <a:lstStyle/>
+          <a:p>
+            <a:fld id="{69E57DC2-970A-4B3E-BB1C-7A09969E49DF}" type="slidenum">
+              <a:rPr lang="en-US" smtClean="0"/>
+              <a:t>13</a:t>
+            </a:fld>
+            <a:endParaRPr lang="en-US" dirty="0"/>
+          </a:p>
+        </p:txBody>
+      </p:sp>
     </p:spTree>
     <p:extLst>
       <p:ext uri="{BB962C8B-B14F-4D97-AF65-F5344CB8AC3E}">
@@ -33390,6 +33887,93 @@
           </a:effectLst>
         </p:spPr>
       </p:pic>
+      <p:sp>
+        <p:nvSpPr>
+          <p:cNvPr id="4" name="Date Placeholder 3">
+            <a:extLst>
+              <a:ext uri="{FF2B5EF4-FFF2-40B4-BE49-F238E27FC236}">
+                <a16:creationId xmlns:a16="http://schemas.microsoft.com/office/drawing/2014/main" id="{579FC3AF-C12B-4710-B7C9-3E1A4900EB17}"/>
+              </a:ext>
+            </a:extLst>
+          </p:cNvPr>
+          <p:cNvSpPr>
+            <a:spLocks noGrp="1"/>
+          </p:cNvSpPr>
+          <p:nvPr>
+            <p:ph type="dt" sz="half" idx="10"/>
+          </p:nvPr>
+        </p:nvSpPr>
+        <p:spPr/>
+        <p:txBody>
+          <a:bodyPr/>
+          <a:lstStyle/>
+          <a:p>
+            <a:fld id="{AA309BFF-6ED4-4255-8C80-81E5180E15CA}" type="datetime1">
+              <a:rPr lang="en-US" smtClean="0"/>
+              <a:t>6/17/2020</a:t>
+            </a:fld>
+            <a:endParaRPr lang="en-US" dirty="0"/>
+          </a:p>
+        </p:txBody>
+      </p:sp>
+      <p:sp>
+        <p:nvSpPr>
+          <p:cNvPr id="5" name="Footer Placeholder 4">
+            <a:extLst>
+              <a:ext uri="{FF2B5EF4-FFF2-40B4-BE49-F238E27FC236}">
+                <a16:creationId xmlns:a16="http://schemas.microsoft.com/office/drawing/2014/main" id="{8C9AF57C-9E55-44C0-81A7-B832C0D6E2DA}"/>
+              </a:ext>
+            </a:extLst>
+          </p:cNvPr>
+          <p:cNvSpPr>
+            <a:spLocks noGrp="1"/>
+          </p:cNvSpPr>
+          <p:nvPr>
+            <p:ph type="ftr" sz="quarter" idx="11"/>
+          </p:nvPr>
+        </p:nvSpPr>
+        <p:spPr/>
+        <p:txBody>
+          <a:bodyPr/>
+          <a:lstStyle/>
+          <a:p>
+            <a:r>
+              <a:rPr lang="en-GB"/>
+              <a:t>Workplace Assistant Augmented Reality By Gabriel Camilleri</a:t>
+            </a:r>
+            <a:endParaRPr lang="en-US" dirty="0"/>
+          </a:p>
+        </p:txBody>
+      </p:sp>
+      <p:sp>
+        <p:nvSpPr>
+          <p:cNvPr id="7" name="Slide Number Placeholder 6">
+            <a:extLst>
+              <a:ext uri="{FF2B5EF4-FFF2-40B4-BE49-F238E27FC236}">
+                <a16:creationId xmlns:a16="http://schemas.microsoft.com/office/drawing/2014/main" id="{823B2F4A-8418-4E9D-A35F-2121B2A792C4}"/>
+              </a:ext>
+            </a:extLst>
+          </p:cNvPr>
+          <p:cNvSpPr>
+            <a:spLocks noGrp="1"/>
+          </p:cNvSpPr>
+          <p:nvPr>
+            <p:ph type="sldNum" sz="quarter" idx="12"/>
+          </p:nvPr>
+        </p:nvSpPr>
+        <p:spPr/>
+        <p:txBody>
+          <a:bodyPr/>
+          <a:lstStyle/>
+          <a:p>
+            <a:fld id="{69E57DC2-970A-4B3E-BB1C-7A09969E49DF}" type="slidenum">
+              <a:rPr lang="en-US" smtClean="0"/>
+              <a:t>14</a:t>
+            </a:fld>
+            <a:endParaRPr lang="en-US" dirty="0"/>
+          </a:p>
+        </p:txBody>
+      </p:sp>
     </p:spTree>
     <p:extLst>
       <p:ext uri="{BB962C8B-B14F-4D97-AF65-F5344CB8AC3E}">
@@ -33496,6 +34080,93 @@
           </a:graphicData>
         </a:graphic>
       </p:graphicFrame>
+      <p:sp>
+        <p:nvSpPr>
+          <p:cNvPr id="3" name="Date Placeholder 2">
+            <a:extLst>
+              <a:ext uri="{FF2B5EF4-FFF2-40B4-BE49-F238E27FC236}">
+                <a16:creationId xmlns:a16="http://schemas.microsoft.com/office/drawing/2014/main" id="{96701D45-B636-4B4A-A48E-63398B0A9C80}"/>
+              </a:ext>
+            </a:extLst>
+          </p:cNvPr>
+          <p:cNvSpPr>
+            <a:spLocks noGrp="1"/>
+          </p:cNvSpPr>
+          <p:nvPr>
+            <p:ph type="dt" sz="half" idx="10"/>
+          </p:nvPr>
+        </p:nvSpPr>
+        <p:spPr/>
+        <p:txBody>
+          <a:bodyPr/>
+          <a:lstStyle/>
+          <a:p>
+            <a:fld id="{C4E371C9-093F-4E35-A1FF-486B9CA91F86}" type="datetime1">
+              <a:rPr lang="en-US" smtClean="0"/>
+              <a:t>6/17/2020</a:t>
+            </a:fld>
+            <a:endParaRPr lang="en-US" dirty="0"/>
+          </a:p>
+        </p:txBody>
+      </p:sp>
+      <p:sp>
+        <p:nvSpPr>
+          <p:cNvPr id="4" name="Footer Placeholder 3">
+            <a:extLst>
+              <a:ext uri="{FF2B5EF4-FFF2-40B4-BE49-F238E27FC236}">
+                <a16:creationId xmlns:a16="http://schemas.microsoft.com/office/drawing/2014/main" id="{2496C015-8BBB-4EA3-AA59-EC8D3DBC0D15}"/>
+              </a:ext>
+            </a:extLst>
+          </p:cNvPr>
+          <p:cNvSpPr>
+            <a:spLocks noGrp="1"/>
+          </p:cNvSpPr>
+          <p:nvPr>
+            <p:ph type="ftr" sz="quarter" idx="11"/>
+          </p:nvPr>
+        </p:nvSpPr>
+        <p:spPr/>
+        <p:txBody>
+          <a:bodyPr/>
+          <a:lstStyle/>
+          <a:p>
+            <a:r>
+              <a:rPr lang="en-GB"/>
+              <a:t>Workplace Assistant Augmented Reality By Gabriel Camilleri</a:t>
+            </a:r>
+            <a:endParaRPr lang="en-US" dirty="0"/>
+          </a:p>
+        </p:txBody>
+      </p:sp>
+      <p:sp>
+        <p:nvSpPr>
+          <p:cNvPr id="6" name="Slide Number Placeholder 5">
+            <a:extLst>
+              <a:ext uri="{FF2B5EF4-FFF2-40B4-BE49-F238E27FC236}">
+                <a16:creationId xmlns:a16="http://schemas.microsoft.com/office/drawing/2014/main" id="{E8449F2A-261F-4498-858A-5CE8560E33B5}"/>
+              </a:ext>
+            </a:extLst>
+          </p:cNvPr>
+          <p:cNvSpPr>
+            <a:spLocks noGrp="1"/>
+          </p:cNvSpPr>
+          <p:nvPr>
+            <p:ph type="sldNum" sz="quarter" idx="12"/>
+          </p:nvPr>
+        </p:nvSpPr>
+        <p:spPr/>
+        <p:txBody>
+          <a:bodyPr/>
+          <a:lstStyle/>
+          <a:p>
+            <a:fld id="{69E57DC2-970A-4B3E-BB1C-7A09969E49DF}" type="slidenum">
+              <a:rPr lang="en-US" smtClean="0"/>
+              <a:t>15</a:t>
+            </a:fld>
+            <a:endParaRPr lang="en-US" dirty="0"/>
+          </a:p>
+        </p:txBody>
+      </p:sp>
     </p:spTree>
     <p:extLst>
       <p:ext uri="{BB962C8B-B14F-4D97-AF65-F5344CB8AC3E}">
@@ -33744,6 +34415,94 @@
               <a:rPr lang="en-US" dirty="0"/>
               <a:t>Acknowledgements GO towards my supervisor and CCBill for complete assistance throughout the whole fyp project</a:t>
             </a:r>
+          </a:p>
+        </p:txBody>
+      </p:sp>
+      <p:sp>
+        <p:nvSpPr>
+          <p:cNvPr id="4" name="Date Placeholder 3">
+            <a:extLst>
+              <a:ext uri="{FF2B5EF4-FFF2-40B4-BE49-F238E27FC236}">
+                <a16:creationId xmlns:a16="http://schemas.microsoft.com/office/drawing/2014/main" id="{582656A8-F0BC-486A-90E3-B59718AB2899}"/>
+              </a:ext>
+            </a:extLst>
+          </p:cNvPr>
+          <p:cNvSpPr>
+            <a:spLocks noGrp="1"/>
+          </p:cNvSpPr>
+          <p:nvPr>
+            <p:ph type="dt" sz="half" idx="10"/>
+          </p:nvPr>
+        </p:nvSpPr>
+        <p:spPr/>
+        <p:txBody>
+          <a:bodyPr/>
+          <a:lstStyle/>
+          <a:p>
+            <a:fld id="{B34E14F9-26EA-4F4E-BAE6-FB13556C9C51}" type="datetime1">
+              <a:rPr lang="en-US" smtClean="0"/>
+              <a:t>6/17/2020</a:t>
+            </a:fld>
+            <a:endParaRPr lang="en-US" dirty="0"/>
+          </a:p>
+        </p:txBody>
+      </p:sp>
+      <p:sp>
+        <p:nvSpPr>
+          <p:cNvPr id="6" name="Footer Placeholder 5">
+            <a:extLst>
+              <a:ext uri="{FF2B5EF4-FFF2-40B4-BE49-F238E27FC236}">
+                <a16:creationId xmlns:a16="http://schemas.microsoft.com/office/drawing/2014/main" id="{2AB1F10C-F468-4532-B03C-EB9FEAF8B24F}"/>
+              </a:ext>
+            </a:extLst>
+          </p:cNvPr>
+          <p:cNvSpPr>
+            <a:spLocks noGrp="1"/>
+          </p:cNvSpPr>
+          <p:nvPr>
+            <p:ph type="ftr" sz="quarter" idx="11"/>
+          </p:nvPr>
+        </p:nvSpPr>
+        <p:spPr/>
+        <p:txBody>
+          <a:bodyPr/>
+          <a:lstStyle/>
+          <a:p>
+            <a:r>
+              <a:rPr lang="en-GB"/>
+              <a:t>Workplace Assistant Augmented Reality By Gabriel Camilleri</a:t>
+            </a:r>
+            <a:endParaRPr lang="en-US" dirty="0"/>
+          </a:p>
+        </p:txBody>
+      </p:sp>
+      <p:sp>
+        <p:nvSpPr>
+          <p:cNvPr id="7" name="Slide Number Placeholder 6">
+            <a:extLst>
+              <a:ext uri="{FF2B5EF4-FFF2-40B4-BE49-F238E27FC236}">
+                <a16:creationId xmlns:a16="http://schemas.microsoft.com/office/drawing/2014/main" id="{1AD063EE-AAAF-470A-92DB-4BDCBCEF9A92}"/>
+              </a:ext>
+            </a:extLst>
+          </p:cNvPr>
+          <p:cNvSpPr>
+            <a:spLocks noGrp="1"/>
+          </p:cNvSpPr>
+          <p:nvPr>
+            <p:ph type="sldNum" sz="quarter" idx="12"/>
+          </p:nvPr>
+        </p:nvSpPr>
+        <p:spPr/>
+        <p:txBody>
+          <a:bodyPr/>
+          <a:lstStyle/>
+          <a:p>
+            <a:fld id="{69E57DC2-970A-4B3E-BB1C-7A09969E49DF}" type="slidenum">
+              <a:rPr lang="en-US" smtClean="0"/>
+              <a:pPr/>
+              <a:t>16</a:t>
+            </a:fld>
+            <a:endParaRPr lang="en-US" dirty="0"/>
           </a:p>
         </p:txBody>
       </p:sp>
@@ -34179,6 +34938,93 @@
           </a:graphicData>
         </a:graphic>
       </p:graphicFrame>
+      <p:sp>
+        <p:nvSpPr>
+          <p:cNvPr id="3" name="Date Placeholder 2">
+            <a:extLst>
+              <a:ext uri="{FF2B5EF4-FFF2-40B4-BE49-F238E27FC236}">
+                <a16:creationId xmlns:a16="http://schemas.microsoft.com/office/drawing/2014/main" id="{B91A61E1-BA31-4FE4-B217-14A2EC42294B}"/>
+              </a:ext>
+            </a:extLst>
+          </p:cNvPr>
+          <p:cNvSpPr>
+            <a:spLocks noGrp="1"/>
+          </p:cNvSpPr>
+          <p:nvPr>
+            <p:ph type="dt" sz="half" idx="10"/>
+          </p:nvPr>
+        </p:nvSpPr>
+        <p:spPr/>
+        <p:txBody>
+          <a:bodyPr/>
+          <a:lstStyle/>
+          <a:p>
+            <a:fld id="{2EC8A0E5-6F5F-4CC2-8074-533691266FD9}" type="datetime1">
+              <a:rPr lang="en-US" smtClean="0"/>
+              <a:t>6/17/2020</a:t>
+            </a:fld>
+            <a:endParaRPr lang="en-US" dirty="0"/>
+          </a:p>
+        </p:txBody>
+      </p:sp>
+      <p:sp>
+        <p:nvSpPr>
+          <p:cNvPr id="4" name="Footer Placeholder 3">
+            <a:extLst>
+              <a:ext uri="{FF2B5EF4-FFF2-40B4-BE49-F238E27FC236}">
+                <a16:creationId xmlns:a16="http://schemas.microsoft.com/office/drawing/2014/main" id="{25CF4E8B-0EFC-424B-9CF0-AE9CD144E379}"/>
+              </a:ext>
+            </a:extLst>
+          </p:cNvPr>
+          <p:cNvSpPr>
+            <a:spLocks noGrp="1"/>
+          </p:cNvSpPr>
+          <p:nvPr>
+            <p:ph type="ftr" sz="quarter" idx="11"/>
+          </p:nvPr>
+        </p:nvSpPr>
+        <p:spPr/>
+        <p:txBody>
+          <a:bodyPr/>
+          <a:lstStyle/>
+          <a:p>
+            <a:r>
+              <a:rPr lang="en-GB"/>
+              <a:t>Workplace Assistant Augmented Reality By Gabriel Camilleri</a:t>
+            </a:r>
+            <a:endParaRPr lang="en-US" dirty="0"/>
+          </a:p>
+        </p:txBody>
+      </p:sp>
+      <p:sp>
+        <p:nvSpPr>
+          <p:cNvPr id="5" name="Slide Number Placeholder 4">
+            <a:extLst>
+              <a:ext uri="{FF2B5EF4-FFF2-40B4-BE49-F238E27FC236}">
+                <a16:creationId xmlns:a16="http://schemas.microsoft.com/office/drawing/2014/main" id="{08D0B928-F3CA-4D65-863C-77E5866F0244}"/>
+              </a:ext>
+            </a:extLst>
+          </p:cNvPr>
+          <p:cNvSpPr>
+            <a:spLocks noGrp="1"/>
+          </p:cNvSpPr>
+          <p:nvPr>
+            <p:ph type="sldNum" sz="quarter" idx="12"/>
+          </p:nvPr>
+        </p:nvSpPr>
+        <p:spPr/>
+        <p:txBody>
+          <a:bodyPr/>
+          <a:lstStyle/>
+          <a:p>
+            <a:fld id="{69E57DC2-970A-4B3E-BB1C-7A09969E49DF}" type="slidenum">
+              <a:rPr lang="en-US" smtClean="0"/>
+              <a:t>2</a:t>
+            </a:fld>
+            <a:endParaRPr lang="en-US" dirty="0"/>
+          </a:p>
+        </p:txBody>
+      </p:sp>
     </p:spTree>
     <p:extLst>
       <p:ext uri="{BB962C8B-B14F-4D97-AF65-F5344CB8AC3E}">
@@ -34611,6 +35457,93 @@
           </a:graphicData>
         </a:graphic>
       </p:graphicFrame>
+      <p:sp>
+        <p:nvSpPr>
+          <p:cNvPr id="3" name="Date Placeholder 2">
+            <a:extLst>
+              <a:ext uri="{FF2B5EF4-FFF2-40B4-BE49-F238E27FC236}">
+                <a16:creationId xmlns:a16="http://schemas.microsoft.com/office/drawing/2014/main" id="{B0C838FF-E1CC-4C48-A655-113804CA75B2}"/>
+              </a:ext>
+            </a:extLst>
+          </p:cNvPr>
+          <p:cNvSpPr>
+            <a:spLocks noGrp="1"/>
+          </p:cNvSpPr>
+          <p:nvPr>
+            <p:ph type="dt" sz="half" idx="10"/>
+          </p:nvPr>
+        </p:nvSpPr>
+        <p:spPr/>
+        <p:txBody>
+          <a:bodyPr/>
+          <a:lstStyle/>
+          <a:p>
+            <a:fld id="{53652E4F-2A58-445A-8332-E5C6DC250047}" type="datetime1">
+              <a:rPr lang="en-US" smtClean="0"/>
+              <a:t>6/17/2020</a:t>
+            </a:fld>
+            <a:endParaRPr lang="en-US" dirty="0"/>
+          </a:p>
+        </p:txBody>
+      </p:sp>
+      <p:sp>
+        <p:nvSpPr>
+          <p:cNvPr id="4" name="Footer Placeholder 3">
+            <a:extLst>
+              <a:ext uri="{FF2B5EF4-FFF2-40B4-BE49-F238E27FC236}">
+                <a16:creationId xmlns:a16="http://schemas.microsoft.com/office/drawing/2014/main" id="{D115776E-3CD0-46ED-B9AC-4B3358678815}"/>
+              </a:ext>
+            </a:extLst>
+          </p:cNvPr>
+          <p:cNvSpPr>
+            <a:spLocks noGrp="1"/>
+          </p:cNvSpPr>
+          <p:nvPr>
+            <p:ph type="ftr" sz="quarter" idx="11"/>
+          </p:nvPr>
+        </p:nvSpPr>
+        <p:spPr/>
+        <p:txBody>
+          <a:bodyPr/>
+          <a:lstStyle/>
+          <a:p>
+            <a:r>
+              <a:rPr lang="en-GB"/>
+              <a:t>Workplace Assistant Augmented Reality By Gabriel Camilleri</a:t>
+            </a:r>
+            <a:endParaRPr lang="en-US" dirty="0"/>
+          </a:p>
+        </p:txBody>
+      </p:sp>
+      <p:sp>
+        <p:nvSpPr>
+          <p:cNvPr id="5" name="Slide Number Placeholder 4">
+            <a:extLst>
+              <a:ext uri="{FF2B5EF4-FFF2-40B4-BE49-F238E27FC236}">
+                <a16:creationId xmlns:a16="http://schemas.microsoft.com/office/drawing/2014/main" id="{1D246EA8-6582-4020-8242-5CE87D5837D4}"/>
+              </a:ext>
+            </a:extLst>
+          </p:cNvPr>
+          <p:cNvSpPr>
+            <a:spLocks noGrp="1"/>
+          </p:cNvSpPr>
+          <p:nvPr>
+            <p:ph type="sldNum" sz="quarter" idx="12"/>
+          </p:nvPr>
+        </p:nvSpPr>
+        <p:spPr/>
+        <p:txBody>
+          <a:bodyPr/>
+          <a:lstStyle/>
+          <a:p>
+            <a:fld id="{69E57DC2-970A-4B3E-BB1C-7A09969E49DF}" type="slidenum">
+              <a:rPr lang="en-US" smtClean="0"/>
+              <a:t>3</a:t>
+            </a:fld>
+            <a:endParaRPr lang="en-US" dirty="0"/>
+          </a:p>
+        </p:txBody>
+      </p:sp>
     </p:spTree>
     <p:extLst>
       <p:ext uri="{BB962C8B-B14F-4D97-AF65-F5344CB8AC3E}">
@@ -34935,6 +35868,93 @@
           </a:graphicData>
         </a:graphic>
       </p:graphicFrame>
+      <p:sp>
+        <p:nvSpPr>
+          <p:cNvPr id="3" name="Date Placeholder 2">
+            <a:extLst>
+              <a:ext uri="{FF2B5EF4-FFF2-40B4-BE49-F238E27FC236}">
+                <a16:creationId xmlns:a16="http://schemas.microsoft.com/office/drawing/2014/main" id="{FD30F349-4FDE-47BF-9BC2-2AB082E2A081}"/>
+              </a:ext>
+            </a:extLst>
+          </p:cNvPr>
+          <p:cNvSpPr>
+            <a:spLocks noGrp="1"/>
+          </p:cNvSpPr>
+          <p:nvPr>
+            <p:ph type="dt" sz="half" idx="10"/>
+          </p:nvPr>
+        </p:nvSpPr>
+        <p:spPr/>
+        <p:txBody>
+          <a:bodyPr/>
+          <a:lstStyle/>
+          <a:p>
+            <a:fld id="{7C259194-1D89-47E2-87C4-0AB076E36715}" type="datetime1">
+              <a:rPr lang="en-US" smtClean="0"/>
+              <a:t>6/17/2020</a:t>
+            </a:fld>
+            <a:endParaRPr lang="en-US" dirty="0"/>
+          </a:p>
+        </p:txBody>
+      </p:sp>
+      <p:sp>
+        <p:nvSpPr>
+          <p:cNvPr id="4" name="Footer Placeholder 3">
+            <a:extLst>
+              <a:ext uri="{FF2B5EF4-FFF2-40B4-BE49-F238E27FC236}">
+                <a16:creationId xmlns:a16="http://schemas.microsoft.com/office/drawing/2014/main" id="{21E26C8C-F5BC-496D-948E-BA77F271980A}"/>
+              </a:ext>
+            </a:extLst>
+          </p:cNvPr>
+          <p:cNvSpPr>
+            <a:spLocks noGrp="1"/>
+          </p:cNvSpPr>
+          <p:nvPr>
+            <p:ph type="ftr" sz="quarter" idx="11"/>
+          </p:nvPr>
+        </p:nvSpPr>
+        <p:spPr/>
+        <p:txBody>
+          <a:bodyPr/>
+          <a:lstStyle/>
+          <a:p>
+            <a:r>
+              <a:rPr lang="en-GB"/>
+              <a:t>Workplace Assistant Augmented Reality By Gabriel Camilleri</a:t>
+            </a:r>
+            <a:endParaRPr lang="en-US" dirty="0"/>
+          </a:p>
+        </p:txBody>
+      </p:sp>
+      <p:sp>
+        <p:nvSpPr>
+          <p:cNvPr id="5" name="Slide Number Placeholder 4">
+            <a:extLst>
+              <a:ext uri="{FF2B5EF4-FFF2-40B4-BE49-F238E27FC236}">
+                <a16:creationId xmlns:a16="http://schemas.microsoft.com/office/drawing/2014/main" id="{4CF70495-DDE1-455F-AC05-A1D3AD950C9B}"/>
+              </a:ext>
+            </a:extLst>
+          </p:cNvPr>
+          <p:cNvSpPr>
+            <a:spLocks noGrp="1"/>
+          </p:cNvSpPr>
+          <p:nvPr>
+            <p:ph type="sldNum" sz="quarter" idx="12"/>
+          </p:nvPr>
+        </p:nvSpPr>
+        <p:spPr/>
+        <p:txBody>
+          <a:bodyPr/>
+          <a:lstStyle/>
+          <a:p>
+            <a:fld id="{69E57DC2-970A-4B3E-BB1C-7A09969E49DF}" type="slidenum">
+              <a:rPr lang="en-US" smtClean="0"/>
+              <a:t>4</a:t>
+            </a:fld>
+            <a:endParaRPr lang="en-US" dirty="0"/>
+          </a:p>
+        </p:txBody>
+      </p:sp>
     </p:spTree>
     <p:extLst>
       <p:ext uri="{BB962C8B-B14F-4D97-AF65-F5344CB8AC3E}">
@@ -35214,6 +36234,93 @@
               <a:rPr lang="en-GB" dirty="0"/>
               <a:t>Visibility, Location and Distance based filtering commonly used in AR</a:t>
             </a:r>
+          </a:p>
+        </p:txBody>
+      </p:sp>
+      <p:sp>
+        <p:nvSpPr>
+          <p:cNvPr id="4" name="Date Placeholder 3">
+            <a:extLst>
+              <a:ext uri="{FF2B5EF4-FFF2-40B4-BE49-F238E27FC236}">
+                <a16:creationId xmlns:a16="http://schemas.microsoft.com/office/drawing/2014/main" id="{C14CBBA7-F773-4C8A-93E0-FA85BB6FB82E}"/>
+              </a:ext>
+            </a:extLst>
+          </p:cNvPr>
+          <p:cNvSpPr>
+            <a:spLocks noGrp="1"/>
+          </p:cNvSpPr>
+          <p:nvPr>
+            <p:ph type="dt" sz="half" idx="10"/>
+          </p:nvPr>
+        </p:nvSpPr>
+        <p:spPr/>
+        <p:txBody>
+          <a:bodyPr/>
+          <a:lstStyle/>
+          <a:p>
+            <a:fld id="{BC761E25-8C3A-4E45-B215-A4E05D546F7E}" type="datetime1">
+              <a:rPr lang="en-US" smtClean="0"/>
+              <a:t>6/17/2020</a:t>
+            </a:fld>
+            <a:endParaRPr lang="en-US" dirty="0"/>
+          </a:p>
+        </p:txBody>
+      </p:sp>
+      <p:sp>
+        <p:nvSpPr>
+          <p:cNvPr id="5" name="Footer Placeholder 4">
+            <a:extLst>
+              <a:ext uri="{FF2B5EF4-FFF2-40B4-BE49-F238E27FC236}">
+                <a16:creationId xmlns:a16="http://schemas.microsoft.com/office/drawing/2014/main" id="{8FC6DCDB-134F-4439-9910-6E96DBB64E90}"/>
+              </a:ext>
+            </a:extLst>
+          </p:cNvPr>
+          <p:cNvSpPr>
+            <a:spLocks noGrp="1"/>
+          </p:cNvSpPr>
+          <p:nvPr>
+            <p:ph type="ftr" sz="quarter" idx="11"/>
+          </p:nvPr>
+        </p:nvSpPr>
+        <p:spPr/>
+        <p:txBody>
+          <a:bodyPr/>
+          <a:lstStyle/>
+          <a:p>
+            <a:r>
+              <a:rPr lang="en-GB"/>
+              <a:t>Workplace Assistant Augmented Reality By Gabriel Camilleri</a:t>
+            </a:r>
+            <a:endParaRPr lang="en-US" dirty="0"/>
+          </a:p>
+        </p:txBody>
+      </p:sp>
+      <p:sp>
+        <p:nvSpPr>
+          <p:cNvPr id="6" name="Slide Number Placeholder 5">
+            <a:extLst>
+              <a:ext uri="{FF2B5EF4-FFF2-40B4-BE49-F238E27FC236}">
+                <a16:creationId xmlns:a16="http://schemas.microsoft.com/office/drawing/2014/main" id="{FD704FDB-9511-468C-B382-DBA949DE268A}"/>
+              </a:ext>
+            </a:extLst>
+          </p:cNvPr>
+          <p:cNvSpPr>
+            <a:spLocks noGrp="1"/>
+          </p:cNvSpPr>
+          <p:nvPr>
+            <p:ph type="sldNum" sz="quarter" idx="12"/>
+          </p:nvPr>
+        </p:nvSpPr>
+        <p:spPr/>
+        <p:txBody>
+          <a:bodyPr/>
+          <a:lstStyle/>
+          <a:p>
+            <a:fld id="{69E57DC2-970A-4B3E-BB1C-7A09969E49DF}" type="slidenum">
+              <a:rPr lang="en-US" smtClean="0"/>
+              <a:t>5</a:t>
+            </a:fld>
+            <a:endParaRPr lang="en-US" dirty="0"/>
           </a:p>
         </p:txBody>
       </p:sp>
@@ -35511,6 +36618,93 @@
               <a:rPr lang="en-GB" dirty="0"/>
               <a:t> and occlusion variance problems</a:t>
             </a:r>
+          </a:p>
+        </p:txBody>
+      </p:sp>
+      <p:sp>
+        <p:nvSpPr>
+          <p:cNvPr id="4" name="Date Placeholder 3">
+            <a:extLst>
+              <a:ext uri="{FF2B5EF4-FFF2-40B4-BE49-F238E27FC236}">
+                <a16:creationId xmlns:a16="http://schemas.microsoft.com/office/drawing/2014/main" id="{B60C4900-D788-457A-8082-695851B4D69B}"/>
+              </a:ext>
+            </a:extLst>
+          </p:cNvPr>
+          <p:cNvSpPr>
+            <a:spLocks noGrp="1"/>
+          </p:cNvSpPr>
+          <p:nvPr>
+            <p:ph type="dt" sz="half" idx="10"/>
+          </p:nvPr>
+        </p:nvSpPr>
+        <p:spPr/>
+        <p:txBody>
+          <a:bodyPr/>
+          <a:lstStyle/>
+          <a:p>
+            <a:fld id="{67017A70-88D6-4CDB-8667-0EF0D6EEA040}" type="datetime1">
+              <a:rPr lang="en-US" smtClean="0"/>
+              <a:t>6/17/2020</a:t>
+            </a:fld>
+            <a:endParaRPr lang="en-US" dirty="0"/>
+          </a:p>
+        </p:txBody>
+      </p:sp>
+      <p:sp>
+        <p:nvSpPr>
+          <p:cNvPr id="5" name="Footer Placeholder 4">
+            <a:extLst>
+              <a:ext uri="{FF2B5EF4-FFF2-40B4-BE49-F238E27FC236}">
+                <a16:creationId xmlns:a16="http://schemas.microsoft.com/office/drawing/2014/main" id="{CFF3C164-4E64-4F8E-8BC1-53BCB91F61BB}"/>
+              </a:ext>
+            </a:extLst>
+          </p:cNvPr>
+          <p:cNvSpPr>
+            <a:spLocks noGrp="1"/>
+          </p:cNvSpPr>
+          <p:nvPr>
+            <p:ph type="ftr" sz="quarter" idx="11"/>
+          </p:nvPr>
+        </p:nvSpPr>
+        <p:spPr/>
+        <p:txBody>
+          <a:bodyPr/>
+          <a:lstStyle/>
+          <a:p>
+            <a:r>
+              <a:rPr lang="en-GB"/>
+              <a:t>Workplace Assistant Augmented Reality By Gabriel Camilleri</a:t>
+            </a:r>
+            <a:endParaRPr lang="en-US" dirty="0"/>
+          </a:p>
+        </p:txBody>
+      </p:sp>
+      <p:sp>
+        <p:nvSpPr>
+          <p:cNvPr id="6" name="Slide Number Placeholder 5">
+            <a:extLst>
+              <a:ext uri="{FF2B5EF4-FFF2-40B4-BE49-F238E27FC236}">
+                <a16:creationId xmlns:a16="http://schemas.microsoft.com/office/drawing/2014/main" id="{52A3B58E-D677-4887-9D24-0311A4940CC3}"/>
+              </a:ext>
+            </a:extLst>
+          </p:cNvPr>
+          <p:cNvSpPr>
+            <a:spLocks noGrp="1"/>
+          </p:cNvSpPr>
+          <p:nvPr>
+            <p:ph type="sldNum" sz="quarter" idx="12"/>
+          </p:nvPr>
+        </p:nvSpPr>
+        <p:spPr/>
+        <p:txBody>
+          <a:bodyPr/>
+          <a:lstStyle/>
+          <a:p>
+            <a:fld id="{69E57DC2-970A-4B3E-BB1C-7A09969E49DF}" type="slidenum">
+              <a:rPr lang="en-US" smtClean="0"/>
+              <a:t>6</a:t>
+            </a:fld>
+            <a:endParaRPr lang="en-US" dirty="0"/>
           </a:p>
         </p:txBody>
       </p:sp>
@@ -35966,6 +37160,93 @@
           </a:graphicData>
         </a:graphic>
       </p:graphicFrame>
+      <p:sp>
+        <p:nvSpPr>
+          <p:cNvPr id="3" name="Date Placeholder 2">
+            <a:extLst>
+              <a:ext uri="{FF2B5EF4-FFF2-40B4-BE49-F238E27FC236}">
+                <a16:creationId xmlns:a16="http://schemas.microsoft.com/office/drawing/2014/main" id="{E0C33905-4DA5-4736-B109-2FD4F82E9F05}"/>
+              </a:ext>
+            </a:extLst>
+          </p:cNvPr>
+          <p:cNvSpPr>
+            <a:spLocks noGrp="1"/>
+          </p:cNvSpPr>
+          <p:nvPr>
+            <p:ph type="dt" sz="half" idx="10"/>
+          </p:nvPr>
+        </p:nvSpPr>
+        <p:spPr/>
+        <p:txBody>
+          <a:bodyPr/>
+          <a:lstStyle/>
+          <a:p>
+            <a:fld id="{AB116521-597D-4418-A591-BC574CA1B23C}" type="datetime1">
+              <a:rPr lang="en-US" smtClean="0"/>
+              <a:t>6/17/2020</a:t>
+            </a:fld>
+            <a:endParaRPr lang="en-US" dirty="0"/>
+          </a:p>
+        </p:txBody>
+      </p:sp>
+      <p:sp>
+        <p:nvSpPr>
+          <p:cNvPr id="4" name="Footer Placeholder 3">
+            <a:extLst>
+              <a:ext uri="{FF2B5EF4-FFF2-40B4-BE49-F238E27FC236}">
+                <a16:creationId xmlns:a16="http://schemas.microsoft.com/office/drawing/2014/main" id="{71AB1584-1FE5-4899-82B2-D953F71AA3DE}"/>
+              </a:ext>
+            </a:extLst>
+          </p:cNvPr>
+          <p:cNvSpPr>
+            <a:spLocks noGrp="1"/>
+          </p:cNvSpPr>
+          <p:nvPr>
+            <p:ph type="ftr" sz="quarter" idx="11"/>
+          </p:nvPr>
+        </p:nvSpPr>
+        <p:spPr/>
+        <p:txBody>
+          <a:bodyPr/>
+          <a:lstStyle/>
+          <a:p>
+            <a:r>
+              <a:rPr lang="en-GB"/>
+              <a:t>Workplace Assistant Augmented Reality By Gabriel Camilleri</a:t>
+            </a:r>
+            <a:endParaRPr lang="en-US" dirty="0"/>
+          </a:p>
+        </p:txBody>
+      </p:sp>
+      <p:sp>
+        <p:nvSpPr>
+          <p:cNvPr id="6" name="Slide Number Placeholder 5">
+            <a:extLst>
+              <a:ext uri="{FF2B5EF4-FFF2-40B4-BE49-F238E27FC236}">
+                <a16:creationId xmlns:a16="http://schemas.microsoft.com/office/drawing/2014/main" id="{534C6714-D6FC-4E20-9C53-1A086DD27339}"/>
+              </a:ext>
+            </a:extLst>
+          </p:cNvPr>
+          <p:cNvSpPr>
+            <a:spLocks noGrp="1"/>
+          </p:cNvSpPr>
+          <p:nvPr>
+            <p:ph type="sldNum" sz="quarter" idx="12"/>
+          </p:nvPr>
+        </p:nvSpPr>
+        <p:spPr/>
+        <p:txBody>
+          <a:bodyPr/>
+          <a:lstStyle/>
+          <a:p>
+            <a:fld id="{69E57DC2-970A-4B3E-BB1C-7A09969E49DF}" type="slidenum">
+              <a:rPr lang="en-US" smtClean="0"/>
+              <a:t>7</a:t>
+            </a:fld>
+            <a:endParaRPr lang="en-US" dirty="0"/>
+          </a:p>
+        </p:txBody>
+      </p:sp>
     </p:spTree>
     <p:extLst>
       <p:ext uri="{BB962C8B-B14F-4D97-AF65-F5344CB8AC3E}">
@@ -36066,6 +37347,93 @@
           </a:graphicData>
         </a:graphic>
       </p:graphicFrame>
+      <p:sp>
+        <p:nvSpPr>
+          <p:cNvPr id="3" name="Date Placeholder 2">
+            <a:extLst>
+              <a:ext uri="{FF2B5EF4-FFF2-40B4-BE49-F238E27FC236}">
+                <a16:creationId xmlns:a16="http://schemas.microsoft.com/office/drawing/2014/main" id="{8AEAE5D7-E585-4F7E-9F02-440688F3A4CE}"/>
+              </a:ext>
+            </a:extLst>
+          </p:cNvPr>
+          <p:cNvSpPr>
+            <a:spLocks noGrp="1"/>
+          </p:cNvSpPr>
+          <p:nvPr>
+            <p:ph type="dt" sz="half" idx="10"/>
+          </p:nvPr>
+        </p:nvSpPr>
+        <p:spPr/>
+        <p:txBody>
+          <a:bodyPr/>
+          <a:lstStyle/>
+          <a:p>
+            <a:fld id="{866088FB-BD44-422D-89B8-987C0043914F}" type="datetime1">
+              <a:rPr lang="en-US" smtClean="0"/>
+              <a:t>6/17/2020</a:t>
+            </a:fld>
+            <a:endParaRPr lang="en-US" dirty="0"/>
+          </a:p>
+        </p:txBody>
+      </p:sp>
+      <p:sp>
+        <p:nvSpPr>
+          <p:cNvPr id="4" name="Footer Placeholder 3">
+            <a:extLst>
+              <a:ext uri="{FF2B5EF4-FFF2-40B4-BE49-F238E27FC236}">
+                <a16:creationId xmlns:a16="http://schemas.microsoft.com/office/drawing/2014/main" id="{1B4526DF-C68D-4302-A200-5D8C40CB4E53}"/>
+              </a:ext>
+            </a:extLst>
+          </p:cNvPr>
+          <p:cNvSpPr>
+            <a:spLocks noGrp="1"/>
+          </p:cNvSpPr>
+          <p:nvPr>
+            <p:ph type="ftr" sz="quarter" idx="11"/>
+          </p:nvPr>
+        </p:nvSpPr>
+        <p:spPr/>
+        <p:txBody>
+          <a:bodyPr/>
+          <a:lstStyle/>
+          <a:p>
+            <a:r>
+              <a:rPr lang="en-GB"/>
+              <a:t>Workplace Assistant Augmented Reality By Gabriel Camilleri</a:t>
+            </a:r>
+            <a:endParaRPr lang="en-US" dirty="0"/>
+          </a:p>
+        </p:txBody>
+      </p:sp>
+      <p:sp>
+        <p:nvSpPr>
+          <p:cNvPr id="6" name="Slide Number Placeholder 5">
+            <a:extLst>
+              <a:ext uri="{FF2B5EF4-FFF2-40B4-BE49-F238E27FC236}">
+                <a16:creationId xmlns:a16="http://schemas.microsoft.com/office/drawing/2014/main" id="{79A451E8-5DE0-4108-A9EC-8BFF9B6BDA1C}"/>
+              </a:ext>
+            </a:extLst>
+          </p:cNvPr>
+          <p:cNvSpPr>
+            <a:spLocks noGrp="1"/>
+          </p:cNvSpPr>
+          <p:nvPr>
+            <p:ph type="sldNum" sz="quarter" idx="12"/>
+          </p:nvPr>
+        </p:nvSpPr>
+        <p:spPr/>
+        <p:txBody>
+          <a:bodyPr/>
+          <a:lstStyle/>
+          <a:p>
+            <a:fld id="{69E57DC2-970A-4B3E-BB1C-7A09969E49DF}" type="slidenum">
+              <a:rPr lang="en-US" smtClean="0"/>
+              <a:t>8</a:t>
+            </a:fld>
+            <a:endParaRPr lang="en-US" dirty="0"/>
+          </a:p>
+        </p:txBody>
+      </p:sp>
     </p:spTree>
     <p:extLst>
       <p:ext uri="{BB962C8B-B14F-4D97-AF65-F5344CB8AC3E}">
@@ -36167,6 +37535,93 @@
           </a:graphicData>
         </a:graphic>
       </p:graphicFrame>
+      <p:sp>
+        <p:nvSpPr>
+          <p:cNvPr id="3" name="Date Placeholder 2">
+            <a:extLst>
+              <a:ext uri="{FF2B5EF4-FFF2-40B4-BE49-F238E27FC236}">
+                <a16:creationId xmlns:a16="http://schemas.microsoft.com/office/drawing/2014/main" id="{8AF6D92A-FC5C-449F-AC61-BE3F761A5690}"/>
+              </a:ext>
+            </a:extLst>
+          </p:cNvPr>
+          <p:cNvSpPr>
+            <a:spLocks noGrp="1"/>
+          </p:cNvSpPr>
+          <p:nvPr>
+            <p:ph type="dt" sz="half" idx="10"/>
+          </p:nvPr>
+        </p:nvSpPr>
+        <p:spPr/>
+        <p:txBody>
+          <a:bodyPr/>
+          <a:lstStyle/>
+          <a:p>
+            <a:fld id="{DB35F3FD-681C-4B3B-A360-336CD2F309BC}" type="datetime1">
+              <a:rPr lang="en-US" smtClean="0"/>
+              <a:t>6/17/2020</a:t>
+            </a:fld>
+            <a:endParaRPr lang="en-US" dirty="0"/>
+          </a:p>
+        </p:txBody>
+      </p:sp>
+      <p:sp>
+        <p:nvSpPr>
+          <p:cNvPr id="4" name="Footer Placeholder 3">
+            <a:extLst>
+              <a:ext uri="{FF2B5EF4-FFF2-40B4-BE49-F238E27FC236}">
+                <a16:creationId xmlns:a16="http://schemas.microsoft.com/office/drawing/2014/main" id="{EE947DAC-B9B9-45A5-8048-3BC75AF98356}"/>
+              </a:ext>
+            </a:extLst>
+          </p:cNvPr>
+          <p:cNvSpPr>
+            <a:spLocks noGrp="1"/>
+          </p:cNvSpPr>
+          <p:nvPr>
+            <p:ph type="ftr" sz="quarter" idx="11"/>
+          </p:nvPr>
+        </p:nvSpPr>
+        <p:spPr/>
+        <p:txBody>
+          <a:bodyPr/>
+          <a:lstStyle/>
+          <a:p>
+            <a:r>
+              <a:rPr lang="en-GB"/>
+              <a:t>Workplace Assistant Augmented Reality By Gabriel Camilleri</a:t>
+            </a:r>
+            <a:endParaRPr lang="en-US" dirty="0"/>
+          </a:p>
+        </p:txBody>
+      </p:sp>
+      <p:sp>
+        <p:nvSpPr>
+          <p:cNvPr id="6" name="Slide Number Placeholder 5">
+            <a:extLst>
+              <a:ext uri="{FF2B5EF4-FFF2-40B4-BE49-F238E27FC236}">
+                <a16:creationId xmlns:a16="http://schemas.microsoft.com/office/drawing/2014/main" id="{D034C153-27A5-42FB-B7F5-73FFE6F5BB56}"/>
+              </a:ext>
+            </a:extLst>
+          </p:cNvPr>
+          <p:cNvSpPr>
+            <a:spLocks noGrp="1"/>
+          </p:cNvSpPr>
+          <p:nvPr>
+            <p:ph type="sldNum" sz="quarter" idx="12"/>
+          </p:nvPr>
+        </p:nvSpPr>
+        <p:spPr/>
+        <p:txBody>
+          <a:bodyPr/>
+          <a:lstStyle/>
+          <a:p>
+            <a:fld id="{69E57DC2-970A-4B3E-BB1C-7A09969E49DF}" type="slidenum">
+              <a:rPr lang="en-US" smtClean="0"/>
+              <a:t>9</a:t>
+            </a:fld>
+            <a:endParaRPr lang="en-US" dirty="0"/>
+          </a:p>
+        </p:txBody>
+      </p:sp>
     </p:spTree>
     <p:extLst>
       <p:ext uri="{BB962C8B-B14F-4D97-AF65-F5344CB8AC3E}">
@@ -37020,15 +38475,6 @@
 </file>
 
 <file path=customXml/item1.xml><?xml version="1.0" encoding="utf-8"?>
-<?mso-contentType ?>
-<FormTemplates xmlns="http://schemas.microsoft.com/sharepoint/v3/contenttype/forms">
-  <Display>DocumentLibraryForm</Display>
-  <Edit>DocumentLibraryForm</Edit>
-  <New>DocumentLibraryForm</New>
-</FormTemplates>
-</file>
-
-<file path=customXml/item2.xml><?xml version="1.0" encoding="utf-8"?>
 <ct:contentTypeSchema xmlns:ct="http://schemas.microsoft.com/office/2006/metadata/contentType" xmlns:ma="http://schemas.microsoft.com/office/2006/metadata/properties/metaAttributes" ct:_="" ma:_="" ma:contentTypeName="Document" ma:contentTypeID="0x01010079F111ED35F8CC479449609E8A0923A6" ma:contentTypeVersion="12" ma:contentTypeDescription="Create a new document." ma:contentTypeScope="" ma:versionID="93813dd7ca6ad654711aa0ab317e03a3">
   <xsd:schema xmlns:xsd="http://www.w3.org/2001/XMLSchema" xmlns:xs="http://www.w3.org/2001/XMLSchema" xmlns:p="http://schemas.microsoft.com/office/2006/metadata/properties" xmlns:ns2="71af3243-3dd4-4a8d-8c0d-dd76da1f02a5" xmlns:ns3="16c05727-aa75-4e4a-9b5f-8a80a1165891" targetNamespace="http://schemas.microsoft.com/office/2006/metadata/properties" ma:root="true" ma:fieldsID="f11dc0ce689dd3925e84e4e35398c6e7" ns2:_="" ns3:_="">
     <xsd:import namespace="71af3243-3dd4-4a8d-8c0d-dd76da1f02a5"/>
@@ -37249,6 +38695,15 @@
 </ct:contentTypeSchema>
 </file>
 
+<file path=customXml/item2.xml><?xml version="1.0" encoding="utf-8"?>
+<?mso-contentType ?>
+<FormTemplates xmlns="http://schemas.microsoft.com/sharepoint/v3/contenttype/forms">
+  <Display>DocumentLibraryForm</Display>
+  <Edit>DocumentLibraryForm</Edit>
+  <New>DocumentLibraryForm</New>
+</FormTemplates>
+</file>
+
 <file path=customXml/item3.xml><?xml version="1.0" encoding="utf-8"?>
 <p:properties xmlns:p="http://schemas.microsoft.com/office/2006/metadata/properties" xmlns:xsi="http://www.w3.org/2001/XMLSchema-instance" xmlns:pc="http://schemas.microsoft.com/office/infopath/2007/PartnerControls">
   <documentManagement>
@@ -37259,14 +38714,6 @@
 </file>
 
 <file path=customXml/itemProps1.xml><?xml version="1.0" encoding="utf-8"?>
-<ds:datastoreItem xmlns:ds="http://schemas.openxmlformats.org/officeDocument/2006/customXml" ds:itemID="{A0D51BCB-0419-432E-B7F1-25548446A625}">
-  <ds:schemaRefs>
-    <ds:schemaRef ds:uri="http://schemas.microsoft.com/sharepoint/v3/contenttype/forms"/>
-  </ds:schemaRefs>
-</ds:datastoreItem>
-</file>
-
-<file path=customXml/itemProps2.xml><?xml version="1.0" encoding="utf-8"?>
 <ds:datastoreItem xmlns:ds="http://schemas.openxmlformats.org/officeDocument/2006/customXml" ds:itemID="{9E8D3305-1D9D-4BC8-A40F-6F8AE50BD76B}">
   <ds:schemaRefs>
     <ds:schemaRef ds:uri="http://schemas.microsoft.com/office/2006/metadata/contentType"/>
@@ -37285,6 +38732,14 @@
 </ds:datastoreItem>
 </file>
 
+<file path=customXml/itemProps2.xml><?xml version="1.0" encoding="utf-8"?>
+<ds:datastoreItem xmlns:ds="http://schemas.openxmlformats.org/officeDocument/2006/customXml" ds:itemID="{A0D51BCB-0419-432E-B7F1-25548446A625}">
+  <ds:schemaRefs>
+    <ds:schemaRef ds:uri="http://schemas.microsoft.com/sharepoint/v3/contenttype/forms"/>
+  </ds:schemaRefs>
+</ds:datastoreItem>
+</file>
+
 <file path=customXml/itemProps3.xml><?xml version="1.0" encoding="utf-8"?>
 <ds:datastoreItem xmlns:ds="http://schemas.openxmlformats.org/officeDocument/2006/customXml" ds:itemID="{1F08B90B-70ED-4539-9C14-FB2728D9064F}">
   <ds:schemaRefs>

--- a/viva/Workplace_Assistant_Augmented_Reality.pptx
+++ b/viva/Workplace_Assistant_Augmented_Reality.pptx
@@ -2,13 +2,13 @@
 <file path=ppt/presentation.xml><?xml version="1.0" encoding="utf-8"?>
 <p:presentation xmlns:a="http://schemas.openxmlformats.org/drawingml/2006/main" xmlns:r="http://schemas.openxmlformats.org/officeDocument/2006/relationships" xmlns:p="http://schemas.openxmlformats.org/presentationml/2006/main" removePersonalInfoOnSave="1" autoCompressPictures="0">
   <p:sldMasterIdLst>
-    <p:sldMasterId id="2147483744" r:id="rId4"/>
+    <p:sldMasterId id="2147483780" r:id="rId4"/>
   </p:sldMasterIdLst>
   <p:notesMasterIdLst>
-    <p:notesMasterId r:id="rId21"/>
+    <p:notesMasterId r:id="rId22"/>
   </p:notesMasterIdLst>
   <p:handoutMasterIdLst>
-    <p:handoutMasterId r:id="rId22"/>
+    <p:handoutMasterId r:id="rId23"/>
   </p:handoutMasterIdLst>
   <p:sldIdLst>
     <p:sldId id="256" r:id="rId5"/>
@@ -27,6 +27,7 @@
     <p:sldId id="288" r:id="rId18"/>
     <p:sldId id="289" r:id="rId19"/>
     <p:sldId id="274" r:id="rId20"/>
+    <p:sldId id="290" r:id="rId21"/>
   </p:sldIdLst>
   <p:sldSz cx="12192000" cy="6858000"/>
   <p:notesSz cx="6858000" cy="9144000"/>
@@ -7868,6 +7869,11 @@
         <a:bodyPr/>
         <a:lstStyle/>
         <a:p>
+          <a:pPr>
+            <a:lnSpc>
+              <a:spcPct val="100000"/>
+            </a:lnSpc>
+          </a:pPr>
           <a:r>
             <a:rPr lang="en-GB"/>
             <a:t>Starting a new job can be stressful</a:t>
@@ -7905,6 +7911,11 @@
         <a:bodyPr/>
         <a:lstStyle/>
         <a:p>
+          <a:pPr>
+            <a:lnSpc>
+              <a:spcPct val="100000"/>
+            </a:lnSpc>
+          </a:pPr>
           <a:r>
             <a:rPr lang="en-GB"/>
             <a:t>Job-stress</a:t>
@@ -7942,6 +7953,11 @@
         <a:bodyPr/>
         <a:lstStyle/>
         <a:p>
+          <a:pPr>
+            <a:lnSpc>
+              <a:spcPct val="100000"/>
+            </a:lnSpc>
+          </a:pPr>
           <a:r>
             <a:rPr lang="en-GB"/>
             <a:t>Adjustment of the new workplace environment</a:t>
@@ -7979,6 +7995,11 @@
         <a:bodyPr/>
         <a:lstStyle/>
         <a:p>
+          <a:pPr>
+            <a:lnSpc>
+              <a:spcPct val="100000"/>
+            </a:lnSpc>
+          </a:pPr>
           <a:r>
             <a:rPr lang="en-GB"/>
             <a:t>“a period of learning how to ‘ﬁt in’ and adjusting to how things work in the new setting”[1] </a:t>
@@ -8016,6 +8037,11 @@
         <a:bodyPr/>
         <a:lstStyle/>
         <a:p>
+          <a:pPr>
+            <a:lnSpc>
+              <a:spcPct val="100000"/>
+            </a:lnSpc>
+          </a:pPr>
           <a:r>
             <a:rPr lang="en-GB"/>
             <a:t>Assistant AR application</a:t>
@@ -8053,6 +8079,11 @@
         <a:bodyPr/>
         <a:lstStyle/>
         <a:p>
+          <a:pPr>
+            <a:lnSpc>
+              <a:spcPct val="100000"/>
+            </a:lnSpc>
+          </a:pPr>
           <a:r>
             <a:rPr lang="en-GB"/>
             <a:t>Combination of AI techniques</a:t>
@@ -8090,6 +8121,11 @@
         <a:bodyPr/>
         <a:lstStyle/>
         <a:p>
+          <a:pPr>
+            <a:lnSpc>
+              <a:spcPct val="100000"/>
+            </a:lnSpc>
+          </a:pPr>
           <a:r>
             <a:rPr lang="en-GB"/>
             <a:t>Object and image recognition</a:t>
@@ -8127,6 +8163,11 @@
         <a:bodyPr/>
         <a:lstStyle/>
         <a:p>
+          <a:pPr>
+            <a:lnSpc>
+              <a:spcPct val="100000"/>
+            </a:lnSpc>
+          </a:pPr>
           <a:r>
             <a:rPr lang="en-GB"/>
             <a:t>User profiling</a:t>
@@ -8298,49 +8339,49 @@
   </dgm:ptLst>
   <dgm:cxnLst>
     <dgm:cxn modelId="{FD694800-D21F-42F0-9F3A-C84F3D21F627}" srcId="{959879D0-8718-47CC-BB09-52239728CE36}" destId="{9449AE51-677A-466C-A756-DE61BF4447B7}" srcOrd="1" destOrd="0" parTransId="{7A9A1AE3-6B9D-46BE-B821-B2522F97817E}" sibTransId="{85F588B6-5D87-48AF-9A52-EE52E258674E}"/>
-    <dgm:cxn modelId="{30A68106-403F-4A56-BF4A-5E1FE423B4F8}" type="presOf" srcId="{9449AE51-677A-466C-A756-DE61BF4447B7}" destId="{1CFAF3C9-7A0E-415D-9DDC-FE45A346FEE3}" srcOrd="1" destOrd="0" presId="urn:microsoft.com/office/officeart/2005/8/layout/list1"/>
-    <dgm:cxn modelId="{D3E0D317-3F19-48E7-BCB7-CAF419F2BBCD}" type="presOf" srcId="{2821162D-0883-4EF6-9C65-B1B2D4615856}" destId="{7DC8EE5F-9552-4526-B911-03307A6C1523}" srcOrd="0" destOrd="0" presId="urn:microsoft.com/office/officeart/2005/8/layout/list1"/>
+    <dgm:cxn modelId="{406E7111-72A7-4DC5-874B-D9692B56EA6D}" type="presOf" srcId="{937AE2F7-67D3-4B94-9914-59CDC5C982CC}" destId="{D2AB89EE-A1EC-4223-8B50-5E5D24A1385E}" srcOrd="1" destOrd="0" presId="urn:microsoft.com/office/officeart/2005/8/layout/list1"/>
     <dgm:cxn modelId="{1F636A1B-918F-465B-833E-E44B92BFCB6E}" srcId="{959879D0-8718-47CC-BB09-52239728CE36}" destId="{D7530EEF-393E-466C-87B6-40E6C2536B5B}" srcOrd="0" destOrd="0" parTransId="{9F3F8EE7-474B-4C76-812F-BEE53CC3B3D9}" sibTransId="{65F6F308-A105-4594-B5EB-A8E24B46D054}"/>
-    <dgm:cxn modelId="{315E4124-E992-4853-B714-CE62EC32987C}" type="presOf" srcId="{D7530EEF-393E-466C-87B6-40E6C2536B5B}" destId="{327F9D0D-941E-4238-A369-07957D6AF048}" srcOrd="1" destOrd="0" presId="urn:microsoft.com/office/officeart/2005/8/layout/list1"/>
-    <dgm:cxn modelId="{02B2332B-6AA7-4111-996F-051020ACA864}" type="presOf" srcId="{937AE2F7-67D3-4B94-9914-59CDC5C982CC}" destId="{9094DD0B-E8FF-4118-A66E-39ED07656196}" srcOrd="0" destOrd="0" presId="urn:microsoft.com/office/officeart/2005/8/layout/list1"/>
+    <dgm:cxn modelId="{67E3F01B-0357-4ECE-9C9D-F1647E176FB9}" type="presOf" srcId="{36C8AD99-A0F3-43BD-B8E0-BA15F74F5168}" destId="{7DC8EE5F-9552-4526-B911-03307A6C1523}" srcOrd="0" destOrd="1" presId="urn:microsoft.com/office/officeart/2005/8/layout/list1"/>
+    <dgm:cxn modelId="{D6010A1C-857A-4A69-95D8-A79397E13E20}" type="presOf" srcId="{937AE2F7-67D3-4B94-9914-59CDC5C982CC}" destId="{9094DD0B-E8FF-4118-A66E-39ED07656196}" srcOrd="0" destOrd="0" presId="urn:microsoft.com/office/officeart/2005/8/layout/list1"/>
     <dgm:cxn modelId="{BC054234-50C5-437D-899C-E61AC10BB39F}" srcId="{B1B7ABFC-F9E6-4035-BB1F-11C04E58E69B}" destId="{E1A773CD-0948-4B94-BAF2-3EB8602E06C4}" srcOrd="0" destOrd="0" parTransId="{007BC333-3A3F-42E0-9AF7-9E32319EECE2}" sibTransId="{37B5B5FB-7D36-49DE-BC71-B9C30F6E555A}"/>
-    <dgm:cxn modelId="{3387913C-70D4-4E78-9204-28DD81A6A98C}" type="presOf" srcId="{D7530EEF-393E-466C-87B6-40E6C2536B5B}" destId="{DF2E62EA-B341-4C5D-BC19-2275E21971ED}" srcOrd="0" destOrd="0" presId="urn:microsoft.com/office/officeart/2005/8/layout/list1"/>
-    <dgm:cxn modelId="{A6B4E74C-44B7-490D-A854-40497E83B412}" type="presOf" srcId="{E1A773CD-0948-4B94-BAF2-3EB8602E06C4}" destId="{D9EB6AB2-CF12-4420-A4D0-608B013745C8}" srcOrd="0" destOrd="0" presId="urn:microsoft.com/office/officeart/2005/8/layout/list1"/>
-    <dgm:cxn modelId="{630D7F59-DD61-414E-B259-156717E4664D}" type="presOf" srcId="{D9F68982-5DB5-4E0F-8E92-CE1A82282B15}" destId="{D9EB6AB2-CF12-4420-A4D0-608B013745C8}" srcOrd="0" destOrd="1" presId="urn:microsoft.com/office/officeart/2005/8/layout/list1"/>
-    <dgm:cxn modelId="{95BA9480-7BBF-497C-937E-C351F0EE0E2A}" type="presOf" srcId="{937AE2F7-67D3-4B94-9914-59CDC5C982CC}" destId="{D2AB89EE-A1EC-4223-8B50-5E5D24A1385E}" srcOrd="1" destOrd="0" presId="urn:microsoft.com/office/officeart/2005/8/layout/list1"/>
+    <dgm:cxn modelId="{4F616B6F-4AED-4CC9-8524-65982F370763}" type="presOf" srcId="{959879D0-8718-47CC-BB09-52239728CE36}" destId="{30E851F6-DD94-40E6-9931-98233D23B93B}" srcOrd="0" destOrd="0" presId="urn:microsoft.com/office/officeart/2005/8/layout/list1"/>
+    <dgm:cxn modelId="{2B53DA5A-6432-4972-B258-5413C2F58E58}" type="presOf" srcId="{B1B7ABFC-F9E6-4035-BB1F-11C04E58E69B}" destId="{BB588012-815B-4087-AB84-CE52FC1C9032}" srcOrd="1" destOrd="0" presId="urn:microsoft.com/office/officeart/2005/8/layout/list1"/>
     <dgm:cxn modelId="{4ED0D783-208D-4E2B-BD8F-34BC7A995CBA}" srcId="{959879D0-8718-47CC-BB09-52239728CE36}" destId="{937AE2F7-67D3-4B94-9914-59CDC5C982CC}" srcOrd="2" destOrd="0" parTransId="{F41F9DCD-95F1-4053-AD89-9100EB5164F3}" sibTransId="{82DB8711-80B6-43A4-A62C-98B26AF1C956}"/>
-    <dgm:cxn modelId="{11D85B8C-B3E2-42AD-B4AB-D8DC7500F894}" type="presOf" srcId="{B1B7ABFC-F9E6-4035-BB1F-11C04E58E69B}" destId="{3621948C-D356-4DC3-A24F-8F7329959D1C}" srcOrd="0" destOrd="0" presId="urn:microsoft.com/office/officeart/2005/8/layout/list1"/>
+    <dgm:cxn modelId="{E8394584-389D-498D-8EB8-A893AE9B2A18}" type="presOf" srcId="{D9F68982-5DB5-4E0F-8E92-CE1A82282B15}" destId="{D9EB6AB2-CF12-4420-A4D0-608B013745C8}" srcOrd="0" destOrd="1" presId="urn:microsoft.com/office/officeart/2005/8/layout/list1"/>
     <dgm:cxn modelId="{9DF6129C-7616-4B2F-9568-FAEF2B0542F0}" srcId="{B1B7ABFC-F9E6-4035-BB1F-11C04E58E69B}" destId="{D9F68982-5DB5-4E0F-8E92-CE1A82282B15}" srcOrd="1" destOrd="0" parTransId="{351E803D-6622-484B-861B-694F9E40BB83}" sibTransId="{1E52EF48-ED5B-47AD-83DA-ECB27812A0D3}"/>
+    <dgm:cxn modelId="{72577E9C-6F14-4EBC-BE19-899AF2ED2B58}" type="presOf" srcId="{B1B7ABFC-F9E6-4035-BB1F-11C04E58E69B}" destId="{3621948C-D356-4DC3-A24F-8F7329959D1C}" srcOrd="0" destOrd="0" presId="urn:microsoft.com/office/officeart/2005/8/layout/list1"/>
+    <dgm:cxn modelId="{AC871F9E-D5DB-4CAC-BC18-2E4DC70CAEBA}" type="presOf" srcId="{D7530EEF-393E-466C-87B6-40E6C2536B5B}" destId="{327F9D0D-941E-4238-A369-07957D6AF048}" srcOrd="1" destOrd="0" presId="urn:microsoft.com/office/officeart/2005/8/layout/list1"/>
     <dgm:cxn modelId="{433674AC-325F-48A6-A167-11120C230E2B}" srcId="{9449AE51-677A-466C-A756-DE61BF4447B7}" destId="{2821162D-0883-4EF6-9C65-B1B2D4615856}" srcOrd="0" destOrd="0" parTransId="{63E77250-0909-456D-8ED3-FD3932628129}" sibTransId="{93D662DD-DEF0-4389-B898-99BF605C7D24}"/>
-    <dgm:cxn modelId="{8CE5C3AE-71AE-4E8E-902B-F0289AC65B65}" type="presOf" srcId="{B1B7ABFC-F9E6-4035-BB1F-11C04E58E69B}" destId="{BB588012-815B-4087-AB84-CE52FC1C9032}" srcOrd="1" destOrd="0" presId="urn:microsoft.com/office/officeart/2005/8/layout/list1"/>
-    <dgm:cxn modelId="{5DE718C2-6EBC-4129-974A-DEAF0D0A8A4D}" type="presOf" srcId="{36C8AD99-A0F3-43BD-B8E0-BA15F74F5168}" destId="{7DC8EE5F-9552-4526-B911-03307A6C1523}" srcOrd="0" destOrd="1" presId="urn:microsoft.com/office/officeart/2005/8/layout/list1"/>
-    <dgm:cxn modelId="{FB74A1C5-7D77-4B02-885F-AF9372838FA6}" type="presOf" srcId="{959879D0-8718-47CC-BB09-52239728CE36}" destId="{30E851F6-DD94-40E6-9931-98233D23B93B}" srcOrd="0" destOrd="0" presId="urn:microsoft.com/office/officeart/2005/8/layout/list1"/>
-    <dgm:cxn modelId="{983F25CD-3AF7-4663-A630-DD88FCD2C735}" type="presOf" srcId="{9449AE51-677A-466C-A756-DE61BF4447B7}" destId="{A54D3A04-D7B3-4E57-8C0D-077B2586FA2A}" srcOrd="0" destOrd="0" presId="urn:microsoft.com/office/officeart/2005/8/layout/list1"/>
+    <dgm:cxn modelId="{DF51C6B1-686F-42AB-B3B7-26004687C9CB}" type="presOf" srcId="{9449AE51-677A-466C-A756-DE61BF4447B7}" destId="{A54D3A04-D7B3-4E57-8C0D-077B2586FA2A}" srcOrd="0" destOrd="0" presId="urn:microsoft.com/office/officeart/2005/8/layout/list1"/>
+    <dgm:cxn modelId="{556D0FBE-73C9-4CD7-BD68-3DEA2702BB4B}" type="presOf" srcId="{D7530EEF-393E-466C-87B6-40E6C2536B5B}" destId="{DF2E62EA-B341-4C5D-BC19-2275E21971ED}" srcOrd="0" destOrd="0" presId="urn:microsoft.com/office/officeart/2005/8/layout/list1"/>
+    <dgm:cxn modelId="{5002A5D4-AB95-4F8A-B1D2-326126B857E2}" type="presOf" srcId="{E1A773CD-0948-4B94-BAF2-3EB8602E06C4}" destId="{D9EB6AB2-CF12-4420-A4D0-608B013745C8}" srcOrd="0" destOrd="0" presId="urn:microsoft.com/office/officeart/2005/8/layout/list1"/>
+    <dgm:cxn modelId="{776F61DA-BD0E-46D8-92E1-DF91F0A38069}" type="presOf" srcId="{9449AE51-677A-466C-A756-DE61BF4447B7}" destId="{1CFAF3C9-7A0E-415D-9DDC-FE45A346FEE3}" srcOrd="1" destOrd="0" presId="urn:microsoft.com/office/officeart/2005/8/layout/list1"/>
     <dgm:cxn modelId="{ED46ABE9-8B56-4F54-838F-A77187E3FB5F}" srcId="{9449AE51-677A-466C-A756-DE61BF4447B7}" destId="{36C8AD99-A0F3-43BD-B8E0-BA15F74F5168}" srcOrd="1" destOrd="0" parTransId="{752884DA-937B-419E-B942-6CC5BA729C08}" sibTransId="{AAC10B53-5559-4E8D-ACA7-F212D7B88555}"/>
+    <dgm:cxn modelId="{F89990F1-29C5-471B-AEAB-B6C75CCA7CFE}" type="presOf" srcId="{2821162D-0883-4EF6-9C65-B1B2D4615856}" destId="{7DC8EE5F-9552-4526-B911-03307A6C1523}" srcOrd="0" destOrd="0" presId="urn:microsoft.com/office/officeart/2005/8/layout/list1"/>
     <dgm:cxn modelId="{A21A28FD-E0BB-4A61-9BDE-050B41DD54D7}" srcId="{959879D0-8718-47CC-BB09-52239728CE36}" destId="{B1B7ABFC-F9E6-4035-BB1F-11C04E58E69B}" srcOrd="3" destOrd="0" parTransId="{0F3D026C-809A-43DA-BE94-BD25BA41AE42}" sibTransId="{031BC806-FE61-4692-98A2-0985E89DF220}"/>
-    <dgm:cxn modelId="{D9204ED0-13D2-4722-8488-2FA0329A197B}" type="presParOf" srcId="{30E851F6-DD94-40E6-9931-98233D23B93B}" destId="{2D3D5972-CD56-496C-BDDE-3C9E94FE4D1C}" srcOrd="0" destOrd="0" presId="urn:microsoft.com/office/officeart/2005/8/layout/list1"/>
-    <dgm:cxn modelId="{D771E65F-9911-42C1-B678-F257D504E331}" type="presParOf" srcId="{2D3D5972-CD56-496C-BDDE-3C9E94FE4D1C}" destId="{DF2E62EA-B341-4C5D-BC19-2275E21971ED}" srcOrd="0" destOrd="0" presId="urn:microsoft.com/office/officeart/2005/8/layout/list1"/>
-    <dgm:cxn modelId="{7AAAC1A2-3F0D-4230-A46A-FB249F2377C9}" type="presParOf" srcId="{2D3D5972-CD56-496C-BDDE-3C9E94FE4D1C}" destId="{327F9D0D-941E-4238-A369-07957D6AF048}" srcOrd="1" destOrd="0" presId="urn:microsoft.com/office/officeart/2005/8/layout/list1"/>
-    <dgm:cxn modelId="{2503D219-03F8-4483-80F8-57EDEBA1E0F5}" type="presParOf" srcId="{30E851F6-DD94-40E6-9931-98233D23B93B}" destId="{5DF4D328-65F9-438F-88AA-71243090BD08}" srcOrd="1" destOrd="0" presId="urn:microsoft.com/office/officeart/2005/8/layout/list1"/>
-    <dgm:cxn modelId="{B0BB2072-1A26-4953-B294-3F7CD3FC6B9A}" type="presParOf" srcId="{30E851F6-DD94-40E6-9931-98233D23B93B}" destId="{9C49C3B2-FD46-4C4D-AF59-35D23A88A80A}" srcOrd="2" destOrd="0" presId="urn:microsoft.com/office/officeart/2005/8/layout/list1"/>
-    <dgm:cxn modelId="{AC27D0D2-6607-4FB0-B25A-36F3497D95A0}" type="presParOf" srcId="{30E851F6-DD94-40E6-9931-98233D23B93B}" destId="{0E701E58-7F7F-42B6-AED7-AE38A3EB8904}" srcOrd="3" destOrd="0" presId="urn:microsoft.com/office/officeart/2005/8/layout/list1"/>
-    <dgm:cxn modelId="{A9FAB078-5485-4DAE-B975-B09DDD490922}" type="presParOf" srcId="{30E851F6-DD94-40E6-9931-98233D23B93B}" destId="{04A9A6A3-BA51-4A14-82CF-A376F40BC124}" srcOrd="4" destOrd="0" presId="urn:microsoft.com/office/officeart/2005/8/layout/list1"/>
-    <dgm:cxn modelId="{595B1067-D2A3-4239-88F3-2E599B14E9DC}" type="presParOf" srcId="{04A9A6A3-BA51-4A14-82CF-A376F40BC124}" destId="{A54D3A04-D7B3-4E57-8C0D-077B2586FA2A}" srcOrd="0" destOrd="0" presId="urn:microsoft.com/office/officeart/2005/8/layout/list1"/>
-    <dgm:cxn modelId="{13FD5927-DCDE-4E2C-AEBB-B161407D3D8D}" type="presParOf" srcId="{04A9A6A3-BA51-4A14-82CF-A376F40BC124}" destId="{1CFAF3C9-7A0E-415D-9DDC-FE45A346FEE3}" srcOrd="1" destOrd="0" presId="urn:microsoft.com/office/officeart/2005/8/layout/list1"/>
-    <dgm:cxn modelId="{440E8042-DC13-4BBB-B60D-C5DF532532FC}" type="presParOf" srcId="{30E851F6-DD94-40E6-9931-98233D23B93B}" destId="{B73935D1-11D4-4D04-8720-982C94C22732}" srcOrd="5" destOrd="0" presId="urn:microsoft.com/office/officeart/2005/8/layout/list1"/>
-    <dgm:cxn modelId="{9737AEB1-4809-4EF2-A064-8C27B4BC10C0}" type="presParOf" srcId="{30E851F6-DD94-40E6-9931-98233D23B93B}" destId="{7DC8EE5F-9552-4526-B911-03307A6C1523}" srcOrd="6" destOrd="0" presId="urn:microsoft.com/office/officeart/2005/8/layout/list1"/>
-    <dgm:cxn modelId="{8A0FE010-35D7-494E-964A-15C6A3E31258}" type="presParOf" srcId="{30E851F6-DD94-40E6-9931-98233D23B93B}" destId="{19C65260-6DC4-49D2-9178-580608A230FA}" srcOrd="7" destOrd="0" presId="urn:microsoft.com/office/officeart/2005/8/layout/list1"/>
-    <dgm:cxn modelId="{ABA70F4A-C318-4C2E-870B-E2CE9A5EBC8F}" type="presParOf" srcId="{30E851F6-DD94-40E6-9931-98233D23B93B}" destId="{013BB77E-D9D6-4363-B242-78A3D23CB02B}" srcOrd="8" destOrd="0" presId="urn:microsoft.com/office/officeart/2005/8/layout/list1"/>
-    <dgm:cxn modelId="{593EDDFE-C911-4830-9AEC-3E59F64E8F54}" type="presParOf" srcId="{013BB77E-D9D6-4363-B242-78A3D23CB02B}" destId="{9094DD0B-E8FF-4118-A66E-39ED07656196}" srcOrd="0" destOrd="0" presId="urn:microsoft.com/office/officeart/2005/8/layout/list1"/>
-    <dgm:cxn modelId="{D22A5E74-6349-4500-B579-D8FDC518BABE}" type="presParOf" srcId="{013BB77E-D9D6-4363-B242-78A3D23CB02B}" destId="{D2AB89EE-A1EC-4223-8B50-5E5D24A1385E}" srcOrd="1" destOrd="0" presId="urn:microsoft.com/office/officeart/2005/8/layout/list1"/>
-    <dgm:cxn modelId="{D652B7AD-C3AD-4B4C-90BB-678B8392300C}" type="presParOf" srcId="{30E851F6-DD94-40E6-9931-98233D23B93B}" destId="{875B30F3-B178-4BEF-8A57-A1AAAA3A57EA}" srcOrd="9" destOrd="0" presId="urn:microsoft.com/office/officeart/2005/8/layout/list1"/>
-    <dgm:cxn modelId="{87B962CF-48A6-473F-968F-D2E4434BFB71}" type="presParOf" srcId="{30E851F6-DD94-40E6-9931-98233D23B93B}" destId="{62B3E645-DD01-4DAA-A761-D74670504B7B}" srcOrd="10" destOrd="0" presId="urn:microsoft.com/office/officeart/2005/8/layout/list1"/>
-    <dgm:cxn modelId="{6CF82221-F32A-4486-A10E-DDAC5E9EA97D}" type="presParOf" srcId="{30E851F6-DD94-40E6-9931-98233D23B93B}" destId="{5DABD545-A5C7-4944-9E05-7E752821514B}" srcOrd="11" destOrd="0" presId="urn:microsoft.com/office/officeart/2005/8/layout/list1"/>
-    <dgm:cxn modelId="{D9034CA3-77BF-417E-913F-18734BC61347}" type="presParOf" srcId="{30E851F6-DD94-40E6-9931-98233D23B93B}" destId="{0B96CA06-82BE-413A-B1D5-88CA480AE297}" srcOrd="12" destOrd="0" presId="urn:microsoft.com/office/officeart/2005/8/layout/list1"/>
-    <dgm:cxn modelId="{9D2A96EC-D268-470C-8B31-4E81FD3A3D74}" type="presParOf" srcId="{0B96CA06-82BE-413A-B1D5-88CA480AE297}" destId="{3621948C-D356-4DC3-A24F-8F7329959D1C}" srcOrd="0" destOrd="0" presId="urn:microsoft.com/office/officeart/2005/8/layout/list1"/>
-    <dgm:cxn modelId="{A8349399-F6AF-4028-9D7B-9B5C9FE22815}" type="presParOf" srcId="{0B96CA06-82BE-413A-B1D5-88CA480AE297}" destId="{BB588012-815B-4087-AB84-CE52FC1C9032}" srcOrd="1" destOrd="0" presId="urn:microsoft.com/office/officeart/2005/8/layout/list1"/>
-    <dgm:cxn modelId="{916DC0F8-DB45-4C76-9852-0101ED307570}" type="presParOf" srcId="{30E851F6-DD94-40E6-9931-98233D23B93B}" destId="{95662E4D-2878-4F12-AD2A-3BB4420A73AC}" srcOrd="13" destOrd="0" presId="urn:microsoft.com/office/officeart/2005/8/layout/list1"/>
-    <dgm:cxn modelId="{F5BE0DCD-F488-4713-A2BB-B7C65C6D3722}" type="presParOf" srcId="{30E851F6-DD94-40E6-9931-98233D23B93B}" destId="{D9EB6AB2-CF12-4420-A4D0-608B013745C8}" srcOrd="14" destOrd="0" presId="urn:microsoft.com/office/officeart/2005/8/layout/list1"/>
+    <dgm:cxn modelId="{D7C3CA57-A6A8-4A32-B4AD-B9C751AA9F64}" type="presParOf" srcId="{30E851F6-DD94-40E6-9931-98233D23B93B}" destId="{2D3D5972-CD56-496C-BDDE-3C9E94FE4D1C}" srcOrd="0" destOrd="0" presId="urn:microsoft.com/office/officeart/2005/8/layout/list1"/>
+    <dgm:cxn modelId="{73D9B771-0543-4AA2-BAE3-BCE8B364E2E1}" type="presParOf" srcId="{2D3D5972-CD56-496C-BDDE-3C9E94FE4D1C}" destId="{DF2E62EA-B341-4C5D-BC19-2275E21971ED}" srcOrd="0" destOrd="0" presId="urn:microsoft.com/office/officeart/2005/8/layout/list1"/>
+    <dgm:cxn modelId="{6D54BE48-56F0-4768-B015-89F903849269}" type="presParOf" srcId="{2D3D5972-CD56-496C-BDDE-3C9E94FE4D1C}" destId="{327F9D0D-941E-4238-A369-07957D6AF048}" srcOrd="1" destOrd="0" presId="urn:microsoft.com/office/officeart/2005/8/layout/list1"/>
+    <dgm:cxn modelId="{6D91CE18-BCD3-4968-A170-5F6978162730}" type="presParOf" srcId="{30E851F6-DD94-40E6-9931-98233D23B93B}" destId="{5DF4D328-65F9-438F-88AA-71243090BD08}" srcOrd="1" destOrd="0" presId="urn:microsoft.com/office/officeart/2005/8/layout/list1"/>
+    <dgm:cxn modelId="{6992D931-47FF-4CDC-8B61-0BC4B7161F10}" type="presParOf" srcId="{30E851F6-DD94-40E6-9931-98233D23B93B}" destId="{9C49C3B2-FD46-4C4D-AF59-35D23A88A80A}" srcOrd="2" destOrd="0" presId="urn:microsoft.com/office/officeart/2005/8/layout/list1"/>
+    <dgm:cxn modelId="{377DBC3C-B243-45EA-9A66-FF2015FD9875}" type="presParOf" srcId="{30E851F6-DD94-40E6-9931-98233D23B93B}" destId="{0E701E58-7F7F-42B6-AED7-AE38A3EB8904}" srcOrd="3" destOrd="0" presId="urn:microsoft.com/office/officeart/2005/8/layout/list1"/>
+    <dgm:cxn modelId="{2734D0BD-0846-4CB5-9A43-04BBB4462796}" type="presParOf" srcId="{30E851F6-DD94-40E6-9931-98233D23B93B}" destId="{04A9A6A3-BA51-4A14-82CF-A376F40BC124}" srcOrd="4" destOrd="0" presId="urn:microsoft.com/office/officeart/2005/8/layout/list1"/>
+    <dgm:cxn modelId="{04D16925-2C82-42BF-A985-5651DBF13B78}" type="presParOf" srcId="{04A9A6A3-BA51-4A14-82CF-A376F40BC124}" destId="{A54D3A04-D7B3-4E57-8C0D-077B2586FA2A}" srcOrd="0" destOrd="0" presId="urn:microsoft.com/office/officeart/2005/8/layout/list1"/>
+    <dgm:cxn modelId="{4F221138-FDC1-4701-A540-ACEED009A6C5}" type="presParOf" srcId="{04A9A6A3-BA51-4A14-82CF-A376F40BC124}" destId="{1CFAF3C9-7A0E-415D-9DDC-FE45A346FEE3}" srcOrd="1" destOrd="0" presId="urn:microsoft.com/office/officeart/2005/8/layout/list1"/>
+    <dgm:cxn modelId="{098996A2-BB53-47B2-9CB6-B73738D71189}" type="presParOf" srcId="{30E851F6-DD94-40E6-9931-98233D23B93B}" destId="{B73935D1-11D4-4D04-8720-982C94C22732}" srcOrd="5" destOrd="0" presId="urn:microsoft.com/office/officeart/2005/8/layout/list1"/>
+    <dgm:cxn modelId="{E61C98AD-3C46-460E-8EC1-F6AF10BB087B}" type="presParOf" srcId="{30E851F6-DD94-40E6-9931-98233D23B93B}" destId="{7DC8EE5F-9552-4526-B911-03307A6C1523}" srcOrd="6" destOrd="0" presId="urn:microsoft.com/office/officeart/2005/8/layout/list1"/>
+    <dgm:cxn modelId="{5F2DDB78-A361-451D-AF01-0F57595CB511}" type="presParOf" srcId="{30E851F6-DD94-40E6-9931-98233D23B93B}" destId="{19C65260-6DC4-49D2-9178-580608A230FA}" srcOrd="7" destOrd="0" presId="urn:microsoft.com/office/officeart/2005/8/layout/list1"/>
+    <dgm:cxn modelId="{28AB0AEB-BCFB-4056-AB9E-AEFB995C43A2}" type="presParOf" srcId="{30E851F6-DD94-40E6-9931-98233D23B93B}" destId="{013BB77E-D9D6-4363-B242-78A3D23CB02B}" srcOrd="8" destOrd="0" presId="urn:microsoft.com/office/officeart/2005/8/layout/list1"/>
+    <dgm:cxn modelId="{04C861C2-CAAF-401E-96FA-D2B1648C9D1B}" type="presParOf" srcId="{013BB77E-D9D6-4363-B242-78A3D23CB02B}" destId="{9094DD0B-E8FF-4118-A66E-39ED07656196}" srcOrd="0" destOrd="0" presId="urn:microsoft.com/office/officeart/2005/8/layout/list1"/>
+    <dgm:cxn modelId="{6A21E9E4-1DD7-4B96-B0AD-5019D3F32B10}" type="presParOf" srcId="{013BB77E-D9D6-4363-B242-78A3D23CB02B}" destId="{D2AB89EE-A1EC-4223-8B50-5E5D24A1385E}" srcOrd="1" destOrd="0" presId="urn:microsoft.com/office/officeart/2005/8/layout/list1"/>
+    <dgm:cxn modelId="{61E2E233-BFEB-48B8-B6E0-A54F5D343FD1}" type="presParOf" srcId="{30E851F6-DD94-40E6-9931-98233D23B93B}" destId="{875B30F3-B178-4BEF-8A57-A1AAAA3A57EA}" srcOrd="9" destOrd="0" presId="urn:microsoft.com/office/officeart/2005/8/layout/list1"/>
+    <dgm:cxn modelId="{9A97E964-8A05-462E-A0EF-1A73EA89382D}" type="presParOf" srcId="{30E851F6-DD94-40E6-9931-98233D23B93B}" destId="{62B3E645-DD01-4DAA-A761-D74670504B7B}" srcOrd="10" destOrd="0" presId="urn:microsoft.com/office/officeart/2005/8/layout/list1"/>
+    <dgm:cxn modelId="{D5FAD253-C2D5-40FC-8592-813343FB4F26}" type="presParOf" srcId="{30E851F6-DD94-40E6-9931-98233D23B93B}" destId="{5DABD545-A5C7-4944-9E05-7E752821514B}" srcOrd="11" destOrd="0" presId="urn:microsoft.com/office/officeart/2005/8/layout/list1"/>
+    <dgm:cxn modelId="{23D2FBF9-2E1E-4490-93AE-7702DE1D59A4}" type="presParOf" srcId="{30E851F6-DD94-40E6-9931-98233D23B93B}" destId="{0B96CA06-82BE-413A-B1D5-88CA480AE297}" srcOrd="12" destOrd="0" presId="urn:microsoft.com/office/officeart/2005/8/layout/list1"/>
+    <dgm:cxn modelId="{4989CFA4-D17A-4709-94AB-17B28FDF0126}" type="presParOf" srcId="{0B96CA06-82BE-413A-B1D5-88CA480AE297}" destId="{3621948C-D356-4DC3-A24F-8F7329959D1C}" srcOrd="0" destOrd="0" presId="urn:microsoft.com/office/officeart/2005/8/layout/list1"/>
+    <dgm:cxn modelId="{F12B4BD8-8660-42AC-9F5D-5A1561E4E6E3}" type="presParOf" srcId="{0B96CA06-82BE-413A-B1D5-88CA480AE297}" destId="{BB588012-815B-4087-AB84-CE52FC1C9032}" srcOrd="1" destOrd="0" presId="urn:microsoft.com/office/officeart/2005/8/layout/list1"/>
+    <dgm:cxn modelId="{79B81B1A-FF89-4628-B643-76E60B302CE0}" type="presParOf" srcId="{30E851F6-DD94-40E6-9931-98233D23B93B}" destId="{95662E4D-2878-4F12-AD2A-3BB4420A73AC}" srcOrd="13" destOrd="0" presId="urn:microsoft.com/office/officeart/2005/8/layout/list1"/>
+    <dgm:cxn modelId="{B8822707-BE12-44DC-9F5C-739A6D5AA69F}" type="presParOf" srcId="{30E851F6-DD94-40E6-9931-98233D23B93B}" destId="{D9EB6AB2-CF12-4420-A4D0-608B013745C8}" srcOrd="14" destOrd="0" presId="urn:microsoft.com/office/officeart/2005/8/layout/list1"/>
   </dgm:cxnLst>
   <dgm:bg/>
   <dgm:whole/>
@@ -8739,27 +8780,27 @@
     <dgm:cxn modelId="{34E74D10-60B0-41E7-875A-F2955544E5F6}" srcId="{26071C28-A920-4D7A-807B-56AE50F647DD}" destId="{C0E2B8AA-E160-4876-A510-1BE54A50EE7F}" srcOrd="1" destOrd="0" parTransId="{253EDEB3-7151-499D-968D-00FC54BC5568}" sibTransId="{0484FEED-A616-441F-AA32-06D4A34B4611}"/>
     <dgm:cxn modelId="{2F9E0B1C-372E-4E2E-8BC8-A486FE4EF531}" srcId="{26071C28-A920-4D7A-807B-56AE50F647DD}" destId="{BB82AEAB-B3A5-4A0C-9AF9-DE8F86B1F60C}" srcOrd="3" destOrd="0" parTransId="{D0BF03EF-FF65-46D1-A77B-35078F6522E0}" sibTransId="{15C3D5A0-C677-4D6B-AA9C-45A21C1D28D9}"/>
     <dgm:cxn modelId="{A956DE22-916E-456F-BAB2-3A5D1C954CDA}" srcId="{7CD0CFA7-90D0-4F51-B307-543DB97F5926}" destId="{26071C28-A920-4D7A-807B-56AE50F647DD}" srcOrd="1" destOrd="0" parTransId="{35CE37B3-4607-4152-8A98-4F149C86078C}" sibTransId="{90E84172-4EAB-4FDC-AFFF-4DD4612FE338}"/>
-    <dgm:cxn modelId="{690E086B-9E71-481A-A38D-523A572CA937}" type="presOf" srcId="{91713EA9-B388-427F-A757-46DF2FA55CBC}" destId="{F5E2033C-3FD8-41D0-AB91-054B89B0F3F4}" srcOrd="0" destOrd="0" presId="urn:microsoft.com/office/officeart/2005/8/layout/vList5"/>
+    <dgm:cxn modelId="{44B6A226-1DA0-4E05-BCBA-1865AACCCC76}" type="presOf" srcId="{BB82AEAB-B3A5-4A0C-9AF9-DE8F86B1F60C}" destId="{8C57F8BA-2F6E-40E1-B57F-DEBAA58A87FF}" srcOrd="0" destOrd="3" presId="urn:microsoft.com/office/officeart/2005/8/layout/vList5"/>
+    <dgm:cxn modelId="{B0F91F5E-89EB-4F7C-AF2E-72B56C71545A}" type="presOf" srcId="{40D7266A-7600-438F-A6F0-C1C1F3F6C1D6}" destId="{B0329556-486A-4082-8A80-9A0A7B6CE6A3}" srcOrd="0" destOrd="1" presId="urn:microsoft.com/office/officeart/2005/8/layout/vList5"/>
     <dgm:cxn modelId="{4C6E246C-6F52-4409-9839-649318F738A4}" srcId="{91713EA9-B388-427F-A757-46DF2FA55CBC}" destId="{40D7266A-7600-438F-A6F0-C1C1F3F6C1D6}" srcOrd="1" destOrd="0" parTransId="{CDA826EA-C6AD-45DB-9B78-337B6512AC97}" sibTransId="{F2AB34FD-C7DC-4660-918B-6AC7C3FB2067}"/>
     <dgm:cxn modelId="{B3C5574C-96ED-415E-8FA0-5CBE35BED727}" srcId="{7CD0CFA7-90D0-4F51-B307-543DB97F5926}" destId="{91713EA9-B388-427F-A757-46DF2FA55CBC}" srcOrd="0" destOrd="0" parTransId="{0B73CEB6-73F6-4FBC-85D4-64FA8938D43E}" sibTransId="{C1646355-FCAC-4651-9FD9-1BDD57558D7C}"/>
-    <dgm:cxn modelId="{7000D76D-1C46-43A3-8AE1-FD25ED96FB4F}" type="presOf" srcId="{40D7266A-7600-438F-A6F0-C1C1F3F6C1D6}" destId="{B0329556-486A-4082-8A80-9A0A7B6CE6A3}" srcOrd="0" destOrd="1" presId="urn:microsoft.com/office/officeart/2005/8/layout/vList5"/>
+    <dgm:cxn modelId="{92AA2176-B3EB-46C6-B798-AA6B15CF4946}" type="presOf" srcId="{7CD0CFA7-90D0-4F51-B307-543DB97F5926}" destId="{5CB6628D-ACF7-4EE9-979C-EC6818269EDC}" srcOrd="0" destOrd="0" presId="urn:microsoft.com/office/officeart/2005/8/layout/vList5"/>
+    <dgm:cxn modelId="{B457697D-0271-43D7-8024-2B9E9C585618}" type="presOf" srcId="{26071C28-A920-4D7A-807B-56AE50F647DD}" destId="{336C8601-9AF3-4C38-85DB-0251E1367A18}" srcOrd="0" destOrd="0" presId="urn:microsoft.com/office/officeart/2005/8/layout/vList5"/>
+    <dgm:cxn modelId="{3DF6B78F-0E2C-4935-B339-71BF255C42C0}" type="presOf" srcId="{EFDD23E6-BCF1-43FA-9997-DFFB990C7665}" destId="{B0329556-486A-4082-8A80-9A0A7B6CE6A3}" srcOrd="0" destOrd="0" presId="urn:microsoft.com/office/officeart/2005/8/layout/vList5"/>
+    <dgm:cxn modelId="{2FD4839B-B9BF-4F33-9D25-054EB72A8476}" type="presOf" srcId="{694D07C2-8046-4AFF-B532-F8F520EF5FB3}" destId="{8C57F8BA-2F6E-40E1-B57F-DEBAA58A87FF}" srcOrd="0" destOrd="2" presId="urn:microsoft.com/office/officeart/2005/8/layout/vList5"/>
     <dgm:cxn modelId="{896D3E9D-0048-49DA-9AA1-B0914440D9DF}" srcId="{91713EA9-B388-427F-A757-46DF2FA55CBC}" destId="{EFDD23E6-BCF1-43FA-9997-DFFB990C7665}" srcOrd="0" destOrd="0" parTransId="{B38C7475-E0E4-4FB9-8B3D-928C1F6DEACD}" sibTransId="{0491C158-9EEB-4ABB-9030-7832FEDFDC27}"/>
-    <dgm:cxn modelId="{719763AB-A0A9-4CE5-AB09-569E853B34D8}" type="presOf" srcId="{BC86B078-1147-475F-8D9A-D65DCBD62C90}" destId="{8C57F8BA-2F6E-40E1-B57F-DEBAA58A87FF}" srcOrd="0" destOrd="0" presId="urn:microsoft.com/office/officeart/2005/8/layout/vList5"/>
-    <dgm:cxn modelId="{411040B2-3149-43A4-86ED-1B27DF9DF56B}" type="presOf" srcId="{7CD0CFA7-90D0-4F51-B307-543DB97F5926}" destId="{5CB6628D-ACF7-4EE9-979C-EC6818269EDC}" srcOrd="0" destOrd="0" presId="urn:microsoft.com/office/officeart/2005/8/layout/vList5"/>
-    <dgm:cxn modelId="{02F689B4-BD17-4477-BA0C-74303BEF6CA5}" type="presOf" srcId="{BB82AEAB-B3A5-4A0C-9AF9-DE8F86B1F60C}" destId="{8C57F8BA-2F6E-40E1-B57F-DEBAA58A87FF}" srcOrd="0" destOrd="3" presId="urn:microsoft.com/office/officeart/2005/8/layout/vList5"/>
-    <dgm:cxn modelId="{F9E5FCB9-196B-4474-81E2-F5CE5FEAE4CC}" type="presOf" srcId="{694D07C2-8046-4AFF-B532-F8F520EF5FB3}" destId="{8C57F8BA-2F6E-40E1-B57F-DEBAA58A87FF}" srcOrd="0" destOrd="2" presId="urn:microsoft.com/office/officeart/2005/8/layout/vList5"/>
-    <dgm:cxn modelId="{3C161AC1-9BB7-4784-AD1D-2933F7C0F9E3}" type="presOf" srcId="{26071C28-A920-4D7A-807B-56AE50F647DD}" destId="{336C8601-9AF3-4C38-85DB-0251E1367A18}" srcOrd="0" destOrd="0" presId="urn:microsoft.com/office/officeart/2005/8/layout/vList5"/>
+    <dgm:cxn modelId="{E916019F-D975-474C-9FA4-FF9B37B3A84B}" type="presOf" srcId="{91713EA9-B388-427F-A757-46DF2FA55CBC}" destId="{F5E2033C-3FD8-41D0-AB91-054B89B0F3F4}" srcOrd="0" destOrd="0" presId="urn:microsoft.com/office/officeart/2005/8/layout/vList5"/>
+    <dgm:cxn modelId="{B3E942CA-8025-4AAE-B2D5-D8CBD827337D}" type="presOf" srcId="{C0E2B8AA-E160-4876-A510-1BE54A50EE7F}" destId="{8C57F8BA-2F6E-40E1-B57F-DEBAA58A87FF}" srcOrd="0" destOrd="1" presId="urn:microsoft.com/office/officeart/2005/8/layout/vList5"/>
     <dgm:cxn modelId="{800135DD-4C4E-445C-A834-F27EB75DE003}" srcId="{26071C28-A920-4D7A-807B-56AE50F647DD}" destId="{694D07C2-8046-4AFF-B532-F8F520EF5FB3}" srcOrd="2" destOrd="0" parTransId="{D5A8D9AC-179F-4472-AB1B-20DC78A93E85}" sibTransId="{DA18D4BB-3A6D-4458-A338-ABEB0C462D2A}"/>
-    <dgm:cxn modelId="{C6D534DE-E4CA-43B1-AE7F-B96AB55FEF52}" type="presOf" srcId="{EFDD23E6-BCF1-43FA-9997-DFFB990C7665}" destId="{B0329556-486A-4082-8A80-9A0A7B6CE6A3}" srcOrd="0" destOrd="0" presId="urn:microsoft.com/office/officeart/2005/8/layout/vList5"/>
     <dgm:cxn modelId="{591C5DE6-C3C8-4472-B6D4-BAD379E1446C}" srcId="{26071C28-A920-4D7A-807B-56AE50F647DD}" destId="{BC86B078-1147-475F-8D9A-D65DCBD62C90}" srcOrd="0" destOrd="0" parTransId="{707DCBF5-78BF-4996-B553-A392EF1AAC82}" sibTransId="{92DA3B05-3C68-408D-AD2B-21271BE570B5}"/>
-    <dgm:cxn modelId="{566CE5F4-6C8F-4C12-833E-E59D2F590AD0}" type="presOf" srcId="{C0E2B8AA-E160-4876-A510-1BE54A50EE7F}" destId="{8C57F8BA-2F6E-40E1-B57F-DEBAA58A87FF}" srcOrd="0" destOrd="1" presId="urn:microsoft.com/office/officeart/2005/8/layout/vList5"/>
-    <dgm:cxn modelId="{BE5DA7D9-9FBE-45C3-8120-9D3A64B2E6A6}" type="presParOf" srcId="{5CB6628D-ACF7-4EE9-979C-EC6818269EDC}" destId="{ABFDB257-FF3A-430F-BE4C-3F719FB8BCAE}" srcOrd="0" destOrd="0" presId="urn:microsoft.com/office/officeart/2005/8/layout/vList5"/>
-    <dgm:cxn modelId="{F01E69CC-BFC9-49E7-ACF5-B86250FB2F44}" type="presParOf" srcId="{ABFDB257-FF3A-430F-BE4C-3F719FB8BCAE}" destId="{F5E2033C-3FD8-41D0-AB91-054B89B0F3F4}" srcOrd="0" destOrd="0" presId="urn:microsoft.com/office/officeart/2005/8/layout/vList5"/>
-    <dgm:cxn modelId="{F73D9873-018D-459C-8EE5-B5B97F4651B0}" type="presParOf" srcId="{ABFDB257-FF3A-430F-BE4C-3F719FB8BCAE}" destId="{B0329556-486A-4082-8A80-9A0A7B6CE6A3}" srcOrd="1" destOrd="0" presId="urn:microsoft.com/office/officeart/2005/8/layout/vList5"/>
-    <dgm:cxn modelId="{9F8CEC6D-C202-4C36-A8EB-10448B7F8578}" type="presParOf" srcId="{5CB6628D-ACF7-4EE9-979C-EC6818269EDC}" destId="{F6655C41-FEBB-4407-AEB3-0EF752915CA7}" srcOrd="1" destOrd="0" presId="urn:microsoft.com/office/officeart/2005/8/layout/vList5"/>
-    <dgm:cxn modelId="{84552D9C-D4B9-4020-AEE2-1AE7C69EE354}" type="presParOf" srcId="{5CB6628D-ACF7-4EE9-979C-EC6818269EDC}" destId="{5D8286C7-70F3-441A-84A6-D49C4189F44E}" srcOrd="2" destOrd="0" presId="urn:microsoft.com/office/officeart/2005/8/layout/vList5"/>
-    <dgm:cxn modelId="{A4A83C0B-79A4-4D56-B214-517EAB9DB60F}" type="presParOf" srcId="{5D8286C7-70F3-441A-84A6-D49C4189F44E}" destId="{336C8601-9AF3-4C38-85DB-0251E1367A18}" srcOrd="0" destOrd="0" presId="urn:microsoft.com/office/officeart/2005/8/layout/vList5"/>
-    <dgm:cxn modelId="{9EF51964-DBF8-44B8-A243-3861056C619B}" type="presParOf" srcId="{5D8286C7-70F3-441A-84A6-D49C4189F44E}" destId="{8C57F8BA-2F6E-40E1-B57F-DEBAA58A87FF}" srcOrd="1" destOrd="0" presId="urn:microsoft.com/office/officeart/2005/8/layout/vList5"/>
+    <dgm:cxn modelId="{A66627E9-4907-4BDE-81D3-3266A32FE8C1}" type="presOf" srcId="{BC86B078-1147-475F-8D9A-D65DCBD62C90}" destId="{8C57F8BA-2F6E-40E1-B57F-DEBAA58A87FF}" srcOrd="0" destOrd="0" presId="urn:microsoft.com/office/officeart/2005/8/layout/vList5"/>
+    <dgm:cxn modelId="{AE14E166-2983-4E8D-B253-7987B9FEC06A}" type="presParOf" srcId="{5CB6628D-ACF7-4EE9-979C-EC6818269EDC}" destId="{ABFDB257-FF3A-430F-BE4C-3F719FB8BCAE}" srcOrd="0" destOrd="0" presId="urn:microsoft.com/office/officeart/2005/8/layout/vList5"/>
+    <dgm:cxn modelId="{B77CB20C-E890-4FCE-A3A9-6F52E6D22099}" type="presParOf" srcId="{ABFDB257-FF3A-430F-BE4C-3F719FB8BCAE}" destId="{F5E2033C-3FD8-41D0-AB91-054B89B0F3F4}" srcOrd="0" destOrd="0" presId="urn:microsoft.com/office/officeart/2005/8/layout/vList5"/>
+    <dgm:cxn modelId="{BD0CDF45-A36A-47B8-923B-2D5F831701AF}" type="presParOf" srcId="{ABFDB257-FF3A-430F-BE4C-3F719FB8BCAE}" destId="{B0329556-486A-4082-8A80-9A0A7B6CE6A3}" srcOrd="1" destOrd="0" presId="urn:microsoft.com/office/officeart/2005/8/layout/vList5"/>
+    <dgm:cxn modelId="{EBFB5A32-E388-4FAC-87D1-845B4DF5DC68}" type="presParOf" srcId="{5CB6628D-ACF7-4EE9-979C-EC6818269EDC}" destId="{F6655C41-FEBB-4407-AEB3-0EF752915CA7}" srcOrd="1" destOrd="0" presId="urn:microsoft.com/office/officeart/2005/8/layout/vList5"/>
+    <dgm:cxn modelId="{AE00D3CB-28B2-4319-8A43-9141CD827A77}" type="presParOf" srcId="{5CB6628D-ACF7-4EE9-979C-EC6818269EDC}" destId="{5D8286C7-70F3-441A-84A6-D49C4189F44E}" srcOrd="2" destOrd="0" presId="urn:microsoft.com/office/officeart/2005/8/layout/vList5"/>
+    <dgm:cxn modelId="{659382BA-918D-4A62-9B49-E34C209A6AD6}" type="presParOf" srcId="{5D8286C7-70F3-441A-84A6-D49C4189F44E}" destId="{336C8601-9AF3-4C38-85DB-0251E1367A18}" srcOrd="0" destOrd="0" presId="urn:microsoft.com/office/officeart/2005/8/layout/vList5"/>
+    <dgm:cxn modelId="{1299E578-D326-4B6E-B8A0-FA755097CC3E}" type="presParOf" srcId="{5D8286C7-70F3-441A-84A6-D49C4189F44E}" destId="{8C57F8BA-2F6E-40E1-B57F-DEBAA58A87FF}" srcOrd="1" destOrd="0" presId="urn:microsoft.com/office/officeart/2005/8/layout/vList5"/>
   </dgm:cxnLst>
   <dgm:bg/>
   <dgm:whole/>
@@ -9103,7 +9144,7 @@
   <dgm:whole/>
   <dgm:extLst>
     <a:ext uri="http://schemas.microsoft.com/office/drawing/2008/diagram">
-      <dsp:dataModelExt xmlns:dsp="http://schemas.microsoft.com/office/drawing/2008/diagram" relId="rId8" minVer="http://schemas.openxmlformats.org/drawingml/2006/diagram"/>
+      <dsp:dataModelExt xmlns:dsp="http://schemas.microsoft.com/office/drawing/2008/diagram" relId="rId7" minVer="http://schemas.openxmlformats.org/drawingml/2006/diagram"/>
     </a:ext>
   </dgm:extLst>
 </dgm:dataModel>
@@ -11623,8 +11664,8 @@
       </dsp:nvSpPr>
       <dsp:spPr>
         <a:xfrm>
-          <a:off x="0" y="295801"/>
-          <a:ext cx="5741533" cy="478800"/>
+          <a:off x="0" y="473011"/>
+          <a:ext cx="5741533" cy="453600"/>
         </a:xfrm>
         <a:prstGeom prst="rect">
           <a:avLst/>
@@ -11671,8 +11712,8 @@
       </dsp:nvSpPr>
       <dsp:spPr>
         <a:xfrm>
-          <a:off x="287076" y="15361"/>
-          <a:ext cx="4019073" cy="560880"/>
+          <a:off x="287076" y="207331"/>
+          <a:ext cx="4019073" cy="531360"/>
         </a:xfrm>
         <a:prstGeom prst="roundRect">
           <a:avLst/>
@@ -11718,9 +11759,9 @@
         </a:bodyPr>
         <a:lstStyle/>
         <a:p>
-          <a:pPr marL="0" lvl="0" indent="0" algn="l" defTabSz="844550">
+          <a:pPr marL="0" lvl="0" indent="0" algn="l" defTabSz="800100">
             <a:lnSpc>
-              <a:spcPct val="90000"/>
+              <a:spcPct val="100000"/>
             </a:lnSpc>
             <a:spcBef>
               <a:spcPct val="0"/>
@@ -11731,15 +11772,15 @@
             <a:buNone/>
           </a:pPr>
           <a:r>
-            <a:rPr lang="en-GB" sz="1900" kern="1200"/>
+            <a:rPr lang="en-GB" sz="1800" kern="1200"/>
             <a:t>Starting a new job can be stressful</a:t>
           </a:r>
-          <a:endParaRPr lang="en-US" sz="1900" kern="1200"/>
+          <a:endParaRPr lang="en-US" sz="1800" kern="1200"/>
         </a:p>
       </dsp:txBody>
       <dsp:txXfrm>
-        <a:off x="314456" y="42741"/>
-        <a:ext cx="3964313" cy="506120"/>
+        <a:off x="313015" y="233270"/>
+        <a:ext cx="3967195" cy="479482"/>
       </dsp:txXfrm>
     </dsp:sp>
     <dsp:sp modelId="{7DC8EE5F-9552-4526-B911-03307A6C1523}">
@@ -11749,8 +11790,8 @@
       </dsp:nvSpPr>
       <dsp:spPr>
         <a:xfrm>
-          <a:off x="0" y="1157641"/>
-          <a:ext cx="5741533" cy="1645875"/>
+          <a:off x="0" y="1289491"/>
+          <a:ext cx="5741533" cy="1389150"/>
         </a:xfrm>
         <a:prstGeom prst="rect">
           <a:avLst/>
@@ -11767,9 +11808,9 @@
         <a:ln w="19050" cap="rnd" cmpd="sng" algn="ctr">
           <a:solidFill>
             <a:schemeClr val="accent2">
-              <a:hueOff val="-2768475"/>
-              <a:satOff val="-13152"/>
-              <a:lumOff val="-4118"/>
+              <a:hueOff val="6536467"/>
+              <a:satOff val="-9170"/>
+              <a:lumOff val="-2288"/>
               <a:alphaOff val="0"/>
             </a:schemeClr>
           </a:solidFill>
@@ -11790,14 +11831,14 @@
         <a:fontRef idx="minor"/>
       </dsp:style>
       <dsp:txBody>
-        <a:bodyPr spcFirstLastPara="0" vert="horz" wrap="square" lIns="445607" tIns="395732" rIns="445607" bIns="135128" numCol="1" spcCol="1270" anchor="t" anchorCtr="0">
+        <a:bodyPr spcFirstLastPara="0" vert="horz" wrap="square" lIns="445607" tIns="374904" rIns="445607" bIns="128016" numCol="1" spcCol="1270" anchor="t" anchorCtr="0">
           <a:noAutofit/>
         </a:bodyPr>
         <a:lstStyle/>
         <a:p>
-          <a:pPr marL="171450" lvl="1" indent="-171450" algn="l" defTabSz="844550">
+          <a:pPr marL="171450" lvl="1" indent="-171450" algn="l" defTabSz="800100">
             <a:lnSpc>
-              <a:spcPct val="90000"/>
+              <a:spcPct val="100000"/>
             </a:lnSpc>
             <a:spcBef>
               <a:spcPct val="0"/>
@@ -11808,15 +11849,15 @@
             <a:buChar char="•"/>
           </a:pPr>
           <a:r>
-            <a:rPr lang="en-GB" sz="1900" kern="1200"/>
+            <a:rPr lang="en-GB" sz="1800" kern="1200"/>
             <a:t>Adjustment of the new workplace environment</a:t>
           </a:r>
-          <a:endParaRPr lang="en-US" sz="1900" kern="1200"/>
+          <a:endParaRPr lang="en-US" sz="1800" kern="1200"/>
         </a:p>
         <a:p>
-          <a:pPr marL="171450" lvl="1" indent="-171450" algn="l" defTabSz="844550">
+          <a:pPr marL="171450" lvl="1" indent="-171450" algn="l" defTabSz="800100">
             <a:lnSpc>
-              <a:spcPct val="90000"/>
+              <a:spcPct val="100000"/>
             </a:lnSpc>
             <a:spcBef>
               <a:spcPct val="0"/>
@@ -11827,15 +11868,15 @@
             <a:buChar char="•"/>
           </a:pPr>
           <a:r>
-            <a:rPr lang="en-GB" sz="1900" kern="1200"/>
+            <a:rPr lang="en-GB" sz="1800" kern="1200"/>
             <a:t>“a period of learning how to ‘ﬁt in’ and adjusting to how things work in the new setting”[1] </a:t>
           </a:r>
-          <a:endParaRPr lang="en-US" sz="1900" kern="1200"/>
+          <a:endParaRPr lang="en-US" sz="1800" kern="1200"/>
         </a:p>
       </dsp:txBody>
       <dsp:txXfrm>
-        <a:off x="0" y="1157641"/>
-        <a:ext cx="5741533" cy="1645875"/>
+        <a:off x="0" y="1289491"/>
+        <a:ext cx="5741533" cy="1389150"/>
       </dsp:txXfrm>
     </dsp:sp>
     <dsp:sp modelId="{1CFAF3C9-7A0E-415D-9DDC-FE45A346FEE3}">
@@ -11845,17 +11886,17 @@
       </dsp:nvSpPr>
       <dsp:spPr>
         <a:xfrm>
-          <a:off x="287076" y="877201"/>
-          <a:ext cx="4019073" cy="560880"/>
+          <a:off x="287076" y="1023811"/>
+          <a:ext cx="4019073" cy="531360"/>
         </a:xfrm>
         <a:prstGeom prst="roundRect">
           <a:avLst/>
         </a:prstGeom>
         <a:solidFill>
           <a:schemeClr val="accent2">
-            <a:hueOff val="-2768475"/>
-            <a:satOff val="-13152"/>
-            <a:lumOff val="-4118"/>
+            <a:hueOff val="6536467"/>
+            <a:satOff val="-9170"/>
+            <a:lumOff val="-2288"/>
             <a:alphaOff val="0"/>
           </a:schemeClr>
         </a:solidFill>
@@ -11892,9 +11933,9 @@
         </a:bodyPr>
         <a:lstStyle/>
         <a:p>
-          <a:pPr marL="0" lvl="0" indent="0" algn="l" defTabSz="844550">
+          <a:pPr marL="0" lvl="0" indent="0" algn="l" defTabSz="800100">
             <a:lnSpc>
-              <a:spcPct val="90000"/>
+              <a:spcPct val="100000"/>
             </a:lnSpc>
             <a:spcBef>
               <a:spcPct val="0"/>
@@ -11905,15 +11946,15 @@
             <a:buNone/>
           </a:pPr>
           <a:r>
-            <a:rPr lang="en-GB" sz="1900" kern="1200"/>
+            <a:rPr lang="en-GB" sz="1800" kern="1200"/>
             <a:t>Job-stress</a:t>
           </a:r>
-          <a:endParaRPr lang="en-US" sz="1900" kern="1200"/>
+          <a:endParaRPr lang="en-US" sz="1800" kern="1200"/>
         </a:p>
       </dsp:txBody>
       <dsp:txXfrm>
-        <a:off x="314456" y="904581"/>
-        <a:ext cx="3964313" cy="506120"/>
+        <a:off x="313015" y="1049750"/>
+        <a:ext cx="3967195" cy="479482"/>
       </dsp:txXfrm>
     </dsp:sp>
     <dsp:sp modelId="{62B3E645-DD01-4DAA-A761-D74670504B7B}">
@@ -11923,8 +11964,8 @@
       </dsp:nvSpPr>
       <dsp:spPr>
         <a:xfrm>
-          <a:off x="0" y="3186556"/>
-          <a:ext cx="5741533" cy="478800"/>
+          <a:off x="0" y="3041521"/>
+          <a:ext cx="5741533" cy="453600"/>
         </a:xfrm>
         <a:prstGeom prst="rect">
           <a:avLst/>
@@ -11941,9 +11982,9 @@
         <a:ln w="19050" cap="rnd" cmpd="sng" algn="ctr">
           <a:solidFill>
             <a:schemeClr val="accent2">
-              <a:hueOff val="-5536951"/>
-              <a:satOff val="-26303"/>
-              <a:lumOff val="-8235"/>
+              <a:hueOff val="13072934"/>
+              <a:satOff val="-18339"/>
+              <a:lumOff val="-4575"/>
               <a:alphaOff val="0"/>
             </a:schemeClr>
           </a:solidFill>
@@ -11971,17 +12012,17 @@
       </dsp:nvSpPr>
       <dsp:spPr>
         <a:xfrm>
-          <a:off x="287076" y="2906116"/>
-          <a:ext cx="4019073" cy="560880"/>
+          <a:off x="287076" y="2775841"/>
+          <a:ext cx="4019073" cy="531360"/>
         </a:xfrm>
         <a:prstGeom prst="roundRect">
           <a:avLst/>
         </a:prstGeom>
         <a:solidFill>
           <a:schemeClr val="accent2">
-            <a:hueOff val="-5536951"/>
-            <a:satOff val="-26303"/>
-            <a:lumOff val="-8235"/>
+            <a:hueOff val="13072934"/>
+            <a:satOff val="-18339"/>
+            <a:lumOff val="-4575"/>
             <a:alphaOff val="0"/>
           </a:schemeClr>
         </a:solidFill>
@@ -12018,9 +12059,9 @@
         </a:bodyPr>
         <a:lstStyle/>
         <a:p>
-          <a:pPr marL="0" lvl="0" indent="0" algn="l" defTabSz="844550">
+          <a:pPr marL="0" lvl="0" indent="0" algn="l" defTabSz="800100">
             <a:lnSpc>
-              <a:spcPct val="90000"/>
+              <a:spcPct val="100000"/>
             </a:lnSpc>
             <a:spcBef>
               <a:spcPct val="0"/>
@@ -12031,15 +12072,15 @@
             <a:buNone/>
           </a:pPr>
           <a:r>
-            <a:rPr lang="en-GB" sz="1900" kern="1200"/>
+            <a:rPr lang="en-GB" sz="1800" kern="1200"/>
             <a:t>Assistant AR application</a:t>
           </a:r>
-          <a:endParaRPr lang="en-US" sz="1900" kern="1200"/>
+          <a:endParaRPr lang="en-US" sz="1800" kern="1200"/>
         </a:p>
       </dsp:txBody>
       <dsp:txXfrm>
-        <a:off x="314456" y="2933496"/>
-        <a:ext cx="3964313" cy="506120"/>
+        <a:off x="313015" y="2801780"/>
+        <a:ext cx="3967195" cy="479482"/>
       </dsp:txXfrm>
     </dsp:sp>
     <dsp:sp modelId="{D9EB6AB2-CF12-4420-A4D0-608B013745C8}">
@@ -12049,8 +12090,8 @@
       </dsp:nvSpPr>
       <dsp:spPr>
         <a:xfrm>
-          <a:off x="0" y="4048396"/>
-          <a:ext cx="5741533" cy="1107225"/>
+          <a:off x="0" y="3858001"/>
+          <a:ext cx="5741533" cy="1105650"/>
         </a:xfrm>
         <a:prstGeom prst="rect">
           <a:avLst/>
@@ -12067,9 +12108,9 @@
         <a:ln w="19050" cap="rnd" cmpd="sng" algn="ctr">
           <a:solidFill>
             <a:schemeClr val="accent2">
-              <a:hueOff val="-8305426"/>
-              <a:satOff val="-39455"/>
-              <a:lumOff val="-12353"/>
+              <a:hueOff val="19609400"/>
+              <a:satOff val="-27509"/>
+              <a:lumOff val="-6863"/>
               <a:alphaOff val="0"/>
             </a:schemeClr>
           </a:solidFill>
@@ -12090,14 +12131,14 @@
         <a:fontRef idx="minor"/>
       </dsp:style>
       <dsp:txBody>
-        <a:bodyPr spcFirstLastPara="0" vert="horz" wrap="square" lIns="445607" tIns="395732" rIns="445607" bIns="135128" numCol="1" spcCol="1270" anchor="t" anchorCtr="0">
+        <a:bodyPr spcFirstLastPara="0" vert="horz" wrap="square" lIns="445607" tIns="374904" rIns="445607" bIns="128016" numCol="1" spcCol="1270" anchor="t" anchorCtr="0">
           <a:noAutofit/>
         </a:bodyPr>
         <a:lstStyle/>
         <a:p>
-          <a:pPr marL="171450" lvl="1" indent="-171450" algn="l" defTabSz="844550">
+          <a:pPr marL="171450" lvl="1" indent="-171450" algn="l" defTabSz="800100">
             <a:lnSpc>
-              <a:spcPct val="90000"/>
+              <a:spcPct val="100000"/>
             </a:lnSpc>
             <a:spcBef>
               <a:spcPct val="0"/>
@@ -12108,15 +12149,15 @@
             <a:buChar char="•"/>
           </a:pPr>
           <a:r>
-            <a:rPr lang="en-GB" sz="1900" kern="1200"/>
+            <a:rPr lang="en-GB" sz="1800" kern="1200"/>
             <a:t>Object and image recognition</a:t>
           </a:r>
-          <a:endParaRPr lang="en-US" sz="1900" kern="1200"/>
+          <a:endParaRPr lang="en-US" sz="1800" kern="1200"/>
         </a:p>
         <a:p>
-          <a:pPr marL="171450" lvl="1" indent="-171450" algn="l" defTabSz="844550">
+          <a:pPr marL="171450" lvl="1" indent="-171450" algn="l" defTabSz="800100">
             <a:lnSpc>
-              <a:spcPct val="90000"/>
+              <a:spcPct val="100000"/>
             </a:lnSpc>
             <a:spcBef>
               <a:spcPct val="0"/>
@@ -12127,15 +12168,15 @@
             <a:buChar char="•"/>
           </a:pPr>
           <a:r>
-            <a:rPr lang="en-GB" sz="1900" kern="1200"/>
+            <a:rPr lang="en-GB" sz="1800" kern="1200"/>
             <a:t>User profiling</a:t>
           </a:r>
-          <a:endParaRPr lang="en-US" sz="1900" kern="1200"/>
+          <a:endParaRPr lang="en-US" sz="1800" kern="1200"/>
         </a:p>
       </dsp:txBody>
       <dsp:txXfrm>
-        <a:off x="0" y="4048396"/>
-        <a:ext cx="5741533" cy="1107225"/>
+        <a:off x="0" y="3858001"/>
+        <a:ext cx="5741533" cy="1105650"/>
       </dsp:txXfrm>
     </dsp:sp>
     <dsp:sp modelId="{BB588012-815B-4087-AB84-CE52FC1C9032}">
@@ -12145,17 +12186,17 @@
       </dsp:nvSpPr>
       <dsp:spPr>
         <a:xfrm>
-          <a:off x="287076" y="3767956"/>
-          <a:ext cx="4019073" cy="560880"/>
+          <a:off x="287076" y="3592321"/>
+          <a:ext cx="4019073" cy="531360"/>
         </a:xfrm>
         <a:prstGeom prst="roundRect">
           <a:avLst/>
         </a:prstGeom>
         <a:solidFill>
           <a:schemeClr val="accent2">
-            <a:hueOff val="-8305426"/>
-            <a:satOff val="-39455"/>
-            <a:lumOff val="-12353"/>
+            <a:hueOff val="19609400"/>
+            <a:satOff val="-27509"/>
+            <a:lumOff val="-6863"/>
             <a:alphaOff val="0"/>
           </a:schemeClr>
         </a:solidFill>
@@ -12192,9 +12233,9 @@
         </a:bodyPr>
         <a:lstStyle/>
         <a:p>
-          <a:pPr marL="0" lvl="0" indent="0" algn="l" defTabSz="844550">
+          <a:pPr marL="0" lvl="0" indent="0" algn="l" defTabSz="800100">
             <a:lnSpc>
-              <a:spcPct val="90000"/>
+              <a:spcPct val="100000"/>
             </a:lnSpc>
             <a:spcBef>
               <a:spcPct val="0"/>
@@ -12205,15 +12246,15 @@
             <a:buNone/>
           </a:pPr>
           <a:r>
-            <a:rPr lang="en-GB" sz="1900" kern="1200"/>
+            <a:rPr lang="en-GB" sz="1800" kern="1200"/>
             <a:t>Combination of AI techniques</a:t>
           </a:r>
-          <a:endParaRPr lang="en-US" sz="1900" kern="1200"/>
+          <a:endParaRPr lang="en-US" sz="1800" kern="1200"/>
         </a:p>
       </dsp:txBody>
       <dsp:txXfrm>
-        <a:off x="314456" y="3795336"/>
-        <a:ext cx="3964313" cy="506120"/>
+        <a:off x="313015" y="3618260"/>
+        <a:ext cx="3967195" cy="479482"/>
       </dsp:txXfrm>
     </dsp:sp>
   </dsp:spTree>
@@ -12437,9 +12478,9 @@
           <a:schemeClr val="accent2">
             <a:tint val="40000"/>
             <a:alpha val="90000"/>
-            <a:hueOff val="-8201440"/>
-            <a:satOff val="-44153"/>
-            <a:lumOff val="-3787"/>
+            <a:hueOff val="20318992"/>
+            <a:satOff val="-34774"/>
+            <a:lumOff val="-2340"/>
             <a:alphaOff val="0"/>
           </a:schemeClr>
         </a:solidFill>
@@ -12448,9 +12489,9 @@
             <a:schemeClr val="accent2">
               <a:tint val="40000"/>
               <a:alpha val="90000"/>
-              <a:hueOff val="-8201440"/>
-              <a:satOff val="-44153"/>
-              <a:lumOff val="-3787"/>
+              <a:hueOff val="20318992"/>
+              <a:satOff val="-34774"/>
+              <a:lumOff val="-2340"/>
               <a:alphaOff val="0"/>
             </a:schemeClr>
           </a:solidFill>
@@ -12578,9 +12619,9 @@
           <a:gsLst>
             <a:gs pos="0">
               <a:schemeClr val="accent2">
-                <a:hueOff val="-8305426"/>
-                <a:satOff val="-39455"/>
-                <a:lumOff val="-12353"/>
+                <a:hueOff val="19609400"/>
+                <a:satOff val="-27509"/>
+                <a:lumOff val="-6863"/>
                 <a:alphaOff val="0"/>
                 <a:tint val="98000"/>
                 <a:lumMod val="100000"/>
@@ -12588,9 +12629,9 @@
             </a:gs>
             <a:gs pos="100000">
               <a:schemeClr val="accent2">
-                <a:hueOff val="-8305426"/>
-                <a:satOff val="-39455"/>
-                <a:lumOff val="-12353"/>
+                <a:hueOff val="19609400"/>
+                <a:satOff val="-27509"/>
+                <a:lumOff val="-6863"/>
                 <a:alphaOff val="0"/>
                 <a:shade val="88000"/>
                 <a:lumMod val="88000"/>
@@ -14115,18 +14156,18 @@
         </a:prstGeom>
         <a:solidFill>
           <a:schemeClr val="accent2">
-            <a:hueOff val="-8305426"/>
-            <a:satOff val="-39455"/>
-            <a:lumOff val="-12353"/>
+            <a:hueOff val="19609400"/>
+            <a:satOff val="-27509"/>
+            <a:lumOff val="-6863"/>
             <a:alphaOff val="0"/>
           </a:schemeClr>
         </a:solidFill>
         <a:ln w="19050" cap="rnd" cmpd="sng" algn="ctr">
           <a:solidFill>
             <a:schemeClr val="accent2">
-              <a:hueOff val="-8305426"/>
-              <a:satOff val="-39455"/>
-              <a:lumOff val="-12353"/>
+              <a:hueOff val="19609400"/>
+              <a:satOff val="-27509"/>
+              <a:lumOff val="-6863"/>
               <a:alphaOff val="0"/>
             </a:schemeClr>
           </a:solidFill>
@@ -24987,7 +25028,7 @@
           <a:p>
             <a:fld id="{866D81A9-CFC2-4640-899E-DD3E177BE50A}" type="datetimeFigureOut">
               <a:rPr lang="en-US" smtClean="0"/>
-              <a:t>6/17/2020</a:t>
+              <a:t>6/21/2020</a:t>
             </a:fld>
             <a:endParaRPr lang="en-US" dirty="0"/>
           </a:p>
@@ -25164,7 +25205,7 @@
           <a:p>
             <a:fld id="{AA1E50F4-C55A-473A-A70B-4B042EF011A9}" type="datetimeFigureOut">
               <a:rPr lang="en-US" smtClean="0"/>
-              <a:t>6/17/2020</a:t>
+              <a:t>6/21/2020</a:t>
             </a:fld>
             <a:endParaRPr lang="en-US" dirty="0"/>
           </a:p>
@@ -25475,6 +25516,61 @@
           <a:bodyPr/>
           <a:lstStyle/>
           <a:p>
+            <a:pPr marL="0" marR="0" lvl="0" indent="0" algn="l" defTabSz="914400" rtl="0" eaLnBrk="1" fontAlgn="auto" latinLnBrk="0" hangingPunct="1">
+              <a:lnSpc>
+                <a:spcPct val="100000"/>
+              </a:lnSpc>
+              <a:spcBef>
+                <a:spcPts val="0"/>
+              </a:spcBef>
+              <a:spcAft>
+                <a:spcPts val="0"/>
+              </a:spcAft>
+              <a:buClrTx/>
+              <a:buSzTx/>
+              <a:buFontTx/>
+              <a:buNone/>
+              <a:tabLst/>
+              <a:defRPr/>
+            </a:pPr>
+            <a:r>
+              <a:rPr lang="en-GB" sz="1200" kern="1200" dirty="0">
+                <a:solidFill>
+                  <a:schemeClr val="tx1"/>
+                </a:solidFill>
+                <a:effectLst/>
+                <a:latin typeface="+mn-lt"/>
+                <a:ea typeface="+mn-ea"/>
+                <a:cs typeface="+mn-cs"/>
+              </a:rPr>
+              <a:t>Good morning everyone, so for my final year project I conducted a research called Workplace Assistant Augmented Reality with Collaboration with CCBill under the supervision of </a:t>
+            </a:r>
+            <a:r>
+              <a:rPr lang="en-GB" sz="1200" kern="1200" dirty="0" err="1">
+                <a:solidFill>
+                  <a:schemeClr val="tx1"/>
+                </a:solidFill>
+                <a:effectLst/>
+                <a:latin typeface="+mn-lt"/>
+                <a:ea typeface="+mn-ea"/>
+                <a:cs typeface="+mn-cs"/>
+              </a:rPr>
+              <a:t>Dr.Camilleri</a:t>
+            </a:r>
+            <a:r>
+              <a:rPr lang="en-GB" sz="1200" kern="1200" dirty="0">
+                <a:solidFill>
+                  <a:schemeClr val="tx1"/>
+                </a:solidFill>
+                <a:effectLst/>
+                <a:latin typeface="+mn-lt"/>
+                <a:ea typeface="+mn-ea"/>
+                <a:cs typeface="+mn-cs"/>
+              </a:rPr>
+              <a:t>.</a:t>
+            </a:r>
+          </a:p>
+          <a:p>
             <a:endParaRPr lang="en-US" dirty="0"/>
           </a:p>
         </p:txBody>
@@ -25515,7 +25611,7 @@
 </p:notes>
 </file>
 
-<file path=ppt/notesSlides/notesSlide2.xml><?xml version="1.0" encoding="utf-8"?>
+<file path=ppt/notesSlides/notesSlide10.xml><?xml version="1.0" encoding="utf-8"?>
 <p:notes xmlns:a="http://schemas.openxmlformats.org/drawingml/2006/main" xmlns:r="http://schemas.openxmlformats.org/officeDocument/2006/relationships" xmlns:p="http://schemas.openxmlformats.org/presentationml/2006/main">
   <p:cSld>
     <p:spTree>
@@ -25559,7 +25655,38 @@
           <a:bodyPr/>
           <a:lstStyle/>
           <a:p>
-            <a:endParaRPr lang="en-US" dirty="0"/>
+            <a:pPr marL="0" marR="0" lvl="0" indent="0" algn="l" defTabSz="914400" rtl="0" eaLnBrk="1" fontAlgn="auto" latinLnBrk="0" hangingPunct="1">
+              <a:lnSpc>
+                <a:spcPct val="100000"/>
+              </a:lnSpc>
+              <a:spcBef>
+                <a:spcPts val="0"/>
+              </a:spcBef>
+              <a:spcAft>
+                <a:spcPts val="0"/>
+              </a:spcAft>
+              <a:buClrTx/>
+              <a:buSzTx/>
+              <a:buFontTx/>
+              <a:buNone/>
+              <a:tabLst/>
+              <a:defRPr/>
+            </a:pPr>
+            <a:r>
+              <a:rPr lang="en-GB" sz="1200" kern="1200" dirty="0">
+                <a:solidFill>
+                  <a:schemeClr val="tx1"/>
+                </a:solidFill>
+                <a:effectLst/>
+                <a:latin typeface="+mn-lt"/>
+                <a:ea typeface="+mn-ea"/>
+                <a:cs typeface="+mn-cs"/>
+              </a:rPr>
+              <a:t>Two sets of tests were carried out that being quantity and quality testing.</a:t>
+            </a:r>
+          </a:p>
+          <a:p>
+            <a:endParaRPr lang="en-GB" dirty="0"/>
           </a:p>
         </p:txBody>
       </p:sp>
@@ -25580,7 +25707,7 @@
           <a:p>
             <a:fld id="{F3544625-0ADF-4414-89A2-9E135F0C849F}" type="slidenum">
               <a:rPr lang="en-US" smtClean="0"/>
-              <a:t>7</a:t>
+              <a:t>10</a:t>
             </a:fld>
             <a:endParaRPr lang="en-US" dirty="0"/>
           </a:p>
@@ -25589,7 +25716,7 @@
     </p:spTree>
     <p:extLst>
       <p:ext uri="{BB962C8B-B14F-4D97-AF65-F5344CB8AC3E}">
-        <p14:creationId xmlns:p14="http://schemas.microsoft.com/office/powerpoint/2010/main" val="1636654093"/>
+        <p14:creationId xmlns:p14="http://schemas.microsoft.com/office/powerpoint/2010/main" val="93785591"/>
       </p:ext>
     </p:extLst>
   </p:cSld>
@@ -25599,7 +25726,630 @@
 </p:notes>
 </file>
 
-<file path=ppt/notesSlides/notesSlide3.xml><?xml version="1.0" encoding="utf-8"?>
+<file path=ppt/notesSlides/notesSlide11.xml><?xml version="1.0" encoding="utf-8"?>
+<p:notes xmlns:a="http://schemas.openxmlformats.org/drawingml/2006/main" xmlns:r="http://schemas.openxmlformats.org/officeDocument/2006/relationships" xmlns:p="http://schemas.openxmlformats.org/presentationml/2006/main">
+  <p:cSld>
+    <p:spTree>
+      <p:nvGrpSpPr>
+        <p:cNvPr id="1" name=""/>
+        <p:cNvGrpSpPr/>
+        <p:nvPr/>
+      </p:nvGrpSpPr>
+      <p:grpSpPr>
+        <a:xfrm>
+          <a:off x="0" y="0"/>
+          <a:ext cx="0" cy="0"/>
+          <a:chOff x="0" y="0"/>
+          <a:chExt cx="0" cy="0"/>
+        </a:xfrm>
+      </p:grpSpPr>
+      <p:sp>
+        <p:nvSpPr>
+          <p:cNvPr id="2" name="Slide Image Placeholder 1"/>
+          <p:cNvSpPr>
+            <a:spLocks noGrp="1" noRot="1" noChangeAspect="1"/>
+          </p:cNvSpPr>
+          <p:nvPr>
+            <p:ph type="sldImg"/>
+          </p:nvPr>
+        </p:nvSpPr>
+        <p:spPr/>
+      </p:sp>
+      <p:sp>
+        <p:nvSpPr>
+          <p:cNvPr id="3" name="Notes Placeholder 2"/>
+          <p:cNvSpPr>
+            <a:spLocks noGrp="1"/>
+          </p:cNvSpPr>
+          <p:nvPr>
+            <p:ph type="body" idx="1"/>
+          </p:nvPr>
+        </p:nvSpPr>
+        <p:spPr/>
+        <p:txBody>
+          <a:bodyPr/>
+          <a:lstStyle/>
+          <a:p>
+            <a:pPr marL="0" marR="0" lvl="0" indent="0" algn="l" defTabSz="914400" rtl="0" eaLnBrk="1" fontAlgn="auto" latinLnBrk="0" hangingPunct="1">
+              <a:lnSpc>
+                <a:spcPct val="100000"/>
+              </a:lnSpc>
+              <a:spcBef>
+                <a:spcPts val="0"/>
+              </a:spcBef>
+              <a:spcAft>
+                <a:spcPts val="0"/>
+              </a:spcAft>
+              <a:buClrTx/>
+              <a:buSzTx/>
+              <a:buFontTx/>
+              <a:buNone/>
+              <a:tabLst/>
+              <a:defRPr/>
+            </a:pPr>
+            <a:r>
+              <a:rPr lang="en-GB" sz="1200" kern="1200" dirty="0">
+                <a:solidFill>
+                  <a:schemeClr val="tx1"/>
+                </a:solidFill>
+                <a:effectLst/>
+                <a:latin typeface="+mn-lt"/>
+                <a:ea typeface="+mn-ea"/>
+                <a:cs typeface="+mn-cs"/>
+              </a:rPr>
+              <a:t>For the AR component I quantity tested using variance tests to test the AR components ability and extent to recognise the markers provided. It was notable that model targets due to using deep learning were generally more successful than image targets however this was not always the case as one can see.</a:t>
+            </a:r>
+          </a:p>
+          <a:p>
+            <a:endParaRPr lang="en-GB" dirty="0"/>
+          </a:p>
+        </p:txBody>
+      </p:sp>
+      <p:sp>
+        <p:nvSpPr>
+          <p:cNvPr id="4" name="Slide Number Placeholder 3"/>
+          <p:cNvSpPr>
+            <a:spLocks noGrp="1"/>
+          </p:cNvSpPr>
+          <p:nvPr>
+            <p:ph type="sldNum" sz="quarter" idx="5"/>
+          </p:nvPr>
+        </p:nvSpPr>
+        <p:spPr/>
+        <p:txBody>
+          <a:bodyPr/>
+          <a:lstStyle/>
+          <a:p>
+            <a:fld id="{F3544625-0ADF-4414-89A2-9E135F0C849F}" type="slidenum">
+              <a:rPr lang="en-US" smtClean="0"/>
+              <a:t>11</a:t>
+            </a:fld>
+            <a:endParaRPr lang="en-US" dirty="0"/>
+          </a:p>
+        </p:txBody>
+      </p:sp>
+    </p:spTree>
+    <p:extLst>
+      <p:ext uri="{BB962C8B-B14F-4D97-AF65-F5344CB8AC3E}">
+        <p14:creationId xmlns:p14="http://schemas.microsoft.com/office/powerpoint/2010/main" val="2672553344"/>
+      </p:ext>
+    </p:extLst>
+  </p:cSld>
+  <p:clrMapOvr>
+    <a:masterClrMapping/>
+  </p:clrMapOvr>
+</p:notes>
+</file>
+
+<file path=ppt/notesSlides/notesSlide12.xml><?xml version="1.0" encoding="utf-8"?>
+<p:notes xmlns:a="http://schemas.openxmlformats.org/drawingml/2006/main" xmlns:r="http://schemas.openxmlformats.org/officeDocument/2006/relationships" xmlns:p="http://schemas.openxmlformats.org/presentationml/2006/main">
+  <p:cSld>
+    <p:spTree>
+      <p:nvGrpSpPr>
+        <p:cNvPr id="1" name=""/>
+        <p:cNvGrpSpPr/>
+        <p:nvPr/>
+      </p:nvGrpSpPr>
+      <p:grpSpPr>
+        <a:xfrm>
+          <a:off x="0" y="0"/>
+          <a:ext cx="0" cy="0"/>
+          <a:chOff x="0" y="0"/>
+          <a:chExt cx="0" cy="0"/>
+        </a:xfrm>
+      </p:grpSpPr>
+      <p:sp>
+        <p:nvSpPr>
+          <p:cNvPr id="2" name="Slide Image Placeholder 1"/>
+          <p:cNvSpPr>
+            <a:spLocks noGrp="1" noRot="1" noChangeAspect="1"/>
+          </p:cNvSpPr>
+          <p:nvPr>
+            <p:ph type="sldImg"/>
+          </p:nvPr>
+        </p:nvSpPr>
+        <p:spPr/>
+      </p:sp>
+      <p:sp>
+        <p:nvSpPr>
+          <p:cNvPr id="3" name="Notes Placeholder 2"/>
+          <p:cNvSpPr>
+            <a:spLocks noGrp="1"/>
+          </p:cNvSpPr>
+          <p:nvPr>
+            <p:ph type="body" idx="1"/>
+          </p:nvPr>
+        </p:nvSpPr>
+        <p:spPr/>
+        <p:txBody>
+          <a:bodyPr/>
+          <a:lstStyle/>
+          <a:p>
+            <a:pPr marL="0" marR="0" lvl="0" indent="0" algn="l" defTabSz="914400" rtl="0" eaLnBrk="1" fontAlgn="auto" latinLnBrk="0" hangingPunct="1">
+              <a:lnSpc>
+                <a:spcPct val="100000"/>
+              </a:lnSpc>
+              <a:spcBef>
+                <a:spcPts val="0"/>
+              </a:spcBef>
+              <a:spcAft>
+                <a:spcPts val="0"/>
+              </a:spcAft>
+              <a:buClrTx/>
+              <a:buSzTx/>
+              <a:buFontTx/>
+              <a:buNone/>
+              <a:tabLst/>
+              <a:defRPr/>
+            </a:pPr>
+            <a:r>
+              <a:rPr lang="en-GB" sz="1200" kern="1200" dirty="0">
+                <a:solidFill>
+                  <a:schemeClr val="tx1"/>
+                </a:solidFill>
+                <a:effectLst/>
+                <a:latin typeface="+mn-lt"/>
+                <a:ea typeface="+mn-ea"/>
+                <a:cs typeface="+mn-cs"/>
+              </a:rPr>
+              <a:t>For the RS component the SVD++ was compared using precision accuracy by baseline comparison using a 5 cross validation process with 9 other machine learning algorithms. The models performed on </a:t>
+            </a:r>
+            <a:r>
+              <a:rPr lang="en-GB" sz="1200" kern="1200" dirty="0" err="1">
+                <a:solidFill>
+                  <a:schemeClr val="tx1"/>
+                </a:solidFill>
+                <a:effectLst/>
+                <a:latin typeface="+mn-lt"/>
+                <a:ea typeface="+mn-ea"/>
+                <a:cs typeface="+mn-cs"/>
+              </a:rPr>
+              <a:t>avg</a:t>
+            </a:r>
+            <a:r>
+              <a:rPr lang="en-GB" sz="1200" kern="1200" dirty="0">
+                <a:solidFill>
+                  <a:schemeClr val="tx1"/>
+                </a:solidFill>
+                <a:effectLst/>
+                <a:latin typeface="+mn-lt"/>
+                <a:ea typeface="+mn-ea"/>
+                <a:cs typeface="+mn-cs"/>
+              </a:rPr>
+              <a:t> best both on RMSE and MAE values. The best hyperparameters were also extracted.</a:t>
+            </a:r>
+          </a:p>
+          <a:p>
+            <a:endParaRPr lang="en-GB" dirty="0"/>
+          </a:p>
+        </p:txBody>
+      </p:sp>
+      <p:sp>
+        <p:nvSpPr>
+          <p:cNvPr id="4" name="Slide Number Placeholder 3"/>
+          <p:cNvSpPr>
+            <a:spLocks noGrp="1"/>
+          </p:cNvSpPr>
+          <p:nvPr>
+            <p:ph type="sldNum" sz="quarter" idx="5"/>
+          </p:nvPr>
+        </p:nvSpPr>
+        <p:spPr/>
+        <p:txBody>
+          <a:bodyPr/>
+          <a:lstStyle/>
+          <a:p>
+            <a:fld id="{F3544625-0ADF-4414-89A2-9E135F0C849F}" type="slidenum">
+              <a:rPr lang="en-US" smtClean="0"/>
+              <a:t>12</a:t>
+            </a:fld>
+            <a:endParaRPr lang="en-US" dirty="0"/>
+          </a:p>
+        </p:txBody>
+      </p:sp>
+    </p:spTree>
+    <p:extLst>
+      <p:ext uri="{BB962C8B-B14F-4D97-AF65-F5344CB8AC3E}">
+        <p14:creationId xmlns:p14="http://schemas.microsoft.com/office/powerpoint/2010/main" val="992688752"/>
+      </p:ext>
+    </p:extLst>
+  </p:cSld>
+  <p:clrMapOvr>
+    <a:masterClrMapping/>
+  </p:clrMapOvr>
+</p:notes>
+</file>
+
+<file path=ppt/notesSlides/notesSlide13.xml><?xml version="1.0" encoding="utf-8"?>
+<p:notes xmlns:a="http://schemas.openxmlformats.org/drawingml/2006/main" xmlns:r="http://schemas.openxmlformats.org/officeDocument/2006/relationships" xmlns:p="http://schemas.openxmlformats.org/presentationml/2006/main">
+  <p:cSld>
+    <p:spTree>
+      <p:nvGrpSpPr>
+        <p:cNvPr id="1" name=""/>
+        <p:cNvGrpSpPr/>
+        <p:nvPr/>
+      </p:nvGrpSpPr>
+      <p:grpSpPr>
+        <a:xfrm>
+          <a:off x="0" y="0"/>
+          <a:ext cx="0" cy="0"/>
+          <a:chOff x="0" y="0"/>
+          <a:chExt cx="0" cy="0"/>
+        </a:xfrm>
+      </p:grpSpPr>
+      <p:sp>
+        <p:nvSpPr>
+          <p:cNvPr id="2" name="Slide Image Placeholder 1"/>
+          <p:cNvSpPr>
+            <a:spLocks noGrp="1" noRot="1" noChangeAspect="1"/>
+          </p:cNvSpPr>
+          <p:nvPr>
+            <p:ph type="sldImg"/>
+          </p:nvPr>
+        </p:nvSpPr>
+        <p:spPr/>
+      </p:sp>
+      <p:sp>
+        <p:nvSpPr>
+          <p:cNvPr id="3" name="Notes Placeholder 2"/>
+          <p:cNvSpPr>
+            <a:spLocks noGrp="1"/>
+          </p:cNvSpPr>
+          <p:nvPr>
+            <p:ph type="body" idx="1"/>
+          </p:nvPr>
+        </p:nvSpPr>
+        <p:spPr/>
+        <p:txBody>
+          <a:bodyPr/>
+          <a:lstStyle/>
+          <a:p>
+            <a:pPr marL="0" marR="0" lvl="0" indent="0" algn="l" defTabSz="914400" rtl="0" eaLnBrk="1" fontAlgn="auto" latinLnBrk="0" hangingPunct="1">
+              <a:lnSpc>
+                <a:spcPct val="100000"/>
+              </a:lnSpc>
+              <a:spcBef>
+                <a:spcPts val="0"/>
+              </a:spcBef>
+              <a:spcAft>
+                <a:spcPts val="0"/>
+              </a:spcAft>
+              <a:buClrTx/>
+              <a:buSzTx/>
+              <a:buFontTx/>
+              <a:buNone/>
+              <a:tabLst/>
+              <a:defRPr/>
+            </a:pPr>
+            <a:r>
+              <a:rPr lang="en-GB" sz="1200" kern="1200" dirty="0">
+                <a:solidFill>
+                  <a:schemeClr val="tx1"/>
+                </a:solidFill>
+                <a:effectLst/>
+                <a:latin typeface="+mn-lt"/>
+                <a:ea typeface="+mn-ea"/>
+                <a:cs typeface="+mn-cs"/>
+              </a:rPr>
+              <a:t>Finally quality testing was performed to extract user feedback on the overall system and its components. 30 participants took part half of which were CCBill employees. On average users found the app as assisting, mostly they found it as helpful from the RS and AR side. However, it is quite notable that some participants found the recommendation as confusing yet still helpful.</a:t>
+            </a:r>
+          </a:p>
+          <a:p>
+            <a:endParaRPr lang="en-GB" dirty="0"/>
+          </a:p>
+        </p:txBody>
+      </p:sp>
+      <p:sp>
+        <p:nvSpPr>
+          <p:cNvPr id="4" name="Slide Number Placeholder 3"/>
+          <p:cNvSpPr>
+            <a:spLocks noGrp="1"/>
+          </p:cNvSpPr>
+          <p:nvPr>
+            <p:ph type="sldNum" sz="quarter" idx="5"/>
+          </p:nvPr>
+        </p:nvSpPr>
+        <p:spPr/>
+        <p:txBody>
+          <a:bodyPr/>
+          <a:lstStyle/>
+          <a:p>
+            <a:fld id="{F3544625-0ADF-4414-89A2-9E135F0C849F}" type="slidenum">
+              <a:rPr lang="en-US" smtClean="0"/>
+              <a:t>13</a:t>
+            </a:fld>
+            <a:endParaRPr lang="en-US" dirty="0"/>
+          </a:p>
+        </p:txBody>
+      </p:sp>
+    </p:spTree>
+    <p:extLst>
+      <p:ext uri="{BB962C8B-B14F-4D97-AF65-F5344CB8AC3E}">
+        <p14:creationId xmlns:p14="http://schemas.microsoft.com/office/powerpoint/2010/main" val="300634091"/>
+      </p:ext>
+    </p:extLst>
+  </p:cSld>
+  <p:clrMapOvr>
+    <a:masterClrMapping/>
+  </p:clrMapOvr>
+</p:notes>
+</file>
+
+<file path=ppt/notesSlides/notesSlide14.xml><?xml version="1.0" encoding="utf-8"?>
+<p:notes xmlns:a="http://schemas.openxmlformats.org/drawingml/2006/main" xmlns:r="http://schemas.openxmlformats.org/officeDocument/2006/relationships" xmlns:p="http://schemas.openxmlformats.org/presentationml/2006/main">
+  <p:cSld>
+    <p:spTree>
+      <p:nvGrpSpPr>
+        <p:cNvPr id="1" name=""/>
+        <p:cNvGrpSpPr/>
+        <p:nvPr/>
+      </p:nvGrpSpPr>
+      <p:grpSpPr>
+        <a:xfrm>
+          <a:off x="0" y="0"/>
+          <a:ext cx="0" cy="0"/>
+          <a:chOff x="0" y="0"/>
+          <a:chExt cx="0" cy="0"/>
+        </a:xfrm>
+      </p:grpSpPr>
+      <p:sp>
+        <p:nvSpPr>
+          <p:cNvPr id="2" name="Slide Image Placeholder 1"/>
+          <p:cNvSpPr>
+            <a:spLocks noGrp="1" noRot="1" noChangeAspect="1"/>
+          </p:cNvSpPr>
+          <p:nvPr>
+            <p:ph type="sldImg"/>
+          </p:nvPr>
+        </p:nvSpPr>
+        <p:spPr/>
+      </p:sp>
+      <p:sp>
+        <p:nvSpPr>
+          <p:cNvPr id="3" name="Notes Placeholder 2"/>
+          <p:cNvSpPr>
+            <a:spLocks noGrp="1"/>
+          </p:cNvSpPr>
+          <p:nvPr>
+            <p:ph type="body" idx="1"/>
+          </p:nvPr>
+        </p:nvSpPr>
+        <p:spPr/>
+        <p:txBody>
+          <a:bodyPr/>
+          <a:lstStyle/>
+          <a:p>
+            <a:pPr marL="0" marR="0" lvl="0" indent="0" algn="l" defTabSz="914400" rtl="0" eaLnBrk="1" fontAlgn="auto" latinLnBrk="0" hangingPunct="1">
+              <a:lnSpc>
+                <a:spcPct val="100000"/>
+              </a:lnSpc>
+              <a:spcBef>
+                <a:spcPts val="0"/>
+              </a:spcBef>
+              <a:spcAft>
+                <a:spcPts val="0"/>
+              </a:spcAft>
+              <a:buClrTx/>
+              <a:buSzTx/>
+              <a:buFontTx/>
+              <a:buNone/>
+              <a:tabLst/>
+              <a:defRPr/>
+            </a:pPr>
+            <a:r>
+              <a:rPr lang="en-GB" sz="1200" kern="1200" dirty="0">
+                <a:solidFill>
+                  <a:schemeClr val="tx1"/>
+                </a:solidFill>
+                <a:effectLst/>
+                <a:latin typeface="+mn-lt"/>
+                <a:ea typeface="+mn-ea"/>
+                <a:cs typeface="+mn-cs"/>
+              </a:rPr>
+              <a:t>Future work involving improving the UI, applying deep learning to the RS side, include smart nav via an indoor positioning system, including location based tracking for corridor augmentation as well as explainable ai to keep a level of transparency.</a:t>
+            </a:r>
+          </a:p>
+          <a:p>
+            <a:endParaRPr lang="en-GB" dirty="0"/>
+          </a:p>
+        </p:txBody>
+      </p:sp>
+      <p:sp>
+        <p:nvSpPr>
+          <p:cNvPr id="4" name="Slide Number Placeholder 3"/>
+          <p:cNvSpPr>
+            <a:spLocks noGrp="1"/>
+          </p:cNvSpPr>
+          <p:nvPr>
+            <p:ph type="sldNum" sz="quarter" idx="5"/>
+          </p:nvPr>
+        </p:nvSpPr>
+        <p:spPr/>
+        <p:txBody>
+          <a:bodyPr/>
+          <a:lstStyle/>
+          <a:p>
+            <a:fld id="{F3544625-0ADF-4414-89A2-9E135F0C849F}" type="slidenum">
+              <a:rPr lang="en-US" smtClean="0"/>
+              <a:t>14</a:t>
+            </a:fld>
+            <a:endParaRPr lang="en-US" dirty="0"/>
+          </a:p>
+        </p:txBody>
+      </p:sp>
+    </p:spTree>
+    <p:extLst>
+      <p:ext uri="{BB962C8B-B14F-4D97-AF65-F5344CB8AC3E}">
+        <p14:creationId xmlns:p14="http://schemas.microsoft.com/office/powerpoint/2010/main" val="3169520027"/>
+      </p:ext>
+    </p:extLst>
+  </p:cSld>
+  <p:clrMapOvr>
+    <a:masterClrMapping/>
+  </p:clrMapOvr>
+</p:notes>
+</file>
+
+<file path=ppt/notesSlides/notesSlide15.xml><?xml version="1.0" encoding="utf-8"?>
+<p:notes xmlns:a="http://schemas.openxmlformats.org/drawingml/2006/main" xmlns:r="http://schemas.openxmlformats.org/officeDocument/2006/relationships" xmlns:p="http://schemas.openxmlformats.org/presentationml/2006/main">
+  <p:cSld>
+    <p:spTree>
+      <p:nvGrpSpPr>
+        <p:cNvPr id="1" name=""/>
+        <p:cNvGrpSpPr/>
+        <p:nvPr/>
+      </p:nvGrpSpPr>
+      <p:grpSpPr>
+        <a:xfrm>
+          <a:off x="0" y="0"/>
+          <a:ext cx="0" cy="0"/>
+          <a:chOff x="0" y="0"/>
+          <a:chExt cx="0" cy="0"/>
+        </a:xfrm>
+      </p:grpSpPr>
+      <p:sp>
+        <p:nvSpPr>
+          <p:cNvPr id="2" name="Slide Image Placeholder 1"/>
+          <p:cNvSpPr>
+            <a:spLocks noGrp="1" noRot="1" noChangeAspect="1"/>
+          </p:cNvSpPr>
+          <p:nvPr>
+            <p:ph type="sldImg"/>
+          </p:nvPr>
+        </p:nvSpPr>
+        <p:spPr/>
+      </p:sp>
+      <p:sp>
+        <p:nvSpPr>
+          <p:cNvPr id="3" name="Notes Placeholder 2"/>
+          <p:cNvSpPr>
+            <a:spLocks noGrp="1"/>
+          </p:cNvSpPr>
+          <p:nvPr>
+            <p:ph type="body" idx="1"/>
+          </p:nvPr>
+        </p:nvSpPr>
+        <p:spPr/>
+        <p:txBody>
+          <a:bodyPr/>
+          <a:lstStyle/>
+          <a:p>
+            <a:pPr marL="0" marR="0" lvl="0" indent="0" algn="l" defTabSz="914400" rtl="0" eaLnBrk="1" fontAlgn="auto" latinLnBrk="0" hangingPunct="1">
+              <a:lnSpc>
+                <a:spcPct val="100000"/>
+              </a:lnSpc>
+              <a:spcBef>
+                <a:spcPts val="0"/>
+              </a:spcBef>
+              <a:spcAft>
+                <a:spcPts val="0"/>
+              </a:spcAft>
+              <a:buClrTx/>
+              <a:buSzTx/>
+              <a:buFontTx/>
+              <a:buNone/>
+              <a:tabLst/>
+              <a:defRPr/>
+            </a:pPr>
+            <a:r>
+              <a:rPr lang="en-GB" sz="1200" kern="1200" dirty="0">
+                <a:solidFill>
+                  <a:schemeClr val="tx1"/>
+                </a:solidFill>
+                <a:effectLst/>
+                <a:latin typeface="+mn-lt"/>
+                <a:ea typeface="+mn-ea"/>
+                <a:cs typeface="+mn-cs"/>
+              </a:rPr>
+              <a:t>To conclude In the FYP it has been presented the methods and procedures necessary on how one can achieve a marker-based </a:t>
+            </a:r>
+            <a:r>
+              <a:rPr lang="en-GB" sz="1200" kern="1200" dirty="0" err="1">
+                <a:solidFill>
+                  <a:schemeClr val="tx1"/>
+                </a:solidFill>
+                <a:effectLst/>
+                <a:latin typeface="+mn-lt"/>
+                <a:ea typeface="+mn-ea"/>
+                <a:cs typeface="+mn-cs"/>
+              </a:rPr>
+              <a:t>ar</a:t>
+            </a:r>
+            <a:r>
+              <a:rPr lang="en-GB" sz="1200" kern="1200" dirty="0">
+                <a:solidFill>
+                  <a:schemeClr val="tx1"/>
+                </a:solidFill>
+                <a:effectLst/>
+                <a:latin typeface="+mn-lt"/>
+                <a:ea typeface="+mn-ea"/>
+                <a:cs typeface="+mn-cs"/>
+              </a:rPr>
+              <a:t> for a workplace using the aforementioned procedure. The methodology used is backed up by relevant research and evaluations. The results obtained show that marker based AR can be provided using the mentioned AI techniques to facilitate assistance withing a workplace environment.</a:t>
+            </a:r>
+          </a:p>
+          <a:p>
+            <a:endParaRPr lang="en-GB" dirty="0"/>
+          </a:p>
+        </p:txBody>
+      </p:sp>
+      <p:sp>
+        <p:nvSpPr>
+          <p:cNvPr id="4" name="Slide Number Placeholder 3"/>
+          <p:cNvSpPr>
+            <a:spLocks noGrp="1"/>
+          </p:cNvSpPr>
+          <p:nvPr>
+            <p:ph type="sldNum" sz="quarter" idx="5"/>
+          </p:nvPr>
+        </p:nvSpPr>
+        <p:spPr/>
+        <p:txBody>
+          <a:bodyPr/>
+          <a:lstStyle/>
+          <a:p>
+            <a:fld id="{F3544625-0ADF-4414-89A2-9E135F0C849F}" type="slidenum">
+              <a:rPr lang="en-US" smtClean="0"/>
+              <a:t>15</a:t>
+            </a:fld>
+            <a:endParaRPr lang="en-US" dirty="0"/>
+          </a:p>
+        </p:txBody>
+      </p:sp>
+    </p:spTree>
+    <p:extLst>
+      <p:ext uri="{BB962C8B-B14F-4D97-AF65-F5344CB8AC3E}">
+        <p14:creationId xmlns:p14="http://schemas.microsoft.com/office/powerpoint/2010/main" val="2592329819"/>
+      </p:ext>
+    </p:extLst>
+  </p:cSld>
+  <p:clrMapOvr>
+    <a:masterClrMapping/>
+  </p:clrMapOvr>
+</p:notes>
+</file>
+
+<file path=ppt/notesSlides/notesSlide16.xml><?xml version="1.0" encoding="utf-8"?>
 <p:notes xmlns:a="http://schemas.openxmlformats.org/drawingml/2006/main" xmlns:r="http://schemas.openxmlformats.org/officeDocument/2006/relationships" xmlns:p="http://schemas.openxmlformats.org/presentationml/2006/main">
   <p:cSld>
     <p:spTree>
@@ -25683,14 +26433,998 @@
 </p:notes>
 </file>
 
+<file path=ppt/notesSlides/notesSlide2.xml><?xml version="1.0" encoding="utf-8"?>
+<p:notes xmlns:a="http://schemas.openxmlformats.org/drawingml/2006/main" xmlns:r="http://schemas.openxmlformats.org/officeDocument/2006/relationships" xmlns:p="http://schemas.openxmlformats.org/presentationml/2006/main">
+  <p:cSld>
+    <p:spTree>
+      <p:nvGrpSpPr>
+        <p:cNvPr id="1" name=""/>
+        <p:cNvGrpSpPr/>
+        <p:nvPr/>
+      </p:nvGrpSpPr>
+      <p:grpSpPr>
+        <a:xfrm>
+          <a:off x="0" y="0"/>
+          <a:ext cx="0" cy="0"/>
+          <a:chOff x="0" y="0"/>
+          <a:chExt cx="0" cy="0"/>
+        </a:xfrm>
+      </p:grpSpPr>
+      <p:sp>
+        <p:nvSpPr>
+          <p:cNvPr id="2" name="Slide Image Placeholder 1"/>
+          <p:cNvSpPr>
+            <a:spLocks noGrp="1" noRot="1" noChangeAspect="1"/>
+          </p:cNvSpPr>
+          <p:nvPr>
+            <p:ph type="sldImg"/>
+          </p:nvPr>
+        </p:nvSpPr>
+        <p:spPr/>
+      </p:sp>
+      <p:sp>
+        <p:nvSpPr>
+          <p:cNvPr id="3" name="Notes Placeholder 2"/>
+          <p:cNvSpPr>
+            <a:spLocks noGrp="1"/>
+          </p:cNvSpPr>
+          <p:nvPr>
+            <p:ph type="body" idx="1"/>
+          </p:nvPr>
+        </p:nvSpPr>
+        <p:spPr/>
+        <p:txBody>
+          <a:bodyPr/>
+          <a:lstStyle/>
+          <a:p>
+            <a:pPr marL="0" marR="0" lvl="0" indent="0" algn="l" defTabSz="914400" rtl="0" eaLnBrk="1" fontAlgn="auto" latinLnBrk="0" hangingPunct="1">
+              <a:lnSpc>
+                <a:spcPct val="100000"/>
+              </a:lnSpc>
+              <a:spcBef>
+                <a:spcPts val="0"/>
+              </a:spcBef>
+              <a:spcAft>
+                <a:spcPts val="0"/>
+              </a:spcAft>
+              <a:buClrTx/>
+              <a:buSzTx/>
+              <a:buFontTx/>
+              <a:buNone/>
+              <a:tabLst/>
+              <a:defRPr/>
+            </a:pPr>
+            <a:r>
+              <a:rPr lang="en-GB" sz="1200" kern="1200" dirty="0">
+                <a:solidFill>
+                  <a:schemeClr val="tx1"/>
+                </a:solidFill>
+                <a:effectLst/>
+                <a:latin typeface="+mn-lt"/>
+                <a:ea typeface="+mn-ea"/>
+                <a:cs typeface="+mn-cs"/>
+              </a:rPr>
+              <a:t>Here is the layout of my following presentation: 5 sec</a:t>
+            </a:r>
+          </a:p>
+          <a:p>
+            <a:endParaRPr lang="en-GB" dirty="0"/>
+          </a:p>
+        </p:txBody>
+      </p:sp>
+      <p:sp>
+        <p:nvSpPr>
+          <p:cNvPr id="4" name="Slide Number Placeholder 3"/>
+          <p:cNvSpPr>
+            <a:spLocks noGrp="1"/>
+          </p:cNvSpPr>
+          <p:nvPr>
+            <p:ph type="sldNum" sz="quarter" idx="5"/>
+          </p:nvPr>
+        </p:nvSpPr>
+        <p:spPr/>
+        <p:txBody>
+          <a:bodyPr/>
+          <a:lstStyle/>
+          <a:p>
+            <a:fld id="{F3544625-0ADF-4414-89A2-9E135F0C849F}" type="slidenum">
+              <a:rPr lang="en-US" smtClean="0"/>
+              <a:t>2</a:t>
+            </a:fld>
+            <a:endParaRPr lang="en-US" dirty="0"/>
+          </a:p>
+        </p:txBody>
+      </p:sp>
+    </p:spTree>
+    <p:extLst>
+      <p:ext uri="{BB962C8B-B14F-4D97-AF65-F5344CB8AC3E}">
+        <p14:creationId xmlns:p14="http://schemas.microsoft.com/office/powerpoint/2010/main" val="795069824"/>
+      </p:ext>
+    </p:extLst>
+  </p:cSld>
+  <p:clrMapOvr>
+    <a:masterClrMapping/>
+  </p:clrMapOvr>
+</p:notes>
+</file>
+
+<file path=ppt/notesSlides/notesSlide3.xml><?xml version="1.0" encoding="utf-8"?>
+<p:notes xmlns:a="http://schemas.openxmlformats.org/drawingml/2006/main" xmlns:r="http://schemas.openxmlformats.org/officeDocument/2006/relationships" xmlns:p="http://schemas.openxmlformats.org/presentationml/2006/main">
+  <p:cSld>
+    <p:spTree>
+      <p:nvGrpSpPr>
+        <p:cNvPr id="1" name=""/>
+        <p:cNvGrpSpPr/>
+        <p:nvPr/>
+      </p:nvGrpSpPr>
+      <p:grpSpPr>
+        <a:xfrm>
+          <a:off x="0" y="0"/>
+          <a:ext cx="0" cy="0"/>
+          <a:chOff x="0" y="0"/>
+          <a:chExt cx="0" cy="0"/>
+        </a:xfrm>
+      </p:grpSpPr>
+      <p:sp>
+        <p:nvSpPr>
+          <p:cNvPr id="2" name="Slide Image Placeholder 1"/>
+          <p:cNvSpPr>
+            <a:spLocks noGrp="1" noRot="1" noChangeAspect="1"/>
+          </p:cNvSpPr>
+          <p:nvPr>
+            <p:ph type="sldImg"/>
+          </p:nvPr>
+        </p:nvSpPr>
+        <p:spPr/>
+      </p:sp>
+      <p:sp>
+        <p:nvSpPr>
+          <p:cNvPr id="3" name="Notes Placeholder 2"/>
+          <p:cNvSpPr>
+            <a:spLocks noGrp="1"/>
+          </p:cNvSpPr>
+          <p:nvPr>
+            <p:ph type="body" idx="1"/>
+          </p:nvPr>
+        </p:nvSpPr>
+        <p:spPr/>
+        <p:txBody>
+          <a:bodyPr/>
+          <a:lstStyle/>
+          <a:p>
+            <a:pPr marL="0" marR="0" lvl="0" indent="0" algn="l" defTabSz="914400" rtl="0" eaLnBrk="1" fontAlgn="auto" latinLnBrk="0" hangingPunct="1">
+              <a:lnSpc>
+                <a:spcPct val="100000"/>
+              </a:lnSpc>
+              <a:spcBef>
+                <a:spcPts val="0"/>
+              </a:spcBef>
+              <a:spcAft>
+                <a:spcPts val="0"/>
+              </a:spcAft>
+              <a:buClrTx/>
+              <a:buSzTx/>
+              <a:buFontTx/>
+              <a:buNone/>
+              <a:tabLst/>
+              <a:defRPr/>
+            </a:pPr>
+            <a:r>
+              <a:rPr lang="en-GB" sz="1200" kern="1200" dirty="0">
+                <a:solidFill>
+                  <a:schemeClr val="tx1"/>
+                </a:solidFill>
+                <a:effectLst/>
+                <a:latin typeface="+mn-lt"/>
+                <a:ea typeface="+mn-ea"/>
+                <a:cs typeface="+mn-cs"/>
+              </a:rPr>
+              <a:t>Starting a new job in an office can to some extent be stressful especially on one’s first day there/ Job-stress is an existing problem commonly found in many employees. The employees would generally need to go through a phase of learning the ropes within their new work. So providing an assistant AR application can facilitate in providing the tool necessary in making their first day and the rest more easier to adjust especially if an employee might suffer from shyness for example. </a:t>
+            </a:r>
+          </a:p>
+          <a:p>
+            <a:endParaRPr lang="en-GB" dirty="0"/>
+          </a:p>
+        </p:txBody>
+      </p:sp>
+      <p:sp>
+        <p:nvSpPr>
+          <p:cNvPr id="4" name="Slide Number Placeholder 3"/>
+          <p:cNvSpPr>
+            <a:spLocks noGrp="1"/>
+          </p:cNvSpPr>
+          <p:nvPr>
+            <p:ph type="sldNum" sz="quarter" idx="5"/>
+          </p:nvPr>
+        </p:nvSpPr>
+        <p:spPr/>
+        <p:txBody>
+          <a:bodyPr/>
+          <a:lstStyle/>
+          <a:p>
+            <a:fld id="{F3544625-0ADF-4414-89A2-9E135F0C849F}" type="slidenum">
+              <a:rPr lang="en-US" smtClean="0"/>
+              <a:t>3</a:t>
+            </a:fld>
+            <a:endParaRPr lang="en-US" dirty="0"/>
+          </a:p>
+        </p:txBody>
+      </p:sp>
+    </p:spTree>
+    <p:extLst>
+      <p:ext uri="{BB962C8B-B14F-4D97-AF65-F5344CB8AC3E}">
+        <p14:creationId xmlns:p14="http://schemas.microsoft.com/office/powerpoint/2010/main" val="1510672963"/>
+      </p:ext>
+    </p:extLst>
+  </p:cSld>
+  <p:clrMapOvr>
+    <a:masterClrMapping/>
+  </p:clrMapOvr>
+</p:notes>
+</file>
+
+<file path=ppt/notesSlides/notesSlide4.xml><?xml version="1.0" encoding="utf-8"?>
+<p:notes xmlns:a="http://schemas.openxmlformats.org/drawingml/2006/main" xmlns:r="http://schemas.openxmlformats.org/officeDocument/2006/relationships" xmlns:p="http://schemas.openxmlformats.org/presentationml/2006/main">
+  <p:cSld>
+    <p:spTree>
+      <p:nvGrpSpPr>
+        <p:cNvPr id="1" name=""/>
+        <p:cNvGrpSpPr/>
+        <p:nvPr/>
+      </p:nvGrpSpPr>
+      <p:grpSpPr>
+        <a:xfrm>
+          <a:off x="0" y="0"/>
+          <a:ext cx="0" cy="0"/>
+          <a:chOff x="0" y="0"/>
+          <a:chExt cx="0" cy="0"/>
+        </a:xfrm>
+      </p:grpSpPr>
+      <p:sp>
+        <p:nvSpPr>
+          <p:cNvPr id="2" name="Slide Image Placeholder 1"/>
+          <p:cNvSpPr>
+            <a:spLocks noGrp="1" noRot="1" noChangeAspect="1"/>
+          </p:cNvSpPr>
+          <p:nvPr>
+            <p:ph type="sldImg"/>
+          </p:nvPr>
+        </p:nvSpPr>
+        <p:spPr/>
+      </p:sp>
+      <p:sp>
+        <p:nvSpPr>
+          <p:cNvPr id="3" name="Notes Placeholder 2"/>
+          <p:cNvSpPr>
+            <a:spLocks noGrp="1"/>
+          </p:cNvSpPr>
+          <p:nvPr>
+            <p:ph type="body" idx="1"/>
+          </p:nvPr>
+        </p:nvSpPr>
+        <p:spPr/>
+        <p:txBody>
+          <a:bodyPr/>
+          <a:lstStyle/>
+          <a:p>
+            <a:r>
+              <a:rPr lang="en-GB" sz="1200" kern="1200" dirty="0">
+                <a:solidFill>
+                  <a:schemeClr val="tx1"/>
+                </a:solidFill>
+                <a:effectLst/>
+                <a:latin typeface="+mn-lt"/>
+                <a:ea typeface="+mn-ea"/>
+                <a:cs typeface="+mn-cs"/>
+              </a:rPr>
+              <a:t>The aim of my final year project was to combine user profiling techniques with image and object recognition to tailor make an AR application suitable for a workplace for the employees and even the visitors to make use of, in adjusting to a new environment. </a:t>
+            </a:r>
+          </a:p>
+          <a:p>
+            <a:r>
+              <a:rPr lang="en-GB" sz="1200" kern="1200" dirty="0">
+                <a:solidFill>
+                  <a:schemeClr val="tx1"/>
+                </a:solidFill>
+                <a:effectLst/>
+                <a:latin typeface="+mn-lt"/>
+                <a:ea typeface="+mn-ea"/>
+                <a:cs typeface="+mn-cs"/>
+              </a:rPr>
+              <a:t>Therefore the objectives were:</a:t>
+            </a:r>
+          </a:p>
+          <a:p>
+            <a:pPr marL="171450" lvl="0" indent="-171450">
+              <a:buFont typeface="Arial" panose="020B0604020202020204" pitchFamily="34" charset="0"/>
+              <a:buChar char="•"/>
+            </a:pPr>
+            <a:r>
+              <a:rPr lang="en-GB" sz="1200" kern="1200" dirty="0">
+                <a:solidFill>
+                  <a:schemeClr val="tx1"/>
+                </a:solidFill>
+                <a:effectLst/>
+                <a:latin typeface="+mn-lt"/>
+                <a:ea typeface="+mn-ea"/>
+                <a:cs typeface="+mn-cs"/>
+              </a:rPr>
+              <a:t>Perform image and object detection techniques using the Vuforia library</a:t>
+            </a:r>
+          </a:p>
+          <a:p>
+            <a:pPr marL="171450" lvl="0" indent="-171450">
+              <a:buFont typeface="Arial" panose="020B0604020202020204" pitchFamily="34" charset="0"/>
+              <a:buChar char="•"/>
+            </a:pPr>
+            <a:r>
+              <a:rPr lang="en-GB" sz="1200" kern="1200" dirty="0">
+                <a:solidFill>
+                  <a:schemeClr val="tx1"/>
+                </a:solidFill>
+                <a:effectLst/>
+                <a:latin typeface="+mn-lt"/>
+                <a:ea typeface="+mn-ea"/>
+                <a:cs typeface="+mn-cs"/>
+              </a:rPr>
+              <a:t>Applying AR techniques to overlay augmentation and provide information about offices, devices in this case their coffee machine for prototyping, and provide directions</a:t>
+            </a:r>
+          </a:p>
+          <a:p>
+            <a:pPr marL="171450" lvl="0" indent="-171450">
+              <a:buFont typeface="Arial" panose="020B0604020202020204" pitchFamily="34" charset="0"/>
+              <a:buChar char="•"/>
+            </a:pPr>
+            <a:r>
+              <a:rPr lang="en-GB" sz="1200" kern="1200" dirty="0">
+                <a:solidFill>
+                  <a:schemeClr val="tx1"/>
+                </a:solidFill>
+                <a:effectLst/>
+                <a:latin typeface="+mn-lt"/>
+                <a:ea typeface="+mn-ea"/>
+                <a:cs typeface="+mn-cs"/>
+              </a:rPr>
+              <a:t>To develop user profiling techniques allow the system to show the user relevant information</a:t>
+            </a:r>
+          </a:p>
+          <a:p>
+            <a:pPr marL="171450" lvl="0" indent="-171450">
+              <a:buFont typeface="Arial" panose="020B0604020202020204" pitchFamily="34" charset="0"/>
+              <a:buChar char="•"/>
+            </a:pPr>
+            <a:r>
+              <a:rPr lang="en-GB" sz="1200" kern="1200" dirty="0">
+                <a:solidFill>
+                  <a:schemeClr val="tx1"/>
+                </a:solidFill>
+                <a:effectLst/>
+                <a:latin typeface="+mn-lt"/>
+                <a:ea typeface="+mn-ea"/>
+                <a:cs typeface="+mn-cs"/>
+              </a:rPr>
+              <a:t>Finally to evaluate the system and techniques applied using quantity and quality testing.</a:t>
+            </a:r>
+          </a:p>
+          <a:p>
+            <a:endParaRPr lang="en-GB" dirty="0"/>
+          </a:p>
+        </p:txBody>
+      </p:sp>
+      <p:sp>
+        <p:nvSpPr>
+          <p:cNvPr id="4" name="Slide Number Placeholder 3"/>
+          <p:cNvSpPr>
+            <a:spLocks noGrp="1"/>
+          </p:cNvSpPr>
+          <p:nvPr>
+            <p:ph type="sldNum" sz="quarter" idx="5"/>
+          </p:nvPr>
+        </p:nvSpPr>
+        <p:spPr/>
+        <p:txBody>
+          <a:bodyPr/>
+          <a:lstStyle/>
+          <a:p>
+            <a:fld id="{F3544625-0ADF-4414-89A2-9E135F0C849F}" type="slidenum">
+              <a:rPr lang="en-US" smtClean="0"/>
+              <a:t>4</a:t>
+            </a:fld>
+            <a:endParaRPr lang="en-US" dirty="0"/>
+          </a:p>
+        </p:txBody>
+      </p:sp>
+    </p:spTree>
+    <p:extLst>
+      <p:ext uri="{BB962C8B-B14F-4D97-AF65-F5344CB8AC3E}">
+        <p14:creationId xmlns:p14="http://schemas.microsoft.com/office/powerpoint/2010/main" val="453387244"/>
+      </p:ext>
+    </p:extLst>
+  </p:cSld>
+  <p:clrMapOvr>
+    <a:masterClrMapping/>
+  </p:clrMapOvr>
+</p:notes>
+</file>
+
+<file path=ppt/notesSlides/notesSlide5.xml><?xml version="1.0" encoding="utf-8"?>
+<p:notes xmlns:a="http://schemas.openxmlformats.org/drawingml/2006/main" xmlns:r="http://schemas.openxmlformats.org/officeDocument/2006/relationships" xmlns:p="http://schemas.openxmlformats.org/presentationml/2006/main">
+  <p:cSld>
+    <p:spTree>
+      <p:nvGrpSpPr>
+        <p:cNvPr id="1" name=""/>
+        <p:cNvGrpSpPr/>
+        <p:nvPr/>
+      </p:nvGrpSpPr>
+      <p:grpSpPr>
+        <a:xfrm>
+          <a:off x="0" y="0"/>
+          <a:ext cx="0" cy="0"/>
+          <a:chOff x="0" y="0"/>
+          <a:chExt cx="0" cy="0"/>
+        </a:xfrm>
+      </p:grpSpPr>
+      <p:sp>
+        <p:nvSpPr>
+          <p:cNvPr id="2" name="Slide Image Placeholder 1"/>
+          <p:cNvSpPr>
+            <a:spLocks noGrp="1" noRot="1" noChangeAspect="1"/>
+          </p:cNvSpPr>
+          <p:nvPr>
+            <p:ph type="sldImg"/>
+          </p:nvPr>
+        </p:nvSpPr>
+        <p:spPr/>
+      </p:sp>
+      <p:sp>
+        <p:nvSpPr>
+          <p:cNvPr id="3" name="Notes Placeholder 2"/>
+          <p:cNvSpPr>
+            <a:spLocks noGrp="1"/>
+          </p:cNvSpPr>
+          <p:nvPr>
+            <p:ph type="body" idx="1"/>
+          </p:nvPr>
+        </p:nvSpPr>
+        <p:spPr/>
+        <p:txBody>
+          <a:bodyPr/>
+          <a:lstStyle/>
+          <a:p>
+            <a:pPr marL="0" marR="0" lvl="0" indent="0" algn="l" defTabSz="914400" rtl="0" eaLnBrk="1" fontAlgn="auto" latinLnBrk="0" hangingPunct="1">
+              <a:lnSpc>
+                <a:spcPct val="100000"/>
+              </a:lnSpc>
+              <a:spcBef>
+                <a:spcPts val="0"/>
+              </a:spcBef>
+              <a:spcAft>
+                <a:spcPts val="0"/>
+              </a:spcAft>
+              <a:buClrTx/>
+              <a:buSzTx/>
+              <a:buFontTx/>
+              <a:buNone/>
+              <a:tabLst/>
+              <a:defRPr/>
+            </a:pPr>
+            <a:r>
+              <a:rPr lang="en-GB" sz="1200" kern="1200" dirty="0">
+                <a:solidFill>
+                  <a:schemeClr val="tx1"/>
+                </a:solidFill>
+                <a:effectLst/>
+                <a:latin typeface="+mn-lt"/>
+                <a:ea typeface="+mn-ea"/>
+                <a:cs typeface="+mn-cs"/>
+              </a:rPr>
+              <a:t>To go through some research I personally carried out. I initially researched about Workplace AR technology. The technology presented would generally provide on the job or off the job training and sometimes both. However it is notable that not every workplace might necessitate AR technology. Secondly I looked into recommendation systems in connection to AR technology. One must mention Collaborative filtering is widely adapted as a recommendation system. However, for AR technology, visibility, location and distance based filtering, is commonly adapted. Hence I was interested in applying a combination of the two aforementioned techniques. </a:t>
+            </a:r>
+          </a:p>
+          <a:p>
+            <a:endParaRPr lang="en-GB" dirty="0"/>
+          </a:p>
+        </p:txBody>
+      </p:sp>
+      <p:sp>
+        <p:nvSpPr>
+          <p:cNvPr id="4" name="Slide Number Placeholder 3"/>
+          <p:cNvSpPr>
+            <a:spLocks noGrp="1"/>
+          </p:cNvSpPr>
+          <p:nvPr>
+            <p:ph type="sldNum" sz="quarter" idx="5"/>
+          </p:nvPr>
+        </p:nvSpPr>
+        <p:spPr/>
+        <p:txBody>
+          <a:bodyPr/>
+          <a:lstStyle/>
+          <a:p>
+            <a:fld id="{F3544625-0ADF-4414-89A2-9E135F0C849F}" type="slidenum">
+              <a:rPr lang="en-US" smtClean="0"/>
+              <a:t>5</a:t>
+            </a:fld>
+            <a:endParaRPr lang="en-US" dirty="0"/>
+          </a:p>
+        </p:txBody>
+      </p:sp>
+    </p:spTree>
+    <p:extLst>
+      <p:ext uri="{BB962C8B-B14F-4D97-AF65-F5344CB8AC3E}">
+        <p14:creationId xmlns:p14="http://schemas.microsoft.com/office/powerpoint/2010/main" val="1259754166"/>
+      </p:ext>
+    </p:extLst>
+  </p:cSld>
+  <p:clrMapOvr>
+    <a:masterClrMapping/>
+  </p:clrMapOvr>
+</p:notes>
+</file>
+
+<file path=ppt/notesSlides/notesSlide6.xml><?xml version="1.0" encoding="utf-8"?>
+<p:notes xmlns:a="http://schemas.openxmlformats.org/drawingml/2006/main" xmlns:r="http://schemas.openxmlformats.org/officeDocument/2006/relationships" xmlns:p="http://schemas.openxmlformats.org/presentationml/2006/main">
+  <p:cSld>
+    <p:spTree>
+      <p:nvGrpSpPr>
+        <p:cNvPr id="1" name=""/>
+        <p:cNvGrpSpPr/>
+        <p:nvPr/>
+      </p:nvGrpSpPr>
+      <p:grpSpPr>
+        <a:xfrm>
+          <a:off x="0" y="0"/>
+          <a:ext cx="0" cy="0"/>
+          <a:chOff x="0" y="0"/>
+          <a:chExt cx="0" cy="0"/>
+        </a:xfrm>
+      </p:grpSpPr>
+      <p:sp>
+        <p:nvSpPr>
+          <p:cNvPr id="2" name="Slide Image Placeholder 1"/>
+          <p:cNvSpPr>
+            <a:spLocks noGrp="1" noRot="1" noChangeAspect="1"/>
+          </p:cNvSpPr>
+          <p:nvPr>
+            <p:ph type="sldImg"/>
+          </p:nvPr>
+        </p:nvSpPr>
+        <p:spPr/>
+      </p:sp>
+      <p:sp>
+        <p:nvSpPr>
+          <p:cNvPr id="3" name="Notes Placeholder 2"/>
+          <p:cNvSpPr>
+            <a:spLocks noGrp="1"/>
+          </p:cNvSpPr>
+          <p:nvPr>
+            <p:ph type="body" idx="1"/>
+          </p:nvPr>
+        </p:nvSpPr>
+        <p:spPr/>
+        <p:txBody>
+          <a:bodyPr/>
+          <a:lstStyle/>
+          <a:p>
+            <a:pPr marL="0" marR="0" lvl="0" indent="0" algn="l" defTabSz="914400" rtl="0" eaLnBrk="1" fontAlgn="auto" latinLnBrk="0" hangingPunct="1">
+              <a:lnSpc>
+                <a:spcPct val="100000"/>
+              </a:lnSpc>
+              <a:spcBef>
+                <a:spcPts val="0"/>
+              </a:spcBef>
+              <a:spcAft>
+                <a:spcPts val="0"/>
+              </a:spcAft>
+              <a:buClrTx/>
+              <a:buSzTx/>
+              <a:buFontTx/>
+              <a:buNone/>
+              <a:tabLst/>
+              <a:defRPr/>
+            </a:pPr>
+            <a:r>
+              <a:rPr lang="en-GB" sz="1200" kern="1200" dirty="0">
+                <a:solidFill>
+                  <a:schemeClr val="tx1"/>
+                </a:solidFill>
+                <a:effectLst/>
+                <a:latin typeface="+mn-lt"/>
+                <a:ea typeface="+mn-ea"/>
+                <a:cs typeface="+mn-cs"/>
+              </a:rPr>
+              <a:t>Finally I researched about computer vision approaches in AR specifically with regards to deep learning. We can all agree if applied properly in the right context Deep NN ensure high accuracy. Marker-based AR is a main driving force, however normally Traditional CV techniques are generally applied yet the are very limited to occlusion for example. So I personally looked into the provided technologies which solve this problem by applying deep learning such as Tracking by detection, S-G Hybrid approach and 6-DOF tracking method.</a:t>
+            </a:r>
+          </a:p>
+          <a:p>
+            <a:endParaRPr lang="en-GB" dirty="0"/>
+          </a:p>
+        </p:txBody>
+      </p:sp>
+      <p:sp>
+        <p:nvSpPr>
+          <p:cNvPr id="4" name="Slide Number Placeholder 3"/>
+          <p:cNvSpPr>
+            <a:spLocks noGrp="1"/>
+          </p:cNvSpPr>
+          <p:nvPr>
+            <p:ph type="sldNum" sz="quarter" idx="5"/>
+          </p:nvPr>
+        </p:nvSpPr>
+        <p:spPr/>
+        <p:txBody>
+          <a:bodyPr/>
+          <a:lstStyle/>
+          <a:p>
+            <a:fld id="{F3544625-0ADF-4414-89A2-9E135F0C849F}" type="slidenum">
+              <a:rPr lang="en-US" smtClean="0"/>
+              <a:t>6</a:t>
+            </a:fld>
+            <a:endParaRPr lang="en-US" dirty="0"/>
+          </a:p>
+        </p:txBody>
+      </p:sp>
+    </p:spTree>
+    <p:extLst>
+      <p:ext uri="{BB962C8B-B14F-4D97-AF65-F5344CB8AC3E}">
+        <p14:creationId xmlns:p14="http://schemas.microsoft.com/office/powerpoint/2010/main" val="982790245"/>
+      </p:ext>
+    </p:extLst>
+  </p:cSld>
+  <p:clrMapOvr>
+    <a:masterClrMapping/>
+  </p:clrMapOvr>
+</p:notes>
+</file>
+
+<file path=ppt/notesSlides/notesSlide7.xml><?xml version="1.0" encoding="utf-8"?>
+<p:notes xmlns:a="http://schemas.openxmlformats.org/drawingml/2006/main" xmlns:r="http://schemas.openxmlformats.org/officeDocument/2006/relationships" xmlns:p="http://schemas.openxmlformats.org/presentationml/2006/main">
+  <p:cSld>
+    <p:spTree>
+      <p:nvGrpSpPr>
+        <p:cNvPr id="1" name=""/>
+        <p:cNvGrpSpPr/>
+        <p:nvPr/>
+      </p:nvGrpSpPr>
+      <p:grpSpPr>
+        <a:xfrm>
+          <a:off x="0" y="0"/>
+          <a:ext cx="0" cy="0"/>
+          <a:chOff x="0" y="0"/>
+          <a:chExt cx="0" cy="0"/>
+        </a:xfrm>
+      </p:grpSpPr>
+      <p:sp>
+        <p:nvSpPr>
+          <p:cNvPr id="2" name="Slide Image Placeholder 1"/>
+          <p:cNvSpPr>
+            <a:spLocks noGrp="1" noRot="1" noChangeAspect="1"/>
+          </p:cNvSpPr>
+          <p:nvPr>
+            <p:ph type="sldImg"/>
+          </p:nvPr>
+        </p:nvSpPr>
+        <p:spPr/>
+      </p:sp>
+      <p:sp>
+        <p:nvSpPr>
+          <p:cNvPr id="3" name="Notes Placeholder 2"/>
+          <p:cNvSpPr>
+            <a:spLocks noGrp="1"/>
+          </p:cNvSpPr>
+          <p:nvPr>
+            <p:ph type="body" idx="1"/>
+          </p:nvPr>
+        </p:nvSpPr>
+        <p:spPr/>
+        <p:txBody>
+          <a:bodyPr/>
+          <a:lstStyle/>
+          <a:p>
+            <a:pPr marL="0" marR="0" lvl="0" indent="0" algn="l" defTabSz="914400" rtl="0" eaLnBrk="1" fontAlgn="auto" latinLnBrk="0" hangingPunct="1">
+              <a:lnSpc>
+                <a:spcPct val="100000"/>
+              </a:lnSpc>
+              <a:spcBef>
+                <a:spcPts val="0"/>
+              </a:spcBef>
+              <a:spcAft>
+                <a:spcPts val="0"/>
+              </a:spcAft>
+              <a:buClrTx/>
+              <a:buSzTx/>
+              <a:buFontTx/>
+              <a:buNone/>
+              <a:tabLst/>
+              <a:defRPr/>
+            </a:pPr>
+            <a:r>
+              <a:rPr lang="en-GB" sz="1200" kern="1200" dirty="0">
+                <a:solidFill>
+                  <a:schemeClr val="tx1"/>
+                </a:solidFill>
+                <a:effectLst/>
+                <a:latin typeface="+mn-lt"/>
+                <a:ea typeface="+mn-ea"/>
+                <a:cs typeface="+mn-cs"/>
+              </a:rPr>
+              <a:t>So to give you a basic idea the system was decided to encompass three components these being , the user which is highly essential the AR system and the RS system.</a:t>
+            </a:r>
+          </a:p>
+          <a:p>
+            <a:endParaRPr lang="en-US" dirty="0"/>
+          </a:p>
+        </p:txBody>
+      </p:sp>
+      <p:sp>
+        <p:nvSpPr>
+          <p:cNvPr id="4" name="Slide Number Placeholder 3"/>
+          <p:cNvSpPr>
+            <a:spLocks noGrp="1"/>
+          </p:cNvSpPr>
+          <p:nvPr>
+            <p:ph type="sldNum" sz="quarter" idx="5"/>
+          </p:nvPr>
+        </p:nvSpPr>
+        <p:spPr/>
+        <p:txBody>
+          <a:bodyPr/>
+          <a:lstStyle/>
+          <a:p>
+            <a:fld id="{F3544625-0ADF-4414-89A2-9E135F0C849F}" type="slidenum">
+              <a:rPr lang="en-US" smtClean="0"/>
+              <a:t>7</a:t>
+            </a:fld>
+            <a:endParaRPr lang="en-US" dirty="0"/>
+          </a:p>
+        </p:txBody>
+      </p:sp>
+    </p:spTree>
+    <p:extLst>
+      <p:ext uri="{BB962C8B-B14F-4D97-AF65-F5344CB8AC3E}">
+        <p14:creationId xmlns:p14="http://schemas.microsoft.com/office/powerpoint/2010/main" val="1636654093"/>
+      </p:ext>
+    </p:extLst>
+  </p:cSld>
+  <p:clrMapOvr>
+    <a:masterClrMapping/>
+  </p:clrMapOvr>
+</p:notes>
+</file>
+
+<file path=ppt/notesSlides/notesSlide8.xml><?xml version="1.0" encoding="utf-8"?>
+<p:notes xmlns:a="http://schemas.openxmlformats.org/drawingml/2006/main" xmlns:r="http://schemas.openxmlformats.org/officeDocument/2006/relationships" xmlns:p="http://schemas.openxmlformats.org/presentationml/2006/main">
+  <p:cSld>
+    <p:spTree>
+      <p:nvGrpSpPr>
+        <p:cNvPr id="1" name=""/>
+        <p:cNvGrpSpPr/>
+        <p:nvPr/>
+      </p:nvGrpSpPr>
+      <p:grpSpPr>
+        <a:xfrm>
+          <a:off x="0" y="0"/>
+          <a:ext cx="0" cy="0"/>
+          <a:chOff x="0" y="0"/>
+          <a:chExt cx="0" cy="0"/>
+        </a:xfrm>
+      </p:grpSpPr>
+      <p:sp>
+        <p:nvSpPr>
+          <p:cNvPr id="2" name="Slide Image Placeholder 1"/>
+          <p:cNvSpPr>
+            <a:spLocks noGrp="1" noRot="1" noChangeAspect="1"/>
+          </p:cNvSpPr>
+          <p:nvPr>
+            <p:ph type="sldImg"/>
+          </p:nvPr>
+        </p:nvSpPr>
+        <p:spPr/>
+      </p:sp>
+      <p:sp>
+        <p:nvSpPr>
+          <p:cNvPr id="3" name="Notes Placeholder 2"/>
+          <p:cNvSpPr>
+            <a:spLocks noGrp="1"/>
+          </p:cNvSpPr>
+          <p:nvPr>
+            <p:ph type="body" idx="1"/>
+          </p:nvPr>
+        </p:nvSpPr>
+        <p:spPr/>
+        <p:txBody>
+          <a:bodyPr/>
+          <a:lstStyle/>
+          <a:p>
+            <a:pPr marL="0" marR="0" lvl="0" indent="0" algn="l" defTabSz="914400" rtl="0" eaLnBrk="1" fontAlgn="auto" latinLnBrk="0" hangingPunct="1">
+              <a:lnSpc>
+                <a:spcPct val="100000"/>
+              </a:lnSpc>
+              <a:spcBef>
+                <a:spcPts val="0"/>
+              </a:spcBef>
+              <a:spcAft>
+                <a:spcPts val="0"/>
+              </a:spcAft>
+              <a:buClrTx/>
+              <a:buSzTx/>
+              <a:buFontTx/>
+              <a:buNone/>
+              <a:tabLst/>
+              <a:defRPr/>
+            </a:pPr>
+            <a:r>
+              <a:rPr lang="en-GB" sz="1200" kern="1200" dirty="0">
+                <a:solidFill>
+                  <a:schemeClr val="tx1"/>
+                </a:solidFill>
+                <a:effectLst/>
+                <a:latin typeface="+mn-lt"/>
+                <a:ea typeface="+mn-ea"/>
+                <a:cs typeface="+mn-cs"/>
+              </a:rPr>
+              <a:t>So the first step was gathering all images of the workplace, generating 3D models myself from the images and generating the user-rating datasets. Then the markers were chosen whereby I used Vuforia to extract the feature using CV techniques and Deep Learning techniques provided by Vuforia. Finally features from the user rating datasets were also extracted using an SVD++ model.</a:t>
+            </a:r>
+          </a:p>
+          <a:p>
+            <a:endParaRPr lang="en-GB" dirty="0"/>
+          </a:p>
+        </p:txBody>
+      </p:sp>
+      <p:sp>
+        <p:nvSpPr>
+          <p:cNvPr id="4" name="Slide Number Placeholder 3"/>
+          <p:cNvSpPr>
+            <a:spLocks noGrp="1"/>
+          </p:cNvSpPr>
+          <p:nvPr>
+            <p:ph type="sldNum" sz="quarter" idx="5"/>
+          </p:nvPr>
+        </p:nvSpPr>
+        <p:spPr/>
+        <p:txBody>
+          <a:bodyPr/>
+          <a:lstStyle/>
+          <a:p>
+            <a:fld id="{F3544625-0ADF-4414-89A2-9E135F0C849F}" type="slidenum">
+              <a:rPr lang="en-US" smtClean="0"/>
+              <a:t>8</a:t>
+            </a:fld>
+            <a:endParaRPr lang="en-US" dirty="0"/>
+          </a:p>
+        </p:txBody>
+      </p:sp>
+    </p:spTree>
+    <p:extLst>
+      <p:ext uri="{BB962C8B-B14F-4D97-AF65-F5344CB8AC3E}">
+        <p14:creationId xmlns:p14="http://schemas.microsoft.com/office/powerpoint/2010/main" val="3104201608"/>
+      </p:ext>
+    </p:extLst>
+  </p:cSld>
+  <p:clrMapOvr>
+    <a:masterClrMapping/>
+  </p:clrMapOvr>
+</p:notes>
+</file>
+
+<file path=ppt/notesSlides/notesSlide9.xml><?xml version="1.0" encoding="utf-8"?>
+<p:notes xmlns:a="http://schemas.openxmlformats.org/drawingml/2006/main" xmlns:r="http://schemas.openxmlformats.org/officeDocument/2006/relationships" xmlns:p="http://schemas.openxmlformats.org/presentationml/2006/main">
+  <p:cSld>
+    <p:spTree>
+      <p:nvGrpSpPr>
+        <p:cNvPr id="1" name=""/>
+        <p:cNvGrpSpPr/>
+        <p:nvPr/>
+      </p:nvGrpSpPr>
+      <p:grpSpPr>
+        <a:xfrm>
+          <a:off x="0" y="0"/>
+          <a:ext cx="0" cy="0"/>
+          <a:chOff x="0" y="0"/>
+          <a:chExt cx="0" cy="0"/>
+        </a:xfrm>
+      </p:grpSpPr>
+      <p:sp>
+        <p:nvSpPr>
+          <p:cNvPr id="2" name="Slide Image Placeholder 1"/>
+          <p:cNvSpPr>
+            <a:spLocks noGrp="1" noRot="1" noChangeAspect="1"/>
+          </p:cNvSpPr>
+          <p:nvPr>
+            <p:ph type="sldImg"/>
+          </p:nvPr>
+        </p:nvSpPr>
+        <p:spPr/>
+      </p:sp>
+      <p:sp>
+        <p:nvSpPr>
+          <p:cNvPr id="3" name="Notes Placeholder 2"/>
+          <p:cNvSpPr>
+            <a:spLocks noGrp="1"/>
+          </p:cNvSpPr>
+          <p:nvPr>
+            <p:ph type="body" idx="1"/>
+          </p:nvPr>
+        </p:nvSpPr>
+        <p:spPr/>
+        <p:txBody>
+          <a:bodyPr/>
+          <a:lstStyle/>
+          <a:p>
+            <a:pPr marL="0" marR="0" lvl="0" indent="0" algn="l" defTabSz="914400" rtl="0" eaLnBrk="1" fontAlgn="auto" latinLnBrk="0" hangingPunct="1">
+              <a:lnSpc>
+                <a:spcPct val="100000"/>
+              </a:lnSpc>
+              <a:spcBef>
+                <a:spcPts val="0"/>
+              </a:spcBef>
+              <a:spcAft>
+                <a:spcPts val="0"/>
+              </a:spcAft>
+              <a:buClrTx/>
+              <a:buSzTx/>
+              <a:buFontTx/>
+              <a:buNone/>
+              <a:tabLst/>
+              <a:defRPr/>
+            </a:pPr>
+            <a:r>
+              <a:rPr lang="en-GB" sz="1200" kern="1200" dirty="0">
+                <a:solidFill>
+                  <a:schemeClr val="tx1"/>
+                </a:solidFill>
+                <a:effectLst/>
+                <a:latin typeface="+mn-lt"/>
+                <a:ea typeface="+mn-ea"/>
+                <a:cs typeface="+mn-cs"/>
+              </a:rPr>
+              <a:t>The third step was building two user query models one for the intern and the other for the visitor. Last but not least the UI and system architecture were designed and implemented within unity to provide the end product for the user to use according to their needs within the workplace.</a:t>
+            </a:r>
+          </a:p>
+          <a:p>
+            <a:endParaRPr lang="en-GB" dirty="0"/>
+          </a:p>
+        </p:txBody>
+      </p:sp>
+      <p:sp>
+        <p:nvSpPr>
+          <p:cNvPr id="4" name="Slide Number Placeholder 3"/>
+          <p:cNvSpPr>
+            <a:spLocks noGrp="1"/>
+          </p:cNvSpPr>
+          <p:nvPr>
+            <p:ph type="sldNum" sz="quarter" idx="5"/>
+          </p:nvPr>
+        </p:nvSpPr>
+        <p:spPr/>
+        <p:txBody>
+          <a:bodyPr/>
+          <a:lstStyle/>
+          <a:p>
+            <a:fld id="{F3544625-0ADF-4414-89A2-9E135F0C849F}" type="slidenum">
+              <a:rPr lang="en-US" smtClean="0"/>
+              <a:t>9</a:t>
+            </a:fld>
+            <a:endParaRPr lang="en-US" dirty="0"/>
+          </a:p>
+        </p:txBody>
+      </p:sp>
+    </p:spTree>
+    <p:extLst>
+      <p:ext uri="{BB962C8B-B14F-4D97-AF65-F5344CB8AC3E}">
+        <p14:creationId xmlns:p14="http://schemas.microsoft.com/office/powerpoint/2010/main" val="3007305010"/>
+      </p:ext>
+    </p:extLst>
+  </p:cSld>
+  <p:clrMapOvr>
+    <a:masterClrMapping/>
+  </p:clrMapOvr>
+</p:notes>
+</file>
+
 <file path=ppt/slideLayouts/slideLayout1.xml><?xml version="1.0" encoding="utf-8"?>
 <p:sldLayout xmlns:a="http://schemas.openxmlformats.org/drawingml/2006/main" xmlns:r="http://schemas.openxmlformats.org/officeDocument/2006/relationships" xmlns:p="http://schemas.openxmlformats.org/presentationml/2006/main" type="title" preserve="1">
   <p:cSld name="Title Slide">
-    <p:bg>
-      <p:bgRef idx="1003">
-        <a:schemeClr val="bg2"/>
-      </p:bgRef>
-    </p:bg>
     <p:spTree>
       <p:nvGrpSpPr>
         <p:cNvPr id="1" name=""/>
@@ -25910,9 +27644,9 @@
           <a:bodyPr/>
           <a:lstStyle/>
           <a:p>
-            <a:fld id="{9439195B-C02C-4C6D-B377-4C2477C54F1A}" type="datetime1">
+            <a:fld id="{C58B1229-2203-4E71-9AD5-E7152FC9DF6E}" type="datetime1">
               <a:rPr lang="en-US" smtClean="0"/>
-              <a:t>6/17/2020</a:t>
+              <a:t>6/21/2020</a:t>
             </a:fld>
             <a:endParaRPr lang="en-US" dirty="0"/>
           </a:p>
@@ -25940,7 +27674,7 @@
           <a:p>
             <a:r>
               <a:rPr lang="en-GB"/>
-              <a:t>Workplace Assistant Augmented Reality By Gabriel Camilleri</a:t>
+              <a:t>University of Malta, ICT Faculty, Department of A.I. </a:t>
             </a:r>
             <a:endParaRPr lang="en-US" dirty="0"/>
           </a:p>
@@ -25978,12 +27712,12 @@
     </p:spTree>
     <p:extLst>
       <p:ext uri="{BB962C8B-B14F-4D97-AF65-F5344CB8AC3E}">
-        <p14:creationId xmlns:p14="http://schemas.microsoft.com/office/powerpoint/2010/main" val="2202325018"/>
+        <p14:creationId xmlns:p14="http://schemas.microsoft.com/office/powerpoint/2010/main" val="1376609323"/>
       </p:ext>
     </p:extLst>
   </p:cSld>
   <p:clrMapOvr>
-    <a:overrideClrMapping bg1="dk1" tx1="lt1" bg2="dk2" tx2="lt2" accent1="accent1" accent2="accent2" accent3="accent3" accent4="accent4" accent5="accent5" accent6="accent6" hlink="hlink" folHlink="folHlink"/>
+    <a:masterClrMapping/>
   </p:clrMapOvr>
 </p:sldLayout>
 </file>
@@ -26249,9 +27983,9 @@
           <a:bodyPr/>
           <a:lstStyle/>
           <a:p>
-            <a:fld id="{BDC7D471-84C0-4AA3-BEA9-336D1B3C63C7}" type="datetime1">
+            <a:fld id="{2C99F8C4-EC34-4B76-983A-3A7F88270C5D}" type="datetime1">
               <a:rPr lang="en-US" smtClean="0"/>
-              <a:t>6/17/2020</a:t>
+              <a:t>6/21/2020</a:t>
             </a:fld>
             <a:endParaRPr lang="en-US" dirty="0"/>
           </a:p>
@@ -26274,7 +28008,7 @@
           <a:p>
             <a:r>
               <a:rPr lang="en-GB"/>
-              <a:t>Workplace Assistant Augmented Reality By Gabriel Camilleri</a:t>
+              <a:t>University of Malta, ICT Faculty, Department of A.I. </a:t>
             </a:r>
             <a:endParaRPr lang="en-US" dirty="0"/>
           </a:p>
@@ -26307,7 +28041,7 @@
     </p:spTree>
     <p:extLst>
       <p:ext uri="{BB962C8B-B14F-4D97-AF65-F5344CB8AC3E}">
-        <p14:creationId xmlns:p14="http://schemas.microsoft.com/office/powerpoint/2010/main" val="3386312784"/>
+        <p14:creationId xmlns:p14="http://schemas.microsoft.com/office/powerpoint/2010/main" val="669252386"/>
       </p:ext>
     </p:extLst>
   </p:cSld>
@@ -26532,9 +28266,9 @@
           <a:bodyPr/>
           <a:lstStyle/>
           <a:p>
-            <a:fld id="{E4E69A2B-CC51-4094-9569-07450A48F843}" type="datetime1">
+            <a:fld id="{140337B1-DCF1-4AC2-AEAE-E3E793B58101}" type="datetime1">
               <a:rPr lang="en-US" smtClean="0"/>
-              <a:t>6/17/2020</a:t>
+              <a:t>6/21/2020</a:t>
             </a:fld>
             <a:endParaRPr lang="en-US" dirty="0"/>
           </a:p>
@@ -26557,7 +28291,7 @@
           <a:p>
             <a:r>
               <a:rPr lang="en-GB"/>
-              <a:t>Workplace Assistant Augmented Reality By Gabriel Camilleri</a:t>
+              <a:t>University of Malta, ICT Faculty, Department of A.I. </a:t>
             </a:r>
             <a:endParaRPr lang="en-US" dirty="0"/>
           </a:p>
@@ -26590,7 +28324,7 @@
     </p:spTree>
     <p:extLst>
       <p:ext uri="{BB962C8B-B14F-4D97-AF65-F5344CB8AC3E}">
-        <p14:creationId xmlns:p14="http://schemas.microsoft.com/office/powerpoint/2010/main" val="3498008873"/>
+        <p14:creationId xmlns:p14="http://schemas.microsoft.com/office/powerpoint/2010/main" val="1899346325"/>
       </p:ext>
     </p:extLst>
   </p:cSld>
@@ -26649,7 +28383,7 @@
       </p:pic>
       <p:sp>
         <p:nvSpPr>
-          <p:cNvPr id="13" name="TextBox 12"/>
+          <p:cNvPr id="12" name="TextBox 11"/>
           <p:cNvSpPr txBox="1"/>
           <p:nvPr/>
         </p:nvSpPr>
@@ -26765,7 +28499,7 @@
       </p:sp>
       <p:sp>
         <p:nvSpPr>
-          <p:cNvPr id="14" name="TextBox 13"/>
+          <p:cNvPr id="13" name="TextBox 12"/>
           <p:cNvSpPr txBox="1"/>
           <p:nvPr/>
         </p:nvSpPr>
@@ -27105,9 +28839,9 @@
           <a:bodyPr/>
           <a:lstStyle/>
           <a:p>
-            <a:fld id="{537D1509-F61D-4868-8D49-77315CFC4A89}" type="datetime1">
+            <a:fld id="{752BC48C-1F67-4485-83BB-80F84407D8D4}" type="datetime1">
               <a:rPr lang="en-US" smtClean="0"/>
-              <a:t>6/17/2020</a:t>
+              <a:t>6/21/2020</a:t>
             </a:fld>
             <a:endParaRPr lang="en-US" dirty="0"/>
           </a:p>
@@ -27130,7 +28864,7 @@
           <a:p>
             <a:r>
               <a:rPr lang="en-GB"/>
-              <a:t>Workplace Assistant Augmented Reality By Gabriel Camilleri</a:t>
+              <a:t>University of Malta, ICT Faculty, Department of A.I. </a:t>
             </a:r>
             <a:endParaRPr lang="en-US" dirty="0"/>
           </a:p>
@@ -27163,7 +28897,7 @@
     </p:spTree>
     <p:extLst>
       <p:ext uri="{BB962C8B-B14F-4D97-AF65-F5344CB8AC3E}">
-        <p14:creationId xmlns:p14="http://schemas.microsoft.com/office/powerpoint/2010/main" val="320505379"/>
+        <p14:creationId xmlns:p14="http://schemas.microsoft.com/office/powerpoint/2010/main" val="3342881092"/>
       </p:ext>
     </p:extLst>
   </p:cSld>
@@ -27388,9 +29122,9 @@
           <a:bodyPr/>
           <a:lstStyle/>
           <a:p>
-            <a:fld id="{E80C4222-264A-4CCE-80A8-0ED98D8CF48E}" type="datetime1">
+            <a:fld id="{D120A3FA-0F47-4AB2-964E-679E61BFF75C}" type="datetime1">
               <a:rPr lang="en-US" smtClean="0"/>
-              <a:t>6/17/2020</a:t>
+              <a:t>6/21/2020</a:t>
             </a:fld>
             <a:endParaRPr lang="en-US" dirty="0"/>
           </a:p>
@@ -27413,7 +29147,7 @@
           <a:p>
             <a:r>
               <a:rPr lang="en-GB"/>
-              <a:t>Workplace Assistant Augmented Reality By Gabriel Camilleri</a:t>
+              <a:t>University of Malta, ICT Faculty, Department of A.I. </a:t>
             </a:r>
             <a:endParaRPr lang="en-US" dirty="0"/>
           </a:p>
@@ -27446,7 +29180,7 @@
     </p:spTree>
     <p:extLst>
       <p:ext uri="{BB962C8B-B14F-4D97-AF65-F5344CB8AC3E}">
-        <p14:creationId xmlns:p14="http://schemas.microsoft.com/office/powerpoint/2010/main" val="2178569399"/>
+        <p14:creationId xmlns:p14="http://schemas.microsoft.com/office/powerpoint/2010/main" val="4217046137"/>
       </p:ext>
     </p:extLst>
   </p:cSld>
@@ -27955,9 +29689,9 @@
           <a:bodyPr/>
           <a:lstStyle/>
           <a:p>
-            <a:fld id="{C161E8B0-8820-43AE-A24E-F028A9FC6E83}" type="datetime1">
+            <a:fld id="{FD587394-4DF1-4241-A23A-102C97DD391C}" type="datetime1">
               <a:rPr lang="en-US" smtClean="0"/>
-              <a:t>6/17/2020</a:t>
+              <a:t>6/21/2020</a:t>
             </a:fld>
             <a:endParaRPr lang="en-US" dirty="0"/>
           </a:p>
@@ -27980,7 +29714,7 @@
           <a:p>
             <a:r>
               <a:rPr lang="en-GB"/>
-              <a:t>Workplace Assistant Augmented Reality By Gabriel Camilleri</a:t>
+              <a:t>University of Malta, ICT Faculty, Department of A.I. </a:t>
             </a:r>
             <a:endParaRPr lang="en-US" dirty="0"/>
           </a:p>
@@ -28013,7 +29747,7 @@
     </p:spTree>
     <p:extLst>
       <p:ext uri="{BB962C8B-B14F-4D97-AF65-F5344CB8AC3E}">
-        <p14:creationId xmlns:p14="http://schemas.microsoft.com/office/powerpoint/2010/main" val="3044187618"/>
+        <p14:creationId xmlns:p14="http://schemas.microsoft.com/office/powerpoint/2010/main" val="2964350615"/>
       </p:ext>
     </p:extLst>
   </p:cSld>
@@ -28287,9 +30021,9 @@
           <a:bodyPr/>
           <a:lstStyle/>
           <a:p>
-            <a:fld id="{3C43F9D9-A657-4E85-AB7B-F2AE95C5657D}" type="datetime1">
+            <a:fld id="{0CF148F5-325D-48F2-95ED-1B5CABC7C914}" type="datetime1">
               <a:rPr lang="en-US" smtClean="0"/>
-              <a:t>6/17/2020</a:t>
+              <a:t>6/21/2020</a:t>
             </a:fld>
             <a:endParaRPr lang="en-US" dirty="0"/>
           </a:p>
@@ -28312,7 +30046,7 @@
           <a:p>
             <a:r>
               <a:rPr lang="en-GB"/>
-              <a:t>Workplace Assistant Augmented Reality By Gabriel Camilleri</a:t>
+              <a:t>University of Malta, ICT Faculty, Department of A.I. </a:t>
             </a:r>
             <a:endParaRPr lang="en-US" dirty="0"/>
           </a:p>
@@ -28345,7 +30079,7 @@
     </p:spTree>
     <p:extLst>
       <p:ext uri="{BB962C8B-B14F-4D97-AF65-F5344CB8AC3E}">
-        <p14:creationId xmlns:p14="http://schemas.microsoft.com/office/powerpoint/2010/main" val="4285960841"/>
+        <p14:creationId xmlns:p14="http://schemas.microsoft.com/office/powerpoint/2010/main" val="3271877731"/>
       </p:ext>
     </p:extLst>
   </p:cSld>
@@ -28497,9 +30231,9 @@
           <a:bodyPr/>
           <a:lstStyle/>
           <a:p>
-            <a:fld id="{779C710A-AF9E-4750-82D3-5D6A3CA742D7}" type="datetime1">
+            <a:fld id="{5256FA15-D853-4184-8DF8-C304ECD14EAB}" type="datetime1">
               <a:rPr lang="en-US" smtClean="0"/>
-              <a:t>6/17/2020</a:t>
+              <a:t>6/21/2020</a:t>
             </a:fld>
             <a:endParaRPr lang="en-US" dirty="0"/>
           </a:p>
@@ -28522,7 +30256,7 @@
           <a:p>
             <a:r>
               <a:rPr lang="en-GB"/>
-              <a:t>Workplace Assistant Augmented Reality By Gabriel Camilleri</a:t>
+              <a:t>University of Malta, ICT Faculty, Department of A.I. </a:t>
             </a:r>
             <a:endParaRPr lang="en-US" dirty="0"/>
           </a:p>
@@ -28554,7 +30288,7 @@
     </p:spTree>
     <p:extLst>
       <p:ext uri="{BB962C8B-B14F-4D97-AF65-F5344CB8AC3E}">
-        <p14:creationId xmlns:p14="http://schemas.microsoft.com/office/powerpoint/2010/main" val="2202126091"/>
+        <p14:creationId xmlns:p14="http://schemas.microsoft.com/office/powerpoint/2010/main" val="4094620680"/>
       </p:ext>
     </p:extLst>
   </p:cSld>
@@ -28711,9 +30445,9 @@
           <a:bodyPr/>
           <a:lstStyle/>
           <a:p>
-            <a:fld id="{40BAD86D-C2EA-45EC-AEE8-4FB17FE92E24}" type="datetime1">
+            <a:fld id="{D744B642-6BBA-4D76-9469-DA0521FC4C10}" type="datetime1">
               <a:rPr lang="en-US" smtClean="0"/>
-              <a:t>6/17/2020</a:t>
+              <a:t>6/21/2020</a:t>
             </a:fld>
             <a:endParaRPr lang="en-US" dirty="0"/>
           </a:p>
@@ -28736,7 +30470,7 @@
           <a:p>
             <a:r>
               <a:rPr lang="en-GB"/>
-              <a:t>Workplace Assistant Augmented Reality By Gabriel Camilleri</a:t>
+              <a:t>University of Malta, ICT Faculty, Department of A.I. </a:t>
             </a:r>
             <a:endParaRPr lang="en-US" dirty="0"/>
           </a:p>
@@ -28768,7 +30502,7 @@
     </p:spTree>
     <p:extLst>
       <p:ext uri="{BB962C8B-B14F-4D97-AF65-F5344CB8AC3E}">
-        <p14:creationId xmlns:p14="http://schemas.microsoft.com/office/powerpoint/2010/main" val="2447542997"/>
+        <p14:creationId xmlns:p14="http://schemas.microsoft.com/office/powerpoint/2010/main" val="1775690878"/>
       </p:ext>
     </p:extLst>
   </p:cSld>
@@ -28915,9 +30649,9 @@
           <a:bodyPr/>
           <a:lstStyle/>
           <a:p>
-            <a:fld id="{9180EA7F-0526-45D5-AA8F-E45656CA6821}" type="datetime1">
+            <a:fld id="{21002729-CC89-42C7-9C8B-174FDB11EA37}" type="datetime1">
               <a:rPr lang="en-US" smtClean="0"/>
-              <a:t>6/17/2020</a:t>
+              <a:t>6/21/2020</a:t>
             </a:fld>
             <a:endParaRPr lang="en-US" dirty="0"/>
           </a:p>
@@ -28940,7 +30674,7 @@
           <a:p>
             <a:r>
               <a:rPr lang="en-GB"/>
-              <a:t>Workplace Assistant Augmented Reality By Gabriel Camilleri</a:t>
+              <a:t>University of Malta, ICT Faculty, Department of A.I. </a:t>
             </a:r>
             <a:endParaRPr lang="en-US" dirty="0"/>
           </a:p>
@@ -28972,7 +30706,7 @@
     </p:spTree>
     <p:extLst>
       <p:ext uri="{BB962C8B-B14F-4D97-AF65-F5344CB8AC3E}">
-        <p14:creationId xmlns:p14="http://schemas.microsoft.com/office/powerpoint/2010/main" val="2466546179"/>
+        <p14:creationId xmlns:p14="http://schemas.microsoft.com/office/powerpoint/2010/main" val="994696320"/>
       </p:ext>
     </p:extLst>
   </p:cSld>
@@ -29195,9 +30929,9 @@
           <a:bodyPr/>
           <a:lstStyle/>
           <a:p>
-            <a:fld id="{270CF71F-1189-41B9-8E65-1BD0C7328F0E}" type="datetime1">
+            <a:fld id="{B207E12C-DB9C-434A-8502-D7BC6CF98436}" type="datetime1">
               <a:rPr lang="en-US" smtClean="0"/>
-              <a:t>6/17/2020</a:t>
+              <a:t>6/21/2020</a:t>
             </a:fld>
             <a:endParaRPr lang="en-US" dirty="0"/>
           </a:p>
@@ -29220,7 +30954,7 @@
           <a:p>
             <a:r>
               <a:rPr lang="en-GB"/>
-              <a:t>Workplace Assistant Augmented Reality By Gabriel Camilleri</a:t>
+              <a:t>University of Malta, ICT Faculty, Department of A.I. </a:t>
             </a:r>
             <a:endParaRPr lang="en-US" dirty="0"/>
           </a:p>
@@ -29253,7 +30987,7 @@
     </p:spTree>
     <p:extLst>
       <p:ext uri="{BB962C8B-B14F-4D97-AF65-F5344CB8AC3E}">
-        <p14:creationId xmlns:p14="http://schemas.microsoft.com/office/powerpoint/2010/main" val="1074580271"/>
+        <p14:creationId xmlns:p14="http://schemas.microsoft.com/office/powerpoint/2010/main" val="278583125"/>
       </p:ext>
     </p:extLst>
   </p:cSld>
@@ -29466,9 +31200,9 @@
           <a:bodyPr/>
           <a:lstStyle/>
           <a:p>
-            <a:fld id="{085A4EB6-62A5-4575-A663-36BA884764CD}" type="datetime1">
+            <a:fld id="{15F7F6D4-4499-45C6-8CCB-27611726860E}" type="datetime1">
               <a:rPr lang="en-US" smtClean="0"/>
-              <a:t>6/17/2020</a:t>
+              <a:t>6/21/2020</a:t>
             </a:fld>
             <a:endParaRPr lang="en-US" dirty="0"/>
           </a:p>
@@ -29491,7 +31225,7 @@
           <a:p>
             <a:r>
               <a:rPr lang="en-GB"/>
-              <a:t>Workplace Assistant Augmented Reality By Gabriel Camilleri</a:t>
+              <a:t>University of Malta, ICT Faculty, Department of A.I. </a:t>
             </a:r>
             <a:endParaRPr lang="en-US" dirty="0"/>
           </a:p>
@@ -29523,7 +31257,7 @@
     </p:spTree>
     <p:extLst>
       <p:ext uri="{BB962C8B-B14F-4D97-AF65-F5344CB8AC3E}">
-        <p14:creationId xmlns:p14="http://schemas.microsoft.com/office/powerpoint/2010/main" val="1623104670"/>
+        <p14:creationId xmlns:p14="http://schemas.microsoft.com/office/powerpoint/2010/main" val="903137823"/>
       </p:ext>
     </p:extLst>
   </p:cSld>
@@ -29844,9 +31578,9 @@
           <a:bodyPr/>
           <a:lstStyle/>
           <a:p>
-            <a:fld id="{165DD923-5761-40FE-8967-2543A6AFF5FD}" type="datetime1">
+            <a:fld id="{756247AC-4ADC-4EC5-B587-0A6730870F9B}" type="datetime1">
               <a:rPr lang="en-US" smtClean="0"/>
-              <a:t>6/17/2020</a:t>
+              <a:t>6/21/2020</a:t>
             </a:fld>
             <a:endParaRPr lang="en-US" dirty="0"/>
           </a:p>
@@ -29869,7 +31603,7 @@
           <a:p>
             <a:r>
               <a:rPr lang="en-GB"/>
-              <a:t>Workplace Assistant Augmented Reality By Gabriel Camilleri</a:t>
+              <a:t>University of Malta, ICT Faculty, Department of A.I. </a:t>
             </a:r>
             <a:endParaRPr lang="en-US" dirty="0"/>
           </a:p>
@@ -29901,7 +31635,7 @@
     </p:spTree>
     <p:extLst>
       <p:ext uri="{BB962C8B-B14F-4D97-AF65-F5344CB8AC3E}">
-        <p14:creationId xmlns:p14="http://schemas.microsoft.com/office/powerpoint/2010/main" val="1987299386"/>
+        <p14:creationId xmlns:p14="http://schemas.microsoft.com/office/powerpoint/2010/main" val="3666060596"/>
       </p:ext>
     </p:extLst>
   </p:cSld>
@@ -29996,9 +31730,9 @@
           <a:bodyPr/>
           <a:lstStyle/>
           <a:p>
-            <a:fld id="{6F84E024-ADAD-4AB1-8BD9-255E0C92E16E}" type="datetime1">
+            <a:fld id="{AD2E63FA-1416-40BB-B0C5-380757D2A9EE}" type="datetime1">
               <a:rPr lang="en-US" smtClean="0"/>
-              <a:t>6/17/2020</a:t>
+              <a:t>6/21/2020</a:t>
             </a:fld>
             <a:endParaRPr lang="en-US" dirty="0"/>
           </a:p>
@@ -30021,7 +31755,7 @@
           <a:p>
             <a:r>
               <a:rPr lang="en-GB"/>
-              <a:t>Workplace Assistant Augmented Reality By Gabriel Camilleri</a:t>
+              <a:t>University of Malta, ICT Faculty, Department of A.I. </a:t>
             </a:r>
             <a:endParaRPr lang="en-US" dirty="0"/>
           </a:p>
@@ -30053,7 +31787,7 @@
     </p:spTree>
     <p:extLst>
       <p:ext uri="{BB962C8B-B14F-4D97-AF65-F5344CB8AC3E}">
-        <p14:creationId xmlns:p14="http://schemas.microsoft.com/office/powerpoint/2010/main" val="4240550557"/>
+        <p14:creationId xmlns:p14="http://schemas.microsoft.com/office/powerpoint/2010/main" val="2021649320"/>
       </p:ext>
     </p:extLst>
   </p:cSld>
@@ -30125,9 +31859,9 @@
           <a:bodyPr/>
           <a:lstStyle/>
           <a:p>
-            <a:fld id="{742B43EE-4AC5-4D59-A159-93E41F4F2505}" type="datetime1">
+            <a:fld id="{D8A1A976-E91C-447D-A3F0-B40793D6FAA3}" type="datetime1">
               <a:rPr lang="en-US" smtClean="0"/>
-              <a:t>6/17/2020</a:t>
+              <a:t>6/21/2020</a:t>
             </a:fld>
             <a:endParaRPr lang="en-US" dirty="0"/>
           </a:p>
@@ -30150,7 +31884,7 @@
           <a:p>
             <a:r>
               <a:rPr lang="en-GB"/>
-              <a:t>Workplace Assistant Augmented Reality By Gabriel Camilleri</a:t>
+              <a:t>University of Malta, ICT Faculty, Department of A.I. </a:t>
             </a:r>
             <a:endParaRPr lang="en-US" dirty="0"/>
           </a:p>
@@ -30182,7 +31916,7 @@
     </p:spTree>
     <p:extLst>
       <p:ext uri="{BB962C8B-B14F-4D97-AF65-F5344CB8AC3E}">
-        <p14:creationId xmlns:p14="http://schemas.microsoft.com/office/powerpoint/2010/main" val="3293073901"/>
+        <p14:creationId xmlns:p14="http://schemas.microsoft.com/office/powerpoint/2010/main" val="791172501"/>
       </p:ext>
     </p:extLst>
   </p:cSld>
@@ -30414,9 +32148,9 @@
           <a:bodyPr/>
           <a:lstStyle/>
           <a:p>
-            <a:fld id="{E3DCD9B5-EDE2-4B48-9F57-712B4FE6E94A}" type="datetime1">
+            <a:fld id="{E934CA07-19AB-4752-8232-568E1B4C8200}" type="datetime1">
               <a:rPr lang="en-US" smtClean="0"/>
-              <a:t>6/17/2020</a:t>
+              <a:t>6/21/2020</a:t>
             </a:fld>
             <a:endParaRPr lang="en-US" dirty="0"/>
           </a:p>
@@ -30439,7 +32173,7 @@
           <a:p>
             <a:r>
               <a:rPr lang="en-GB"/>
-              <a:t>Workplace Assistant Augmented Reality By Gabriel Camilleri</a:t>
+              <a:t>University of Malta, ICT Faculty, Department of A.I. </a:t>
             </a:r>
             <a:endParaRPr lang="en-US" dirty="0"/>
           </a:p>
@@ -30472,7 +32206,7 @@
     </p:spTree>
     <p:extLst>
       <p:ext uri="{BB962C8B-B14F-4D97-AF65-F5344CB8AC3E}">
-        <p14:creationId xmlns:p14="http://schemas.microsoft.com/office/powerpoint/2010/main" val="1140976417"/>
+        <p14:creationId xmlns:p14="http://schemas.microsoft.com/office/powerpoint/2010/main" val="244958433"/>
       </p:ext>
     </p:extLst>
   </p:cSld>
@@ -30743,9 +32477,9 @@
           <a:bodyPr/>
           <a:lstStyle/>
           <a:p>
-            <a:fld id="{06CA5911-5943-4F59-AEE5-D4D45F68A313}" type="datetime1">
+            <a:fld id="{D6C415BE-0531-4E1C-BBDB-54E92CC6F1B4}" type="datetime1">
               <a:rPr lang="en-US" smtClean="0"/>
-              <a:t>6/17/2020</a:t>
+              <a:t>6/21/2020</a:t>
             </a:fld>
             <a:endParaRPr lang="en-US" dirty="0"/>
           </a:p>
@@ -30768,7 +32502,7 @@
           <a:p>
             <a:r>
               <a:rPr lang="en-GB"/>
-              <a:t>Workplace Assistant Augmented Reality By Gabriel Camilleri</a:t>
+              <a:t>University of Malta, ICT Faculty, Department of A.I. </a:t>
             </a:r>
             <a:endParaRPr lang="en-US" dirty="0"/>
           </a:p>
@@ -30801,7 +32535,7 @@
     </p:spTree>
     <p:extLst>
       <p:ext uri="{BB962C8B-B14F-4D97-AF65-F5344CB8AC3E}">
-        <p14:creationId xmlns:p14="http://schemas.microsoft.com/office/powerpoint/2010/main" val="2179080689"/>
+        <p14:creationId xmlns:p14="http://schemas.microsoft.com/office/powerpoint/2010/main" val="2598194060"/>
       </p:ext>
     </p:extLst>
   </p:cSld>
@@ -30962,9 +32696,9 @@
             </a:lvl1pPr>
           </a:lstStyle>
           <a:p>
-            <a:fld id="{6DA4AFE6-81A7-4159-95E8-8CB28AB9BDDA}" type="datetime1">
+            <a:fld id="{38EC5744-7934-4A57-83F8-29BB9B3EB960}" type="datetime1">
               <a:rPr lang="en-US" smtClean="0"/>
-              <a:t>6/17/2020</a:t>
+              <a:t>6/21/2020</a:t>
             </a:fld>
             <a:endParaRPr lang="en-US" dirty="0"/>
           </a:p>
@@ -31005,7 +32739,7 @@
           <a:p>
             <a:r>
               <a:rPr lang="en-GB"/>
-              <a:t>Workplace Assistant Augmented Reality By Gabriel Camilleri</a:t>
+              <a:t>University of Malta, ICT Faculty, Department of A.I. </a:t>
             </a:r>
             <a:endParaRPr lang="en-US" dirty="0"/>
           </a:p>
@@ -31056,29 +32790,29 @@
     </p:spTree>
     <p:extLst>
       <p:ext uri="{BB962C8B-B14F-4D97-AF65-F5344CB8AC3E}">
-        <p14:creationId xmlns:p14="http://schemas.microsoft.com/office/powerpoint/2010/main" val="645065765"/>
+        <p14:creationId xmlns:p14="http://schemas.microsoft.com/office/powerpoint/2010/main" val="3712297816"/>
       </p:ext>
     </p:extLst>
   </p:cSld>
   <p:clrMap bg1="dk1" tx1="lt1" bg2="dk2" tx2="lt2" accent1="accent1" accent2="accent2" accent3="accent3" accent4="accent4" accent5="accent5" accent6="accent6" hlink="hlink" folHlink="folHlink"/>
   <p:sldLayoutIdLst>
-    <p:sldLayoutId id="2147483745" r:id="rId1"/>
-    <p:sldLayoutId id="2147483746" r:id="rId2"/>
-    <p:sldLayoutId id="2147483747" r:id="rId3"/>
-    <p:sldLayoutId id="2147483748" r:id="rId4"/>
-    <p:sldLayoutId id="2147483749" r:id="rId5"/>
-    <p:sldLayoutId id="2147483750" r:id="rId6"/>
-    <p:sldLayoutId id="2147483751" r:id="rId7"/>
-    <p:sldLayoutId id="2147483752" r:id="rId8"/>
-    <p:sldLayoutId id="2147483753" r:id="rId9"/>
-    <p:sldLayoutId id="2147483754" r:id="rId10"/>
-    <p:sldLayoutId id="2147483755" r:id="rId11"/>
-    <p:sldLayoutId id="2147483756" r:id="rId12"/>
-    <p:sldLayoutId id="2147483757" r:id="rId13"/>
-    <p:sldLayoutId id="2147483758" r:id="rId14"/>
-    <p:sldLayoutId id="2147483759" r:id="rId15"/>
-    <p:sldLayoutId id="2147483760" r:id="rId16"/>
-    <p:sldLayoutId id="2147483761" r:id="rId17"/>
+    <p:sldLayoutId id="2147483781" r:id="rId1"/>
+    <p:sldLayoutId id="2147483782" r:id="rId2"/>
+    <p:sldLayoutId id="2147483783" r:id="rId3"/>
+    <p:sldLayoutId id="2147483784" r:id="rId4"/>
+    <p:sldLayoutId id="2147483785" r:id="rId5"/>
+    <p:sldLayoutId id="2147483786" r:id="rId6"/>
+    <p:sldLayoutId id="2147483787" r:id="rId7"/>
+    <p:sldLayoutId id="2147483788" r:id="rId8"/>
+    <p:sldLayoutId id="2147483789" r:id="rId9"/>
+    <p:sldLayoutId id="2147483790" r:id="rId10"/>
+    <p:sldLayoutId id="2147483791" r:id="rId11"/>
+    <p:sldLayoutId id="2147483792" r:id="rId12"/>
+    <p:sldLayoutId id="2147483793" r:id="rId13"/>
+    <p:sldLayoutId id="2147483794" r:id="rId14"/>
+    <p:sldLayoutId id="2147483795" r:id="rId15"/>
+    <p:sldLayoutId id="2147483796" r:id="rId16"/>
+    <p:sldLayoutId id="2147483797" r:id="rId17"/>
   </p:sldLayoutIdLst>
   <p:hf hdr="0"/>
   <p:txStyles>
@@ -31595,7 +33329,7 @@
           <a:lstStyle/>
           <a:p>
             <a:r>
-              <a:rPr lang="en-US" dirty="0">
+              <a:rPr lang="en-US">
                 <a:solidFill>
                   <a:schemeClr val="accent1">
                     <a:lumMod val="40000"/>
@@ -31608,7 +33342,7 @@
           </a:p>
           <a:p>
             <a:r>
-              <a:rPr lang="en-US" dirty="0">
+              <a:rPr lang="en-US">
                 <a:solidFill>
                   <a:schemeClr val="accent1">
                     <a:lumMod val="40000"/>
@@ -31616,30 +33350,16 @@
                   </a:schemeClr>
                 </a:solidFill>
               </a:rPr>
-              <a:t>Supervisor: Dr. </a:t>
+              <a:t>Supervisor: Dr. vanessa Camilleri</a:t>
             </a:r>
-            <a:r>
-              <a:rPr lang="en-US" dirty="0" err="1">
-                <a:solidFill>
-                  <a:schemeClr val="accent1">
-                    <a:lumMod val="40000"/>
-                    <a:lumOff val="60000"/>
-                  </a:schemeClr>
-                </a:solidFill>
-              </a:rPr>
-              <a:t>vanessa</a:t>
-            </a:r>
-            <a:r>
-              <a:rPr lang="en-US" dirty="0">
-                <a:solidFill>
-                  <a:schemeClr val="accent1">
-                    <a:lumMod val="40000"/>
-                    <a:lumOff val="60000"/>
-                  </a:schemeClr>
-                </a:solidFill>
-              </a:rPr>
-              <a:t> Camilleri</a:t>
-            </a:r>
+            <a:endParaRPr lang="en-US" dirty="0">
+              <a:solidFill>
+                <a:schemeClr val="accent1">
+                  <a:lumMod val="40000"/>
+                  <a:lumOff val="60000"/>
+                </a:schemeClr>
+              </a:solidFill>
+            </a:endParaRPr>
           </a:p>
         </p:txBody>
       </p:sp>
@@ -31664,9 +33384,9 @@
           <a:bodyPr/>
           <a:lstStyle/>
           <a:p>
-            <a:fld id="{E36420B7-879B-41DE-9640-2230C2E685A6}" type="datetime1">
+            <a:fld id="{96D48A57-A2A9-4DEE-95DB-58BEC5999025}" type="datetime1">
               <a:rPr lang="en-US" smtClean="0"/>
-              <a:t>6/17/2020</a:t>
+              <a:t>6/21/2020</a:t>
             </a:fld>
             <a:endParaRPr lang="en-US" dirty="0"/>
           </a:p>
@@ -31694,9 +33414,10 @@
           <a:lstStyle/>
           <a:p>
             <a:r>
-              <a:rPr lang="en-US" dirty="0"/>
-              <a:t>Workplace Assistant Augmented Reality By Gabriel Camilleri</a:t>
+              <a:rPr lang="en-US"/>
+              <a:t>University of Malta, ICT Faculty, Department of A.I. </a:t>
             </a:r>
+            <a:endParaRPr lang="en-US" dirty="0"/>
           </a:p>
         </p:txBody>
       </p:sp>
@@ -31730,6 +33451,36 @@
           </a:p>
         </p:txBody>
       </p:sp>
+      <p:pic>
+        <p:nvPicPr>
+          <p:cNvPr id="9" name="Picture 8" descr="A picture containing shirt, drawing&#10;&#10;Description automatically generated">
+            <a:extLst>
+              <a:ext uri="{FF2B5EF4-FFF2-40B4-BE49-F238E27FC236}">
+                <a16:creationId xmlns:a16="http://schemas.microsoft.com/office/drawing/2014/main" id="{9BD88EAB-2099-42B6-A6D7-CD0E10B43C4E}"/>
+              </a:ext>
+            </a:extLst>
+          </p:cNvPr>
+          <p:cNvPicPr>
+            <a:picLocks noChangeAspect="1"/>
+          </p:cNvPicPr>
+          <p:nvPr/>
+        </p:nvPicPr>
+        <p:blipFill>
+          <a:blip r:embed="rId4"/>
+          <a:stretch>
+            <a:fillRect/>
+          </a:stretch>
+        </p:blipFill>
+        <p:spPr>
+          <a:xfrm>
+            <a:off x="838444" y="1527175"/>
+            <a:ext cx="3803649" cy="3803649"/>
+          </a:xfrm>
+          <a:prstGeom prst="rect">
+            <a:avLst/>
+          </a:prstGeom>
+        </p:spPr>
+      </p:pic>
     </p:spTree>
     <p:extLst>
       <p:ext uri="{BB962C8B-B14F-4D97-AF65-F5344CB8AC3E}">
@@ -31746,14 +33497,6 @@
 <file path=ppt/slides/slide10.xml><?xml version="1.0" encoding="utf-8"?>
 <p:sld xmlns:a="http://schemas.openxmlformats.org/drawingml/2006/main" xmlns:r="http://schemas.openxmlformats.org/officeDocument/2006/relationships" xmlns:p="http://schemas.openxmlformats.org/presentationml/2006/main">
   <p:cSld>
-    <p:bg>
-      <p:bgPr>
-        <a:solidFill>
-          <a:schemeClr val="bg1"/>
-        </a:solidFill>
-        <a:effectLst/>
-      </p:bgPr>
-    </p:bg>
     <p:spTree>
       <p:nvGrpSpPr>
         <p:cNvPr id="1" name=""/>
@@ -31768,171 +33511,6 @@
           <a:chExt cx="0" cy="0"/>
         </a:xfrm>
       </p:grpSpPr>
-      <p:sp>
-        <p:nvSpPr>
-          <p:cNvPr id="17" name="Rectangle 8">
-            <a:extLst>
-              <a:ext uri="{FF2B5EF4-FFF2-40B4-BE49-F238E27FC236}">
-                <a16:creationId xmlns:a16="http://schemas.microsoft.com/office/drawing/2014/main" id="{4117F0C1-BCBB-40C7-99D6-F703E7A4B5F3}"/>
-              </a:ext>
-              <a:ext uri="{C183D7F6-B498-43B3-948B-1728B52AA6E4}">
-                <adec:decorative xmlns:adec="http://schemas.microsoft.com/office/drawing/2017/decorative" val="1"/>
-              </a:ext>
-            </a:extLst>
-          </p:cNvPr>
-          <p:cNvSpPr>
-            <a:spLocks noGrp="1" noRot="1" noChangeAspect="1" noMove="1" noResize="1" noEditPoints="1" noAdjustHandles="1" noChangeArrowheads="1" noChangeShapeType="1" noTextEdit="1"/>
-          </p:cNvSpPr>
-          <p:nvPr>
-            <p:extLst>
-              <p:ext uri="{386F3935-93C4-4BCD-93E2-E3B085C9AB24}">
-                <p16:designElem xmlns:p16="http://schemas.microsoft.com/office/powerpoint/2015/main" val="1"/>
-              </p:ext>
-            </p:extLst>
-          </p:nvPr>
-        </p:nvSpPr>
-        <p:spPr>
-          <a:xfrm>
-            <a:off x="0" y="0"/>
-            <a:ext cx="12192000" cy="6858000"/>
-          </a:xfrm>
-          <a:prstGeom prst="rect">
-            <a:avLst/>
-          </a:prstGeom>
-          <a:ln>
-            <a:noFill/>
-          </a:ln>
-        </p:spPr>
-        <p:style>
-          <a:lnRef idx="2">
-            <a:schemeClr val="accent1">
-              <a:shade val="50000"/>
-            </a:schemeClr>
-          </a:lnRef>
-          <a:fillRef idx="1003">
-            <a:schemeClr val="lt2"/>
-          </a:fillRef>
-          <a:effectRef idx="0">
-            <a:schemeClr val="accent1"/>
-          </a:effectRef>
-          <a:fontRef idx="minor">
-            <a:schemeClr val="lt1"/>
-          </a:fontRef>
-        </p:style>
-        <p:txBody>
-          <a:bodyPr rtlCol="0" anchor="ctr"/>
-          <a:lstStyle/>
-          <a:p>
-            <a:pPr algn="ctr"/>
-            <a:endParaRPr lang="en-US"/>
-          </a:p>
-        </p:txBody>
-      </p:sp>
-      <p:sp>
-        <p:nvSpPr>
-          <p:cNvPr id="18" name="Rectangle 10">
-            <a:extLst>
-              <a:ext uri="{FF2B5EF4-FFF2-40B4-BE49-F238E27FC236}">
-                <a16:creationId xmlns:a16="http://schemas.microsoft.com/office/drawing/2014/main" id="{D1A5D8BC-B41A-4E96-91C4-D60F5162257E}"/>
-              </a:ext>
-              <a:ext uri="{C183D7F6-B498-43B3-948B-1728B52AA6E4}">
-                <adec:decorative xmlns:adec="http://schemas.microsoft.com/office/drawing/2017/decorative" val="1"/>
-              </a:ext>
-            </a:extLst>
-          </p:cNvPr>
-          <p:cNvSpPr>
-            <a:spLocks noGrp="1" noRot="1" noChangeAspect="1" noMove="1" noResize="1" noEditPoints="1" noAdjustHandles="1" noChangeArrowheads="1" noChangeShapeType="1" noTextEdit="1"/>
-          </p:cNvSpPr>
-          <p:nvPr>
-            <p:extLst>
-              <p:ext uri="{386F3935-93C4-4BCD-93E2-E3B085C9AB24}">
-                <p16:designElem xmlns:p16="http://schemas.microsoft.com/office/powerpoint/2015/main" val="1"/>
-              </p:ext>
-            </p:extLst>
-          </p:nvPr>
-        </p:nvSpPr>
-        <p:spPr>
-          <a:xfrm>
-            <a:off x="0" y="0"/>
-            <a:ext cx="12192000" cy="6858000"/>
-          </a:xfrm>
-          <a:prstGeom prst="rect">
-            <a:avLst/>
-          </a:prstGeom>
-          <a:ln>
-            <a:noFill/>
-          </a:ln>
-        </p:spPr>
-        <p:style>
-          <a:lnRef idx="2">
-            <a:schemeClr val="accent1">
-              <a:shade val="50000"/>
-            </a:schemeClr>
-          </a:lnRef>
-          <a:fillRef idx="1003">
-            <a:schemeClr val="dk2"/>
-          </a:fillRef>
-          <a:effectRef idx="0">
-            <a:schemeClr val="accent1"/>
-          </a:effectRef>
-          <a:fontRef idx="minor">
-            <a:schemeClr val="lt1"/>
-          </a:fontRef>
-        </p:style>
-        <p:txBody>
-          <a:bodyPr rtlCol="0" anchor="ctr"/>
-          <a:lstStyle/>
-          <a:p>
-            <a:pPr algn="ctr"/>
-            <a:endParaRPr lang="en-US"/>
-          </a:p>
-        </p:txBody>
-      </p:sp>
-      <p:pic>
-        <p:nvPicPr>
-          <p:cNvPr id="19" name="Picture 12">
-            <a:extLst>
-              <a:ext uri="{FF2B5EF4-FFF2-40B4-BE49-F238E27FC236}">
-                <a16:creationId xmlns:a16="http://schemas.microsoft.com/office/drawing/2014/main" id="{0D321D5F-FA18-4271-9EAA-0BEA14116BB5}"/>
-              </a:ext>
-              <a:ext uri="{C183D7F6-B498-43B3-948B-1728B52AA6E4}">
-                <adec:decorative xmlns:adec="http://schemas.microsoft.com/office/drawing/2017/decorative" val="1"/>
-              </a:ext>
-            </a:extLst>
-          </p:cNvPr>
-          <p:cNvPicPr>
-            <a:picLocks noGrp="1" noRot="1" noChangeAspect="1" noMove="1" noResize="1" noEditPoints="1" noAdjustHandles="1" noChangeArrowheads="1" noChangeShapeType="1" noCrop="1"/>
-          </p:cNvPicPr>
-          <p:nvPr>
-            <p:extLst>
-              <p:ext uri="{386F3935-93C4-4BCD-93E2-E3B085C9AB24}">
-                <p16:designElem xmlns:p16="http://schemas.microsoft.com/office/powerpoint/2015/main" val="1"/>
-              </p:ext>
-            </p:extLst>
-          </p:nvPr>
-        </p:nvPicPr>
-        <p:blipFill>
-          <a:blip r:embed="rId2">
-            <a:extLst>
-              <a:ext uri="{28A0092B-C50C-407E-A947-70E740481C1C}">
-                <a14:useLocalDpi xmlns:a14="http://schemas.microsoft.com/office/drawing/2010/main" val="0"/>
-              </a:ext>
-            </a:extLst>
-          </a:blip>
-          <a:stretch>
-            <a:fillRect/>
-          </a:stretch>
-        </p:blipFill>
-        <p:spPr>
-          <a:xfrm>
-            <a:off x="0" y="0"/>
-            <a:ext cx="12188825" cy="6856214"/>
-          </a:xfrm>
-          <a:prstGeom prst="rect">
-            <a:avLst/>
-          </a:prstGeom>
-        </p:spPr>
-      </p:pic>
       <p:sp>
         <p:nvSpPr>
           <p:cNvPr id="2" name="Title 1">
@@ -31969,165 +33547,6 @@
               </a:rPr>
               <a:t>Test, Results and Evaluation</a:t>
             </a:r>
-          </a:p>
-        </p:txBody>
-      </p:sp>
-      <p:sp useBgFill="1">
-        <p:nvSpPr>
-          <p:cNvPr id="20" name="Freeform: Shape 14">
-            <a:extLst>
-              <a:ext uri="{FF2B5EF4-FFF2-40B4-BE49-F238E27FC236}">
-                <a16:creationId xmlns:a16="http://schemas.microsoft.com/office/drawing/2014/main" id="{51287385-D3EA-47A8-A127-6061791ADBB6}"/>
-              </a:ext>
-              <a:ext uri="{C183D7F6-B498-43B3-948B-1728B52AA6E4}">
-                <adec:decorative xmlns:adec="http://schemas.microsoft.com/office/drawing/2017/decorative" val="1"/>
-              </a:ext>
-            </a:extLst>
-          </p:cNvPr>
-          <p:cNvSpPr>
-            <a:spLocks noGrp="1" noRot="1" noChangeAspect="1" noMove="1" noResize="1" noEditPoints="1" noAdjustHandles="1" noChangeArrowheads="1" noChangeShapeType="1" noTextEdit="1"/>
-          </p:cNvSpPr>
-          <p:nvPr>
-            <p:extLst>
-              <p:ext uri="{386F3935-93C4-4BCD-93E2-E3B085C9AB24}">
-                <p16:designElem xmlns:p16="http://schemas.microsoft.com/office/powerpoint/2015/main" val="1"/>
-              </p:ext>
-            </p:extLst>
-          </p:nvPr>
-        </p:nvSpPr>
-        <p:spPr bwMode="grayWhite">
-          <a:xfrm>
-            <a:off x="4422108" y="0"/>
-            <a:ext cx="7769892" cy="6858000"/>
-          </a:xfrm>
-          <a:custGeom>
-            <a:avLst/>
-            <a:gdLst>
-              <a:gd name="connsiteX0" fmla="*/ 1779516 w 7769892"/>
-              <a:gd name="connsiteY0" fmla="*/ 0 h 6837536"/>
-              <a:gd name="connsiteX1" fmla="*/ 6454848 w 7769892"/>
-              <a:gd name="connsiteY1" fmla="*/ 0 h 6837536"/>
-              <a:gd name="connsiteX2" fmla="*/ 6511730 w 7769892"/>
-              <a:gd name="connsiteY2" fmla="*/ 37905 h 6837536"/>
-              <a:gd name="connsiteX3" fmla="*/ 7769892 w 7769892"/>
-              <a:gd name="connsiteY3" fmla="*/ 1486041 h 6837536"/>
-              <a:gd name="connsiteX4" fmla="*/ 7769892 w 7769892"/>
-              <a:gd name="connsiteY4" fmla="*/ 5281056 h 6837536"/>
-              <a:gd name="connsiteX5" fmla="*/ 6353475 w 7769892"/>
-              <a:gd name="connsiteY5" fmla="*/ 6837536 h 6837536"/>
-              <a:gd name="connsiteX6" fmla="*/ 1882727 w 7769892"/>
-              <a:gd name="connsiteY6" fmla="*/ 6837536 h 6837536"/>
-              <a:gd name="connsiteX7" fmla="*/ 0 w 7769892"/>
-              <a:gd name="connsiteY7" fmla="*/ 3386463 h 6837536"/>
-              <a:gd name="connsiteX8" fmla="*/ 1655292 w 7769892"/>
-              <a:gd name="connsiteY8" fmla="*/ 88307 h 6837536"/>
-            </a:gdLst>
-            <a:ahLst/>
-            <a:cxnLst>
-              <a:cxn ang="0">
-                <a:pos x="connsiteX0" y="connsiteY0"/>
-              </a:cxn>
-              <a:cxn ang="0">
-                <a:pos x="connsiteX1" y="connsiteY1"/>
-              </a:cxn>
-              <a:cxn ang="0">
-                <a:pos x="connsiteX2" y="connsiteY2"/>
-              </a:cxn>
-              <a:cxn ang="0">
-                <a:pos x="connsiteX3" y="connsiteY3"/>
-              </a:cxn>
-              <a:cxn ang="0">
-                <a:pos x="connsiteX4" y="connsiteY4"/>
-              </a:cxn>
-              <a:cxn ang="0">
-                <a:pos x="connsiteX5" y="connsiteY5"/>
-              </a:cxn>
-              <a:cxn ang="0">
-                <a:pos x="connsiteX6" y="connsiteY6"/>
-              </a:cxn>
-              <a:cxn ang="0">
-                <a:pos x="connsiteX7" y="connsiteY7"/>
-              </a:cxn>
-              <a:cxn ang="0">
-                <a:pos x="connsiteX8" y="connsiteY8"/>
-              </a:cxn>
-            </a:cxnLst>
-            <a:rect l="l" t="t" r="r" b="b"/>
-            <a:pathLst>
-              <a:path w="7769892" h="6837536">
-                <a:moveTo>
-                  <a:pt x="1779516" y="0"/>
-                </a:moveTo>
-                <a:lnTo>
-                  <a:pt x="6454848" y="0"/>
-                </a:lnTo>
-                <a:lnTo>
-                  <a:pt x="6511730" y="37905"/>
-                </a:lnTo>
-                <a:cubicBezTo>
-                  <a:pt x="7036410" y="413592"/>
-                  <a:pt x="7468976" y="909648"/>
-                  <a:pt x="7769892" y="1486041"/>
-                </a:cubicBezTo>
-                <a:cubicBezTo>
-                  <a:pt x="7769892" y="1486041"/>
-                  <a:pt x="7769892" y="1486041"/>
-                  <a:pt x="7769892" y="5281056"/>
-                </a:cubicBezTo>
-                <a:cubicBezTo>
-                  <a:pt x="7437646" y="5916473"/>
-                  <a:pt x="6953850" y="6452788"/>
-                  <a:pt x="6353475" y="6837536"/>
-                </a:cubicBezTo>
-                <a:cubicBezTo>
-                  <a:pt x="6353475" y="6837536"/>
-                  <a:pt x="6353475" y="6837536"/>
-                  <a:pt x="1882727" y="6837536"/>
-                </a:cubicBezTo>
-                <a:cubicBezTo>
-                  <a:pt x="751925" y="6103017"/>
-                  <a:pt x="0" y="4832183"/>
-                  <a:pt x="0" y="3386463"/>
-                </a:cubicBezTo>
-                <a:cubicBezTo>
-                  <a:pt x="0" y="2036566"/>
-                  <a:pt x="651406" y="838748"/>
-                  <a:pt x="1655292" y="88307"/>
-                </a:cubicBezTo>
-                <a:close/>
-              </a:path>
-            </a:pathLst>
-          </a:custGeom>
-          <a:ln w="50800" cap="sq" cmpd="dbl">
-            <a:noFill/>
-            <a:miter lim="800000"/>
-          </a:ln>
-          <a:effectLst>
-            <a:outerShdw blurRad="254000" algn="tl" rotWithShape="0">
-              <a:srgbClr val="000000">
-                <a:alpha val="43000"/>
-              </a:srgbClr>
-            </a:outerShdw>
-          </a:effectLst>
-        </p:spPr>
-        <p:txBody>
-          <a:bodyPr vert="horz" wrap="square" lIns="91440" tIns="45720" rIns="91440" bIns="45720" rtlCol="0" anchor="t">
-            <a:noAutofit/>
-          </a:bodyPr>
-          <a:lstStyle/>
-          <a:p>
-            <a:pPr algn="ctr">
-              <a:spcAft>
-                <a:spcPts val="1000"/>
-              </a:spcAft>
-              <a:buClr>
-                <a:schemeClr val="tx1"/>
-              </a:buClr>
-              <a:buSzPct val="100000"/>
-              <a:buFont typeface="Arial"/>
-              <a:buNone/>
-            </a:pPr>
-            <a:endParaRPr lang="en-US" sz="1600" cap="all"/>
           </a:p>
         </p:txBody>
       </p:sp>
@@ -32183,9 +33602,9 @@
           <a:bodyPr/>
           <a:lstStyle/>
           <a:p>
-            <a:fld id="{E5FEC192-CB2D-4CB0-B7D4-26E01188EBB6}" type="datetime1">
+            <a:fld id="{5CBC990A-47EB-41D0-80FE-957D32422EB2}" type="datetime1">
               <a:rPr lang="en-US" smtClean="0"/>
-              <a:t>6/17/2020</a:t>
+              <a:t>6/21/2020</a:t>
             </a:fld>
             <a:endParaRPr lang="en-US" dirty="0"/>
           </a:p>
@@ -32213,10 +33632,9 @@
           <a:lstStyle/>
           <a:p>
             <a:r>
-              <a:rPr lang="en-GB"/>
-              <a:t>Workplace Assistant Augmented Reality By Gabriel Camilleri</a:t>
+              <a:rPr lang="en-US" dirty="0"/>
+              <a:t>University of Malta, ICT Faculty, Department of A.I. </a:t>
             </a:r>
-            <a:endParaRPr lang="en-US" dirty="0"/>
           </a:p>
         </p:txBody>
       </p:sp>
@@ -32257,7 +33675,7 @@
     </p:extLst>
   </p:cSld>
   <p:clrMapOvr>
-    <a:overrideClrMapping bg1="lt1" tx1="dk1" bg2="lt2" tx2="dk2" accent1="accent1" accent2="accent2" accent3="accent3" accent4="accent4" accent5="accent5" accent6="accent6" hlink="hlink" folHlink="folHlink"/>
+    <a:masterClrMapping/>
   </p:clrMapOvr>
 </p:sld>
 </file>
@@ -32265,15 +33683,6 @@
 <file path=ppt/slides/slide11.xml><?xml version="1.0" encoding="utf-8"?>
 <p:sld xmlns:a="http://schemas.openxmlformats.org/drawingml/2006/main" xmlns:r="http://schemas.openxmlformats.org/officeDocument/2006/relationships" xmlns:p="http://schemas.openxmlformats.org/presentationml/2006/main">
   <p:cSld>
-    <p:bg>
-      <p:bgPr>
-        <a:blipFill>
-          <a:blip r:embed="rId2"/>
-          <a:stretch/>
-        </a:blipFill>
-        <a:effectLst/>
-      </p:bgPr>
-    </p:bg>
     <p:spTree>
       <p:nvGrpSpPr>
         <p:cNvPr id="1" name=""/>
@@ -32288,66 +33697,6 @@
           <a:chExt cx="0" cy="0"/>
         </a:xfrm>
       </p:grpSpPr>
-      <p:sp useBgFill="1">
-        <p:nvSpPr>
-          <p:cNvPr id="8" name="Rectangle 7">
-            <a:extLst>
-              <a:ext uri="{FF2B5EF4-FFF2-40B4-BE49-F238E27FC236}">
-                <a16:creationId xmlns:a16="http://schemas.microsoft.com/office/drawing/2014/main" id="{50E53EDA-3B94-4F6B-9E86-D3BB9EBB9616}"/>
-              </a:ext>
-              <a:ext uri="{C183D7F6-B498-43B3-948B-1728B52AA6E4}">
-                <adec:decorative xmlns:adec="http://schemas.microsoft.com/office/drawing/2017/decorative" val="1"/>
-              </a:ext>
-            </a:extLst>
-          </p:cNvPr>
-          <p:cNvSpPr>
-            <a:spLocks noGrp="1" noRot="1" noChangeAspect="1" noMove="1" noResize="1" noEditPoints="1" noAdjustHandles="1" noChangeArrowheads="1" noChangeShapeType="1" noTextEdit="1"/>
-          </p:cNvSpPr>
-          <p:nvPr>
-            <p:extLst>
-              <p:ext uri="{386F3935-93C4-4BCD-93E2-E3B085C9AB24}">
-                <p16:designElem xmlns:p16="http://schemas.microsoft.com/office/powerpoint/2015/main" val="1"/>
-              </p:ext>
-            </p:extLst>
-          </p:nvPr>
-        </p:nvSpPr>
-        <p:spPr>
-          <a:xfrm>
-            <a:off x="0" y="0"/>
-            <a:ext cx="12192000" cy="6858000"/>
-          </a:xfrm>
-          <a:prstGeom prst="rect">
-            <a:avLst/>
-          </a:prstGeom>
-          <a:ln>
-            <a:noFill/>
-          </a:ln>
-        </p:spPr>
-        <p:style>
-          <a:lnRef idx="2">
-            <a:schemeClr val="accent1">
-              <a:shade val="50000"/>
-            </a:schemeClr>
-          </a:lnRef>
-          <a:fillRef idx="1">
-            <a:schemeClr val="accent1"/>
-          </a:fillRef>
-          <a:effectRef idx="0">
-            <a:schemeClr val="accent1"/>
-          </a:effectRef>
-          <a:fontRef idx="minor">
-            <a:schemeClr val="lt1"/>
-          </a:fontRef>
-        </p:style>
-        <p:txBody>
-          <a:bodyPr rtlCol="0" anchor="ctr"/>
-          <a:lstStyle/>
-          <a:p>
-            <a:pPr algn="ctr"/>
-            <a:endParaRPr lang="en-US"/>
-          </a:p>
-        </p:txBody>
-      </p:sp>
       <p:sp>
         <p:nvSpPr>
           <p:cNvPr id="2" name="Title 1">
@@ -32393,54 +33742,6 @@
           </a:p>
         </p:txBody>
       </p:sp>
-      <p:cxnSp>
-        <p:nvCxnSpPr>
-          <p:cNvPr id="10" name="Straight Connector 9">
-            <a:extLst>
-              <a:ext uri="{FF2B5EF4-FFF2-40B4-BE49-F238E27FC236}">
-                <a16:creationId xmlns:a16="http://schemas.microsoft.com/office/drawing/2014/main" id="{30EFD79F-7790-479B-B7DB-BD0D8C101DDD}"/>
-              </a:ext>
-              <a:ext uri="{C183D7F6-B498-43B3-948B-1728B52AA6E4}">
-                <adec:decorative xmlns:adec="http://schemas.microsoft.com/office/drawing/2017/decorative" val="1"/>
-              </a:ext>
-            </a:extLst>
-          </p:cNvPr>
-          <p:cNvCxnSpPr>
-            <a:cxnSpLocks noGrp="1" noRot="1" noChangeAspect="1" noMove="1" noResize="1" noEditPoints="1" noAdjustHandles="1" noChangeArrowheads="1" noChangeShapeType="1"/>
-          </p:cNvCxnSpPr>
-          <p:nvPr>
-            <p:extLst>
-              <p:ext uri="{386F3935-93C4-4BCD-93E2-E3B085C9AB24}">
-                <p16:designElem xmlns:p16="http://schemas.microsoft.com/office/powerpoint/2015/main" val="1"/>
-              </p:ext>
-            </p:extLst>
-          </p:nvPr>
-        </p:nvCxnSpPr>
-        <p:spPr>
-          <a:xfrm>
-            <a:off x="4666923" y="1668780"/>
-            <a:ext cx="0" cy="3520440"/>
-          </a:xfrm>
-          <a:prstGeom prst="line">
-            <a:avLst/>
-          </a:prstGeom>
-          <a:ln w="19050"/>
-        </p:spPr>
-        <p:style>
-          <a:lnRef idx="1">
-            <a:schemeClr val="accent1"/>
-          </a:lnRef>
-          <a:fillRef idx="0">
-            <a:schemeClr val="accent1"/>
-          </a:fillRef>
-          <a:effectRef idx="0">
-            <a:schemeClr val="accent1"/>
-          </a:effectRef>
-          <a:fontRef idx="minor">
-            <a:schemeClr val="tx1"/>
-          </a:fontRef>
-        </p:style>
-      </p:cxnSp>
       <p:sp>
         <p:nvSpPr>
           <p:cNvPr id="3" name="Content Placeholder 2">
@@ -32560,9 +33861,9 @@
           <a:bodyPr/>
           <a:lstStyle/>
           <a:p>
-            <a:fld id="{88BA4A84-1296-4C90-811A-A5278D69C4B7}" type="datetime1">
+            <a:fld id="{1977041F-9A67-4C28-BD70-EB82F2E5FCA1}" type="datetime1">
               <a:rPr lang="en-US" smtClean="0"/>
-              <a:t>6/17/2020</a:t>
+              <a:t>6/21/2020</a:t>
             </a:fld>
             <a:endParaRPr lang="en-US" dirty="0"/>
           </a:p>
@@ -32590,10 +33891,9 @@
           <a:lstStyle/>
           <a:p>
             <a:r>
-              <a:rPr lang="en-GB"/>
-              <a:t>Workplace Assistant Augmented Reality By Gabriel Camilleri</a:t>
+              <a:rPr lang="en-US" dirty="0"/>
+              <a:t>University of Malta, ICT Faculty, Department of A.I. </a:t>
             </a:r>
-            <a:endParaRPr lang="en-US" dirty="0"/>
           </a:p>
         </p:txBody>
       </p:sp>
@@ -32642,15 +33942,6 @@
 <file path=ppt/slides/slide12.xml><?xml version="1.0" encoding="utf-8"?>
 <p:sld xmlns:a="http://schemas.openxmlformats.org/drawingml/2006/main" xmlns:r="http://schemas.openxmlformats.org/officeDocument/2006/relationships" xmlns:p="http://schemas.openxmlformats.org/presentationml/2006/main">
   <p:cSld>
-    <p:bg>
-      <p:bgPr>
-        <a:blipFill>
-          <a:blip r:embed="rId2"/>
-          <a:stretch/>
-        </a:blipFill>
-        <a:effectLst/>
-      </p:bgPr>
-    </p:bg>
     <p:spTree>
       <p:nvGrpSpPr>
         <p:cNvPr id="1" name=""/>
@@ -32702,72 +33993,6 @@
               <a:rPr lang="en-GB" sz="2000"/>
               <a:t>Test, results and evaluation- RS component quantity testing</a:t>
             </a:r>
-          </a:p>
-        </p:txBody>
-      </p:sp>
-      <p:sp>
-        <p:nvSpPr>
-          <p:cNvPr id="21" name="Rectangle 20">
-            <a:extLst>
-              <a:ext uri="{FF2B5EF4-FFF2-40B4-BE49-F238E27FC236}">
-                <a16:creationId xmlns:a16="http://schemas.microsoft.com/office/drawing/2014/main" id="{738C413B-57E4-4FAD-AF00-1E89B4273170}"/>
-              </a:ext>
-              <a:ext uri="{C183D7F6-B498-43B3-948B-1728B52AA6E4}">
-                <adec:decorative xmlns:adec="http://schemas.microsoft.com/office/drawing/2017/decorative" val="1"/>
-              </a:ext>
-            </a:extLst>
-          </p:cNvPr>
-          <p:cNvSpPr>
-            <a:spLocks noGrp="1" noRot="1" noChangeAspect="1" noMove="1" noResize="1" noEditPoints="1" noAdjustHandles="1" noChangeArrowheads="1" noChangeShapeType="1" noTextEdit="1"/>
-          </p:cNvSpPr>
-          <p:nvPr>
-            <p:extLst>
-              <p:ext uri="{386F3935-93C4-4BCD-93E2-E3B085C9AB24}">
-                <p16:designElem xmlns:p16="http://schemas.microsoft.com/office/powerpoint/2015/main" val="1"/>
-              </p:ext>
-            </p:extLst>
-          </p:nvPr>
-        </p:nvSpPr>
-        <p:spPr>
-          <a:xfrm rot="16200000">
-            <a:off x="-1797333" y="4261157"/>
-            <a:ext cx="2971800" cy="170837"/>
-          </a:xfrm>
-          <a:prstGeom prst="rect">
-            <a:avLst/>
-          </a:prstGeom>
-          <a:solidFill>
-            <a:schemeClr val="accent3">
-              <a:lumMod val="60000"/>
-              <a:lumOff val="40000"/>
-            </a:schemeClr>
-          </a:solidFill>
-          <a:ln>
-            <a:noFill/>
-          </a:ln>
-        </p:spPr>
-        <p:style>
-          <a:lnRef idx="2">
-            <a:schemeClr val="accent1">
-              <a:shade val="50000"/>
-            </a:schemeClr>
-          </a:lnRef>
-          <a:fillRef idx="1">
-            <a:schemeClr val="accent1"/>
-          </a:fillRef>
-          <a:effectRef idx="0">
-            <a:schemeClr val="accent1"/>
-          </a:effectRef>
-          <a:fontRef idx="minor">
-            <a:schemeClr val="lt1"/>
-          </a:fontRef>
-        </p:style>
-        <p:txBody>
-          <a:bodyPr rtlCol="0" anchor="ctr"/>
-          <a:lstStyle/>
-          <a:p>
-            <a:pPr algn="ctr"/>
-            <a:endParaRPr lang="en-US"/>
           </a:p>
         </p:txBody>
       </p:sp>
@@ -32949,89 +34174,88 @@
       </p:sp>
       <p:sp>
         <p:nvSpPr>
-          <p:cNvPr id="23" name="Rounded Rectangle 30">
+          <p:cNvPr id="3" name="Date Placeholder 2">
             <a:extLst>
               <a:ext uri="{FF2B5EF4-FFF2-40B4-BE49-F238E27FC236}">
-                <a16:creationId xmlns:a16="http://schemas.microsoft.com/office/drawing/2014/main" id="{96184565-6B22-40B8-AEFC-E5D103C5504C}"/>
-              </a:ext>
-              <a:ext uri="{C183D7F6-B498-43B3-948B-1728B52AA6E4}">
-                <adec:decorative xmlns:adec="http://schemas.microsoft.com/office/drawing/2017/decorative" val="1"/>
+                <a16:creationId xmlns:a16="http://schemas.microsoft.com/office/drawing/2014/main" id="{D53F1DD3-39C8-4609-96C7-F30053F10016}"/>
               </a:ext>
             </a:extLst>
           </p:cNvPr>
           <p:cNvSpPr>
-            <a:spLocks noGrp="1" noRot="1" noChangeAspect="1" noMove="1" noResize="1" noEditPoints="1" noAdjustHandles="1" noChangeArrowheads="1" noChangeShapeType="1" noTextEdit="1"/>
+            <a:spLocks noGrp="1"/>
           </p:cNvSpPr>
           <p:nvPr>
-            <p:extLst>
-              <p:ext uri="{386F3935-93C4-4BCD-93E2-E3B085C9AB24}">
-                <p16:designElem xmlns:p16="http://schemas.microsoft.com/office/powerpoint/2015/main" val="1"/>
-              </p:ext>
-            </p:extLst>
+            <p:ph type="dt" sz="half" idx="10"/>
           </p:nvPr>
         </p:nvSpPr>
-        <p:spPr>
-          <a:xfrm>
-            <a:off x="6094408" y="626261"/>
-            <a:ext cx="5433751" cy="2711655"/>
-          </a:xfrm>
-          <a:prstGeom prst="roundRect">
-            <a:avLst>
-              <a:gd name="adj" fmla="val 7505"/>
-            </a:avLst>
-          </a:prstGeom>
-          <a:solidFill>
-            <a:schemeClr val="tx1"/>
-          </a:solidFill>
-          <a:ln w="50800" cap="sq" cmpd="dbl">
-            <a:gradFill flip="none" rotWithShape="1">
-              <a:gsLst>
-                <a:gs pos="0">
-                  <a:srgbClr val="FFFFFF"/>
-                </a:gs>
-                <a:gs pos="100000">
-                  <a:schemeClr val="tx1">
-                    <a:alpha val="0"/>
-                  </a:schemeClr>
-                </a:gs>
-              </a:gsLst>
-              <a:path path="circle">
-                <a:fillToRect l="50000" t="50000" r="50000" b="50000"/>
-              </a:path>
-              <a:tileRect/>
-            </a:gradFill>
-            <a:miter lim="800000"/>
-          </a:ln>
-          <a:effectLst>
-            <a:outerShdw blurRad="254000" algn="tl" rotWithShape="0">
-              <a:srgbClr val="000000">
-                <a:alpha val="43000"/>
-              </a:srgbClr>
-            </a:outerShdw>
-          </a:effectLst>
-        </p:spPr>
-        <p:style>
-          <a:lnRef idx="2">
-            <a:schemeClr val="accent1">
-              <a:shade val="50000"/>
-            </a:schemeClr>
-          </a:lnRef>
-          <a:fillRef idx="1">
-            <a:schemeClr val="accent1"/>
-          </a:fillRef>
-          <a:effectRef idx="0">
-            <a:schemeClr val="accent1"/>
-          </a:effectRef>
-          <a:fontRef idx="minor">
-            <a:schemeClr val="lt1"/>
-          </a:fontRef>
-        </p:style>
+        <p:spPr/>
         <p:txBody>
-          <a:bodyPr rtlCol="0" anchor="ctr"/>
+          <a:bodyPr/>
           <a:lstStyle/>
           <a:p>
-            <a:pPr algn="ctr"/>
-            <a:endParaRPr lang="en-US"/>
+            <a:fld id="{42050F00-AAB0-4AD5-90E0-91144D129910}" type="datetime1">
+              <a:rPr lang="en-US" smtClean="0"/>
+              <a:t>6/21/2020</a:t>
+            </a:fld>
+            <a:endParaRPr lang="en-US" dirty="0"/>
+          </a:p>
+        </p:txBody>
+      </p:sp>
+      <p:sp>
+        <p:nvSpPr>
+          <p:cNvPr id="4" name="Footer Placeholder 3">
+            <a:extLst>
+              <a:ext uri="{FF2B5EF4-FFF2-40B4-BE49-F238E27FC236}">
+                <a16:creationId xmlns:a16="http://schemas.microsoft.com/office/drawing/2014/main" id="{47D81E90-17A4-49BA-8F25-5D1ED222AAEE}"/>
+              </a:ext>
+            </a:extLst>
+          </p:cNvPr>
+          <p:cNvSpPr>
+            <a:spLocks noGrp="1"/>
+          </p:cNvSpPr>
+          <p:nvPr>
+            <p:ph type="ftr" sz="quarter" idx="11"/>
+          </p:nvPr>
+        </p:nvSpPr>
+        <p:spPr/>
+        <p:txBody>
+          <a:bodyPr/>
+          <a:lstStyle/>
+          <a:p>
+            <a:r>
+              <a:rPr lang="en-GB"/>
+              <a:t>University of Malta, ICT Faculty, Department of A.I. </a:t>
+            </a:r>
+            <a:endParaRPr lang="en-US" dirty="0"/>
+          </a:p>
+        </p:txBody>
+      </p:sp>
+      <p:sp>
+        <p:nvSpPr>
+          <p:cNvPr id="6" name="Slide Number Placeholder 5">
+            <a:extLst>
+              <a:ext uri="{FF2B5EF4-FFF2-40B4-BE49-F238E27FC236}">
+                <a16:creationId xmlns:a16="http://schemas.microsoft.com/office/drawing/2014/main" id="{21CBAEAC-5D3D-488C-9773-9BB60C54E3B0}"/>
+              </a:ext>
+            </a:extLst>
+          </p:cNvPr>
+          <p:cNvSpPr>
+            <a:spLocks noGrp="1"/>
+          </p:cNvSpPr>
+          <p:nvPr>
+            <p:ph type="sldNum" sz="quarter" idx="12"/>
+          </p:nvPr>
+        </p:nvSpPr>
+        <p:spPr/>
+        <p:txBody>
+          <a:bodyPr/>
+          <a:lstStyle/>
+          <a:p>
+            <a:fld id="{69E57DC2-970A-4B3E-BB1C-7A09969E49DF}" type="slidenum">
+              <a:rPr lang="en-US" smtClean="0"/>
+              <a:t>12</a:t>
+            </a:fld>
+            <a:endParaRPr lang="en-US" dirty="0"/>
           </a:p>
         </p:txBody>
       </p:sp>
@@ -33072,94 +34296,6 @@
           <a:effectLst/>
         </p:spPr>
       </p:pic>
-      <p:sp>
-        <p:nvSpPr>
-          <p:cNvPr id="25" name="Rounded Rectangle 35">
-            <a:extLst>
-              <a:ext uri="{FF2B5EF4-FFF2-40B4-BE49-F238E27FC236}">
-                <a16:creationId xmlns:a16="http://schemas.microsoft.com/office/drawing/2014/main" id="{A9B5337D-1BB2-4459-9BD6-59184E3832CF}"/>
-              </a:ext>
-              <a:ext uri="{C183D7F6-B498-43B3-948B-1728B52AA6E4}">
-                <adec:decorative xmlns:adec="http://schemas.microsoft.com/office/drawing/2017/decorative" val="1"/>
-              </a:ext>
-            </a:extLst>
-          </p:cNvPr>
-          <p:cNvSpPr>
-            <a:spLocks noGrp="1" noRot="1" noChangeAspect="1" noMove="1" noResize="1" noEditPoints="1" noAdjustHandles="1" noChangeArrowheads="1" noChangeShapeType="1" noTextEdit="1"/>
-          </p:cNvSpPr>
-          <p:nvPr>
-            <p:extLst>
-              <p:ext uri="{386F3935-93C4-4BCD-93E2-E3B085C9AB24}">
-                <p16:designElem xmlns:p16="http://schemas.microsoft.com/office/powerpoint/2015/main" val="1"/>
-              </p:ext>
-            </p:extLst>
-          </p:nvPr>
-        </p:nvSpPr>
-        <p:spPr>
-          <a:xfrm>
-            <a:off x="6094408" y="3515716"/>
-            <a:ext cx="5433751" cy="2711655"/>
-          </a:xfrm>
-          <a:prstGeom prst="roundRect">
-            <a:avLst>
-              <a:gd name="adj" fmla="val 7505"/>
-            </a:avLst>
-          </a:prstGeom>
-          <a:solidFill>
-            <a:schemeClr val="tx1"/>
-          </a:solidFill>
-          <a:ln w="50800" cap="sq" cmpd="dbl">
-            <a:gradFill flip="none" rotWithShape="1">
-              <a:gsLst>
-                <a:gs pos="0">
-                  <a:srgbClr val="FFFFFF"/>
-                </a:gs>
-                <a:gs pos="100000">
-                  <a:schemeClr val="tx1">
-                    <a:alpha val="0"/>
-                  </a:schemeClr>
-                </a:gs>
-              </a:gsLst>
-              <a:path path="circle">
-                <a:fillToRect l="50000" t="50000" r="50000" b="50000"/>
-              </a:path>
-              <a:tileRect/>
-            </a:gradFill>
-            <a:miter lim="800000"/>
-          </a:ln>
-          <a:effectLst>
-            <a:outerShdw blurRad="254000" algn="tl" rotWithShape="0">
-              <a:srgbClr val="000000">
-                <a:alpha val="43000"/>
-              </a:srgbClr>
-            </a:outerShdw>
-          </a:effectLst>
-        </p:spPr>
-        <p:style>
-          <a:lnRef idx="2">
-            <a:schemeClr val="accent1">
-              <a:shade val="50000"/>
-            </a:schemeClr>
-          </a:lnRef>
-          <a:fillRef idx="1">
-            <a:schemeClr val="accent1"/>
-          </a:fillRef>
-          <a:effectRef idx="0">
-            <a:schemeClr val="accent1"/>
-          </a:effectRef>
-          <a:fontRef idx="minor">
-            <a:schemeClr val="lt1"/>
-          </a:fontRef>
-        </p:style>
-        <p:txBody>
-          <a:bodyPr rtlCol="0" anchor="ctr"/>
-          <a:lstStyle/>
-          <a:p>
-            <a:pPr algn="ctr"/>
-            <a:endParaRPr lang="en-US"/>
-          </a:p>
-        </p:txBody>
-      </p:sp>
       <p:pic>
         <p:nvPicPr>
           <p:cNvPr id="7" name="Content Placeholder 6" descr="A screenshot of a social media post&#10;&#10;Description automatically generated">
@@ -33197,93 +34333,6 @@
           <a:effectLst/>
         </p:spPr>
       </p:pic>
-      <p:sp>
-        <p:nvSpPr>
-          <p:cNvPr id="3" name="Date Placeholder 2">
-            <a:extLst>
-              <a:ext uri="{FF2B5EF4-FFF2-40B4-BE49-F238E27FC236}">
-                <a16:creationId xmlns:a16="http://schemas.microsoft.com/office/drawing/2014/main" id="{D53F1DD3-39C8-4609-96C7-F30053F10016}"/>
-              </a:ext>
-            </a:extLst>
-          </p:cNvPr>
-          <p:cNvSpPr>
-            <a:spLocks noGrp="1"/>
-          </p:cNvSpPr>
-          <p:nvPr>
-            <p:ph type="dt" sz="half" idx="10"/>
-          </p:nvPr>
-        </p:nvSpPr>
-        <p:spPr/>
-        <p:txBody>
-          <a:bodyPr/>
-          <a:lstStyle/>
-          <a:p>
-            <a:fld id="{938717DC-5381-46B3-83CB-52CA89A8DD61}" type="datetime1">
-              <a:rPr lang="en-US" smtClean="0"/>
-              <a:t>6/17/2020</a:t>
-            </a:fld>
-            <a:endParaRPr lang="en-US" dirty="0"/>
-          </a:p>
-        </p:txBody>
-      </p:sp>
-      <p:sp>
-        <p:nvSpPr>
-          <p:cNvPr id="4" name="Footer Placeholder 3">
-            <a:extLst>
-              <a:ext uri="{FF2B5EF4-FFF2-40B4-BE49-F238E27FC236}">
-                <a16:creationId xmlns:a16="http://schemas.microsoft.com/office/drawing/2014/main" id="{47D81E90-17A4-49BA-8F25-5D1ED222AAEE}"/>
-              </a:ext>
-            </a:extLst>
-          </p:cNvPr>
-          <p:cNvSpPr>
-            <a:spLocks noGrp="1"/>
-          </p:cNvSpPr>
-          <p:nvPr>
-            <p:ph type="ftr" sz="quarter" idx="11"/>
-          </p:nvPr>
-        </p:nvSpPr>
-        <p:spPr/>
-        <p:txBody>
-          <a:bodyPr/>
-          <a:lstStyle/>
-          <a:p>
-            <a:r>
-              <a:rPr lang="en-GB"/>
-              <a:t>Workplace Assistant Augmented Reality By Gabriel Camilleri</a:t>
-            </a:r>
-            <a:endParaRPr lang="en-US" dirty="0"/>
-          </a:p>
-        </p:txBody>
-      </p:sp>
-      <p:sp>
-        <p:nvSpPr>
-          <p:cNvPr id="6" name="Slide Number Placeholder 5">
-            <a:extLst>
-              <a:ext uri="{FF2B5EF4-FFF2-40B4-BE49-F238E27FC236}">
-                <a16:creationId xmlns:a16="http://schemas.microsoft.com/office/drawing/2014/main" id="{21CBAEAC-5D3D-488C-9773-9BB60C54E3B0}"/>
-              </a:ext>
-            </a:extLst>
-          </p:cNvPr>
-          <p:cNvSpPr>
-            <a:spLocks noGrp="1"/>
-          </p:cNvSpPr>
-          <p:nvPr>
-            <p:ph type="sldNum" sz="quarter" idx="12"/>
-          </p:nvPr>
-        </p:nvSpPr>
-        <p:spPr/>
-        <p:txBody>
-          <a:bodyPr/>
-          <a:lstStyle/>
-          <a:p>
-            <a:fld id="{69E57DC2-970A-4B3E-BB1C-7A09969E49DF}" type="slidenum">
-              <a:rPr lang="en-US" smtClean="0"/>
-              <a:t>12</a:t>
-            </a:fld>
-            <a:endParaRPr lang="en-US" dirty="0"/>
-          </a:p>
-        </p:txBody>
-      </p:sp>
     </p:spTree>
     <p:extLst>
       <p:ext uri="{BB962C8B-B14F-4D97-AF65-F5344CB8AC3E}">
@@ -33300,15 +34349,6 @@
 <file path=ppt/slides/slide13.xml><?xml version="1.0" encoding="utf-8"?>
 <p:sld xmlns:a="http://schemas.openxmlformats.org/drawingml/2006/main" xmlns:r="http://schemas.openxmlformats.org/officeDocument/2006/relationships" xmlns:p="http://schemas.openxmlformats.org/presentationml/2006/main">
   <p:cSld>
-    <p:bg>
-      <p:bgPr>
-        <a:blipFill>
-          <a:blip r:embed="rId2"/>
-          <a:stretch/>
-        </a:blipFill>
-        <a:effectLst/>
-      </p:bgPr>
-    </p:bg>
     <p:spTree>
       <p:nvGrpSpPr>
         <p:cNvPr id="1" name=""/>
@@ -33323,66 +34363,6 @@
           <a:chExt cx="0" cy="0"/>
         </a:xfrm>
       </p:grpSpPr>
-      <p:sp useBgFill="1">
-        <p:nvSpPr>
-          <p:cNvPr id="8" name="Rectangle 7">
-            <a:extLst>
-              <a:ext uri="{FF2B5EF4-FFF2-40B4-BE49-F238E27FC236}">
-                <a16:creationId xmlns:a16="http://schemas.microsoft.com/office/drawing/2014/main" id="{50E53EDA-3B94-4F6B-9E86-D3BB9EBB9616}"/>
-              </a:ext>
-              <a:ext uri="{C183D7F6-B498-43B3-948B-1728B52AA6E4}">
-                <adec:decorative xmlns:adec="http://schemas.microsoft.com/office/drawing/2017/decorative" val="1"/>
-              </a:ext>
-            </a:extLst>
-          </p:cNvPr>
-          <p:cNvSpPr>
-            <a:spLocks noGrp="1" noRot="1" noChangeAspect="1" noMove="1" noResize="1" noEditPoints="1" noAdjustHandles="1" noChangeArrowheads="1" noChangeShapeType="1" noTextEdit="1"/>
-          </p:cNvSpPr>
-          <p:nvPr>
-            <p:extLst>
-              <p:ext uri="{386F3935-93C4-4BCD-93E2-E3B085C9AB24}">
-                <p16:designElem xmlns:p16="http://schemas.microsoft.com/office/powerpoint/2015/main" val="1"/>
-              </p:ext>
-            </p:extLst>
-          </p:nvPr>
-        </p:nvSpPr>
-        <p:spPr>
-          <a:xfrm>
-            <a:off x="0" y="0"/>
-            <a:ext cx="12192000" cy="6858000"/>
-          </a:xfrm>
-          <a:prstGeom prst="rect">
-            <a:avLst/>
-          </a:prstGeom>
-          <a:ln>
-            <a:noFill/>
-          </a:ln>
-        </p:spPr>
-        <p:style>
-          <a:lnRef idx="2">
-            <a:schemeClr val="accent1">
-              <a:shade val="50000"/>
-            </a:schemeClr>
-          </a:lnRef>
-          <a:fillRef idx="1">
-            <a:schemeClr val="accent1"/>
-          </a:fillRef>
-          <a:effectRef idx="0">
-            <a:schemeClr val="accent1"/>
-          </a:effectRef>
-          <a:fontRef idx="minor">
-            <a:schemeClr val="lt1"/>
-          </a:fontRef>
-        </p:style>
-        <p:txBody>
-          <a:bodyPr rtlCol="0" anchor="ctr"/>
-          <a:lstStyle/>
-          <a:p>
-            <a:pPr algn="ctr"/>
-            <a:endParaRPr lang="en-US"/>
-          </a:p>
-        </p:txBody>
-      </p:sp>
       <p:sp>
         <p:nvSpPr>
           <p:cNvPr id="2" name="Title 1">
@@ -33419,54 +34399,6 @@
           </a:p>
         </p:txBody>
       </p:sp>
-      <p:cxnSp>
-        <p:nvCxnSpPr>
-          <p:cNvPr id="10" name="Straight Connector 9">
-            <a:extLst>
-              <a:ext uri="{FF2B5EF4-FFF2-40B4-BE49-F238E27FC236}">
-                <a16:creationId xmlns:a16="http://schemas.microsoft.com/office/drawing/2014/main" id="{30EFD79F-7790-479B-B7DB-BD0D8C101DDD}"/>
-              </a:ext>
-              <a:ext uri="{C183D7F6-B498-43B3-948B-1728B52AA6E4}">
-                <adec:decorative xmlns:adec="http://schemas.microsoft.com/office/drawing/2017/decorative" val="1"/>
-              </a:ext>
-            </a:extLst>
-          </p:cNvPr>
-          <p:cNvCxnSpPr>
-            <a:cxnSpLocks noGrp="1" noRot="1" noChangeAspect="1" noMove="1" noResize="1" noEditPoints="1" noAdjustHandles="1" noChangeArrowheads="1" noChangeShapeType="1"/>
-          </p:cNvCxnSpPr>
-          <p:nvPr>
-            <p:extLst>
-              <p:ext uri="{386F3935-93C4-4BCD-93E2-E3B085C9AB24}">
-                <p16:designElem xmlns:p16="http://schemas.microsoft.com/office/powerpoint/2015/main" val="1"/>
-              </p:ext>
-            </p:extLst>
-          </p:nvPr>
-        </p:nvCxnSpPr>
-        <p:spPr>
-          <a:xfrm>
-            <a:off x="4666923" y="1668780"/>
-            <a:ext cx="0" cy="3520440"/>
-          </a:xfrm>
-          <a:prstGeom prst="line">
-            <a:avLst/>
-          </a:prstGeom>
-          <a:ln w="19050"/>
-        </p:spPr>
-        <p:style>
-          <a:lnRef idx="1">
-            <a:schemeClr val="accent1"/>
-          </a:lnRef>
-          <a:fillRef idx="0">
-            <a:schemeClr val="accent1"/>
-          </a:fillRef>
-          <a:effectRef idx="0">
-            <a:schemeClr val="accent1"/>
-          </a:effectRef>
-          <a:fontRef idx="minor">
-            <a:schemeClr val="tx1"/>
-          </a:fontRef>
-        </p:style>
-      </p:cxnSp>
       <p:sp>
         <p:nvSpPr>
           <p:cNvPr id="7" name="Content Placeholder 2">
@@ -33583,9 +34515,9 @@
           <a:bodyPr/>
           <a:lstStyle/>
           <a:p>
-            <a:fld id="{F836B950-AFB4-4735-B45A-4B60BABFA674}" type="datetime1">
+            <a:fld id="{D586590A-1ED5-400E-AC6C-7A59EFB6CFD4}" type="datetime1">
               <a:rPr lang="en-US" smtClean="0"/>
-              <a:t>6/17/2020</a:t>
+              <a:t>6/21/2020</a:t>
             </a:fld>
             <a:endParaRPr lang="en-US" dirty="0"/>
           </a:p>
@@ -33614,7 +34546,7 @@
           <a:p>
             <a:r>
               <a:rPr lang="en-GB"/>
-              <a:t>Workplace Assistant Augmented Reality By Gabriel Camilleri</a:t>
+              <a:t>University of Malta, ICT Faculty, Department of A.I. </a:t>
             </a:r>
             <a:endParaRPr lang="en-US" dirty="0"/>
           </a:p>
@@ -33665,15 +34597,6 @@
 <file path=ppt/slides/slide14.xml><?xml version="1.0" encoding="utf-8"?>
 <p:sld xmlns:a="http://schemas.openxmlformats.org/drawingml/2006/main" xmlns:r="http://schemas.openxmlformats.org/officeDocument/2006/relationships" xmlns:p="http://schemas.openxmlformats.org/presentationml/2006/main">
   <p:cSld>
-    <p:bg>
-      <p:bgPr>
-        <a:blipFill>
-          <a:blip r:embed="rId2"/>
-          <a:stretch/>
-        </a:blipFill>
-        <a:effectLst/>
-      </p:bgPr>
-    </p:bg>
     <p:spTree>
       <p:nvGrpSpPr>
         <p:cNvPr id="1" name=""/>
@@ -33688,51 +34611,6 @@
           <a:chExt cx="0" cy="0"/>
         </a:xfrm>
       </p:grpSpPr>
-      <p:pic>
-        <p:nvPicPr>
-          <p:cNvPr id="13" name="Picture 10">
-            <a:extLst>
-              <a:ext uri="{FF2B5EF4-FFF2-40B4-BE49-F238E27FC236}">
-                <a16:creationId xmlns:a16="http://schemas.microsoft.com/office/drawing/2014/main" id="{A53ED3FC-3BE8-4F1F-BEF1-74B1C721718A}"/>
-              </a:ext>
-              <a:ext uri="{C183D7F6-B498-43B3-948B-1728B52AA6E4}">
-                <adec:decorative xmlns:adec="http://schemas.microsoft.com/office/drawing/2017/decorative" val="1"/>
-              </a:ext>
-            </a:extLst>
-          </p:cNvPr>
-          <p:cNvPicPr>
-            <a:picLocks noGrp="1" noRot="1" noChangeAspect="1" noMove="1" noResize="1" noEditPoints="1" noAdjustHandles="1" noChangeArrowheads="1" noChangeShapeType="1" noCrop="1"/>
-          </p:cNvPicPr>
-          <p:nvPr>
-            <p:extLst>
-              <p:ext uri="{386F3935-93C4-4BCD-93E2-E3B085C9AB24}">
-                <p16:designElem xmlns:p16="http://schemas.microsoft.com/office/powerpoint/2015/main" val="1"/>
-              </p:ext>
-            </p:extLst>
-          </p:nvPr>
-        </p:nvPicPr>
-        <p:blipFill>
-          <a:blip r:embed="rId3">
-            <a:extLst>
-              <a:ext uri="{28A0092B-C50C-407E-A947-70E740481C1C}">
-                <a14:useLocalDpi xmlns:a14="http://schemas.microsoft.com/office/drawing/2010/main" val="0"/>
-              </a:ext>
-            </a:extLst>
-          </a:blip>
-          <a:stretch>
-            <a:fillRect/>
-          </a:stretch>
-        </p:blipFill>
-        <p:spPr>
-          <a:xfrm>
-            <a:off x="0" y="0"/>
-            <a:ext cx="12188825" cy="6856214"/>
-          </a:xfrm>
-          <a:prstGeom prst="rect">
-            <a:avLst/>
-          </a:prstGeom>
-        </p:spPr>
-      </p:pic>
       <p:sp>
         <p:nvSpPr>
           <p:cNvPr id="2" name="Title 1">
@@ -33844,7 +34722,7 @@
           </p:nvPr>
         </p:nvPicPr>
         <p:blipFill>
-          <a:blip r:embed="rId4"/>
+          <a:blip r:embed="rId3"/>
           <a:stretch>
             <a:fillRect/>
           </a:stretch>
@@ -33908,9 +34786,9 @@
           <a:bodyPr/>
           <a:lstStyle/>
           <a:p>
-            <a:fld id="{AA309BFF-6ED4-4255-8C80-81E5180E15CA}" type="datetime1">
+            <a:fld id="{06D0DC55-4F3D-4FDF-961A-3C4939E9AEBF}" type="datetime1">
               <a:rPr lang="en-US" smtClean="0"/>
-              <a:t>6/17/2020</a:t>
+              <a:t>6/21/2020</a:t>
             </a:fld>
             <a:endParaRPr lang="en-US" dirty="0"/>
           </a:p>
@@ -33939,7 +34817,7 @@
           <a:p>
             <a:r>
               <a:rPr lang="en-GB"/>
-              <a:t>Workplace Assistant Augmented Reality By Gabriel Camilleri</a:t>
+              <a:t>University of Malta, ICT Faculty, Department of A.I. </a:t>
             </a:r>
             <a:endParaRPr lang="en-US" dirty="0"/>
           </a:p>
@@ -33990,15 +34868,6 @@
 <file path=ppt/slides/slide15.xml><?xml version="1.0" encoding="utf-8"?>
 <p:sld xmlns:a="http://schemas.openxmlformats.org/drawingml/2006/main" xmlns:r="http://schemas.openxmlformats.org/officeDocument/2006/relationships" xmlns:p="http://schemas.openxmlformats.org/presentationml/2006/main">
   <p:cSld>
-    <p:bg>
-      <p:bgPr>
-        <a:blipFill>
-          <a:blip r:embed="rId2"/>
-          <a:stretch/>
-        </a:blipFill>
-        <a:effectLst/>
-      </p:bgPr>
-    </p:bg>
     <p:spTree>
       <p:nvGrpSpPr>
         <p:cNvPr id="1" name=""/>
@@ -34029,12 +34898,7 @@
             <p:ph type="title"/>
           </p:nvPr>
         </p:nvSpPr>
-        <p:spPr>
-          <a:xfrm>
-            <a:off x="685801" y="609600"/>
-            <a:ext cx="10131425" cy="1456267"/>
-          </a:xfrm>
-        </p:spPr>
+        <p:spPr/>
         <p:txBody>
           <a:bodyPr>
             <a:normAutofit/>
@@ -34101,9 +34965,9 @@
           <a:bodyPr/>
           <a:lstStyle/>
           <a:p>
-            <a:fld id="{C4E371C9-093F-4E35-A1FF-486B9CA91F86}" type="datetime1">
+            <a:fld id="{D43C8974-2ACF-4E0F-8E9C-6E3AE010CAA9}" type="datetime1">
               <a:rPr lang="en-US" smtClean="0"/>
-              <a:t>6/17/2020</a:t>
+              <a:t>6/21/2020</a:t>
             </a:fld>
             <a:endParaRPr lang="en-US" dirty="0"/>
           </a:p>
@@ -34132,7 +34996,7 @@
           <a:p>
             <a:r>
               <a:rPr lang="en-GB"/>
-              <a:t>Workplace Assistant Augmented Reality By Gabriel Camilleri</a:t>
+              <a:t>University of Malta, ICT Faculty, Department of A.I. </a:t>
             </a:r>
             <a:endParaRPr lang="en-US" dirty="0"/>
           </a:p>
@@ -34183,15 +35047,6 @@
 <file path=ppt/slides/slide16.xml><?xml version="1.0" encoding="utf-8"?>
 <p:sld xmlns:a="http://schemas.openxmlformats.org/drawingml/2006/main" xmlns:r="http://schemas.openxmlformats.org/officeDocument/2006/relationships" xmlns:p="http://schemas.openxmlformats.org/presentationml/2006/main">
   <p:cSld>
-    <p:bg>
-      <p:bgPr>
-        <a:blipFill>
-          <a:blip r:embed="rId3"/>
-          <a:stretch/>
-        </a:blipFill>
-        <a:effectLst/>
-      </p:bgPr>
-    </p:bg>
     <p:spTree>
       <p:nvGrpSpPr>
         <p:cNvPr id="1" name=""/>
@@ -34206,66 +35061,6 @@
           <a:chExt cx="0" cy="0"/>
         </a:xfrm>
       </p:grpSpPr>
-      <p:sp useBgFill="1">
-        <p:nvSpPr>
-          <p:cNvPr id="96" name="Rectangle 9">
-            <a:extLst>
-              <a:ext uri="{FF2B5EF4-FFF2-40B4-BE49-F238E27FC236}">
-                <a16:creationId xmlns:a16="http://schemas.microsoft.com/office/drawing/2014/main" id="{0DC895F7-4E59-40FB-87DD-ACE47F94C143}"/>
-              </a:ext>
-              <a:ext uri="{C183D7F6-B498-43B3-948B-1728B52AA6E4}">
-                <adec:decorative xmlns:adec="http://schemas.microsoft.com/office/drawing/2017/decorative" val="1"/>
-              </a:ext>
-            </a:extLst>
-          </p:cNvPr>
-          <p:cNvSpPr>
-            <a:spLocks noGrp="1" noRot="1" noChangeAspect="1" noMove="1" noResize="1" noEditPoints="1" noAdjustHandles="1" noChangeArrowheads="1" noChangeShapeType="1" noTextEdit="1"/>
-          </p:cNvSpPr>
-          <p:nvPr>
-            <p:extLst>
-              <p:ext uri="{386F3935-93C4-4BCD-93E2-E3B085C9AB24}">
-                <p16:designElem xmlns:p16="http://schemas.microsoft.com/office/powerpoint/2015/main" val="1"/>
-              </p:ext>
-            </p:extLst>
-          </p:nvPr>
-        </p:nvSpPr>
-        <p:spPr>
-          <a:xfrm>
-            <a:off x="0" y="0"/>
-            <a:ext cx="12188825" cy="6856214"/>
-          </a:xfrm>
-          <a:prstGeom prst="rect">
-            <a:avLst/>
-          </a:prstGeom>
-          <a:ln>
-            <a:noFill/>
-          </a:ln>
-        </p:spPr>
-        <p:style>
-          <a:lnRef idx="2">
-            <a:schemeClr val="accent1">
-              <a:shade val="50000"/>
-            </a:schemeClr>
-          </a:lnRef>
-          <a:fillRef idx="1">
-            <a:schemeClr val="accent1"/>
-          </a:fillRef>
-          <a:effectRef idx="0">
-            <a:schemeClr val="accent1"/>
-          </a:effectRef>
-          <a:fontRef idx="minor">
-            <a:schemeClr val="lt1"/>
-          </a:fontRef>
-        </p:style>
-        <p:txBody>
-          <a:bodyPr rtlCol="0" anchor="ctr"/>
-          <a:lstStyle/>
-          <a:p>
-            <a:pPr algn="ctr"/>
-            <a:endParaRPr lang="en-US"/>
-          </a:p>
-        </p:txBody>
-      </p:sp>
       <p:pic>
         <p:nvPicPr>
           <p:cNvPr id="5" name="Picture 4" descr="light spots">
@@ -34281,7 +35076,7 @@
           <p:nvPr/>
         </p:nvPicPr>
         <p:blipFill rotWithShape="1">
-          <a:blip r:embed="rId4">
+          <a:blip r:embed="rId3">
             <a:alphaModFix amt="20000"/>
             <a:extLst>
               <a:ext uri="{28A0092B-C50C-407E-A947-70E740481C1C}">
@@ -34296,52 +35091,6 @@
           <a:xfrm>
             <a:off x="20" y="10"/>
             <a:ext cx="12191980" cy="6857990"/>
-          </a:xfrm>
-          <a:prstGeom prst="rect">
-            <a:avLst/>
-          </a:prstGeom>
-        </p:spPr>
-      </p:pic>
-      <p:pic>
-        <p:nvPicPr>
-          <p:cNvPr id="97" name="Picture 11">
-            <a:extLst>
-              <a:ext uri="{FF2B5EF4-FFF2-40B4-BE49-F238E27FC236}">
-                <a16:creationId xmlns:a16="http://schemas.microsoft.com/office/drawing/2014/main" id="{1A4C720E-710D-44F8-A8D7-2BAA61E1814B}"/>
-              </a:ext>
-              <a:ext uri="{C183D7F6-B498-43B3-948B-1728B52AA6E4}">
-                <adec:decorative xmlns:adec="http://schemas.microsoft.com/office/drawing/2017/decorative" val="1"/>
-              </a:ext>
-            </a:extLst>
-          </p:cNvPr>
-          <p:cNvPicPr>
-            <a:picLocks noGrp="1" noRot="1" noChangeAspect="1" noMove="1" noResize="1" noEditPoints="1" noAdjustHandles="1" noChangeArrowheads="1" noChangeShapeType="1" noCrop="1"/>
-          </p:cNvPicPr>
-          <p:nvPr>
-            <p:extLst>
-              <p:ext uri="{386F3935-93C4-4BCD-93E2-E3B085C9AB24}">
-                <p16:designElem xmlns:p16="http://schemas.microsoft.com/office/powerpoint/2015/main" val="1"/>
-              </p:ext>
-            </p:extLst>
-          </p:nvPr>
-        </p:nvPicPr>
-        <p:blipFill>
-          <a:blip r:embed="rId5">
-            <a:alphaModFix amt="51000"/>
-            <a:extLst>
-              <a:ext uri="{28A0092B-C50C-407E-A947-70E740481C1C}">
-                <a14:useLocalDpi xmlns:a14="http://schemas.microsoft.com/office/drawing/2010/main" val="0"/>
-              </a:ext>
-            </a:extLst>
-          </a:blip>
-          <a:stretch>
-            <a:fillRect/>
-          </a:stretch>
-        </p:blipFill>
-        <p:spPr>
-          <a:xfrm>
-            <a:off x="0" y="0"/>
-            <a:ext cx="12188825" cy="6856214"/>
           </a:xfrm>
           <a:prstGeom prst="rect">
             <a:avLst/>
@@ -34364,12 +35113,7 @@
             <p:ph type="ctrTitle"/>
           </p:nvPr>
         </p:nvSpPr>
-        <p:spPr>
-          <a:xfrm>
-            <a:off x="3962399" y="1964267"/>
-            <a:ext cx="7197726" cy="2421464"/>
-          </a:xfrm>
-        </p:spPr>
+        <p:spPr/>
         <p:txBody>
           <a:bodyPr>
             <a:normAutofit/>
@@ -34399,12 +35143,7 @@
             <p:ph type="subTitle" idx="1"/>
           </p:nvPr>
         </p:nvSpPr>
-        <p:spPr>
-          <a:xfrm>
-            <a:off x="3962399" y="4385732"/>
-            <a:ext cx="7197726" cy="1405467"/>
-          </a:xfrm>
-        </p:spPr>
+        <p:spPr/>
         <p:txBody>
           <a:bodyPr>
             <a:normAutofit/>
@@ -34439,9 +35178,9 @@
           <a:bodyPr/>
           <a:lstStyle/>
           <a:p>
-            <a:fld id="{B34E14F9-26EA-4F4E-BAE6-FB13556C9C51}" type="datetime1">
+            <a:fld id="{805E279E-42B5-42DB-BF40-72C0961BD3A3}" type="datetime1">
               <a:rPr lang="en-US" smtClean="0"/>
-              <a:t>6/17/2020</a:t>
+              <a:t>6/21/2020</a:t>
             </a:fld>
             <a:endParaRPr lang="en-US" dirty="0"/>
           </a:p>
@@ -34470,7 +35209,7 @@
           <a:p>
             <a:r>
               <a:rPr lang="en-GB"/>
-              <a:t>Workplace Assistant Augmented Reality By Gabriel Camilleri</a:t>
+              <a:t>University of Malta, ICT Faculty, Department of A.I. </a:t>
             </a:r>
             <a:endParaRPr lang="en-US" dirty="0"/>
           </a:p>
@@ -34519,17 +35258,9 @@
 </p:sld>
 </file>
 
-<file path=ppt/slides/slide2.xml><?xml version="1.0" encoding="utf-8"?>
+<file path=ppt/slides/slide17.xml><?xml version="1.0" encoding="utf-8"?>
 <p:sld xmlns:a="http://schemas.openxmlformats.org/drawingml/2006/main" xmlns:r="http://schemas.openxmlformats.org/officeDocument/2006/relationships" xmlns:p="http://schemas.openxmlformats.org/presentationml/2006/main">
   <p:cSld>
-    <p:bg>
-      <p:bgPr>
-        <a:solidFill>
-          <a:schemeClr val="bg1"/>
-        </a:solidFill>
-        <a:effectLst/>
-      </p:bgPr>
-    </p:bg>
     <p:spTree>
       <p:nvGrpSpPr>
         <p:cNvPr id="1" name=""/>
@@ -34546,169 +35277,220 @@
       </p:grpSpPr>
       <p:sp>
         <p:nvSpPr>
-          <p:cNvPr id="9" name="Rectangle 8">
+          <p:cNvPr id="2" name="Title 1">
             <a:extLst>
               <a:ext uri="{FF2B5EF4-FFF2-40B4-BE49-F238E27FC236}">
-                <a16:creationId xmlns:a16="http://schemas.microsoft.com/office/drawing/2014/main" id="{4117F0C1-BCBB-40C7-99D6-F703E7A4B5F3}"/>
-              </a:ext>
-              <a:ext uri="{C183D7F6-B498-43B3-948B-1728B52AA6E4}">
-                <adec:decorative xmlns:adec="http://schemas.microsoft.com/office/drawing/2017/decorative" val="1"/>
+                <a16:creationId xmlns:a16="http://schemas.microsoft.com/office/drawing/2014/main" id="{9208112D-47FC-4D31-AE60-A34BF35B2EB0}"/>
               </a:ext>
             </a:extLst>
           </p:cNvPr>
           <p:cNvSpPr>
-            <a:spLocks noGrp="1" noRot="1" noChangeAspect="1" noMove="1" noResize="1" noEditPoints="1" noAdjustHandles="1" noChangeArrowheads="1" noChangeShapeType="1" noTextEdit="1"/>
+            <a:spLocks noGrp="1"/>
           </p:cNvSpPr>
           <p:nvPr>
-            <p:extLst>
-              <p:ext uri="{386F3935-93C4-4BCD-93E2-E3B085C9AB24}">
-                <p16:designElem xmlns:p16="http://schemas.microsoft.com/office/powerpoint/2015/main" val="1"/>
-              </p:ext>
-            </p:extLst>
+            <p:ph type="title"/>
           </p:nvPr>
         </p:nvSpPr>
-        <p:spPr>
-          <a:xfrm>
-            <a:off x="0" y="0"/>
-            <a:ext cx="12192000" cy="6858000"/>
-          </a:xfrm>
-          <a:prstGeom prst="rect">
-            <a:avLst/>
-          </a:prstGeom>
-          <a:ln>
-            <a:noFill/>
-          </a:ln>
-        </p:spPr>
-        <p:style>
-          <a:lnRef idx="2">
-            <a:schemeClr val="accent1">
-              <a:shade val="50000"/>
-            </a:schemeClr>
-          </a:lnRef>
-          <a:fillRef idx="1003">
-            <a:schemeClr val="lt2"/>
-          </a:fillRef>
-          <a:effectRef idx="0">
-            <a:schemeClr val="accent1"/>
-          </a:effectRef>
-          <a:fontRef idx="minor">
-            <a:schemeClr val="lt1"/>
-          </a:fontRef>
-        </p:style>
+        <p:spPr/>
         <p:txBody>
-          <a:bodyPr rtlCol="0" anchor="ctr"/>
+          <a:bodyPr/>
           <a:lstStyle/>
           <a:p>
-            <a:pPr algn="ctr"/>
-            <a:endParaRPr lang="en-US"/>
+            <a:r>
+              <a:rPr lang="en-GB" dirty="0"/>
+              <a:t>References</a:t>
+            </a:r>
           </a:p>
         </p:txBody>
       </p:sp>
       <p:sp>
         <p:nvSpPr>
-          <p:cNvPr id="11" name="Rectangle 10">
+          <p:cNvPr id="3" name="Content Placeholder 2">
             <a:extLst>
               <a:ext uri="{FF2B5EF4-FFF2-40B4-BE49-F238E27FC236}">
-                <a16:creationId xmlns:a16="http://schemas.microsoft.com/office/drawing/2014/main" id="{D1A5D8BC-B41A-4E96-91C4-D60F5162257E}"/>
-              </a:ext>
-              <a:ext uri="{C183D7F6-B498-43B3-948B-1728B52AA6E4}">
-                <adec:decorative xmlns:adec="http://schemas.microsoft.com/office/drawing/2017/decorative" val="1"/>
+                <a16:creationId xmlns:a16="http://schemas.microsoft.com/office/drawing/2014/main" id="{AF07EA4A-42B0-4B0C-B713-794CA4A6215C}"/>
               </a:ext>
             </a:extLst>
           </p:cNvPr>
           <p:cNvSpPr>
-            <a:spLocks noGrp="1" noRot="1" noChangeAspect="1" noMove="1" noResize="1" noEditPoints="1" noAdjustHandles="1" noChangeArrowheads="1" noChangeShapeType="1" noTextEdit="1"/>
+            <a:spLocks noGrp="1"/>
           </p:cNvSpPr>
           <p:nvPr>
-            <p:extLst>
-              <p:ext uri="{386F3935-93C4-4BCD-93E2-E3B085C9AB24}">
-                <p16:designElem xmlns:p16="http://schemas.microsoft.com/office/powerpoint/2015/main" val="1"/>
-              </p:ext>
-            </p:extLst>
+            <p:ph idx="1"/>
           </p:nvPr>
         </p:nvSpPr>
-        <p:spPr>
-          <a:xfrm>
-            <a:off x="0" y="0"/>
-            <a:ext cx="12192000" cy="6858000"/>
-          </a:xfrm>
-          <a:prstGeom prst="rect">
-            <a:avLst/>
-          </a:prstGeom>
-          <a:ln>
-            <a:noFill/>
-          </a:ln>
-        </p:spPr>
-        <p:style>
-          <a:lnRef idx="2">
-            <a:schemeClr val="accent1">
-              <a:shade val="50000"/>
-            </a:schemeClr>
-          </a:lnRef>
-          <a:fillRef idx="1003">
-            <a:schemeClr val="dk2"/>
-          </a:fillRef>
-          <a:effectRef idx="0">
-            <a:schemeClr val="accent1"/>
-          </a:effectRef>
-          <a:fontRef idx="minor">
-            <a:schemeClr val="lt1"/>
-          </a:fontRef>
-        </p:style>
+        <p:spPr/>
         <p:txBody>
-          <a:bodyPr rtlCol="0" anchor="ctr"/>
+          <a:bodyPr/>
           <a:lstStyle/>
           <a:p>
-            <a:pPr algn="ctr"/>
-            <a:endParaRPr lang="en-US"/>
+            <a:r>
+              <a:rPr lang="en-GB" dirty="0"/>
+              <a:t>[1] P. </a:t>
+            </a:r>
+            <a:r>
+              <a:rPr lang="en-GB" dirty="0" err="1"/>
+              <a:t>Moita</a:t>
+            </a:r>
+            <a:r>
+              <a:rPr lang="en-GB" dirty="0"/>
+              <a:t>, “Adjustment to the work place by new recruits in libraries,” vol. Vol.5(2), pp. 71–85, 04 2015. </a:t>
+            </a:r>
+          </a:p>
+          <a:p>
+            <a:r>
+              <a:rPr lang="en-GB" dirty="0"/>
+              <a:t>[2] F. </a:t>
+            </a:r>
+            <a:r>
+              <a:rPr lang="en-GB" dirty="0" err="1"/>
+              <a:t>Cacheda</a:t>
+            </a:r>
+            <a:r>
+              <a:rPr lang="en-GB" dirty="0"/>
+              <a:t>, V. Carneiro, D. </a:t>
+            </a:r>
+            <a:r>
+              <a:rPr lang="en-GB" dirty="0" err="1"/>
+              <a:t>Ferna´ndez</a:t>
+            </a:r>
+            <a:r>
+              <a:rPr lang="en-GB" dirty="0"/>
+              <a:t>, and V. </a:t>
+            </a:r>
+            <a:r>
+              <a:rPr lang="en-GB" dirty="0" err="1"/>
+              <a:t>Formoso</a:t>
+            </a:r>
+            <a:r>
+              <a:rPr lang="en-GB" dirty="0"/>
+              <a:t>, “Comparison of collaborative ﬁltering algorithms: Limitations of current techniques and proposals for scalable, high performance recommender systems,” TWEB, vol. 5, p. 2, 01 </a:t>
+            </a:r>
+            <a:r>
+              <a:rPr lang="en-GB"/>
+              <a:t>2011.</a:t>
+            </a:r>
+            <a:endParaRPr lang="en-GB" dirty="0"/>
           </a:p>
         </p:txBody>
       </p:sp>
-      <p:pic>
-        <p:nvPicPr>
-          <p:cNvPr id="13" name="Picture 12">
+      <p:sp>
+        <p:nvSpPr>
+          <p:cNvPr id="4" name="Date Placeholder 3">
             <a:extLst>
               <a:ext uri="{FF2B5EF4-FFF2-40B4-BE49-F238E27FC236}">
-                <a16:creationId xmlns:a16="http://schemas.microsoft.com/office/drawing/2014/main" id="{0D321D5F-FA18-4271-9EAA-0BEA14116BB5}"/>
-              </a:ext>
-              <a:ext uri="{C183D7F6-B498-43B3-948B-1728B52AA6E4}">
-                <adec:decorative xmlns:adec="http://schemas.microsoft.com/office/drawing/2017/decorative" val="1"/>
+                <a16:creationId xmlns:a16="http://schemas.microsoft.com/office/drawing/2014/main" id="{5C0639E4-267B-4840-8842-2BA429D63378}"/>
               </a:ext>
             </a:extLst>
           </p:cNvPr>
-          <p:cNvPicPr>
-            <a:picLocks noGrp="1" noRot="1" noChangeAspect="1" noMove="1" noResize="1" noEditPoints="1" noAdjustHandles="1" noChangeArrowheads="1" noChangeShapeType="1" noCrop="1"/>
-          </p:cNvPicPr>
+          <p:cNvSpPr>
+            <a:spLocks noGrp="1"/>
+          </p:cNvSpPr>
           <p:nvPr>
-            <p:extLst>
-              <p:ext uri="{386F3935-93C4-4BCD-93E2-E3B085C9AB24}">
-                <p16:designElem xmlns:p16="http://schemas.microsoft.com/office/powerpoint/2015/main" val="1"/>
-              </p:ext>
-            </p:extLst>
+            <p:ph type="dt" sz="half" idx="10"/>
           </p:nvPr>
-        </p:nvPicPr>
-        <p:blipFill>
-          <a:blip r:embed="rId2">
+        </p:nvSpPr>
+        <p:spPr/>
+        <p:txBody>
+          <a:bodyPr/>
+          <a:lstStyle/>
+          <a:p>
+            <a:fld id="{664535F8-D5B0-45AF-9A66-5287F937D739}" type="datetime1">
+              <a:rPr lang="en-US" smtClean="0"/>
+              <a:t>6/21/2020</a:t>
+            </a:fld>
+            <a:endParaRPr lang="en-US" dirty="0"/>
+          </a:p>
+        </p:txBody>
+      </p:sp>
+      <p:sp>
+        <p:nvSpPr>
+          <p:cNvPr id="5" name="Footer Placeholder 4">
             <a:extLst>
-              <a:ext uri="{28A0092B-C50C-407E-A947-70E740481C1C}">
-                <a14:useLocalDpi xmlns:a14="http://schemas.microsoft.com/office/drawing/2010/main" val="0"/>
+              <a:ext uri="{FF2B5EF4-FFF2-40B4-BE49-F238E27FC236}">
+                <a16:creationId xmlns:a16="http://schemas.microsoft.com/office/drawing/2014/main" id="{873628B3-8F93-4388-9593-3710C77E4FFF}"/>
               </a:ext>
             </a:extLst>
-          </a:blip>
-          <a:stretch>
-            <a:fillRect/>
-          </a:stretch>
-        </p:blipFill>
-        <p:spPr>
-          <a:xfrm>
-            <a:off x="0" y="0"/>
-            <a:ext cx="12188825" cy="6856214"/>
-          </a:xfrm>
-          <a:prstGeom prst="rect">
-            <a:avLst/>
-          </a:prstGeom>
-        </p:spPr>
-      </p:pic>
+          </p:cNvPr>
+          <p:cNvSpPr>
+            <a:spLocks noGrp="1"/>
+          </p:cNvSpPr>
+          <p:nvPr>
+            <p:ph type="ftr" sz="quarter" idx="11"/>
+          </p:nvPr>
+        </p:nvSpPr>
+        <p:spPr/>
+        <p:txBody>
+          <a:bodyPr/>
+          <a:lstStyle/>
+          <a:p>
+            <a:r>
+              <a:rPr lang="en-GB"/>
+              <a:t>University of Malta, ICT Faculty, Department of A.I. </a:t>
+            </a:r>
+            <a:endParaRPr lang="en-US" dirty="0"/>
+          </a:p>
+        </p:txBody>
+      </p:sp>
+      <p:sp>
+        <p:nvSpPr>
+          <p:cNvPr id="6" name="Slide Number Placeholder 5">
+            <a:extLst>
+              <a:ext uri="{FF2B5EF4-FFF2-40B4-BE49-F238E27FC236}">
+                <a16:creationId xmlns:a16="http://schemas.microsoft.com/office/drawing/2014/main" id="{018B3BE6-33C4-46B4-9A9D-30F3FED672A1}"/>
+              </a:ext>
+            </a:extLst>
+          </p:cNvPr>
+          <p:cNvSpPr>
+            <a:spLocks noGrp="1"/>
+          </p:cNvSpPr>
+          <p:nvPr>
+            <p:ph type="sldNum" sz="quarter" idx="12"/>
+          </p:nvPr>
+        </p:nvSpPr>
+        <p:spPr/>
+        <p:txBody>
+          <a:bodyPr/>
+          <a:lstStyle/>
+          <a:p>
+            <a:fld id="{69E57DC2-970A-4B3E-BB1C-7A09969E49DF}" type="slidenum">
+              <a:rPr lang="en-US" smtClean="0"/>
+              <a:t>17</a:t>
+            </a:fld>
+            <a:endParaRPr lang="en-US" dirty="0"/>
+          </a:p>
+        </p:txBody>
+      </p:sp>
+    </p:spTree>
+    <p:extLst>
+      <p:ext uri="{BB962C8B-B14F-4D97-AF65-F5344CB8AC3E}">
+        <p14:creationId xmlns:p14="http://schemas.microsoft.com/office/powerpoint/2010/main" val="2049254823"/>
+      </p:ext>
+    </p:extLst>
+  </p:cSld>
+  <p:clrMapOvr>
+    <a:masterClrMapping/>
+  </p:clrMapOvr>
+</p:sld>
+</file>
+
+<file path=ppt/slides/slide2.xml><?xml version="1.0" encoding="utf-8"?>
+<p:sld xmlns:a="http://schemas.openxmlformats.org/drawingml/2006/main" xmlns:r="http://schemas.openxmlformats.org/officeDocument/2006/relationships" xmlns:p="http://schemas.openxmlformats.org/presentationml/2006/main">
+  <p:cSld>
+    <p:spTree>
+      <p:nvGrpSpPr>
+        <p:cNvPr id="1" name=""/>
+        <p:cNvGrpSpPr/>
+        <p:nvPr/>
+      </p:nvGrpSpPr>
+      <p:grpSpPr>
+        <a:xfrm>
+          <a:off x="0" y="0"/>
+          <a:ext cx="0" cy="0"/>
+          <a:chOff x="0" y="0"/>
+          <a:chExt cx="0" cy="0"/>
+        </a:xfrm>
+      </p:grpSpPr>
       <p:sp>
         <p:nvSpPr>
           <p:cNvPr id="2" name="Title 1">
@@ -34748,165 +35530,6 @@
           </a:p>
         </p:txBody>
       </p:sp>
-      <p:sp useBgFill="1">
-        <p:nvSpPr>
-          <p:cNvPr id="15" name="Freeform: Shape 14">
-            <a:extLst>
-              <a:ext uri="{FF2B5EF4-FFF2-40B4-BE49-F238E27FC236}">
-                <a16:creationId xmlns:a16="http://schemas.microsoft.com/office/drawing/2014/main" id="{51287385-D3EA-47A8-A127-6061791ADBB6}"/>
-              </a:ext>
-              <a:ext uri="{C183D7F6-B498-43B3-948B-1728B52AA6E4}">
-                <adec:decorative xmlns:adec="http://schemas.microsoft.com/office/drawing/2017/decorative" val="1"/>
-              </a:ext>
-            </a:extLst>
-          </p:cNvPr>
-          <p:cNvSpPr>
-            <a:spLocks noGrp="1" noRot="1" noChangeAspect="1" noMove="1" noResize="1" noEditPoints="1" noAdjustHandles="1" noChangeArrowheads="1" noChangeShapeType="1" noTextEdit="1"/>
-          </p:cNvSpPr>
-          <p:nvPr>
-            <p:extLst>
-              <p:ext uri="{386F3935-93C4-4BCD-93E2-E3B085C9AB24}">
-                <p16:designElem xmlns:p16="http://schemas.microsoft.com/office/powerpoint/2015/main" val="1"/>
-              </p:ext>
-            </p:extLst>
-          </p:nvPr>
-        </p:nvSpPr>
-        <p:spPr bwMode="grayWhite">
-          <a:xfrm>
-            <a:off x="4422108" y="0"/>
-            <a:ext cx="7769892" cy="6858000"/>
-          </a:xfrm>
-          <a:custGeom>
-            <a:avLst/>
-            <a:gdLst>
-              <a:gd name="connsiteX0" fmla="*/ 1779516 w 7769892"/>
-              <a:gd name="connsiteY0" fmla="*/ 0 h 6837536"/>
-              <a:gd name="connsiteX1" fmla="*/ 6454848 w 7769892"/>
-              <a:gd name="connsiteY1" fmla="*/ 0 h 6837536"/>
-              <a:gd name="connsiteX2" fmla="*/ 6511730 w 7769892"/>
-              <a:gd name="connsiteY2" fmla="*/ 37905 h 6837536"/>
-              <a:gd name="connsiteX3" fmla="*/ 7769892 w 7769892"/>
-              <a:gd name="connsiteY3" fmla="*/ 1486041 h 6837536"/>
-              <a:gd name="connsiteX4" fmla="*/ 7769892 w 7769892"/>
-              <a:gd name="connsiteY4" fmla="*/ 5281056 h 6837536"/>
-              <a:gd name="connsiteX5" fmla="*/ 6353475 w 7769892"/>
-              <a:gd name="connsiteY5" fmla="*/ 6837536 h 6837536"/>
-              <a:gd name="connsiteX6" fmla="*/ 1882727 w 7769892"/>
-              <a:gd name="connsiteY6" fmla="*/ 6837536 h 6837536"/>
-              <a:gd name="connsiteX7" fmla="*/ 0 w 7769892"/>
-              <a:gd name="connsiteY7" fmla="*/ 3386463 h 6837536"/>
-              <a:gd name="connsiteX8" fmla="*/ 1655292 w 7769892"/>
-              <a:gd name="connsiteY8" fmla="*/ 88307 h 6837536"/>
-            </a:gdLst>
-            <a:ahLst/>
-            <a:cxnLst>
-              <a:cxn ang="0">
-                <a:pos x="connsiteX0" y="connsiteY0"/>
-              </a:cxn>
-              <a:cxn ang="0">
-                <a:pos x="connsiteX1" y="connsiteY1"/>
-              </a:cxn>
-              <a:cxn ang="0">
-                <a:pos x="connsiteX2" y="connsiteY2"/>
-              </a:cxn>
-              <a:cxn ang="0">
-                <a:pos x="connsiteX3" y="connsiteY3"/>
-              </a:cxn>
-              <a:cxn ang="0">
-                <a:pos x="connsiteX4" y="connsiteY4"/>
-              </a:cxn>
-              <a:cxn ang="0">
-                <a:pos x="connsiteX5" y="connsiteY5"/>
-              </a:cxn>
-              <a:cxn ang="0">
-                <a:pos x="connsiteX6" y="connsiteY6"/>
-              </a:cxn>
-              <a:cxn ang="0">
-                <a:pos x="connsiteX7" y="connsiteY7"/>
-              </a:cxn>
-              <a:cxn ang="0">
-                <a:pos x="connsiteX8" y="connsiteY8"/>
-              </a:cxn>
-            </a:cxnLst>
-            <a:rect l="l" t="t" r="r" b="b"/>
-            <a:pathLst>
-              <a:path w="7769892" h="6837536">
-                <a:moveTo>
-                  <a:pt x="1779516" y="0"/>
-                </a:moveTo>
-                <a:lnTo>
-                  <a:pt x="6454848" y="0"/>
-                </a:lnTo>
-                <a:lnTo>
-                  <a:pt x="6511730" y="37905"/>
-                </a:lnTo>
-                <a:cubicBezTo>
-                  <a:pt x="7036410" y="413592"/>
-                  <a:pt x="7468976" y="909648"/>
-                  <a:pt x="7769892" y="1486041"/>
-                </a:cubicBezTo>
-                <a:cubicBezTo>
-                  <a:pt x="7769892" y="1486041"/>
-                  <a:pt x="7769892" y="1486041"/>
-                  <a:pt x="7769892" y="5281056"/>
-                </a:cubicBezTo>
-                <a:cubicBezTo>
-                  <a:pt x="7437646" y="5916473"/>
-                  <a:pt x="6953850" y="6452788"/>
-                  <a:pt x="6353475" y="6837536"/>
-                </a:cubicBezTo>
-                <a:cubicBezTo>
-                  <a:pt x="6353475" y="6837536"/>
-                  <a:pt x="6353475" y="6837536"/>
-                  <a:pt x="1882727" y="6837536"/>
-                </a:cubicBezTo>
-                <a:cubicBezTo>
-                  <a:pt x="751925" y="6103017"/>
-                  <a:pt x="0" y="4832183"/>
-                  <a:pt x="0" y="3386463"/>
-                </a:cubicBezTo>
-                <a:cubicBezTo>
-                  <a:pt x="0" y="2036566"/>
-                  <a:pt x="651406" y="838748"/>
-                  <a:pt x="1655292" y="88307"/>
-                </a:cubicBezTo>
-                <a:close/>
-              </a:path>
-            </a:pathLst>
-          </a:custGeom>
-          <a:ln w="50800" cap="sq" cmpd="dbl">
-            <a:noFill/>
-            <a:miter lim="800000"/>
-          </a:ln>
-          <a:effectLst>
-            <a:outerShdw blurRad="254000" algn="tl" rotWithShape="0">
-              <a:srgbClr val="000000">
-                <a:alpha val="43000"/>
-              </a:srgbClr>
-            </a:outerShdw>
-          </a:effectLst>
-        </p:spPr>
-        <p:txBody>
-          <a:bodyPr vert="horz" wrap="square" lIns="91440" tIns="45720" rIns="91440" bIns="45720" rtlCol="0" anchor="t">
-            <a:noAutofit/>
-          </a:bodyPr>
-          <a:lstStyle/>
-          <a:p>
-            <a:pPr algn="ctr">
-              <a:spcAft>
-                <a:spcPts val="1000"/>
-              </a:spcAft>
-              <a:buClr>
-                <a:schemeClr val="tx1"/>
-              </a:buClr>
-              <a:buSzPct val="100000"/>
-              <a:buFont typeface="Arial"/>
-              <a:buNone/>
-            </a:pPr>
-            <a:endParaRPr lang="en-US" sz="1600" cap="all"/>
-          </a:p>
-        </p:txBody>
-      </p:sp>
       <p:graphicFrame>
         <p:nvGraphicFramePr>
           <p:cNvPr id="7" name="Content Placeholder 2">
@@ -34923,7 +35546,7 @@
             <p:ph idx="1"/>
             <p:extLst>
               <p:ext uri="{D42A27DB-BD31-4B8C-83A1-F6EECF244321}">
-                <p14:modId xmlns:p14="http://schemas.microsoft.com/office/powerpoint/2010/main" val="4109591765"/>
+                <p14:modId xmlns:p14="http://schemas.microsoft.com/office/powerpoint/2010/main" val="2821814416"/>
               </p:ext>
             </p:extLst>
           </p:nvPr>
@@ -34959,9 +35582,9 @@
           <a:bodyPr/>
           <a:lstStyle/>
           <a:p>
-            <a:fld id="{2EC8A0E5-6F5F-4CC2-8074-533691266FD9}" type="datetime1">
+            <a:fld id="{EADD850C-E251-4F0D-9CFC-0502A35543D7}" type="datetime1">
               <a:rPr lang="en-US" smtClean="0"/>
-              <a:t>6/17/2020</a:t>
+              <a:t>6/21/2020</a:t>
             </a:fld>
             <a:endParaRPr lang="en-US" dirty="0"/>
           </a:p>
@@ -34989,8 +35612,8 @@
           <a:lstStyle/>
           <a:p>
             <a:r>
-              <a:rPr lang="en-GB"/>
-              <a:t>Workplace Assistant Augmented Reality By Gabriel Camilleri</a:t>
+              <a:rPr lang="en-US"/>
+              <a:t>University of Malta, ICT Faculty, Department of A.I. </a:t>
             </a:r>
             <a:endParaRPr lang="en-US" dirty="0"/>
           </a:p>
@@ -35033,7 +35656,7 @@
     </p:extLst>
   </p:cSld>
   <p:clrMapOvr>
-    <a:overrideClrMapping bg1="lt1" tx1="dk1" bg2="lt2" tx2="dk2" accent1="accent1" accent2="accent2" accent3="accent3" accent4="accent4" accent5="accent5" accent6="accent6" hlink="hlink" folHlink="folHlink"/>
+    <a:masterClrMapping/>
   </p:clrMapOvr>
 </p:sld>
 </file>
@@ -35041,14 +35664,6 @@
 <file path=ppt/slides/slide3.xml><?xml version="1.0" encoding="utf-8"?>
 <p:sld xmlns:a="http://schemas.openxmlformats.org/drawingml/2006/main" xmlns:r="http://schemas.openxmlformats.org/officeDocument/2006/relationships" xmlns:p="http://schemas.openxmlformats.org/presentationml/2006/main">
   <p:cSld>
-    <p:bg>
-      <p:bgPr>
-        <a:solidFill>
-          <a:schemeClr val="bg1"/>
-        </a:solidFill>
-        <a:effectLst/>
-      </p:bgPr>
-    </p:bg>
     <p:spTree>
       <p:nvGrpSpPr>
         <p:cNvPr id="1" name=""/>
@@ -35063,171 +35678,6 @@
           <a:chExt cx="0" cy="0"/>
         </a:xfrm>
       </p:grpSpPr>
-      <p:sp>
-        <p:nvSpPr>
-          <p:cNvPr id="24" name="Rectangle 15">
-            <a:extLst>
-              <a:ext uri="{FF2B5EF4-FFF2-40B4-BE49-F238E27FC236}">
-                <a16:creationId xmlns:a16="http://schemas.microsoft.com/office/drawing/2014/main" id="{4117F0C1-BCBB-40C7-99D6-F703E7A4B5F3}"/>
-              </a:ext>
-              <a:ext uri="{C183D7F6-B498-43B3-948B-1728B52AA6E4}">
-                <adec:decorative xmlns:adec="http://schemas.microsoft.com/office/drawing/2017/decorative" val="1"/>
-              </a:ext>
-            </a:extLst>
-          </p:cNvPr>
-          <p:cNvSpPr>
-            <a:spLocks noGrp="1" noRot="1" noChangeAspect="1" noMove="1" noResize="1" noEditPoints="1" noAdjustHandles="1" noChangeArrowheads="1" noChangeShapeType="1" noTextEdit="1"/>
-          </p:cNvSpPr>
-          <p:nvPr>
-            <p:extLst>
-              <p:ext uri="{386F3935-93C4-4BCD-93E2-E3B085C9AB24}">
-                <p16:designElem xmlns:p16="http://schemas.microsoft.com/office/powerpoint/2015/main" val="1"/>
-              </p:ext>
-            </p:extLst>
-          </p:nvPr>
-        </p:nvSpPr>
-        <p:spPr>
-          <a:xfrm>
-            <a:off x="0" y="0"/>
-            <a:ext cx="12192000" cy="6858000"/>
-          </a:xfrm>
-          <a:prstGeom prst="rect">
-            <a:avLst/>
-          </a:prstGeom>
-          <a:ln>
-            <a:noFill/>
-          </a:ln>
-        </p:spPr>
-        <p:style>
-          <a:lnRef idx="2">
-            <a:schemeClr val="accent1">
-              <a:shade val="50000"/>
-            </a:schemeClr>
-          </a:lnRef>
-          <a:fillRef idx="1003">
-            <a:schemeClr val="lt2"/>
-          </a:fillRef>
-          <a:effectRef idx="0">
-            <a:schemeClr val="accent1"/>
-          </a:effectRef>
-          <a:fontRef idx="minor">
-            <a:schemeClr val="lt1"/>
-          </a:fontRef>
-        </p:style>
-        <p:txBody>
-          <a:bodyPr rtlCol="0" anchor="ctr"/>
-          <a:lstStyle/>
-          <a:p>
-            <a:pPr algn="ctr"/>
-            <a:endParaRPr lang="en-US"/>
-          </a:p>
-        </p:txBody>
-      </p:sp>
-      <p:sp>
-        <p:nvSpPr>
-          <p:cNvPr id="25" name="Rectangle 17">
-            <a:extLst>
-              <a:ext uri="{FF2B5EF4-FFF2-40B4-BE49-F238E27FC236}">
-                <a16:creationId xmlns:a16="http://schemas.microsoft.com/office/drawing/2014/main" id="{D1A5D8BC-B41A-4E96-91C4-D60F5162257E}"/>
-              </a:ext>
-              <a:ext uri="{C183D7F6-B498-43B3-948B-1728B52AA6E4}">
-                <adec:decorative xmlns:adec="http://schemas.microsoft.com/office/drawing/2017/decorative" val="1"/>
-              </a:ext>
-            </a:extLst>
-          </p:cNvPr>
-          <p:cNvSpPr>
-            <a:spLocks noGrp="1" noRot="1" noChangeAspect="1" noMove="1" noResize="1" noEditPoints="1" noAdjustHandles="1" noChangeArrowheads="1" noChangeShapeType="1" noTextEdit="1"/>
-          </p:cNvSpPr>
-          <p:nvPr>
-            <p:extLst>
-              <p:ext uri="{386F3935-93C4-4BCD-93E2-E3B085C9AB24}">
-                <p16:designElem xmlns:p16="http://schemas.microsoft.com/office/powerpoint/2015/main" val="1"/>
-              </p:ext>
-            </p:extLst>
-          </p:nvPr>
-        </p:nvSpPr>
-        <p:spPr>
-          <a:xfrm>
-            <a:off x="0" y="0"/>
-            <a:ext cx="12192000" cy="6858000"/>
-          </a:xfrm>
-          <a:prstGeom prst="rect">
-            <a:avLst/>
-          </a:prstGeom>
-          <a:ln>
-            <a:noFill/>
-          </a:ln>
-        </p:spPr>
-        <p:style>
-          <a:lnRef idx="2">
-            <a:schemeClr val="accent1">
-              <a:shade val="50000"/>
-            </a:schemeClr>
-          </a:lnRef>
-          <a:fillRef idx="1003">
-            <a:schemeClr val="dk2"/>
-          </a:fillRef>
-          <a:effectRef idx="0">
-            <a:schemeClr val="accent1"/>
-          </a:effectRef>
-          <a:fontRef idx="minor">
-            <a:schemeClr val="lt1"/>
-          </a:fontRef>
-        </p:style>
-        <p:txBody>
-          <a:bodyPr rtlCol="0" anchor="ctr"/>
-          <a:lstStyle/>
-          <a:p>
-            <a:pPr algn="ctr"/>
-            <a:endParaRPr lang="en-US"/>
-          </a:p>
-        </p:txBody>
-      </p:sp>
-      <p:pic>
-        <p:nvPicPr>
-          <p:cNvPr id="26" name="Picture 19">
-            <a:extLst>
-              <a:ext uri="{FF2B5EF4-FFF2-40B4-BE49-F238E27FC236}">
-                <a16:creationId xmlns:a16="http://schemas.microsoft.com/office/drawing/2014/main" id="{0D321D5F-FA18-4271-9EAA-0BEA14116BB5}"/>
-              </a:ext>
-              <a:ext uri="{C183D7F6-B498-43B3-948B-1728B52AA6E4}">
-                <adec:decorative xmlns:adec="http://schemas.microsoft.com/office/drawing/2017/decorative" val="1"/>
-              </a:ext>
-            </a:extLst>
-          </p:cNvPr>
-          <p:cNvPicPr>
-            <a:picLocks noGrp="1" noRot="1" noChangeAspect="1" noMove="1" noResize="1" noEditPoints="1" noAdjustHandles="1" noChangeArrowheads="1" noChangeShapeType="1" noCrop="1"/>
-          </p:cNvPicPr>
-          <p:nvPr>
-            <p:extLst>
-              <p:ext uri="{386F3935-93C4-4BCD-93E2-E3B085C9AB24}">
-                <p16:designElem xmlns:p16="http://schemas.microsoft.com/office/powerpoint/2015/main" val="1"/>
-              </p:ext>
-            </p:extLst>
-          </p:nvPr>
-        </p:nvPicPr>
-        <p:blipFill>
-          <a:blip r:embed="rId2">
-            <a:extLst>
-              <a:ext uri="{28A0092B-C50C-407E-A947-70E740481C1C}">
-                <a14:useLocalDpi xmlns:a14="http://schemas.microsoft.com/office/drawing/2010/main" val="0"/>
-              </a:ext>
-            </a:extLst>
-          </a:blip>
-          <a:stretch>
-            <a:fillRect/>
-          </a:stretch>
-        </p:blipFill>
-        <p:spPr>
-          <a:xfrm>
-            <a:off x="0" y="0"/>
-            <a:ext cx="12188825" cy="6856214"/>
-          </a:xfrm>
-          <a:prstGeom prst="rect">
-            <a:avLst/>
-          </a:prstGeom>
-        </p:spPr>
-      </p:pic>
       <p:sp>
         <p:nvSpPr>
           <p:cNvPr id="2" name="Title 1">
@@ -35267,165 +35717,6 @@
           </a:p>
         </p:txBody>
       </p:sp>
-      <p:sp useBgFill="1">
-        <p:nvSpPr>
-          <p:cNvPr id="27" name="Freeform: Shape 21">
-            <a:extLst>
-              <a:ext uri="{FF2B5EF4-FFF2-40B4-BE49-F238E27FC236}">
-                <a16:creationId xmlns:a16="http://schemas.microsoft.com/office/drawing/2014/main" id="{51287385-D3EA-47A8-A127-6061791ADBB6}"/>
-              </a:ext>
-              <a:ext uri="{C183D7F6-B498-43B3-948B-1728B52AA6E4}">
-                <adec:decorative xmlns:adec="http://schemas.microsoft.com/office/drawing/2017/decorative" val="1"/>
-              </a:ext>
-            </a:extLst>
-          </p:cNvPr>
-          <p:cNvSpPr>
-            <a:spLocks noGrp="1" noRot="1" noChangeAspect="1" noMove="1" noResize="1" noEditPoints="1" noAdjustHandles="1" noChangeArrowheads="1" noChangeShapeType="1" noTextEdit="1"/>
-          </p:cNvSpPr>
-          <p:nvPr>
-            <p:extLst>
-              <p:ext uri="{386F3935-93C4-4BCD-93E2-E3B085C9AB24}">
-                <p16:designElem xmlns:p16="http://schemas.microsoft.com/office/powerpoint/2015/main" val="1"/>
-              </p:ext>
-            </p:extLst>
-          </p:nvPr>
-        </p:nvSpPr>
-        <p:spPr bwMode="grayWhite">
-          <a:xfrm>
-            <a:off x="4422108" y="0"/>
-            <a:ext cx="7769892" cy="6858000"/>
-          </a:xfrm>
-          <a:custGeom>
-            <a:avLst/>
-            <a:gdLst>
-              <a:gd name="connsiteX0" fmla="*/ 1779516 w 7769892"/>
-              <a:gd name="connsiteY0" fmla="*/ 0 h 6837536"/>
-              <a:gd name="connsiteX1" fmla="*/ 6454848 w 7769892"/>
-              <a:gd name="connsiteY1" fmla="*/ 0 h 6837536"/>
-              <a:gd name="connsiteX2" fmla="*/ 6511730 w 7769892"/>
-              <a:gd name="connsiteY2" fmla="*/ 37905 h 6837536"/>
-              <a:gd name="connsiteX3" fmla="*/ 7769892 w 7769892"/>
-              <a:gd name="connsiteY3" fmla="*/ 1486041 h 6837536"/>
-              <a:gd name="connsiteX4" fmla="*/ 7769892 w 7769892"/>
-              <a:gd name="connsiteY4" fmla="*/ 5281056 h 6837536"/>
-              <a:gd name="connsiteX5" fmla="*/ 6353475 w 7769892"/>
-              <a:gd name="connsiteY5" fmla="*/ 6837536 h 6837536"/>
-              <a:gd name="connsiteX6" fmla="*/ 1882727 w 7769892"/>
-              <a:gd name="connsiteY6" fmla="*/ 6837536 h 6837536"/>
-              <a:gd name="connsiteX7" fmla="*/ 0 w 7769892"/>
-              <a:gd name="connsiteY7" fmla="*/ 3386463 h 6837536"/>
-              <a:gd name="connsiteX8" fmla="*/ 1655292 w 7769892"/>
-              <a:gd name="connsiteY8" fmla="*/ 88307 h 6837536"/>
-            </a:gdLst>
-            <a:ahLst/>
-            <a:cxnLst>
-              <a:cxn ang="0">
-                <a:pos x="connsiteX0" y="connsiteY0"/>
-              </a:cxn>
-              <a:cxn ang="0">
-                <a:pos x="connsiteX1" y="connsiteY1"/>
-              </a:cxn>
-              <a:cxn ang="0">
-                <a:pos x="connsiteX2" y="connsiteY2"/>
-              </a:cxn>
-              <a:cxn ang="0">
-                <a:pos x="connsiteX3" y="connsiteY3"/>
-              </a:cxn>
-              <a:cxn ang="0">
-                <a:pos x="connsiteX4" y="connsiteY4"/>
-              </a:cxn>
-              <a:cxn ang="0">
-                <a:pos x="connsiteX5" y="connsiteY5"/>
-              </a:cxn>
-              <a:cxn ang="0">
-                <a:pos x="connsiteX6" y="connsiteY6"/>
-              </a:cxn>
-              <a:cxn ang="0">
-                <a:pos x="connsiteX7" y="connsiteY7"/>
-              </a:cxn>
-              <a:cxn ang="0">
-                <a:pos x="connsiteX8" y="connsiteY8"/>
-              </a:cxn>
-            </a:cxnLst>
-            <a:rect l="l" t="t" r="r" b="b"/>
-            <a:pathLst>
-              <a:path w="7769892" h="6837536">
-                <a:moveTo>
-                  <a:pt x="1779516" y="0"/>
-                </a:moveTo>
-                <a:lnTo>
-                  <a:pt x="6454848" y="0"/>
-                </a:lnTo>
-                <a:lnTo>
-                  <a:pt x="6511730" y="37905"/>
-                </a:lnTo>
-                <a:cubicBezTo>
-                  <a:pt x="7036410" y="413592"/>
-                  <a:pt x="7468976" y="909648"/>
-                  <a:pt x="7769892" y="1486041"/>
-                </a:cubicBezTo>
-                <a:cubicBezTo>
-                  <a:pt x="7769892" y="1486041"/>
-                  <a:pt x="7769892" y="1486041"/>
-                  <a:pt x="7769892" y="5281056"/>
-                </a:cubicBezTo>
-                <a:cubicBezTo>
-                  <a:pt x="7437646" y="5916473"/>
-                  <a:pt x="6953850" y="6452788"/>
-                  <a:pt x="6353475" y="6837536"/>
-                </a:cubicBezTo>
-                <a:cubicBezTo>
-                  <a:pt x="6353475" y="6837536"/>
-                  <a:pt x="6353475" y="6837536"/>
-                  <a:pt x="1882727" y="6837536"/>
-                </a:cubicBezTo>
-                <a:cubicBezTo>
-                  <a:pt x="751925" y="6103017"/>
-                  <a:pt x="0" y="4832183"/>
-                  <a:pt x="0" y="3386463"/>
-                </a:cubicBezTo>
-                <a:cubicBezTo>
-                  <a:pt x="0" y="2036566"/>
-                  <a:pt x="651406" y="838748"/>
-                  <a:pt x="1655292" y="88307"/>
-                </a:cubicBezTo>
-                <a:close/>
-              </a:path>
-            </a:pathLst>
-          </a:custGeom>
-          <a:ln w="50800" cap="sq" cmpd="dbl">
-            <a:noFill/>
-            <a:miter lim="800000"/>
-          </a:ln>
-          <a:effectLst>
-            <a:outerShdw blurRad="254000" algn="tl" rotWithShape="0">
-              <a:srgbClr val="000000">
-                <a:alpha val="43000"/>
-              </a:srgbClr>
-            </a:outerShdw>
-          </a:effectLst>
-        </p:spPr>
-        <p:txBody>
-          <a:bodyPr vert="horz" wrap="square" lIns="91440" tIns="45720" rIns="91440" bIns="45720" rtlCol="0" anchor="t">
-            <a:noAutofit/>
-          </a:bodyPr>
-          <a:lstStyle/>
-          <a:p>
-            <a:pPr algn="ctr">
-              <a:spcAft>
-                <a:spcPts val="1000"/>
-              </a:spcAft>
-              <a:buClr>
-                <a:schemeClr val="tx1"/>
-              </a:buClr>
-              <a:buSzPct val="100000"/>
-              <a:buFont typeface="Arial"/>
-              <a:buNone/>
-            </a:pPr>
-            <a:endParaRPr lang="en-US" sz="1600" cap="all"/>
-          </a:p>
-        </p:txBody>
-      </p:sp>
       <p:graphicFrame>
         <p:nvGraphicFramePr>
           <p:cNvPr id="28" name="Content Placeholder 2">
@@ -35442,7 +35733,7 @@
             <p:ph idx="1"/>
             <p:extLst>
               <p:ext uri="{D42A27DB-BD31-4B8C-83A1-F6EECF244321}">
-                <p14:modId xmlns:p14="http://schemas.microsoft.com/office/powerpoint/2010/main" val="3204856236"/>
+                <p14:modId xmlns:p14="http://schemas.microsoft.com/office/powerpoint/2010/main" val="2170964668"/>
               </p:ext>
             </p:extLst>
           </p:nvPr>
@@ -35478,9 +35769,9 @@
           <a:bodyPr/>
           <a:lstStyle/>
           <a:p>
-            <a:fld id="{53652E4F-2A58-445A-8332-E5C6DC250047}" type="datetime1">
+            <a:fld id="{A8D3E412-B995-4136-89FD-AD7DB6EB7E00}" type="datetime1">
               <a:rPr lang="en-US" smtClean="0"/>
-              <a:t>6/17/2020</a:t>
+              <a:t>6/21/2020</a:t>
             </a:fld>
             <a:endParaRPr lang="en-US" dirty="0"/>
           </a:p>
@@ -35508,10 +35799,9 @@
           <a:lstStyle/>
           <a:p>
             <a:r>
-              <a:rPr lang="en-GB"/>
-              <a:t>Workplace Assistant Augmented Reality By Gabriel Camilleri</a:t>
+              <a:rPr lang="en-US" dirty="0"/>
+              <a:t>University of Malta, ICT Faculty, Department of A.I. </a:t>
             </a:r>
-            <a:endParaRPr lang="en-US" dirty="0"/>
           </a:p>
         </p:txBody>
       </p:sp>
@@ -35552,7 +35842,7 @@
     </p:extLst>
   </p:cSld>
   <p:clrMapOvr>
-    <a:overrideClrMapping bg1="lt1" tx1="dk1" bg2="lt2" tx2="dk2" accent1="accent1" accent2="accent2" accent3="accent3" accent4="accent4" accent5="accent5" accent6="accent6" hlink="hlink" folHlink="folHlink"/>
+    <a:masterClrMapping/>
   </p:clrMapOvr>
 </p:sld>
 </file>
@@ -35560,14 +35850,6 @@
 <file path=ppt/slides/slide4.xml><?xml version="1.0" encoding="utf-8"?>
 <p:sld xmlns:a="http://schemas.openxmlformats.org/drawingml/2006/main" xmlns:r="http://schemas.openxmlformats.org/officeDocument/2006/relationships" xmlns:p="http://schemas.openxmlformats.org/presentationml/2006/main">
   <p:cSld>
-    <p:bg>
-      <p:bgPr>
-        <a:solidFill>
-          <a:schemeClr val="bg1"/>
-        </a:solidFill>
-        <a:effectLst/>
-      </p:bgPr>
-    </p:bg>
     <p:spTree>
       <p:nvGrpSpPr>
         <p:cNvPr id="1" name=""/>
@@ -35582,222 +35864,6 @@
           <a:chExt cx="0" cy="0"/>
         </a:xfrm>
       </p:grpSpPr>
-      <p:sp useBgFill="1">
-        <p:nvSpPr>
-          <p:cNvPr id="34" name="Rectangle 15">
-            <a:extLst>
-              <a:ext uri="{FF2B5EF4-FFF2-40B4-BE49-F238E27FC236}">
-                <a16:creationId xmlns:a16="http://schemas.microsoft.com/office/drawing/2014/main" id="{75F65CD9-825D-44BD-8681-D42D260D4C63}"/>
-              </a:ext>
-              <a:ext uri="{C183D7F6-B498-43B3-948B-1728B52AA6E4}">
-                <adec:decorative xmlns:adec="http://schemas.microsoft.com/office/drawing/2017/decorative" val="1"/>
-              </a:ext>
-            </a:extLst>
-          </p:cNvPr>
-          <p:cNvSpPr>
-            <a:spLocks noGrp="1" noRot="1" noChangeAspect="1" noMove="1" noResize="1" noEditPoints="1" noAdjustHandles="1" noChangeArrowheads="1" noChangeShapeType="1" noTextEdit="1"/>
-          </p:cNvSpPr>
-          <p:nvPr>
-            <p:extLst>
-              <p:ext uri="{386F3935-93C4-4BCD-93E2-E3B085C9AB24}">
-                <p16:designElem xmlns:p16="http://schemas.microsoft.com/office/powerpoint/2015/main" val="1"/>
-              </p:ext>
-            </p:extLst>
-          </p:nvPr>
-        </p:nvSpPr>
-        <p:spPr>
-          <a:xfrm>
-            <a:off x="0" y="0"/>
-            <a:ext cx="12192000" cy="6858000"/>
-          </a:xfrm>
-          <a:prstGeom prst="rect">
-            <a:avLst/>
-          </a:prstGeom>
-          <a:ln>
-            <a:noFill/>
-          </a:ln>
-        </p:spPr>
-        <p:style>
-          <a:lnRef idx="2">
-            <a:schemeClr val="accent1">
-              <a:shade val="50000"/>
-            </a:schemeClr>
-          </a:lnRef>
-          <a:fillRef idx="1">
-            <a:schemeClr val="accent1"/>
-          </a:fillRef>
-          <a:effectRef idx="0">
-            <a:schemeClr val="accent1"/>
-          </a:effectRef>
-          <a:fontRef idx="minor">
-            <a:schemeClr val="lt1"/>
-          </a:fontRef>
-        </p:style>
-        <p:txBody>
-          <a:bodyPr rtlCol="0" anchor="ctr"/>
-          <a:lstStyle/>
-          <a:p>
-            <a:pPr algn="ctr"/>
-            <a:endParaRPr lang="en-US"/>
-          </a:p>
-        </p:txBody>
-      </p:sp>
-      <p:sp>
-        <p:nvSpPr>
-          <p:cNvPr id="35" name="Freeform: Shape 17">
-            <a:extLst>
-              <a:ext uri="{FF2B5EF4-FFF2-40B4-BE49-F238E27FC236}">
-                <a16:creationId xmlns:a16="http://schemas.microsoft.com/office/drawing/2014/main" id="{B2F64C47-BE0B-4DA4-A62F-C6922DD2082F}"/>
-              </a:ext>
-              <a:ext uri="{C183D7F6-B498-43B3-948B-1728B52AA6E4}">
-                <adec:decorative xmlns:adec="http://schemas.microsoft.com/office/drawing/2017/decorative" val="1"/>
-              </a:ext>
-            </a:extLst>
-          </p:cNvPr>
-          <p:cNvSpPr>
-            <a:spLocks noGrp="1" noRot="1" noChangeAspect="1" noMove="1" noResize="1" noEditPoints="1" noAdjustHandles="1" noChangeArrowheads="1" noChangeShapeType="1" noTextEdit="1"/>
-          </p:cNvSpPr>
-          <p:nvPr>
-            <p:extLst>
-              <p:ext uri="{386F3935-93C4-4BCD-93E2-E3B085C9AB24}">
-                <p16:designElem xmlns:p16="http://schemas.microsoft.com/office/powerpoint/2015/main" val="1"/>
-              </p:ext>
-            </p:extLst>
-          </p:nvPr>
-        </p:nvSpPr>
-        <p:spPr>
-          <a:xfrm flipH="1">
-            <a:off x="0" y="-2"/>
-            <a:ext cx="4125976" cy="6858002"/>
-          </a:xfrm>
-          <a:custGeom>
-            <a:avLst/>
-            <a:gdLst>
-              <a:gd name="connsiteX0" fmla="*/ 4125976 w 4125976"/>
-              <a:gd name="connsiteY0" fmla="*/ 0 h 6858002"/>
-              <a:gd name="connsiteX1" fmla="*/ 1300393 w 4125976"/>
-              <a:gd name="connsiteY1" fmla="*/ 0 h 6858002"/>
-              <a:gd name="connsiteX2" fmla="*/ 1300393 w 4125976"/>
-              <a:gd name="connsiteY2" fmla="*/ 2 h 6858002"/>
-              <a:gd name="connsiteX3" fmla="*/ 1155520 w 4125976"/>
-              <a:gd name="connsiteY3" fmla="*/ 2 h 6858002"/>
-              <a:gd name="connsiteX4" fmla="*/ 1074856 w 4125976"/>
-              <a:gd name="connsiteY4" fmla="*/ 88573 h 6858002"/>
-              <a:gd name="connsiteX5" fmla="*/ 0 w 4125976"/>
-              <a:gd name="connsiteY5" fmla="*/ 3396600 h 6858002"/>
-              <a:gd name="connsiteX6" fmla="*/ 1222540 w 4125976"/>
-              <a:gd name="connsiteY6" fmla="*/ 6858002 h 6858002"/>
-              <a:gd name="connsiteX7" fmla="*/ 4125598 w 4125976"/>
-              <a:gd name="connsiteY7" fmla="*/ 6858002 h 6858002"/>
-              <a:gd name="connsiteX8" fmla="*/ 4125976 w 4125976"/>
-              <a:gd name="connsiteY8" fmla="*/ 6857600 h 6858002"/>
-            </a:gdLst>
-            <a:ahLst/>
-            <a:cxnLst>
-              <a:cxn ang="0">
-                <a:pos x="connsiteX0" y="connsiteY0"/>
-              </a:cxn>
-              <a:cxn ang="0">
-                <a:pos x="connsiteX1" y="connsiteY1"/>
-              </a:cxn>
-              <a:cxn ang="0">
-                <a:pos x="connsiteX2" y="connsiteY2"/>
-              </a:cxn>
-              <a:cxn ang="0">
-                <a:pos x="connsiteX3" y="connsiteY3"/>
-              </a:cxn>
-              <a:cxn ang="0">
-                <a:pos x="connsiteX4" y="connsiteY4"/>
-              </a:cxn>
-              <a:cxn ang="0">
-                <a:pos x="connsiteX5" y="connsiteY5"/>
-              </a:cxn>
-              <a:cxn ang="0">
-                <a:pos x="connsiteX6" y="connsiteY6"/>
-              </a:cxn>
-              <a:cxn ang="0">
-                <a:pos x="connsiteX7" y="connsiteY7"/>
-              </a:cxn>
-              <a:cxn ang="0">
-                <a:pos x="connsiteX8" y="connsiteY8"/>
-              </a:cxn>
-            </a:cxnLst>
-            <a:rect l="l" t="t" r="r" b="b"/>
-            <a:pathLst>
-              <a:path w="4125976" h="6858002">
-                <a:moveTo>
-                  <a:pt x="4125976" y="0"/>
-                </a:moveTo>
-                <a:lnTo>
-                  <a:pt x="1300393" y="0"/>
-                </a:lnTo>
-                <a:lnTo>
-                  <a:pt x="1300393" y="2"/>
-                </a:lnTo>
-                <a:lnTo>
-                  <a:pt x="1155520" y="2"/>
-                </a:lnTo>
-                <a:lnTo>
-                  <a:pt x="1074856" y="88573"/>
-                </a:lnTo>
-                <a:cubicBezTo>
-                  <a:pt x="422987" y="841260"/>
-                  <a:pt x="0" y="2042663"/>
-                  <a:pt x="0" y="3396600"/>
-                </a:cubicBezTo>
-                <a:cubicBezTo>
-                  <a:pt x="0" y="4846647"/>
-                  <a:pt x="488259" y="6121285"/>
-                  <a:pt x="1222540" y="6858002"/>
-                </a:cubicBezTo>
-                <a:cubicBezTo>
-                  <a:pt x="4125598" y="6858002"/>
-                  <a:pt x="4125598" y="6858002"/>
-                  <a:pt x="4125598" y="6858002"/>
-                </a:cubicBezTo>
-                <a:lnTo>
-                  <a:pt x="4125976" y="6857600"/>
-                </a:lnTo>
-                <a:close/>
-              </a:path>
-            </a:pathLst>
-          </a:custGeom>
-          <a:blipFill dpi="0" rotWithShape="1">
-            <a:blip r:embed="rId2"/>
-            <a:srcRect/>
-            <a:tile tx="0" ty="0" sx="100000" sy="100000" flip="none" algn="tl"/>
-          </a:blipFill>
-          <a:ln>
-            <a:noFill/>
-          </a:ln>
-        </p:spPr>
-        <p:style>
-          <a:lnRef idx="2">
-            <a:schemeClr val="accent1">
-              <a:shade val="50000"/>
-            </a:schemeClr>
-          </a:lnRef>
-          <a:fillRef idx="1003">
-            <a:schemeClr val="dk2"/>
-          </a:fillRef>
-          <a:effectRef idx="0">
-            <a:schemeClr val="accent1"/>
-          </a:effectRef>
-          <a:fontRef idx="minor">
-            <a:schemeClr val="lt1"/>
-          </a:fontRef>
-        </p:style>
-        <p:txBody>
-          <a:bodyPr wrap="square" rtlCol="0" anchor="ctr">
-            <a:noAutofit/>
-          </a:bodyPr>
-          <a:lstStyle/>
-          <a:p>
-            <a:pPr algn="ctr"/>
-            <a:endParaRPr lang="en-US"/>
-          </a:p>
-        </p:txBody>
-      </p:sp>
       <p:sp>
         <p:nvSpPr>
           <p:cNvPr id="2" name="Title 1">
@@ -35853,7 +35919,7 @@
             <p:ph idx="1"/>
             <p:extLst>
               <p:ext uri="{D42A27DB-BD31-4B8C-83A1-F6EECF244321}">
-                <p14:modId xmlns:p14="http://schemas.microsoft.com/office/powerpoint/2010/main" val="2414880912"/>
+                <p14:modId xmlns:p14="http://schemas.microsoft.com/office/powerpoint/2010/main" val="1479286814"/>
               </p:ext>
             </p:extLst>
           </p:nvPr>
@@ -35889,9 +35955,9 @@
           <a:bodyPr/>
           <a:lstStyle/>
           <a:p>
-            <a:fld id="{7C259194-1D89-47E2-87C4-0AB076E36715}" type="datetime1">
+            <a:fld id="{400443D6-2638-403F-A4E4-9678E93F834D}" type="datetime1">
               <a:rPr lang="en-US" smtClean="0"/>
-              <a:t>6/17/2020</a:t>
+              <a:t>6/21/2020</a:t>
             </a:fld>
             <a:endParaRPr lang="en-US" dirty="0"/>
           </a:p>
@@ -35919,10 +35985,9 @@
           <a:lstStyle/>
           <a:p>
             <a:r>
-              <a:rPr lang="en-GB"/>
-              <a:t>Workplace Assistant Augmented Reality By Gabriel Camilleri</a:t>
+              <a:rPr lang="en-US" dirty="0"/>
+              <a:t>University of Malta, ICT Faculty, Department of A.I. </a:t>
             </a:r>
-            <a:endParaRPr lang="en-US" dirty="0"/>
           </a:p>
         </p:txBody>
       </p:sp>
@@ -35963,7 +36028,7 @@
     </p:extLst>
   </p:cSld>
   <p:clrMapOvr>
-    <a:overrideClrMapping bg1="lt1" tx1="dk1" bg2="lt2" tx2="dk2" accent1="accent1" accent2="accent2" accent3="accent3" accent4="accent4" accent5="accent5" accent6="accent6" hlink="hlink" folHlink="folHlink"/>
+    <a:masterClrMapping/>
   </p:clrMapOvr>
 </p:sld>
 </file>
@@ -35971,15 +36036,6 @@
 <file path=ppt/slides/slide5.xml><?xml version="1.0" encoding="utf-8"?>
 <p:sld xmlns:a="http://schemas.openxmlformats.org/drawingml/2006/main" xmlns:r="http://schemas.openxmlformats.org/officeDocument/2006/relationships" xmlns:p="http://schemas.openxmlformats.org/presentationml/2006/main">
   <p:cSld>
-    <p:bg>
-      <p:bgPr>
-        <a:blipFill>
-          <a:blip r:embed="rId2"/>
-          <a:stretch/>
-        </a:blipFill>
-        <a:effectLst/>
-      </p:bgPr>
-    </p:bg>
     <p:spTree>
       <p:nvGrpSpPr>
         <p:cNvPr id="1" name=""/>
@@ -35994,66 +36050,6 @@
           <a:chExt cx="0" cy="0"/>
         </a:xfrm>
       </p:grpSpPr>
-      <p:sp useBgFill="1">
-        <p:nvSpPr>
-          <p:cNvPr id="8" name="Rectangle 7">
-            <a:extLst>
-              <a:ext uri="{FF2B5EF4-FFF2-40B4-BE49-F238E27FC236}">
-                <a16:creationId xmlns:a16="http://schemas.microsoft.com/office/drawing/2014/main" id="{50E53EDA-3B94-4F6B-9E86-D3BB9EBB9616}"/>
-              </a:ext>
-              <a:ext uri="{C183D7F6-B498-43B3-948B-1728B52AA6E4}">
-                <adec:decorative xmlns:adec="http://schemas.microsoft.com/office/drawing/2017/decorative" val="1"/>
-              </a:ext>
-            </a:extLst>
-          </p:cNvPr>
-          <p:cNvSpPr>
-            <a:spLocks noGrp="1" noRot="1" noChangeAspect="1" noMove="1" noResize="1" noEditPoints="1" noAdjustHandles="1" noChangeArrowheads="1" noChangeShapeType="1" noTextEdit="1"/>
-          </p:cNvSpPr>
-          <p:nvPr>
-            <p:extLst>
-              <p:ext uri="{386F3935-93C4-4BCD-93E2-E3B085C9AB24}">
-                <p16:designElem xmlns:p16="http://schemas.microsoft.com/office/powerpoint/2015/main" val="1"/>
-              </p:ext>
-            </p:extLst>
-          </p:nvPr>
-        </p:nvSpPr>
-        <p:spPr>
-          <a:xfrm>
-            <a:off x="0" y="0"/>
-            <a:ext cx="12192000" cy="6858000"/>
-          </a:xfrm>
-          <a:prstGeom prst="rect">
-            <a:avLst/>
-          </a:prstGeom>
-          <a:ln>
-            <a:noFill/>
-          </a:ln>
-        </p:spPr>
-        <p:style>
-          <a:lnRef idx="2">
-            <a:schemeClr val="accent1">
-              <a:shade val="50000"/>
-            </a:schemeClr>
-          </a:lnRef>
-          <a:fillRef idx="1">
-            <a:schemeClr val="accent1"/>
-          </a:fillRef>
-          <a:effectRef idx="0">
-            <a:schemeClr val="accent1"/>
-          </a:effectRef>
-          <a:fontRef idx="minor">
-            <a:schemeClr val="lt1"/>
-          </a:fontRef>
-        </p:style>
-        <p:txBody>
-          <a:bodyPr rtlCol="0" anchor="ctr"/>
-          <a:lstStyle/>
-          <a:p>
-            <a:pPr algn="ctr"/>
-            <a:endParaRPr lang="en-US"/>
-          </a:p>
-        </p:txBody>
-      </p:sp>
       <p:sp>
         <p:nvSpPr>
           <p:cNvPr id="2" name="Title 1">
@@ -36084,61 +36080,12 @@
           <a:p>
             <a:pPr algn="r"/>
             <a:r>
-              <a:rPr lang="en-GB" dirty="0"/>
+              <a:rPr lang="en-GB"/>
               <a:t>Literature Review</a:t>
             </a:r>
-            <a:endParaRPr lang="en-GB"/>
           </a:p>
         </p:txBody>
       </p:sp>
-      <p:cxnSp>
-        <p:nvCxnSpPr>
-          <p:cNvPr id="10" name="Straight Connector 9">
-            <a:extLst>
-              <a:ext uri="{FF2B5EF4-FFF2-40B4-BE49-F238E27FC236}">
-                <a16:creationId xmlns:a16="http://schemas.microsoft.com/office/drawing/2014/main" id="{30EFD79F-7790-479B-B7DB-BD0D8C101DDD}"/>
-              </a:ext>
-              <a:ext uri="{C183D7F6-B498-43B3-948B-1728B52AA6E4}">
-                <adec:decorative xmlns:adec="http://schemas.microsoft.com/office/drawing/2017/decorative" val="1"/>
-              </a:ext>
-            </a:extLst>
-          </p:cNvPr>
-          <p:cNvCxnSpPr>
-            <a:cxnSpLocks noGrp="1" noRot="1" noChangeAspect="1" noMove="1" noResize="1" noEditPoints="1" noAdjustHandles="1" noChangeArrowheads="1" noChangeShapeType="1"/>
-          </p:cNvCxnSpPr>
-          <p:nvPr>
-            <p:extLst>
-              <p:ext uri="{386F3935-93C4-4BCD-93E2-E3B085C9AB24}">
-                <p16:designElem xmlns:p16="http://schemas.microsoft.com/office/powerpoint/2015/main" val="1"/>
-              </p:ext>
-            </p:extLst>
-          </p:nvPr>
-        </p:nvCxnSpPr>
-        <p:spPr>
-          <a:xfrm>
-            <a:off x="4666923" y="1668780"/>
-            <a:ext cx="0" cy="3520440"/>
-          </a:xfrm>
-          <a:prstGeom prst="line">
-            <a:avLst/>
-          </a:prstGeom>
-          <a:ln w="19050"/>
-        </p:spPr>
-        <p:style>
-          <a:lnRef idx="1">
-            <a:schemeClr val="accent1"/>
-          </a:lnRef>
-          <a:fillRef idx="0">
-            <a:schemeClr val="accent1"/>
-          </a:fillRef>
-          <a:effectRef idx="0">
-            <a:schemeClr val="accent1"/>
-          </a:effectRef>
-          <a:fontRef idx="minor">
-            <a:schemeClr val="tx1"/>
-          </a:fontRef>
-        </p:style>
-      </p:cxnSp>
       <p:sp>
         <p:nvSpPr>
           <p:cNvPr id="3" name="Content Placeholder 2">
@@ -36225,7 +36172,7 @@
             </a:r>
             <a:r>
               <a:rPr lang="en-GB" dirty="0"/>
-              <a:t> Dataset [11]</a:t>
+              <a:t> Dataset [2]</a:t>
             </a:r>
           </a:p>
           <a:p>
@@ -36258,9 +36205,9 @@
           <a:bodyPr/>
           <a:lstStyle/>
           <a:p>
-            <a:fld id="{BC761E25-8C3A-4E45-B215-A4E05D546F7E}" type="datetime1">
+            <a:fld id="{537834AF-C1E0-452D-8637-38FB38BD4D9C}" type="datetime1">
               <a:rPr lang="en-US" smtClean="0"/>
-              <a:t>6/17/2020</a:t>
+              <a:t>6/21/2020</a:t>
             </a:fld>
             <a:endParaRPr lang="en-US" dirty="0"/>
           </a:p>
@@ -36288,8 +36235,8 @@
           <a:lstStyle/>
           <a:p>
             <a:r>
-              <a:rPr lang="en-GB"/>
-              <a:t>Workplace Assistant Augmented Reality By Gabriel Camilleri</a:t>
+              <a:rPr lang="en-US"/>
+              <a:t>University of Malta, ICT Faculty, Department of A.I. </a:t>
             </a:r>
             <a:endParaRPr lang="en-US" dirty="0"/>
           </a:p>
@@ -36340,15 +36287,6 @@
 <file path=ppt/slides/slide6.xml><?xml version="1.0" encoding="utf-8"?>
 <p:sld xmlns:a="http://schemas.openxmlformats.org/drawingml/2006/main" xmlns:r="http://schemas.openxmlformats.org/officeDocument/2006/relationships" xmlns:p="http://schemas.openxmlformats.org/presentationml/2006/main">
   <p:cSld>
-    <p:bg>
-      <p:bgPr>
-        <a:blipFill>
-          <a:blip r:embed="rId2"/>
-          <a:stretch/>
-        </a:blipFill>
-        <a:effectLst/>
-      </p:bgPr>
-    </p:bg>
     <p:spTree>
       <p:nvGrpSpPr>
         <p:cNvPr id="1" name=""/>
@@ -36363,66 +36301,6 @@
           <a:chExt cx="0" cy="0"/>
         </a:xfrm>
       </p:grpSpPr>
-      <p:sp useBgFill="1">
-        <p:nvSpPr>
-          <p:cNvPr id="19" name="Rectangle 14">
-            <a:extLst>
-              <a:ext uri="{FF2B5EF4-FFF2-40B4-BE49-F238E27FC236}">
-                <a16:creationId xmlns:a16="http://schemas.microsoft.com/office/drawing/2014/main" id="{50E53EDA-3B94-4F6B-9E86-D3BB9EBB9616}"/>
-              </a:ext>
-              <a:ext uri="{C183D7F6-B498-43B3-948B-1728B52AA6E4}">
-                <adec:decorative xmlns:adec="http://schemas.microsoft.com/office/drawing/2017/decorative" val="1"/>
-              </a:ext>
-            </a:extLst>
-          </p:cNvPr>
-          <p:cNvSpPr>
-            <a:spLocks noGrp="1" noRot="1" noChangeAspect="1" noMove="1" noResize="1" noEditPoints="1" noAdjustHandles="1" noChangeArrowheads="1" noChangeShapeType="1" noTextEdit="1"/>
-          </p:cNvSpPr>
-          <p:nvPr>
-            <p:extLst>
-              <p:ext uri="{386F3935-93C4-4BCD-93E2-E3B085C9AB24}">
-                <p16:designElem xmlns:p16="http://schemas.microsoft.com/office/powerpoint/2015/main" val="1"/>
-              </p:ext>
-            </p:extLst>
-          </p:nvPr>
-        </p:nvSpPr>
-        <p:spPr>
-          <a:xfrm>
-            <a:off x="0" y="0"/>
-            <a:ext cx="12192000" cy="6858000"/>
-          </a:xfrm>
-          <a:prstGeom prst="rect">
-            <a:avLst/>
-          </a:prstGeom>
-          <a:ln>
-            <a:noFill/>
-          </a:ln>
-        </p:spPr>
-        <p:style>
-          <a:lnRef idx="2">
-            <a:schemeClr val="accent1">
-              <a:shade val="50000"/>
-            </a:schemeClr>
-          </a:lnRef>
-          <a:fillRef idx="1">
-            <a:schemeClr val="accent1"/>
-          </a:fillRef>
-          <a:effectRef idx="0">
-            <a:schemeClr val="accent1"/>
-          </a:effectRef>
-          <a:fontRef idx="minor">
-            <a:schemeClr val="lt1"/>
-          </a:fontRef>
-        </p:style>
-        <p:txBody>
-          <a:bodyPr rtlCol="0" anchor="ctr"/>
-          <a:lstStyle/>
-          <a:p>
-            <a:pPr algn="ctr"/>
-            <a:endParaRPr lang="en-US"/>
-          </a:p>
-        </p:txBody>
-      </p:sp>
       <p:sp>
         <p:nvSpPr>
           <p:cNvPr id="2" name="Title 1">
@@ -36460,54 +36338,6 @@
           </a:p>
         </p:txBody>
       </p:sp>
-      <p:cxnSp>
-        <p:nvCxnSpPr>
-          <p:cNvPr id="20" name="Straight Connector 16">
-            <a:extLst>
-              <a:ext uri="{FF2B5EF4-FFF2-40B4-BE49-F238E27FC236}">
-                <a16:creationId xmlns:a16="http://schemas.microsoft.com/office/drawing/2014/main" id="{30EFD79F-7790-479B-B7DB-BD0D8C101DDD}"/>
-              </a:ext>
-              <a:ext uri="{C183D7F6-B498-43B3-948B-1728B52AA6E4}">
-                <adec:decorative xmlns:adec="http://schemas.microsoft.com/office/drawing/2017/decorative" val="1"/>
-              </a:ext>
-            </a:extLst>
-          </p:cNvPr>
-          <p:cNvCxnSpPr>
-            <a:cxnSpLocks noGrp="1" noRot="1" noChangeAspect="1" noMove="1" noResize="1" noEditPoints="1" noAdjustHandles="1" noChangeArrowheads="1" noChangeShapeType="1"/>
-          </p:cNvCxnSpPr>
-          <p:nvPr>
-            <p:extLst>
-              <p:ext uri="{386F3935-93C4-4BCD-93E2-E3B085C9AB24}">
-                <p16:designElem xmlns:p16="http://schemas.microsoft.com/office/powerpoint/2015/main" val="1"/>
-              </p:ext>
-            </p:extLst>
-          </p:nvPr>
-        </p:nvCxnSpPr>
-        <p:spPr>
-          <a:xfrm>
-            <a:off x="4666923" y="1668780"/>
-            <a:ext cx="0" cy="3520440"/>
-          </a:xfrm>
-          <a:prstGeom prst="line">
-            <a:avLst/>
-          </a:prstGeom>
-          <a:ln w="19050"/>
-        </p:spPr>
-        <p:style>
-          <a:lnRef idx="1">
-            <a:schemeClr val="accent1"/>
-          </a:lnRef>
-          <a:fillRef idx="0">
-            <a:schemeClr val="accent1"/>
-          </a:fillRef>
-          <a:effectRef idx="0">
-            <a:schemeClr val="accent1"/>
-          </a:effectRef>
-          <a:fontRef idx="minor">
-            <a:schemeClr val="tx1"/>
-          </a:fontRef>
-        </p:style>
-      </p:cxnSp>
       <p:sp>
         <p:nvSpPr>
           <p:cNvPr id="3" name="Content Placeholder 2">
@@ -36537,87 +36367,80 @@
           <a:lstStyle/>
           <a:p>
             <a:r>
-              <a:rPr lang="en-GB" dirty="0"/>
+              <a:rPr lang="en-GB"/>
               <a:t>Computer Vision Approaches in Augmented Reality</a:t>
             </a:r>
           </a:p>
           <a:p>
             <a:pPr lvl="1"/>
             <a:r>
-              <a:rPr lang="en-GB" dirty="0"/>
+              <a:rPr lang="en-GB"/>
               <a:t>Deep Neural Networks ensure High Accuracy</a:t>
             </a:r>
           </a:p>
           <a:p>
             <a:pPr lvl="1"/>
             <a:r>
-              <a:rPr lang="en-GB" dirty="0"/>
+              <a:rPr lang="en-GB"/>
               <a:t>Marker-based main driving force to apply AR</a:t>
             </a:r>
           </a:p>
           <a:p>
             <a:pPr lvl="1"/>
             <a:r>
-              <a:rPr lang="en-GB" dirty="0"/>
+              <a:rPr lang="en-GB"/>
               <a:t>Occlusion is problematic to Marker-Based AR</a:t>
             </a:r>
           </a:p>
           <a:p>
             <a:pPr lvl="1"/>
             <a:r>
-              <a:rPr lang="en-GB" dirty="0"/>
+              <a:rPr lang="en-GB"/>
               <a:t>Several Approaches in solving the problem:</a:t>
             </a:r>
           </a:p>
           <a:p>
             <a:pPr lvl="2"/>
             <a:r>
-              <a:rPr lang="en-GB" dirty="0"/>
+              <a:rPr lang="en-GB"/>
               <a:t>Tracking-By Detection</a:t>
             </a:r>
           </a:p>
           <a:p>
             <a:pPr lvl="3"/>
             <a:r>
-              <a:rPr lang="en-GB" dirty="0"/>
+              <a:rPr lang="en-GB"/>
               <a:t>Tracking frame features during runtime and compare and match with a database</a:t>
             </a:r>
           </a:p>
           <a:p>
             <a:pPr lvl="2"/>
             <a:r>
-              <a:rPr lang="en-GB" dirty="0"/>
+              <a:rPr lang="en-GB"/>
               <a:t>S-G Hybrid</a:t>
             </a:r>
           </a:p>
           <a:p>
             <a:pPr lvl="3"/>
             <a:r>
-              <a:rPr lang="en-GB" dirty="0"/>
+              <a:rPr lang="en-GB"/>
               <a:t>SURF and GOLAY Error code detection</a:t>
             </a:r>
           </a:p>
           <a:p>
             <a:pPr lvl="2"/>
             <a:r>
-              <a:rPr lang="en-GB" dirty="0"/>
+              <a:rPr lang="en-GB"/>
               <a:t>6-DOF tracking method</a:t>
             </a:r>
           </a:p>
           <a:p>
             <a:pPr lvl="3"/>
             <a:r>
-              <a:rPr lang="en-GB" dirty="0"/>
-              <a:t>Solves angle, rotation distance, </a:t>
+              <a:rPr lang="en-GB"/>
+              <a:t>Solves angle, rotation distance, color and occlusion variance problems</a:t>
             </a:r>
-            <a:r>
-              <a:rPr lang="en-GB" dirty="0" err="1"/>
-              <a:t>color</a:t>
-            </a:r>
-            <a:r>
-              <a:rPr lang="en-GB" dirty="0"/>
-              <a:t> and occlusion variance problems</a:t>
-            </a:r>
+            <a:endParaRPr lang="en-GB" dirty="0"/>
           </a:p>
         </p:txBody>
       </p:sp>
@@ -36642,9 +36465,9 @@
           <a:bodyPr/>
           <a:lstStyle/>
           <a:p>
-            <a:fld id="{67017A70-88D6-4CDB-8667-0EF0D6EEA040}" type="datetime1">
+            <a:fld id="{06D3CD5B-D80E-4F1A-8EB6-1D74AF216BD7}" type="datetime1">
               <a:rPr lang="en-US" smtClean="0"/>
-              <a:t>6/17/2020</a:t>
+              <a:t>6/21/2020</a:t>
             </a:fld>
             <a:endParaRPr lang="en-US" dirty="0"/>
           </a:p>
@@ -36672,8 +36495,8 @@
           <a:lstStyle/>
           <a:p>
             <a:r>
-              <a:rPr lang="en-GB"/>
-              <a:t>Workplace Assistant Augmented Reality By Gabriel Camilleri</a:t>
+              <a:rPr lang="en-US"/>
+              <a:t>University of Malta, ICT Faculty, Department of A.I. </a:t>
             </a:r>
             <a:endParaRPr lang="en-US" dirty="0"/>
           </a:p>
@@ -36724,14 +36547,6 @@
 <file path=ppt/slides/slide7.xml><?xml version="1.0" encoding="utf-8"?>
 <p:sld xmlns:a="http://schemas.openxmlformats.org/drawingml/2006/main" xmlns:r="http://schemas.openxmlformats.org/officeDocument/2006/relationships" xmlns:p="http://schemas.openxmlformats.org/presentationml/2006/main">
   <p:cSld>
-    <p:bg>
-      <p:bgPr>
-        <a:solidFill>
-          <a:schemeClr val="bg1"/>
-        </a:solidFill>
-        <a:effectLst/>
-      </p:bgPr>
-    </p:bg>
     <p:spTree>
       <p:nvGrpSpPr>
         <p:cNvPr id="1" name=""/>
@@ -36746,171 +36561,6 @@
           <a:chExt cx="0" cy="0"/>
         </a:xfrm>
       </p:grpSpPr>
-      <p:sp>
-        <p:nvSpPr>
-          <p:cNvPr id="70" name="Rectangle 69">
-            <a:extLst>
-              <a:ext uri="{FF2B5EF4-FFF2-40B4-BE49-F238E27FC236}">
-                <a16:creationId xmlns:a16="http://schemas.microsoft.com/office/drawing/2014/main" id="{4117F0C1-BCBB-40C7-99D6-F703E7A4B5F3}"/>
-              </a:ext>
-              <a:ext uri="{C183D7F6-B498-43B3-948B-1728B52AA6E4}">
-                <adec:decorative xmlns:adec="http://schemas.microsoft.com/office/drawing/2017/decorative" val="1"/>
-              </a:ext>
-            </a:extLst>
-          </p:cNvPr>
-          <p:cNvSpPr>
-            <a:spLocks noGrp="1" noRot="1" noChangeAspect="1" noMove="1" noResize="1" noEditPoints="1" noAdjustHandles="1" noChangeArrowheads="1" noChangeShapeType="1" noTextEdit="1"/>
-          </p:cNvSpPr>
-          <p:nvPr>
-            <p:extLst>
-              <p:ext uri="{386F3935-93C4-4BCD-93E2-E3B085C9AB24}">
-                <p16:designElem xmlns:p16="http://schemas.microsoft.com/office/powerpoint/2015/main" val="1"/>
-              </p:ext>
-            </p:extLst>
-          </p:nvPr>
-        </p:nvSpPr>
-        <p:spPr>
-          <a:xfrm>
-            <a:off x="0" y="0"/>
-            <a:ext cx="12192000" cy="6858000"/>
-          </a:xfrm>
-          <a:prstGeom prst="rect">
-            <a:avLst/>
-          </a:prstGeom>
-          <a:ln>
-            <a:noFill/>
-          </a:ln>
-        </p:spPr>
-        <p:style>
-          <a:lnRef idx="2">
-            <a:schemeClr val="accent1">
-              <a:shade val="50000"/>
-            </a:schemeClr>
-          </a:lnRef>
-          <a:fillRef idx="1003">
-            <a:schemeClr val="lt2"/>
-          </a:fillRef>
-          <a:effectRef idx="0">
-            <a:schemeClr val="accent1"/>
-          </a:effectRef>
-          <a:fontRef idx="minor">
-            <a:schemeClr val="lt1"/>
-          </a:fontRef>
-        </p:style>
-        <p:txBody>
-          <a:bodyPr rtlCol="0" anchor="ctr"/>
-          <a:lstStyle/>
-          <a:p>
-            <a:pPr algn="ctr"/>
-            <a:endParaRPr lang="en-US"/>
-          </a:p>
-        </p:txBody>
-      </p:sp>
-      <p:sp>
-        <p:nvSpPr>
-          <p:cNvPr id="72" name="Rectangle 71">
-            <a:extLst>
-              <a:ext uri="{FF2B5EF4-FFF2-40B4-BE49-F238E27FC236}">
-                <a16:creationId xmlns:a16="http://schemas.microsoft.com/office/drawing/2014/main" id="{D1A5D8BC-B41A-4E96-91C4-D60F5162257E}"/>
-              </a:ext>
-              <a:ext uri="{C183D7F6-B498-43B3-948B-1728B52AA6E4}">
-                <adec:decorative xmlns:adec="http://schemas.microsoft.com/office/drawing/2017/decorative" val="1"/>
-              </a:ext>
-            </a:extLst>
-          </p:cNvPr>
-          <p:cNvSpPr>
-            <a:spLocks noGrp="1" noRot="1" noChangeAspect="1" noMove="1" noResize="1" noEditPoints="1" noAdjustHandles="1" noChangeArrowheads="1" noChangeShapeType="1" noTextEdit="1"/>
-          </p:cNvSpPr>
-          <p:nvPr>
-            <p:extLst>
-              <p:ext uri="{386F3935-93C4-4BCD-93E2-E3B085C9AB24}">
-                <p16:designElem xmlns:p16="http://schemas.microsoft.com/office/powerpoint/2015/main" val="1"/>
-              </p:ext>
-            </p:extLst>
-          </p:nvPr>
-        </p:nvSpPr>
-        <p:spPr>
-          <a:xfrm>
-            <a:off x="0" y="0"/>
-            <a:ext cx="12192000" cy="6858000"/>
-          </a:xfrm>
-          <a:prstGeom prst="rect">
-            <a:avLst/>
-          </a:prstGeom>
-          <a:ln>
-            <a:noFill/>
-          </a:ln>
-        </p:spPr>
-        <p:style>
-          <a:lnRef idx="2">
-            <a:schemeClr val="accent1">
-              <a:shade val="50000"/>
-            </a:schemeClr>
-          </a:lnRef>
-          <a:fillRef idx="1003">
-            <a:schemeClr val="dk2"/>
-          </a:fillRef>
-          <a:effectRef idx="0">
-            <a:schemeClr val="accent1"/>
-          </a:effectRef>
-          <a:fontRef idx="minor">
-            <a:schemeClr val="lt1"/>
-          </a:fontRef>
-        </p:style>
-        <p:txBody>
-          <a:bodyPr rtlCol="0" anchor="ctr"/>
-          <a:lstStyle/>
-          <a:p>
-            <a:pPr algn="ctr"/>
-            <a:endParaRPr lang="en-US"/>
-          </a:p>
-        </p:txBody>
-      </p:sp>
-      <p:pic>
-        <p:nvPicPr>
-          <p:cNvPr id="74" name="Picture 73">
-            <a:extLst>
-              <a:ext uri="{FF2B5EF4-FFF2-40B4-BE49-F238E27FC236}">
-                <a16:creationId xmlns:a16="http://schemas.microsoft.com/office/drawing/2014/main" id="{0D321D5F-FA18-4271-9EAA-0BEA14116BB5}"/>
-              </a:ext>
-              <a:ext uri="{C183D7F6-B498-43B3-948B-1728B52AA6E4}">
-                <adec:decorative xmlns:adec="http://schemas.microsoft.com/office/drawing/2017/decorative" val="1"/>
-              </a:ext>
-            </a:extLst>
-          </p:cNvPr>
-          <p:cNvPicPr>
-            <a:picLocks noGrp="1" noRot="1" noChangeAspect="1" noMove="1" noResize="1" noEditPoints="1" noAdjustHandles="1" noChangeArrowheads="1" noChangeShapeType="1" noCrop="1"/>
-          </p:cNvPicPr>
-          <p:nvPr>
-            <p:extLst>
-              <p:ext uri="{386F3935-93C4-4BCD-93E2-E3B085C9AB24}">
-                <p16:designElem xmlns:p16="http://schemas.microsoft.com/office/powerpoint/2015/main" val="1"/>
-              </p:ext>
-            </p:extLst>
-          </p:nvPr>
-        </p:nvPicPr>
-        <p:blipFill>
-          <a:blip r:embed="rId3">
-            <a:extLst>
-              <a:ext uri="{28A0092B-C50C-407E-A947-70E740481C1C}">
-                <a14:useLocalDpi xmlns:a14="http://schemas.microsoft.com/office/drawing/2010/main" val="0"/>
-              </a:ext>
-            </a:extLst>
-          </a:blip>
-          <a:stretch>
-            <a:fillRect/>
-          </a:stretch>
-        </p:blipFill>
-        <p:spPr>
-          <a:xfrm>
-            <a:off x="0" y="0"/>
-            <a:ext cx="12188825" cy="6856214"/>
-          </a:xfrm>
-          <a:prstGeom prst="rect">
-            <a:avLst/>
-          </a:prstGeom>
-        </p:spPr>
-      </p:pic>
       <p:sp>
         <p:nvSpPr>
           <p:cNvPr id="2" name="Title 1">
@@ -36970,165 +36620,6 @@
           </a:p>
         </p:txBody>
       </p:sp>
-      <p:sp useBgFill="1">
-        <p:nvSpPr>
-          <p:cNvPr id="76" name="Freeform: Shape 75">
-            <a:extLst>
-              <a:ext uri="{FF2B5EF4-FFF2-40B4-BE49-F238E27FC236}">
-                <a16:creationId xmlns:a16="http://schemas.microsoft.com/office/drawing/2014/main" id="{51287385-D3EA-47A8-A127-6061791ADBB6}"/>
-              </a:ext>
-              <a:ext uri="{C183D7F6-B498-43B3-948B-1728B52AA6E4}">
-                <adec:decorative xmlns:adec="http://schemas.microsoft.com/office/drawing/2017/decorative" val="1"/>
-              </a:ext>
-            </a:extLst>
-          </p:cNvPr>
-          <p:cNvSpPr>
-            <a:spLocks noGrp="1" noRot="1" noChangeAspect="1" noMove="1" noResize="1" noEditPoints="1" noAdjustHandles="1" noChangeArrowheads="1" noChangeShapeType="1" noTextEdit="1"/>
-          </p:cNvSpPr>
-          <p:nvPr>
-            <p:extLst>
-              <p:ext uri="{386F3935-93C4-4BCD-93E2-E3B085C9AB24}">
-                <p16:designElem xmlns:p16="http://schemas.microsoft.com/office/powerpoint/2015/main" val="1"/>
-              </p:ext>
-            </p:extLst>
-          </p:nvPr>
-        </p:nvSpPr>
-        <p:spPr bwMode="grayWhite">
-          <a:xfrm>
-            <a:off x="4422108" y="0"/>
-            <a:ext cx="7769892" cy="6858000"/>
-          </a:xfrm>
-          <a:custGeom>
-            <a:avLst/>
-            <a:gdLst>
-              <a:gd name="connsiteX0" fmla="*/ 1779516 w 7769892"/>
-              <a:gd name="connsiteY0" fmla="*/ 0 h 6837536"/>
-              <a:gd name="connsiteX1" fmla="*/ 6454848 w 7769892"/>
-              <a:gd name="connsiteY1" fmla="*/ 0 h 6837536"/>
-              <a:gd name="connsiteX2" fmla="*/ 6511730 w 7769892"/>
-              <a:gd name="connsiteY2" fmla="*/ 37905 h 6837536"/>
-              <a:gd name="connsiteX3" fmla="*/ 7769892 w 7769892"/>
-              <a:gd name="connsiteY3" fmla="*/ 1486041 h 6837536"/>
-              <a:gd name="connsiteX4" fmla="*/ 7769892 w 7769892"/>
-              <a:gd name="connsiteY4" fmla="*/ 5281056 h 6837536"/>
-              <a:gd name="connsiteX5" fmla="*/ 6353475 w 7769892"/>
-              <a:gd name="connsiteY5" fmla="*/ 6837536 h 6837536"/>
-              <a:gd name="connsiteX6" fmla="*/ 1882727 w 7769892"/>
-              <a:gd name="connsiteY6" fmla="*/ 6837536 h 6837536"/>
-              <a:gd name="connsiteX7" fmla="*/ 0 w 7769892"/>
-              <a:gd name="connsiteY7" fmla="*/ 3386463 h 6837536"/>
-              <a:gd name="connsiteX8" fmla="*/ 1655292 w 7769892"/>
-              <a:gd name="connsiteY8" fmla="*/ 88307 h 6837536"/>
-            </a:gdLst>
-            <a:ahLst/>
-            <a:cxnLst>
-              <a:cxn ang="0">
-                <a:pos x="connsiteX0" y="connsiteY0"/>
-              </a:cxn>
-              <a:cxn ang="0">
-                <a:pos x="connsiteX1" y="connsiteY1"/>
-              </a:cxn>
-              <a:cxn ang="0">
-                <a:pos x="connsiteX2" y="connsiteY2"/>
-              </a:cxn>
-              <a:cxn ang="0">
-                <a:pos x="connsiteX3" y="connsiteY3"/>
-              </a:cxn>
-              <a:cxn ang="0">
-                <a:pos x="connsiteX4" y="connsiteY4"/>
-              </a:cxn>
-              <a:cxn ang="0">
-                <a:pos x="connsiteX5" y="connsiteY5"/>
-              </a:cxn>
-              <a:cxn ang="0">
-                <a:pos x="connsiteX6" y="connsiteY6"/>
-              </a:cxn>
-              <a:cxn ang="0">
-                <a:pos x="connsiteX7" y="connsiteY7"/>
-              </a:cxn>
-              <a:cxn ang="0">
-                <a:pos x="connsiteX8" y="connsiteY8"/>
-              </a:cxn>
-            </a:cxnLst>
-            <a:rect l="l" t="t" r="r" b="b"/>
-            <a:pathLst>
-              <a:path w="7769892" h="6837536">
-                <a:moveTo>
-                  <a:pt x="1779516" y="0"/>
-                </a:moveTo>
-                <a:lnTo>
-                  <a:pt x="6454848" y="0"/>
-                </a:lnTo>
-                <a:lnTo>
-                  <a:pt x="6511730" y="37905"/>
-                </a:lnTo>
-                <a:cubicBezTo>
-                  <a:pt x="7036410" y="413592"/>
-                  <a:pt x="7468976" y="909648"/>
-                  <a:pt x="7769892" y="1486041"/>
-                </a:cubicBezTo>
-                <a:cubicBezTo>
-                  <a:pt x="7769892" y="1486041"/>
-                  <a:pt x="7769892" y="1486041"/>
-                  <a:pt x="7769892" y="5281056"/>
-                </a:cubicBezTo>
-                <a:cubicBezTo>
-                  <a:pt x="7437646" y="5916473"/>
-                  <a:pt x="6953850" y="6452788"/>
-                  <a:pt x="6353475" y="6837536"/>
-                </a:cubicBezTo>
-                <a:cubicBezTo>
-                  <a:pt x="6353475" y="6837536"/>
-                  <a:pt x="6353475" y="6837536"/>
-                  <a:pt x="1882727" y="6837536"/>
-                </a:cubicBezTo>
-                <a:cubicBezTo>
-                  <a:pt x="751925" y="6103017"/>
-                  <a:pt x="0" y="4832183"/>
-                  <a:pt x="0" y="3386463"/>
-                </a:cubicBezTo>
-                <a:cubicBezTo>
-                  <a:pt x="0" y="2036566"/>
-                  <a:pt x="651406" y="838748"/>
-                  <a:pt x="1655292" y="88307"/>
-                </a:cubicBezTo>
-                <a:close/>
-              </a:path>
-            </a:pathLst>
-          </a:custGeom>
-          <a:ln w="50800" cap="sq" cmpd="dbl">
-            <a:noFill/>
-            <a:miter lim="800000"/>
-          </a:ln>
-          <a:effectLst>
-            <a:outerShdw blurRad="254000" algn="tl" rotWithShape="0">
-              <a:srgbClr val="000000">
-                <a:alpha val="43000"/>
-              </a:srgbClr>
-            </a:outerShdw>
-          </a:effectLst>
-        </p:spPr>
-        <p:txBody>
-          <a:bodyPr vert="horz" wrap="square" lIns="91440" tIns="45720" rIns="91440" bIns="45720" rtlCol="0" anchor="t">
-            <a:noAutofit/>
-          </a:bodyPr>
-          <a:lstStyle/>
-          <a:p>
-            <a:pPr algn="ctr">
-              <a:spcAft>
-                <a:spcPts val="1000"/>
-              </a:spcAft>
-              <a:buClr>
-                <a:schemeClr val="tx1"/>
-              </a:buClr>
-              <a:buSzPct val="100000"/>
-              <a:buFont typeface="Arial"/>
-              <a:buNone/>
-            </a:pPr>
-            <a:endParaRPr lang="en-US" sz="1600" cap="all"/>
-          </a:p>
-        </p:txBody>
-      </p:sp>
       <p:graphicFrame>
         <p:nvGraphicFramePr>
           <p:cNvPr id="5" name="Content Placeholder 4" descr="SmartArt graphic">
@@ -37156,7 +36647,7 @@
         </p:xfrm>
         <a:graphic>
           <a:graphicData uri="http://schemas.openxmlformats.org/drawingml/2006/diagram">
-            <dgm:relIds xmlns:dgm="http://schemas.openxmlformats.org/drawingml/2006/diagram" xmlns:r="http://schemas.openxmlformats.org/officeDocument/2006/relationships" r:dm="rId4" r:lo="rId5" r:qs="rId6" r:cs="rId7"/>
+            <dgm:relIds xmlns:dgm="http://schemas.openxmlformats.org/drawingml/2006/diagram" xmlns:r="http://schemas.openxmlformats.org/officeDocument/2006/relationships" r:dm="rId3" r:lo="rId4" r:qs="rId5" r:cs="rId6"/>
           </a:graphicData>
         </a:graphic>
       </p:graphicFrame>
@@ -37181,9 +36672,9 @@
           <a:bodyPr/>
           <a:lstStyle/>
           <a:p>
-            <a:fld id="{AB116521-597D-4418-A591-BC574CA1B23C}" type="datetime1">
+            <a:fld id="{9CDFCEF7-1B09-4475-9CC7-9470212E3867}" type="datetime1">
               <a:rPr lang="en-US" smtClean="0"/>
-              <a:t>6/17/2020</a:t>
+              <a:t>6/21/2020</a:t>
             </a:fld>
             <a:endParaRPr lang="en-US" dirty="0"/>
           </a:p>
@@ -37211,10 +36702,9 @@
           <a:lstStyle/>
           <a:p>
             <a:r>
-              <a:rPr lang="en-GB"/>
-              <a:t>Workplace Assistant Augmented Reality By Gabriel Camilleri</a:t>
+              <a:rPr lang="en-US" dirty="0"/>
+              <a:t>University of Malta, ICT Faculty, Department of A.I. </a:t>
             </a:r>
-            <a:endParaRPr lang="en-US" dirty="0"/>
           </a:p>
         </p:txBody>
       </p:sp>
@@ -37255,7 +36745,7 @@
     </p:extLst>
   </p:cSld>
   <p:clrMapOvr>
-    <a:overrideClrMapping bg1="lt1" tx1="dk1" bg2="lt2" tx2="dk2" accent1="accent1" accent2="accent2" accent3="accent3" accent4="accent4" accent5="accent5" accent6="accent6" hlink="hlink" folHlink="folHlink"/>
+    <a:masterClrMapping/>
   </p:clrMapOvr>
 </p:sld>
 </file>
@@ -37263,15 +36753,6 @@
 <file path=ppt/slides/slide8.xml><?xml version="1.0" encoding="utf-8"?>
 <p:sld xmlns:a="http://schemas.openxmlformats.org/drawingml/2006/main" xmlns:r="http://schemas.openxmlformats.org/officeDocument/2006/relationships" xmlns:p="http://schemas.openxmlformats.org/presentationml/2006/main">
   <p:cSld>
-    <p:bg>
-      <p:bgPr>
-        <a:blipFill>
-          <a:blip r:embed="rId2"/>
-          <a:stretch/>
-        </a:blipFill>
-        <a:effectLst/>
-      </p:bgPr>
-    </p:bg>
     <p:spTree>
       <p:nvGrpSpPr>
         <p:cNvPr id="1" name=""/>
@@ -37368,9 +36849,9 @@
           <a:bodyPr/>
           <a:lstStyle/>
           <a:p>
-            <a:fld id="{866088FB-BD44-422D-89B8-987C0043914F}" type="datetime1">
+            <a:fld id="{58B84B3A-B504-40F5-B952-AAB0DDE0C66A}" type="datetime1">
               <a:rPr lang="en-US" smtClean="0"/>
-              <a:t>6/17/2020</a:t>
+              <a:t>6/21/2020</a:t>
             </a:fld>
             <a:endParaRPr lang="en-US" dirty="0"/>
           </a:p>
@@ -37398,10 +36879,9 @@
           <a:lstStyle/>
           <a:p>
             <a:r>
-              <a:rPr lang="en-GB"/>
-              <a:t>Workplace Assistant Augmented Reality By Gabriel Camilleri</a:t>
+              <a:rPr lang="en-US" dirty="0"/>
+              <a:t>University of Malta, ICT Faculty, Department of A.I. </a:t>
             </a:r>
-            <a:endParaRPr lang="en-US" dirty="0"/>
           </a:p>
         </p:txBody>
       </p:sp>
@@ -37450,15 +36930,6 @@
 <file path=ppt/slides/slide9.xml><?xml version="1.0" encoding="utf-8"?>
 <p:sld xmlns:a="http://schemas.openxmlformats.org/drawingml/2006/main" xmlns:r="http://schemas.openxmlformats.org/officeDocument/2006/relationships" xmlns:p="http://schemas.openxmlformats.org/presentationml/2006/main">
   <p:cSld>
-    <p:bg>
-      <p:bgPr>
-        <a:blipFill>
-          <a:blip r:embed="rId2"/>
-          <a:stretch/>
-        </a:blipFill>
-        <a:effectLst/>
-      </p:bgPr>
-    </p:bg>
     <p:spTree>
       <p:nvGrpSpPr>
         <p:cNvPr id="1" name=""/>
@@ -37556,9 +37027,9 @@
           <a:bodyPr/>
           <a:lstStyle/>
           <a:p>
-            <a:fld id="{DB35F3FD-681C-4B3B-A360-336CD2F309BC}" type="datetime1">
+            <a:fld id="{0610EF33-E20B-472D-8350-CAAE8A47E47A}" type="datetime1">
               <a:rPr lang="en-US" smtClean="0"/>
-              <a:t>6/17/2020</a:t>
+              <a:t>6/21/2020</a:t>
             </a:fld>
             <a:endParaRPr lang="en-US" dirty="0"/>
           </a:p>
@@ -37586,10 +37057,9 @@
           <a:lstStyle/>
           <a:p>
             <a:r>
-              <a:rPr lang="en-GB"/>
-              <a:t>Workplace Assistant Augmented Reality By Gabriel Camilleri</a:t>
+              <a:rPr lang="en-US" dirty="0"/>
+              <a:t>University of Malta, ICT Faculty, Department of A.I. </a:t>
             </a:r>
-            <a:endParaRPr lang="en-US" dirty="0"/>
           </a:p>
         </p:txBody>
       </p:sp>
@@ -37646,34 +37116,34 @@
         <a:sysClr val="window" lastClr="FFFFFF"/>
       </a:lt1>
       <a:dk2>
-        <a:srgbClr val="3F296A"/>
+        <a:srgbClr val="16476F"/>
       </a:dk2>
       <a:lt2>
         <a:srgbClr val="EBEBEB"/>
       </a:lt2>
       <a:accent1>
-        <a:srgbClr val="E84574"/>
+        <a:srgbClr val="E5B458"/>
       </a:accent1>
       <a:accent2>
-        <a:srgbClr val="798FF2"/>
+        <a:srgbClr val="F77754"/>
       </a:accent2>
       <a:accent3>
-        <a:srgbClr val="95C369"/>
+        <a:srgbClr val="D8507E"/>
       </a:accent3>
       <a:accent4>
-        <a:srgbClr val="EE875A"/>
+        <a:srgbClr val="BC70EE"/>
       </a:accent4>
       <a:accent5>
-        <a:srgbClr val="C363E8"/>
+        <a:srgbClr val="3CA2E2"/>
       </a:accent5>
       <a:accent6>
-        <a:srgbClr val="6AADC8"/>
+        <a:srgbClr val="91BF77"/>
       </a:accent6>
       <a:hlink>
-        <a:srgbClr val="FE80C7"/>
+        <a:srgbClr val="71DDAB"/>
       </a:hlink>
       <a:folHlink>
-        <a:srgbClr val="FBA3EC"/>
+        <a:srgbClr val="A6E4C7"/>
       </a:folHlink>
     </a:clrScheme>
     <a:fontScheme name="Celestial">
@@ -37878,7 +37348,7 @@
   <a:extraClrSchemeLst/>
   <a:extLst>
     <a:ext uri="{05A4C25C-085E-4340-85A3-A5531E510DB2}">
-      <thm15:themeFamily xmlns:thm15="http://schemas.microsoft.com/office/thememl/2012/main" name="Celestial" id="{C4BB2A3D-0E93-4C5F-B0D2-9D3FCE089CC5}" vid="{42E5908D-19A2-46FD-89FA-638B126129EF}"/>
+      <thm15:themeFamily xmlns:thm15="http://schemas.microsoft.com/office/thememl/2012/main" name="Celestial" id="{C4BB2A3D-0E93-4C5F-B0D2-9D3FCE089CC5}" vid="{B36E0D05-787B-4C61-8268-2D6C1FBEDA32}"/>
     </a:ext>
   </a:extLst>
 </a:theme>
